--- a/extra_credit.pptx
+++ b/extra_credit.pptx
@@ -5617,8 +5617,8 @@
         </p:nvSpPr>
         <p:spPr>
           <a:xfrm>
-            <a:off x="32529011" y="7591462"/>
-            <a:ext cx="11180120" cy="2308324"/>
+            <a:off x="32650489" y="7479488"/>
+            <a:ext cx="11180120" cy="2677656"/>
           </a:xfrm>
           <a:prstGeom prst="rect">
             <a:avLst/>
@@ -5657,15 +5657,27 @@
             </a:r>
             <a:r>
               <a:rPr lang="en-US" sz="2400" dirty="0"/>
-              <a:t>, and </a:t>
+              <a:t>, and interaction between </a:t>
             </a:r>
             <a:r>
               <a:rPr lang="en-US" sz="2400" dirty="0" err="1"/>
-              <a:t>free.sulfur.dioxideCent</a:t>
+              <a:t>logsulphates</a:t>
             </a:r>
             <a:r>
               <a:rPr lang="en-US" sz="2400" dirty="0"/>
-              <a:t> are most influential predictors</a:t>
+              <a:t> and </a:t>
+            </a:r>
+            <a:r>
+              <a:rPr lang="en-US" sz="2400" dirty="0" err="1"/>
+              <a:t>phCent</a:t>
+            </a:r>
+            <a:r>
+              <a:rPr lang="en-US" sz="2400" dirty="0"/>
+              <a:t> are most influential predictors.</a:t>
+            </a:r>
+            <a:r>
+              <a:rPr lang="en-US" altLang="zh-CN" sz="2400" dirty="0"/>
+              <a:t> </a:t>
             </a:r>
           </a:p>
           <a:p>
@@ -5679,7 +5691,15 @@
             </a:r>
             <a:r>
               <a:rPr lang="en-US" sz="2400" dirty="0"/>
-              <a:t> p-value is bigger than the 0.05 threshold, so the validity of its influence is doubtful</a:t>
+              <a:t> and </a:t>
+            </a:r>
+            <a:r>
+              <a:rPr lang="en-US" sz="2400" dirty="0" err="1"/>
+              <a:t>chloridesCent</a:t>
+            </a:r>
+            <a:r>
+              <a:rPr lang="en-US" sz="2400" dirty="0"/>
+              <a:t> have p-values exceeding the 0.05 threshold, so the extent of their impact is not significant.</a:t>
             </a:r>
           </a:p>
           <a:p>
@@ -5688,8 +5708,18 @@
               <a:buChar char="•"/>
             </a:pPr>
             <a:r>
+              <a:rPr lang="en-US" altLang="zh-CN" sz="2400" dirty="0"/>
+              <a:t>The remaining variables are very strong predictors with p-value = 0, but the magnitude of impact is not that large as their coefficients are relatively small.</a:t>
+            </a:r>
+          </a:p>
+          <a:p>
+            <a:pPr marL="342900" indent="-342900">
+              <a:buFont typeface="Arial" panose="020B0604020202020204" pitchFamily="34" charset="0"/>
+              <a:buChar char="•"/>
+            </a:pPr>
+            <a:r>
               <a:rPr lang="en-US" sz="2400" dirty="0"/>
-              <a:t>All other predictors are very significant with p-value = 0, even their effect on the wine quality might be small and trivial</a:t>
+              <a:t>We believe that acidity </a:t>
             </a:r>
           </a:p>
         </p:txBody>
@@ -6707,10 +6737,10 @@
         </p:nvGrpSpPr>
         <p:grpSpPr>
           <a:xfrm>
-            <a:off x="13426738" y="9719340"/>
-            <a:ext cx="17037725" cy="3912912"/>
-            <a:chOff x="13426738" y="9719340"/>
-            <a:chExt cx="17037725" cy="3912912"/>
+            <a:off x="13426738" y="9409054"/>
+            <a:ext cx="17037725" cy="4223198"/>
+            <a:chOff x="13426738" y="9409054"/>
+            <a:chExt cx="17037725" cy="4223198"/>
           </a:xfrm>
         </p:grpSpPr>
         <p:grpSp>
@@ -6829,18 +6859,64 @@
           </p:nvGrpSpPr>
           <p:grpSpPr>
             <a:xfrm>
-              <a:off x="13426738" y="9823765"/>
-              <a:ext cx="17037725" cy="3808487"/>
-              <a:chOff x="13334136" y="9823765"/>
-              <a:chExt cx="17037725" cy="3808487"/>
+              <a:off x="13426738" y="9409054"/>
+              <a:ext cx="17037725" cy="4223198"/>
+              <a:chOff x="13334136" y="9409054"/>
+              <a:chExt cx="17037725" cy="4223198"/>
             </a:xfrm>
           </p:grpSpPr>
+          <p:sp>
+            <p:nvSpPr>
+              <p:cNvPr id="123" name="Rectangle 122">
+                <a:extLst>
+                  <a:ext uri="{FF2B5EF4-FFF2-40B4-BE49-F238E27FC236}">
+                    <a16:creationId xmlns:a16="http://schemas.microsoft.com/office/drawing/2014/main" id="{A908E48A-44C8-496C-B0D5-EE34CE567785}"/>
+                  </a:ext>
+                </a:extLst>
+              </p:cNvPr>
+              <p:cNvSpPr/>
+              <p:nvPr/>
+            </p:nvSpPr>
+            <p:spPr>
+              <a:xfrm>
+                <a:off x="13334136" y="12678145"/>
+                <a:ext cx="5523982" cy="954107"/>
+              </a:xfrm>
+              <a:prstGeom prst="rect">
+                <a:avLst/>
+              </a:prstGeom>
+            </p:spPr>
+            <p:txBody>
+              <a:bodyPr wrap="square">
+                <a:spAutoFit/>
+              </a:bodyPr>
+              <a:lstStyle/>
+              <a:p>
+                <a:pPr algn="ctr"/>
+                <a:r>
+                  <a:rPr lang="en-US" sz="3200" b="1" dirty="0">
+                    <a:solidFill>
+                      <a:srgbClr val="C1CBD1"/>
+                    </a:solidFill>
+                  </a:rPr>
+                  <a:t>Proportional Odds </a:t>
+                </a:r>
+              </a:p>
+              <a:p>
+                <a:pPr algn="ctr"/>
+                <a:r>
+                  <a:rPr lang="en-US" sz="2400" dirty="0"/>
+                  <a:t>for the professionals</a:t>
+                </a:r>
+              </a:p>
+            </p:txBody>
+          </p:sp>
           <p:grpSp>
             <p:nvGrpSpPr>
-              <p:cNvPr id="69" name="Group 68">
+              <p:cNvPr id="70" name="Group 69">
                 <a:extLst>
                   <a:ext uri="{FF2B5EF4-FFF2-40B4-BE49-F238E27FC236}">
-                    <a16:creationId xmlns:a16="http://schemas.microsoft.com/office/drawing/2014/main" id="{89DC7490-54E6-45DE-B767-D87466E1923F}"/>
+                    <a16:creationId xmlns:a16="http://schemas.microsoft.com/office/drawing/2014/main" id="{E230BC0C-0953-46BC-94B8-18F9FA5E1866}"/>
                   </a:ext>
                 </a:extLst>
               </p:cNvPr>
@@ -6849,18 +6925,18 @@
             </p:nvGrpSpPr>
             <p:grpSpPr>
               <a:xfrm>
-                <a:off x="13334136" y="9823765"/>
-                <a:ext cx="5523982" cy="3808487"/>
-                <a:chOff x="12299578" y="9823765"/>
-                <a:chExt cx="5523982" cy="3808487"/>
+                <a:off x="25180496" y="9409054"/>
+                <a:ext cx="5191365" cy="4222338"/>
+                <a:chOff x="25921361" y="9409054"/>
+                <a:chExt cx="5191365" cy="4222338"/>
               </a:xfrm>
             </p:grpSpPr>
             <p:pic>
               <p:nvPicPr>
-                <p:cNvPr id="62" name="Picture 4" descr="âwine pngâçå¾çæç´¢ç»æ">
+                <p:cNvPr id="63" name="Picture 6" descr="âwine pngâçå¾çæç´¢ç»æ">
                   <a:extLst>
                     <a:ext uri="{FF2B5EF4-FFF2-40B4-BE49-F238E27FC236}">
-                      <a16:creationId xmlns:a16="http://schemas.microsoft.com/office/drawing/2014/main" id="{B7B2C791-B3E5-4590-B184-D8261986739D}"/>
+                      <a16:creationId xmlns:a16="http://schemas.microsoft.com/office/drawing/2014/main" id="{112EEC31-A893-4DD1-AE53-A192DFB1398B}"/>
                     </a:ext>
                   </a:extLst>
                 </p:cNvPr>
@@ -6884,122 +6960,8 @@
               </p:blipFill>
               <p:spPr bwMode="auto">
                 <a:xfrm>
-                  <a:off x="13477909" y="9823765"/>
-                  <a:ext cx="3167320" cy="2810516"/>
-                </a:xfrm>
-                <a:prstGeom prst="rect">
-                  <a:avLst/>
-                </a:prstGeom>
-                <a:noFill/>
-                <a:extLst>
-                  <a:ext uri="{909E8E84-426E-40DD-AFC4-6F175D3DCCD1}">
-                    <a14:hiddenFill xmlns:a14="http://schemas.microsoft.com/office/drawing/2010/main">
-                      <a:solidFill>
-                        <a:srgbClr val="FFFFFF"/>
-                      </a:solidFill>
-                    </a14:hiddenFill>
-                  </a:ext>
-                </a:extLst>
-              </p:spPr>
-            </p:pic>
-            <p:sp>
-              <p:nvSpPr>
-                <p:cNvPr id="123" name="Rectangle 122">
-                  <a:extLst>
-                    <a:ext uri="{FF2B5EF4-FFF2-40B4-BE49-F238E27FC236}">
-                      <a16:creationId xmlns:a16="http://schemas.microsoft.com/office/drawing/2014/main" id="{A908E48A-44C8-496C-B0D5-EE34CE567785}"/>
-                    </a:ext>
-                  </a:extLst>
-                </p:cNvPr>
-                <p:cNvSpPr/>
-                <p:nvPr/>
-              </p:nvSpPr>
-              <p:spPr>
-                <a:xfrm>
-                  <a:off x="12299578" y="12678145"/>
-                  <a:ext cx="5523982" cy="954107"/>
-                </a:xfrm>
-                <a:prstGeom prst="rect">
-                  <a:avLst/>
-                </a:prstGeom>
-              </p:spPr>
-              <p:txBody>
-                <a:bodyPr wrap="square">
-                  <a:spAutoFit/>
-                </a:bodyPr>
-                <a:lstStyle/>
-                <a:p>
-                  <a:pPr algn="ctr"/>
-                  <a:r>
-                    <a:rPr lang="en-US" sz="3200" b="1" dirty="0">
-                      <a:solidFill>
-                        <a:srgbClr val="C1CBD1"/>
-                      </a:solidFill>
-                    </a:rPr>
-                    <a:t>Proportional Odds </a:t>
-                  </a:r>
-                </a:p>
-                <a:p>
-                  <a:pPr algn="ctr"/>
-                  <a:r>
-                    <a:rPr lang="en-US" sz="2400" dirty="0"/>
-                    <a:t>for the professionals</a:t>
-                  </a:r>
-                </a:p>
-              </p:txBody>
-            </p:sp>
-          </p:grpSp>
-          <p:grpSp>
-            <p:nvGrpSpPr>
-              <p:cNvPr id="70" name="Group 69">
-                <a:extLst>
-                  <a:ext uri="{FF2B5EF4-FFF2-40B4-BE49-F238E27FC236}">
-                    <a16:creationId xmlns:a16="http://schemas.microsoft.com/office/drawing/2014/main" id="{E230BC0C-0953-46BC-94B8-18F9FA5E1866}"/>
-                  </a:ext>
-                </a:extLst>
-              </p:cNvPr>
-              <p:cNvGrpSpPr/>
-              <p:nvPr/>
-            </p:nvGrpSpPr>
-            <p:grpSpPr>
-              <a:xfrm>
-                <a:off x="25180496" y="9975411"/>
-                <a:ext cx="5191365" cy="3655981"/>
-                <a:chOff x="25921361" y="9975411"/>
-                <a:chExt cx="5191365" cy="3655981"/>
-              </a:xfrm>
-            </p:grpSpPr>
-            <p:pic>
-              <p:nvPicPr>
-                <p:cNvPr id="63" name="Picture 6" descr="âwine pngâçå¾çæç´¢ç»æ">
-                  <a:extLst>
-                    <a:ext uri="{FF2B5EF4-FFF2-40B4-BE49-F238E27FC236}">
-                      <a16:creationId xmlns:a16="http://schemas.microsoft.com/office/drawing/2014/main" id="{112EEC31-A893-4DD1-AE53-A192DFB1398B}"/>
-                    </a:ext>
-                  </a:extLst>
-                </p:cNvPr>
-                <p:cNvPicPr>
-                  <a:picLocks noChangeAspect="1" noChangeArrowheads="1"/>
-                </p:cNvPicPr>
-                <p:nvPr/>
-              </p:nvPicPr>
-              <p:blipFill>
-                <a:blip r:embed="rId8">
-                  <a:extLst>
-                    <a:ext uri="{28A0092B-C50C-407E-A947-70E740481C1C}">
-                      <a14:useLocalDpi xmlns:a14="http://schemas.microsoft.com/office/drawing/2010/main" val="0"/>
-                    </a:ext>
-                  </a:extLst>
-                </a:blip>
-                <a:srcRect/>
-                <a:stretch>
-                  <a:fillRect/>
-                </a:stretch>
-              </p:blipFill>
-              <p:spPr bwMode="auto">
-                <a:xfrm>
-                  <a:off x="27313931" y="9975411"/>
-                  <a:ext cx="2406226" cy="2852068"/>
+                  <a:off x="26927868" y="9409054"/>
+                  <a:ext cx="2786228" cy="3302479"/>
                 </a:xfrm>
                 <a:prstGeom prst="rect">
                   <a:avLst/>
@@ -7080,7 +7042,7 @@
           <p:nvPr/>
         </p:nvPicPr>
         <p:blipFill>
-          <a:blip r:embed="rId9">
+          <a:blip r:embed="rId8">
             <a:extLst>
               <a:ext uri="{28A0092B-C50C-407E-A947-70E740481C1C}">
                 <a14:useLocalDpi xmlns:a14="http://schemas.microsoft.com/office/drawing/2010/main" val="0"/>
@@ -7147,7 +7109,7 @@
             <p:nvPr/>
           </p:nvPicPr>
           <p:blipFill rotWithShape="1">
-            <a:blip r:embed="rId10"/>
+            <a:blip r:embed="rId9"/>
             <a:srcRect r="88303"/>
             <a:stretch/>
           </p:blipFill>
@@ -7176,7 +7138,7 @@
             <p:nvPr/>
           </p:nvPicPr>
           <p:blipFill rotWithShape="1">
-            <a:blip r:embed="rId10"/>
+            <a:blip r:embed="rId9"/>
             <a:srcRect l="37423"/>
             <a:stretch/>
           </p:blipFill>
@@ -7248,7 +7210,7 @@
           <p:nvPr/>
         </p:nvPicPr>
         <p:blipFill>
-          <a:blip r:embed="rId11"/>
+          <a:blip r:embed="rId10"/>
           <a:stretch>
             <a:fillRect/>
           </a:stretch>
@@ -7278,7 +7240,7 @@
           <p:nvPr/>
         </p:nvPicPr>
         <p:blipFill>
-          <a:blip r:embed="rId12"/>
+          <a:blip r:embed="rId11"/>
           <a:stretch>
             <a:fillRect/>
           </a:stretch>
@@ -7293,6 +7255,91 @@
           </a:prstGeom>
         </p:spPr>
       </p:pic>
+      <p:pic>
+        <p:nvPicPr>
+          <p:cNvPr id="2" name="Picture 2" descr="Aveleda Casal Garcia Vinho Verde White N.V.">
+            <a:extLst>
+              <a:ext uri="{FF2B5EF4-FFF2-40B4-BE49-F238E27FC236}">
+                <a16:creationId xmlns:a16="http://schemas.microsoft.com/office/drawing/2014/main" id="{07A24BEC-4C9D-4454-84FC-FDC491D87AEA}"/>
+              </a:ext>
+            </a:extLst>
+          </p:cNvPr>
+          <p:cNvPicPr>
+            <a:picLocks noChangeAspect="1" noChangeArrowheads="1"/>
+          </p:cNvPicPr>
+          <p:nvPr/>
+        </p:nvPicPr>
+        <p:blipFill>
+          <a:blip r:embed="rId12">
+            <a:extLst>
+              <a:ext uri="{28A0092B-C50C-407E-A947-70E740481C1C}">
+                <a14:useLocalDpi xmlns:a14="http://schemas.microsoft.com/office/drawing/2010/main" val="0"/>
+              </a:ext>
+            </a:extLst>
+          </a:blip>
+          <a:srcRect/>
+          <a:stretch>
+            <a:fillRect/>
+          </a:stretch>
+        </p:blipFill>
+        <p:spPr bwMode="auto">
+          <a:xfrm rot="19884449">
+            <a:off x="15758256" y="9568203"/>
+            <a:ext cx="653946" cy="3013576"/>
+          </a:xfrm>
+          <a:prstGeom prst="rect">
+            <a:avLst/>
+          </a:prstGeom>
+          <a:noFill/>
+          <a:extLst>
+            <a:ext uri="{909E8E84-426E-40DD-AFC4-6F175D3DCCD1}">
+              <a14:hiddenFill xmlns:a14="http://schemas.microsoft.com/office/drawing/2010/main">
+                <a:solidFill>
+                  <a:srgbClr val="FFFFFF"/>
+                </a:solidFill>
+              </a14:hiddenFill>
+            </a:ext>
+          </a:extLst>
+        </p:spPr>
+      </p:pic>
+      <p:sp>
+        <p:nvSpPr>
+          <p:cNvPr id="8" name="文本框 7">
+            <a:extLst>
+              <a:ext uri="{FF2B5EF4-FFF2-40B4-BE49-F238E27FC236}">
+                <a16:creationId xmlns:a16="http://schemas.microsoft.com/office/drawing/2014/main" id="{D4F983C4-CD7D-4D8B-A72E-8E7D2755127C}"/>
+              </a:ext>
+            </a:extLst>
+          </p:cNvPr>
+          <p:cNvSpPr txBox="1"/>
+          <p:nvPr/>
+        </p:nvSpPr>
+        <p:spPr>
+          <a:xfrm>
+            <a:off x="315536" y="31020703"/>
+            <a:ext cx="10925175" cy="523220"/>
+          </a:xfrm>
+          <a:prstGeom prst="rect">
+            <a:avLst/>
+          </a:prstGeom>
+          <a:noFill/>
+        </p:spPr>
+        <p:txBody>
+          <a:bodyPr wrap="square" rtlCol="0">
+            <a:spAutoFit/>
+          </a:bodyPr>
+          <a:lstStyle/>
+          <a:p>
+            <a:r>
+              <a:rPr lang="en-US" altLang="zh-CN" dirty="0"/>
+              <a:t>References:</a:t>
+            </a:r>
+          </a:p>
+          <a:p>
+            <a:endParaRPr lang="zh-CN" altLang="en-US" dirty="0"/>
+          </a:p>
+        </p:txBody>
+      </p:sp>
     </p:spTree>
   </p:cSld>
   <p:clrMapOvr>

--- a/extra_credit.pptx
+++ b/extra_credit.pptx
@@ -3202,2229 +3202,6 @@
       </p:sp>
       <p:sp>
         <p:nvSpPr>
-          <p:cNvPr id="32" name="TextBox 31">
-            <a:extLst>
-              <a:ext uri="{FF2B5EF4-FFF2-40B4-BE49-F238E27FC236}">
-                <a16:creationId xmlns:a16="http://schemas.microsoft.com/office/drawing/2014/main" id="{430A33F7-A6AE-4828-9B80-BB59585133F2}"/>
-              </a:ext>
-            </a:extLst>
-          </p:cNvPr>
-          <p:cNvSpPr txBox="1"/>
-          <p:nvPr/>
-        </p:nvSpPr>
-        <p:spPr>
-          <a:xfrm>
-            <a:off x="15342781" y="11234746"/>
-            <a:ext cx="5523982" cy="307777"/>
-          </a:xfrm>
-          <a:prstGeom prst="rect">
-            <a:avLst/>
-          </a:prstGeom>
-          <a:noFill/>
-        </p:spPr>
-        <p:txBody>
-          <a:bodyPr wrap="square" rtlCol="0">
-            <a:spAutoFit/>
-          </a:bodyPr>
-          <a:lstStyle/>
-          <a:p>
-            <a:pPr algn="ctr"/>
-            <a:endParaRPr lang="en-US" b="1" dirty="0"/>
-          </a:p>
-        </p:txBody>
-      </p:sp>
-      <p:grpSp>
-        <p:nvGrpSpPr>
-          <p:cNvPr id="39" name="Group 38"/>
-          <p:cNvGrpSpPr/>
-          <p:nvPr/>
-        </p:nvGrpSpPr>
-        <p:grpSpPr>
-          <a:xfrm>
-            <a:off x="12031980" y="3895925"/>
-            <a:ext cx="20368630" cy="5841183"/>
-            <a:chOff x="12031980" y="3895925"/>
-            <a:chExt cx="20368630" cy="6352954"/>
-          </a:xfrm>
-        </p:grpSpPr>
-        <p:sp>
-          <p:nvSpPr>
-            <p:cNvPr id="17" name="TextBox 16">
-              <a:extLst>
-                <a:ext uri="{FF2B5EF4-FFF2-40B4-BE49-F238E27FC236}">
-                  <a16:creationId xmlns:a16="http://schemas.microsoft.com/office/drawing/2014/main" id="{88140353-D6DF-4463-9A04-34AC99C2E305}"/>
-                </a:ext>
-              </a:extLst>
-            </p:cNvPr>
-            <p:cNvSpPr txBox="1"/>
-            <p:nvPr/>
-          </p:nvSpPr>
-          <p:spPr>
-            <a:xfrm>
-              <a:off x="19123852" y="3895925"/>
-              <a:ext cx="5523982" cy="707886"/>
-            </a:xfrm>
-            <a:prstGeom prst="rect">
-              <a:avLst/>
-            </a:prstGeom>
-            <a:noFill/>
-          </p:spPr>
-          <p:txBody>
-            <a:bodyPr wrap="square" rtlCol="0">
-              <a:spAutoFit/>
-            </a:bodyPr>
-            <a:lstStyle/>
-            <a:p>
-              <a:pPr algn="ctr"/>
-              <a:r>
-                <a:rPr lang="en-US" sz="4000" b="1" dirty="0"/>
-                <a:t>Introduction</a:t>
-              </a:r>
-              <a:endParaRPr lang="en-US" b="1" dirty="0"/>
-            </a:p>
-          </p:txBody>
-        </p:sp>
-        <p:sp>
-          <p:nvSpPr>
-            <p:cNvPr id="52" name="Rectangle 51">
-              <a:extLst>
-                <a:ext uri="{FF2B5EF4-FFF2-40B4-BE49-F238E27FC236}">
-                  <a16:creationId xmlns:a16="http://schemas.microsoft.com/office/drawing/2014/main" id="{F70772E7-6F2C-4516-A49D-D85884AC115E}"/>
-                </a:ext>
-              </a:extLst>
-            </p:cNvPr>
-            <p:cNvSpPr/>
-            <p:nvPr/>
-          </p:nvSpPr>
-          <p:spPr>
-            <a:xfrm>
-              <a:off x="12031980" y="4678123"/>
-              <a:ext cx="20368630" cy="5570756"/>
-            </a:xfrm>
-            <a:prstGeom prst="rect">
-              <a:avLst/>
-            </a:prstGeom>
-          </p:spPr>
-          <p:txBody>
-            <a:bodyPr wrap="square">
-              <a:spAutoFit/>
-            </a:bodyPr>
-            <a:lstStyle/>
-            <a:p>
-              <a:r>
-                <a:rPr lang="en-US" sz="2400" dirty="0"/>
-                <a:t>Project Goal: </a:t>
-              </a:r>
-              <a:r>
-                <a:rPr lang="en-US" sz="2400" b="1" dirty="0"/>
-                <a:t>Explanation</a:t>
-              </a:r>
-              <a:r>
-                <a:rPr lang="en-US" sz="2400" dirty="0"/>
-                <a:t>. </a:t>
-              </a:r>
-            </a:p>
-            <a:p>
-              <a:r>
-                <a:rPr lang="en-US" sz="2400" dirty="0"/>
-                <a:t>To identify variables that are important in explaining variation in the response.</a:t>
-              </a:r>
-            </a:p>
-            <a:p>
-              <a:endParaRPr lang="en-US" sz="2400" dirty="0"/>
-            </a:p>
-            <a:p>
-              <a:r>
-                <a:rPr lang="en-US" sz="2400" dirty="0"/>
-                <a:t>We are interested in </a:t>
-              </a:r>
-              <a:r>
-                <a:rPr lang="en-US" sz="2400" b="1" dirty="0"/>
-                <a:t>researching what factors contribute to the quality of wine for different types of red </a:t>
-              </a:r>
-              <a:r>
-                <a:rPr lang="en-US" sz="2400" b="1" dirty="0" err="1"/>
-                <a:t>vinho</a:t>
-              </a:r>
-              <a:r>
-                <a:rPr lang="en-US" sz="2400" b="1" dirty="0"/>
-                <a:t> </a:t>
-              </a:r>
-              <a:r>
-                <a:rPr lang="en-US" sz="2400" b="1" dirty="0" err="1"/>
-                <a:t>verde</a:t>
-              </a:r>
-              <a:r>
-                <a:rPr lang="en-US" sz="2400" b="1" dirty="0"/>
-                <a:t> from Portugal</a:t>
-              </a:r>
-            </a:p>
-            <a:p>
-              <a:endParaRPr lang="en-US" sz="2000" dirty="0"/>
-            </a:p>
-            <a:p>
-              <a:r>
-                <a:rPr lang="en-US" sz="2400" dirty="0"/>
-                <a:t>Wine, as a popular consumer good, originated by ancient civilizations. We are very curious about how these human experts tell the differences in quality for different wines and hope to explain the relationship between chemical tests and human palettes. Quality standards might vary dramatically for different wines, and we picked red </a:t>
-              </a:r>
-              <a:r>
-                <a:rPr lang="en-US" sz="2400" dirty="0" err="1"/>
-                <a:t>vinho</a:t>
-              </a:r>
-              <a:r>
-                <a:rPr lang="en-US" sz="2400" dirty="0"/>
-                <a:t> </a:t>
-              </a:r>
-              <a:r>
-                <a:rPr lang="en-US" sz="2400" dirty="0" err="1"/>
-                <a:t>verde</a:t>
-              </a:r>
-              <a:r>
-                <a:rPr lang="en-US" sz="2400" dirty="0"/>
-                <a:t> from Portugal to conduct our research, as Portugal is a large wine exporting country, and </a:t>
-              </a:r>
-              <a:r>
-                <a:rPr lang="en-US" sz="2400" dirty="0" err="1"/>
-                <a:t>vinho</a:t>
-              </a:r>
-              <a:r>
-                <a:rPr lang="en-US" sz="2400" dirty="0"/>
-                <a:t> </a:t>
-              </a:r>
-              <a:r>
-                <a:rPr lang="en-US" sz="2400" dirty="0" err="1"/>
-                <a:t>verde</a:t>
-              </a:r>
-              <a:r>
-                <a:rPr lang="en-US" sz="2400" dirty="0"/>
-                <a:t> is getting more and more popular. The data set in this research was used to predict quality of wine for future wine certification, complementary to human wine tasters, in the paper we cited (Modeling wine preferences by data mining from physicochemical properties). We believe that this dataset can also be used to analyze what chemical factors are attributable to the final rating of wine (measured by the variable quality). If we can understand how chemical factors affect the wine quality, it may shed light on future R&amp;D directions for chemical methods that could improve/preserve wine quality.</a:t>
-              </a:r>
-              <a:br>
-                <a:rPr lang="en-US" sz="2400" dirty="0"/>
-              </a:br>
-              <a:br>
-                <a:rPr lang="en-US" sz="2400" dirty="0"/>
-              </a:br>
-              <a:endParaRPr lang="en-US" sz="2400" dirty="0"/>
-            </a:p>
-          </p:txBody>
-        </p:sp>
-      </p:grpSp>
-      <p:grpSp>
-        <p:nvGrpSpPr>
-          <p:cNvPr id="7" name="Group 6">
-            <a:extLst>
-              <a:ext uri="{FF2B5EF4-FFF2-40B4-BE49-F238E27FC236}">
-                <a16:creationId xmlns:a16="http://schemas.microsoft.com/office/drawing/2014/main" id="{6E93AC76-1ADA-4828-AF6E-D01B77D36240}"/>
-              </a:ext>
-            </a:extLst>
-          </p:cNvPr>
-          <p:cNvGrpSpPr/>
-          <p:nvPr/>
-        </p:nvGrpSpPr>
-        <p:grpSpPr>
-          <a:xfrm>
-            <a:off x="22216295" y="15531454"/>
-            <a:ext cx="9424364" cy="5846248"/>
-            <a:chOff x="824673" y="1654959"/>
-            <a:chExt cx="9233592" cy="6485860"/>
-          </a:xfrm>
-        </p:grpSpPr>
-        <p:grpSp>
-          <p:nvGrpSpPr>
-            <p:cNvPr id="6" name="Group 5">
-              <a:extLst>
-                <a:ext uri="{FF2B5EF4-FFF2-40B4-BE49-F238E27FC236}">
-                  <a16:creationId xmlns:a16="http://schemas.microsoft.com/office/drawing/2014/main" id="{47FB3A45-6FA8-4278-9ECF-4A3990122C07}"/>
-                </a:ext>
-              </a:extLst>
-            </p:cNvPr>
-            <p:cNvGrpSpPr/>
-            <p:nvPr/>
-          </p:nvGrpSpPr>
-          <p:grpSpPr>
-            <a:xfrm>
-              <a:off x="824673" y="1654959"/>
-              <a:ext cx="9233592" cy="6485860"/>
-              <a:chOff x="824673" y="1654959"/>
-              <a:chExt cx="9233592" cy="6485860"/>
-            </a:xfrm>
-          </p:grpSpPr>
-          <p:grpSp>
-            <p:nvGrpSpPr>
-              <p:cNvPr id="5" name="Group 4">
-                <a:extLst>
-                  <a:ext uri="{FF2B5EF4-FFF2-40B4-BE49-F238E27FC236}">
-                    <a16:creationId xmlns:a16="http://schemas.microsoft.com/office/drawing/2014/main" id="{98DF56C6-E257-4A6B-B324-5FE0D584945D}"/>
-                  </a:ext>
-                </a:extLst>
-              </p:cNvPr>
-              <p:cNvGrpSpPr/>
-              <p:nvPr/>
-            </p:nvGrpSpPr>
-            <p:grpSpPr>
-              <a:xfrm>
-                <a:off x="824673" y="1654959"/>
-                <a:ext cx="9233592" cy="6485860"/>
-                <a:chOff x="824673" y="1654959"/>
-                <a:chExt cx="9233592" cy="6485860"/>
-              </a:xfrm>
-            </p:grpSpPr>
-            <p:pic>
-              <p:nvPicPr>
-                <p:cNvPr id="1026" name="Picture 2">
-                  <a:extLst>
-                    <a:ext uri="{FF2B5EF4-FFF2-40B4-BE49-F238E27FC236}">
-                      <a16:creationId xmlns:a16="http://schemas.microsoft.com/office/drawing/2014/main" id="{D5B99615-EFC0-41C4-B856-6BE63FE2C654}"/>
-                    </a:ext>
-                  </a:extLst>
-                </p:cNvPr>
-                <p:cNvPicPr>
-                  <a:picLocks noChangeAspect="1" noChangeArrowheads="1"/>
-                </p:cNvPicPr>
-                <p:nvPr/>
-              </p:nvPicPr>
-              <p:blipFill>
-                <a:blip r:embed="rId3">
-                  <a:extLst>
-                    <a:ext uri="{28A0092B-C50C-407E-A947-70E740481C1C}">
-                      <a14:useLocalDpi xmlns:a14="http://schemas.microsoft.com/office/drawing/2010/main" val="0"/>
-                    </a:ext>
-                  </a:extLst>
-                </a:blip>
-                <a:srcRect/>
-                <a:stretch>
-                  <a:fillRect/>
-                </a:stretch>
-              </p:blipFill>
-              <p:spPr bwMode="auto">
-                <a:xfrm>
-                  <a:off x="824673" y="1654959"/>
-                  <a:ext cx="9080204" cy="6485860"/>
-                </a:xfrm>
-                <a:prstGeom prst="rect">
-                  <a:avLst/>
-                </a:prstGeom>
-                <a:noFill/>
-                <a:extLst>
-                  <a:ext uri="{909E8E84-426E-40DD-AFC4-6F175D3DCCD1}">
-                    <a14:hiddenFill xmlns:a14="http://schemas.microsoft.com/office/drawing/2010/main">
-                      <a:solidFill>
-                        <a:srgbClr val="FFFFFF"/>
-                      </a:solidFill>
-                    </a14:hiddenFill>
-                  </a:ext>
-                </a:extLst>
-              </p:spPr>
-            </p:pic>
-            <p:grpSp>
-              <p:nvGrpSpPr>
-                <p:cNvPr id="4" name="Group 3">
-                  <a:extLst>
-                    <a:ext uri="{FF2B5EF4-FFF2-40B4-BE49-F238E27FC236}">
-                      <a16:creationId xmlns:a16="http://schemas.microsoft.com/office/drawing/2014/main" id="{668E82F7-A817-4E38-8AB8-A5F87C694702}"/>
-                    </a:ext>
-                  </a:extLst>
-                </p:cNvPr>
-                <p:cNvGrpSpPr/>
-                <p:nvPr/>
-              </p:nvGrpSpPr>
-              <p:grpSpPr>
-                <a:xfrm>
-                  <a:off x="5493885" y="5978322"/>
-                  <a:ext cx="4564380" cy="2084070"/>
-                  <a:chOff x="6179964" y="6056749"/>
-                  <a:chExt cx="4564380" cy="2084070"/>
-                </a:xfrm>
-              </p:grpSpPr>
-              <p:pic>
-                <p:nvPicPr>
-                  <p:cNvPr id="1028" name="Picture 4">
-                    <a:extLst>
-                      <a:ext uri="{FF2B5EF4-FFF2-40B4-BE49-F238E27FC236}">
-                        <a16:creationId xmlns:a16="http://schemas.microsoft.com/office/drawing/2014/main" id="{B6E35004-F077-49B4-8F55-D6EB90F5E331}"/>
-                      </a:ext>
-                    </a:extLst>
-                  </p:cNvPr>
-                  <p:cNvPicPr>
-                    <a:picLocks noChangeAspect="1" noChangeArrowheads="1"/>
-                  </p:cNvPicPr>
-                  <p:nvPr/>
-                </p:nvPicPr>
-                <p:blipFill rotWithShape="1">
-                  <a:blip r:embed="rId4">
-                    <a:duotone>
-                      <a:schemeClr val="accent4">
-                        <a:shade val="45000"/>
-                        <a:satMod val="135000"/>
-                      </a:schemeClr>
-                      <a:prstClr val="white"/>
-                    </a:duotone>
-                    <a:extLst>
-                      <a:ext uri="{28A0092B-C50C-407E-A947-70E740481C1C}">
-                        <a14:useLocalDpi xmlns:a14="http://schemas.microsoft.com/office/drawing/2010/main" val="0"/>
-                      </a:ext>
-                    </a:extLst>
-                  </a:blip>
-                  <a:srcRect l="27212" t="33462" r="47653" b="34405"/>
-                  <a:stretch/>
-                </p:blipFill>
-                <p:spPr bwMode="auto">
-                  <a:xfrm>
-                    <a:off x="6179964" y="6056749"/>
-                    <a:ext cx="2282190" cy="2084070"/>
-                  </a:xfrm>
-                  <a:prstGeom prst="rect">
-                    <a:avLst/>
-                  </a:prstGeom>
-                  <a:noFill/>
-                  <a:extLst>
-                    <a:ext uri="{909E8E84-426E-40DD-AFC4-6F175D3DCCD1}">
-                      <a14:hiddenFill xmlns:a14="http://schemas.microsoft.com/office/drawing/2010/main">
-                        <a:solidFill>
-                          <a:srgbClr val="FFFFFF"/>
-                        </a:solidFill>
-                      </a14:hiddenFill>
-                    </a:ext>
-                  </a:extLst>
-                </p:spPr>
-              </p:pic>
-              <p:pic>
-                <p:nvPicPr>
-                  <p:cNvPr id="9" name="Picture 4">
-                    <a:extLst>
-                      <a:ext uri="{FF2B5EF4-FFF2-40B4-BE49-F238E27FC236}">
-                        <a16:creationId xmlns:a16="http://schemas.microsoft.com/office/drawing/2014/main" id="{EB166184-7338-4EFF-8B32-25755BE235FB}"/>
-                      </a:ext>
-                    </a:extLst>
-                  </p:cNvPr>
-                  <p:cNvPicPr>
-                    <a:picLocks noChangeAspect="1" noChangeArrowheads="1"/>
-                  </p:cNvPicPr>
-                  <p:nvPr/>
-                </p:nvPicPr>
-                <p:blipFill rotWithShape="1">
-                  <a:blip r:embed="rId4">
-                    <a:duotone>
-                      <a:schemeClr val="accent4">
-                        <a:shade val="45000"/>
-                        <a:satMod val="135000"/>
-                      </a:schemeClr>
-                      <a:prstClr val="white"/>
-                    </a:duotone>
-                    <a:extLst>
-                      <a:ext uri="{28A0092B-C50C-407E-A947-70E740481C1C}">
-                        <a14:useLocalDpi xmlns:a14="http://schemas.microsoft.com/office/drawing/2010/main" val="0"/>
-                      </a:ext>
-                    </a:extLst>
-                  </a:blip>
-                  <a:srcRect l="26667" t="66519" r="48198" b="1348"/>
-                  <a:stretch/>
-                </p:blipFill>
-                <p:spPr bwMode="auto">
-                  <a:xfrm>
-                    <a:off x="8462154" y="6056749"/>
-                    <a:ext cx="2282190" cy="2084070"/>
-                  </a:xfrm>
-                  <a:prstGeom prst="rect">
-                    <a:avLst/>
-                  </a:prstGeom>
-                  <a:noFill/>
-                  <a:extLst>
-                    <a:ext uri="{909E8E84-426E-40DD-AFC4-6F175D3DCCD1}">
-                      <a14:hiddenFill xmlns:a14="http://schemas.microsoft.com/office/drawing/2010/main">
-                        <a:solidFill>
-                          <a:srgbClr val="FFFFFF"/>
-                        </a:solidFill>
-                      </a14:hiddenFill>
-                    </a:ext>
-                  </a:extLst>
-                </p:spPr>
-              </p:pic>
-            </p:grpSp>
-          </p:grpSp>
-          <p:pic>
-            <p:nvPicPr>
-              <p:cNvPr id="10" name="Picture 2">
-                <a:extLst>
-                  <a:ext uri="{FF2B5EF4-FFF2-40B4-BE49-F238E27FC236}">
-                    <a16:creationId xmlns:a16="http://schemas.microsoft.com/office/drawing/2014/main" id="{1A43D651-3E4D-4B4C-A74E-9A279F17E4B5}"/>
-                  </a:ext>
-                </a:extLst>
-              </p:cNvPr>
-              <p:cNvPicPr>
-                <a:picLocks noChangeAspect="1" noChangeArrowheads="1"/>
-              </p:cNvPicPr>
-              <p:nvPr/>
-            </p:nvPicPr>
-            <p:blipFill rotWithShape="1">
-              <a:blip r:embed="rId3">
-                <a:extLst>
-                  <a:ext uri="{28A0092B-C50C-407E-A947-70E740481C1C}">
-                    <a14:useLocalDpi xmlns:a14="http://schemas.microsoft.com/office/drawing/2010/main" val="0"/>
-                  </a:ext>
-                </a:extLst>
-              </a:blip>
-              <a:srcRect l="27417" t="65944" r="50403"/>
-              <a:stretch/>
-            </p:blipFill>
-            <p:spPr bwMode="auto">
-              <a:xfrm>
-                <a:off x="3350780" y="5932025"/>
-                <a:ext cx="2013995" cy="2208794"/>
-              </a:xfrm>
-              <a:prstGeom prst="rect">
-                <a:avLst/>
-              </a:prstGeom>
-              <a:noFill/>
-              <a:extLst>
-                <a:ext uri="{909E8E84-426E-40DD-AFC4-6F175D3DCCD1}">
-                  <a14:hiddenFill xmlns:a14="http://schemas.microsoft.com/office/drawing/2010/main">
-                    <a:solidFill>
-                      <a:srgbClr val="FFFFFF"/>
-                    </a:solidFill>
-                  </a14:hiddenFill>
-                </a:ext>
-              </a:extLst>
-            </p:spPr>
-          </p:pic>
-          <p:pic>
-            <p:nvPicPr>
-              <p:cNvPr id="12" name="Picture 2">
-                <a:extLst>
-                  <a:ext uri="{FF2B5EF4-FFF2-40B4-BE49-F238E27FC236}">
-                    <a16:creationId xmlns:a16="http://schemas.microsoft.com/office/drawing/2014/main" id="{54339832-A019-47D0-9D8E-9C434B4AF507}"/>
-                  </a:ext>
-                </a:extLst>
-              </p:cNvPr>
-              <p:cNvPicPr>
-                <a:picLocks noChangeAspect="1" noChangeArrowheads="1"/>
-              </p:cNvPicPr>
-              <p:nvPr/>
-            </p:nvPicPr>
-            <p:blipFill rotWithShape="1">
-              <a:blip r:embed="rId3">
-                <a:extLst>
-                  <a:ext uri="{28A0092B-C50C-407E-A947-70E740481C1C}">
-                    <a14:useLocalDpi xmlns:a14="http://schemas.microsoft.com/office/drawing/2010/main" val="0"/>
-                  </a:ext>
-                </a:extLst>
-              </a:blip>
-              <a:srcRect l="26859" t="32393" r="47471" b="33551"/>
-              <a:stretch/>
-            </p:blipFill>
-            <p:spPr bwMode="auto">
-              <a:xfrm>
-                <a:off x="978061" y="5932025"/>
-                <a:ext cx="2330887" cy="2208794"/>
-              </a:xfrm>
-              <a:prstGeom prst="rect">
-                <a:avLst/>
-              </a:prstGeom>
-              <a:noFill/>
-              <a:extLst>
-                <a:ext uri="{909E8E84-426E-40DD-AFC4-6F175D3DCCD1}">
-                  <a14:hiddenFill xmlns:a14="http://schemas.microsoft.com/office/drawing/2010/main">
-                    <a:solidFill>
-                      <a:srgbClr val="FFFFFF"/>
-                    </a:solidFill>
-                  </a14:hiddenFill>
-                </a:ext>
-              </a:extLst>
-            </p:spPr>
-          </p:pic>
-        </p:grpSp>
-        <p:pic>
-          <p:nvPicPr>
-            <p:cNvPr id="13" name="Picture 2">
-              <a:extLst>
-                <a:ext uri="{FF2B5EF4-FFF2-40B4-BE49-F238E27FC236}">
-                  <a16:creationId xmlns:a16="http://schemas.microsoft.com/office/drawing/2014/main" id="{3C7055EB-9B67-4BF3-9411-4A38A12C588B}"/>
-                </a:ext>
-              </a:extLst>
-            </p:cNvPr>
-            <p:cNvPicPr>
-              <a:picLocks noChangeAspect="1" noChangeArrowheads="1"/>
-            </p:cNvPicPr>
-            <p:nvPr/>
-          </p:nvPicPr>
-          <p:blipFill rotWithShape="1">
-            <a:blip r:embed="rId3">
-              <a:extLst>
-                <a:ext uri="{28A0092B-C50C-407E-A947-70E740481C1C}">
-                  <a14:useLocalDpi xmlns:a14="http://schemas.microsoft.com/office/drawing/2010/main" val="0"/>
-                </a:ext>
-              </a:extLst>
-            </a:blip>
-            <a:srcRect l="2186" t="66351" r="72942" b="803"/>
-            <a:stretch/>
-          </p:blipFill>
-          <p:spPr bwMode="auto">
-            <a:xfrm>
-              <a:off x="3308948" y="3801695"/>
-              <a:ext cx="2258475" cy="2130330"/>
-            </a:xfrm>
-            <a:prstGeom prst="rect">
-              <a:avLst/>
-            </a:prstGeom>
-            <a:noFill/>
-            <a:extLst>
-              <a:ext uri="{909E8E84-426E-40DD-AFC4-6F175D3DCCD1}">
-                <a14:hiddenFill xmlns:a14="http://schemas.microsoft.com/office/drawing/2010/main">
-                  <a:solidFill>
-                    <a:srgbClr val="FFFFFF"/>
-                  </a:solidFill>
-                </a14:hiddenFill>
-              </a:ext>
-            </a:extLst>
-          </p:spPr>
-        </p:pic>
-      </p:grpSp>
-      <p:sp>
-        <p:nvSpPr>
-          <p:cNvPr id="28" name="Rectangle 27">
-            <a:extLst>
-              <a:ext uri="{FF2B5EF4-FFF2-40B4-BE49-F238E27FC236}">
-                <a16:creationId xmlns:a16="http://schemas.microsoft.com/office/drawing/2014/main" id="{9ACF4D42-1280-4878-96C5-F9464783BFC6}"/>
-              </a:ext>
-            </a:extLst>
-          </p:cNvPr>
-          <p:cNvSpPr/>
-          <p:nvPr/>
-        </p:nvSpPr>
-        <p:spPr>
-          <a:xfrm>
-            <a:off x="19905711" y="21611488"/>
-            <a:ext cx="12269002" cy="2923877"/>
-          </a:xfrm>
-          <a:prstGeom prst="rect">
-            <a:avLst/>
-          </a:prstGeom>
-        </p:spPr>
-        <p:txBody>
-          <a:bodyPr wrap="square">
-            <a:spAutoFit/>
-          </a:bodyPr>
-          <a:lstStyle/>
-          <a:p>
-            <a:pPr algn="just"/>
-            <a:r>
-              <a:rPr lang="en-US" sz="2000" dirty="0"/>
-              <a:t>We can see that </a:t>
-            </a:r>
-            <a:r>
-              <a:rPr lang="en-US" sz="2000" dirty="0" err="1"/>
-              <a:t>free.sulfur.dioxide</a:t>
-            </a:r>
-            <a:r>
-              <a:rPr lang="en-US" sz="2000" dirty="0"/>
-              <a:t> and alcohol have an obvious rightly skewed distribution. </a:t>
-            </a:r>
-            <a:r>
-              <a:rPr lang="en-US" sz="2000" dirty="0" err="1"/>
-              <a:t>residual.sugar</a:t>
-            </a:r>
-            <a:r>
-              <a:rPr lang="en-US" sz="2000" dirty="0"/>
-              <a:t>, </a:t>
-            </a:r>
-            <a:r>
-              <a:rPr lang="en-US" sz="2000" dirty="0" err="1"/>
-              <a:t>cholorides</a:t>
-            </a:r>
-            <a:r>
-              <a:rPr lang="en-US" sz="2000" dirty="0"/>
-              <a:t>, and sulphates also have a slightly rightward skewedness. </a:t>
-            </a:r>
-            <a:r>
-              <a:rPr lang="en-US" sz="2000" dirty="0" err="1"/>
-              <a:t>citric.acid</a:t>
-            </a:r>
-            <a:r>
-              <a:rPr lang="en-US" sz="2000" dirty="0"/>
-              <a:t> at first appears to have a bimodal distribution, but this is because there are some wines with zero citric acid, so we see a spike at 0 in the histogram. Based on the data definition, we know it is possible for wines to have citric acid of 0. The distribution of citric acid is overall fairly symmetric. All other variables: quality, </a:t>
-            </a:r>
-            <a:r>
-              <a:rPr lang="en-US" sz="2000" dirty="0" err="1"/>
-              <a:t>volatile.acidity</a:t>
-            </a:r>
-            <a:r>
-              <a:rPr lang="en-US" sz="2000" dirty="0"/>
-              <a:t>, density, and pH are unimodal and fairly symmetric.</a:t>
-            </a:r>
-          </a:p>
-          <a:p>
-            <a:pPr algn="just"/>
-            <a:endParaRPr lang="en-US" sz="2000" dirty="0"/>
-          </a:p>
-          <a:p>
-            <a:pPr algn="just"/>
-            <a:r>
-              <a:rPr lang="en-US" sz="2000" b="1" dirty="0"/>
-              <a:t>Notice that now </a:t>
-            </a:r>
-            <a:r>
-              <a:rPr lang="en-US" sz="2000" b="1" dirty="0" err="1"/>
-              <a:t>free.sulfur.dioxide,and</a:t>
-            </a:r>
-            <a:r>
-              <a:rPr lang="en-US" sz="2000" b="1" dirty="0"/>
-              <a:t> alcohol is logged</a:t>
-            </a:r>
-            <a:endParaRPr lang="en-US" sz="2000" dirty="0"/>
-          </a:p>
-          <a:p>
-            <a:br>
-              <a:rPr lang="en-US" sz="1200" dirty="0"/>
-            </a:br>
-            <a:endParaRPr lang="en-US" sz="1200" dirty="0"/>
-          </a:p>
-        </p:txBody>
-      </p:sp>
-      <p:sp>
-        <p:nvSpPr>
-          <p:cNvPr id="59" name="Rectangle 58">
-            <a:extLst>
-              <a:ext uri="{FF2B5EF4-FFF2-40B4-BE49-F238E27FC236}">
-                <a16:creationId xmlns:a16="http://schemas.microsoft.com/office/drawing/2014/main" id="{2F01789D-C3E4-4B76-8831-F2BF3B8524FF}"/>
-              </a:ext>
-            </a:extLst>
-          </p:cNvPr>
-          <p:cNvSpPr/>
-          <p:nvPr/>
-        </p:nvSpPr>
-        <p:spPr>
-          <a:xfrm>
-            <a:off x="11716487" y="15185287"/>
-            <a:ext cx="7994565" cy="10156627"/>
-          </a:xfrm>
-          <a:prstGeom prst="rect">
-            <a:avLst/>
-          </a:prstGeom>
-        </p:spPr>
-        <p:txBody>
-          <a:bodyPr wrap="square">
-            <a:spAutoFit/>
-          </a:bodyPr>
-          <a:lstStyle/>
-          <a:p>
-            <a:pPr lvl="0" eaLnBrk="0" fontAlgn="base" hangingPunct="0">
-              <a:lnSpc>
-                <a:spcPct val="150000"/>
-              </a:lnSpc>
-              <a:spcBef>
-                <a:spcPct val="0"/>
-              </a:spcBef>
-              <a:spcAft>
-                <a:spcPct val="0"/>
-              </a:spcAft>
-              <a:buClrTx/>
-            </a:pPr>
-            <a:r>
-              <a:rPr lang="en-US" altLang="en-US" sz="2000" b="1" dirty="0">
-                <a:solidFill>
-                  <a:srgbClr val="333333"/>
-                </a:solidFill>
-                <a:latin typeface="Arial" panose="020B0604020202020204" pitchFamily="34" charset="0"/>
-                <a:ea typeface="inherit"/>
-              </a:rPr>
-              <a:t>Response Variable:</a:t>
-            </a:r>
-            <a:endParaRPr lang="en-US" altLang="en-US" sz="2000" dirty="0">
-              <a:solidFill>
-                <a:srgbClr val="333333"/>
-              </a:solidFill>
-              <a:latin typeface="Arial" panose="020B0604020202020204" pitchFamily="34" charset="0"/>
-              <a:ea typeface="inherit"/>
-            </a:endParaRPr>
-          </a:p>
-          <a:p>
-            <a:pPr marL="285750" lvl="0" indent="-285750" eaLnBrk="0" fontAlgn="base" hangingPunct="0">
-              <a:spcBef>
-                <a:spcPct val="0"/>
-              </a:spcBef>
-              <a:spcAft>
-                <a:spcPct val="0"/>
-              </a:spcAft>
-              <a:buClrTx/>
-              <a:buFont typeface="Arial" panose="020B0604020202020204" pitchFamily="34" charset="0"/>
-              <a:buChar char="•"/>
-            </a:pPr>
-            <a:r>
-              <a:rPr lang="en-US" altLang="en-US" sz="2000" b="1" dirty="0">
-                <a:solidFill>
-                  <a:srgbClr val="333333"/>
-                </a:solidFill>
-                <a:latin typeface="Arial" panose="020B0604020202020204" pitchFamily="34" charset="0"/>
-                <a:ea typeface="Helvetica Neue"/>
-              </a:rPr>
-              <a:t>quality:</a:t>
-            </a:r>
-            <a:r>
-              <a:rPr lang="en-US" altLang="en-US" sz="2000" dirty="0">
-                <a:solidFill>
-                  <a:srgbClr val="333333"/>
-                </a:solidFill>
-                <a:latin typeface="Arial" panose="020B0604020202020204" pitchFamily="34" charset="0"/>
-                <a:ea typeface="Helvetica Neue"/>
-              </a:rPr>
-              <a:t> the quality of the wine (a score between 0 and 10)</a:t>
-            </a:r>
-          </a:p>
-          <a:p>
-            <a:pPr lvl="0" eaLnBrk="0" fontAlgn="base" hangingPunct="0">
-              <a:lnSpc>
-                <a:spcPct val="200000"/>
-              </a:lnSpc>
-              <a:spcBef>
-                <a:spcPct val="0"/>
-              </a:spcBef>
-              <a:spcAft>
-                <a:spcPct val="0"/>
-              </a:spcAft>
-              <a:buClrTx/>
-            </a:pPr>
-            <a:r>
-              <a:rPr lang="en-US" altLang="en-US" sz="2000" b="1" dirty="0">
-                <a:solidFill>
-                  <a:srgbClr val="333333"/>
-                </a:solidFill>
-                <a:latin typeface="Arial" panose="020B0604020202020204" pitchFamily="34" charset="0"/>
-                <a:ea typeface="inherit"/>
-              </a:rPr>
-              <a:t>Explanatory Variables:</a:t>
-            </a:r>
-            <a:endParaRPr lang="en-US" altLang="en-US" sz="2000" dirty="0">
-              <a:solidFill>
-                <a:srgbClr val="333333"/>
-              </a:solidFill>
-              <a:latin typeface="Arial" panose="020B0604020202020204" pitchFamily="34" charset="0"/>
-              <a:ea typeface="inherit"/>
-            </a:endParaRPr>
-          </a:p>
-          <a:p>
-            <a:pPr marL="285750" lvl="0" indent="-285750" eaLnBrk="0" fontAlgn="base" hangingPunct="0">
-              <a:spcBef>
-                <a:spcPct val="0"/>
-              </a:spcBef>
-              <a:spcAft>
-                <a:spcPct val="0"/>
-              </a:spcAft>
-              <a:buClrTx/>
-              <a:buFont typeface="Arial" panose="020B0604020202020204" pitchFamily="34" charset="0"/>
-              <a:buChar char="•"/>
-            </a:pPr>
-            <a:r>
-              <a:rPr lang="en-US" altLang="en-US" sz="2000" b="1" dirty="0" err="1">
-                <a:solidFill>
-                  <a:srgbClr val="333333"/>
-                </a:solidFill>
-                <a:latin typeface="Arial" panose="020B0604020202020204" pitchFamily="34" charset="0"/>
-                <a:ea typeface="Helvetica Neue"/>
-              </a:rPr>
-              <a:t>fixed.acidity</a:t>
-            </a:r>
-            <a:r>
-              <a:rPr lang="en-US" altLang="en-US" sz="2000" b="1" dirty="0">
-                <a:solidFill>
-                  <a:srgbClr val="333333"/>
-                </a:solidFill>
-                <a:latin typeface="Arial" panose="020B0604020202020204" pitchFamily="34" charset="0"/>
-                <a:ea typeface="Helvetica Neue"/>
-              </a:rPr>
-              <a:t>:</a:t>
-            </a:r>
-            <a:r>
-              <a:rPr lang="en-US" altLang="en-US" sz="2000" dirty="0">
-                <a:solidFill>
-                  <a:srgbClr val="333333"/>
-                </a:solidFill>
-                <a:latin typeface="Arial" panose="020B0604020202020204" pitchFamily="34" charset="0"/>
-                <a:ea typeface="Helvetica Neue"/>
-              </a:rPr>
-              <a:t> </a:t>
-            </a:r>
-            <a:r>
-              <a:rPr lang="en-US" altLang="en-US" sz="2000" dirty="0">
-                <a:solidFill>
-                  <a:srgbClr val="333333"/>
-                </a:solidFill>
-                <a:latin typeface="Arial" panose="020B0604020202020204" pitchFamily="34" charset="0"/>
-                <a:ea typeface="MathJax_Main"/>
-              </a:rPr>
-              <a:t>(</a:t>
-            </a:r>
-            <a:r>
-              <a:rPr lang="en-US" altLang="en-US" sz="2000" dirty="0">
-                <a:solidFill>
-                  <a:srgbClr val="333333"/>
-                </a:solidFill>
-                <a:latin typeface="Arial" panose="020B0604020202020204" pitchFamily="34" charset="0"/>
-                <a:ea typeface="MathJax_Math-italic"/>
-              </a:rPr>
-              <a:t>g</a:t>
-            </a:r>
-            <a:r>
-              <a:rPr lang="en-US" altLang="en-US" sz="2000" dirty="0">
-                <a:solidFill>
-                  <a:srgbClr val="333333"/>
-                </a:solidFill>
-                <a:latin typeface="Arial" panose="020B0604020202020204" pitchFamily="34" charset="0"/>
-                <a:ea typeface="MathJax_Main"/>
-              </a:rPr>
-              <a:t>(</a:t>
-            </a:r>
-            <a:r>
-              <a:rPr lang="en-US" altLang="en-US" sz="2000" dirty="0">
-                <a:solidFill>
-                  <a:srgbClr val="333333"/>
-                </a:solidFill>
-                <a:latin typeface="Arial" panose="020B0604020202020204" pitchFamily="34" charset="0"/>
-                <a:ea typeface="MathJax_Math-italic"/>
-              </a:rPr>
-              <a:t>tartaric</a:t>
-            </a:r>
-            <a:r>
-              <a:rPr lang="en-US" altLang="en-US" sz="2000" dirty="0">
-                <a:solidFill>
-                  <a:srgbClr val="333333"/>
-                </a:solidFill>
-                <a:latin typeface="Arial" panose="020B0604020202020204" pitchFamily="34" charset="0"/>
-                <a:ea typeface="MathJax_Main"/>
-              </a:rPr>
-              <a:t> </a:t>
-            </a:r>
-            <a:r>
-              <a:rPr lang="en-US" altLang="en-US" sz="2000" dirty="0">
-                <a:solidFill>
-                  <a:srgbClr val="333333"/>
-                </a:solidFill>
-                <a:latin typeface="Arial" panose="020B0604020202020204" pitchFamily="34" charset="0"/>
-                <a:ea typeface="MathJax_Math-italic"/>
-              </a:rPr>
-              <a:t>acid</a:t>
-            </a:r>
-            <a:r>
-              <a:rPr lang="en-US" altLang="en-US" sz="2000" dirty="0">
-                <a:solidFill>
-                  <a:srgbClr val="333333"/>
-                </a:solidFill>
-                <a:latin typeface="Arial" panose="020B0604020202020204" pitchFamily="34" charset="0"/>
-                <a:ea typeface="MathJax_Main"/>
-              </a:rPr>
-              <a:t>)/</a:t>
-            </a:r>
-            <a:r>
-              <a:rPr lang="en-US" altLang="en-US" sz="2000" dirty="0">
-                <a:solidFill>
-                  <a:srgbClr val="333333"/>
-                </a:solidFill>
-                <a:latin typeface="Arial" panose="020B0604020202020204" pitchFamily="34" charset="0"/>
-                <a:ea typeface="MathJax_Math-italic"/>
-              </a:rPr>
-              <a:t>dm</a:t>
-            </a:r>
-            <a:r>
-              <a:rPr lang="en-US" altLang="en-US" sz="2000" dirty="0">
-                <a:solidFill>
-                  <a:srgbClr val="333333"/>
-                </a:solidFill>
-                <a:latin typeface="Arial" panose="020B0604020202020204" pitchFamily="34" charset="0"/>
-                <a:ea typeface="MathJax_Main"/>
-              </a:rPr>
-              <a:t>3)</a:t>
-            </a:r>
-            <a:r>
-              <a:rPr lang="en-US" altLang="en-US" sz="2000" dirty="0">
-                <a:solidFill>
-                  <a:srgbClr val="333333"/>
-                </a:solidFill>
-                <a:latin typeface="Arial" panose="020B0604020202020204" pitchFamily="34" charset="0"/>
-                <a:ea typeface="Helvetica Neue"/>
-              </a:rPr>
-              <a:t> the amount of acid in wine that’s not volatile (do not evaporate fast)</a:t>
-            </a:r>
-          </a:p>
-          <a:p>
-            <a:pPr marL="285750" lvl="0" indent="-285750" eaLnBrk="0" fontAlgn="base" hangingPunct="0">
-              <a:spcBef>
-                <a:spcPct val="0"/>
-              </a:spcBef>
-              <a:spcAft>
-                <a:spcPct val="0"/>
-              </a:spcAft>
-              <a:buClrTx/>
-              <a:buFont typeface="Arial" panose="020B0604020202020204" pitchFamily="34" charset="0"/>
-              <a:buChar char="•"/>
-            </a:pPr>
-            <a:r>
-              <a:rPr lang="en-US" altLang="en-US" sz="2000" b="1" dirty="0" err="1">
-                <a:solidFill>
-                  <a:srgbClr val="333333"/>
-                </a:solidFill>
-                <a:latin typeface="Arial" panose="020B0604020202020204" pitchFamily="34" charset="0"/>
-                <a:ea typeface="Helvetica Neue"/>
-              </a:rPr>
-              <a:t>volatile.acidity</a:t>
-            </a:r>
-            <a:r>
-              <a:rPr lang="en-US" altLang="en-US" sz="2000" b="1" dirty="0">
-                <a:solidFill>
-                  <a:srgbClr val="333333"/>
-                </a:solidFill>
-                <a:latin typeface="Arial" panose="020B0604020202020204" pitchFamily="34" charset="0"/>
-                <a:ea typeface="Helvetica Neue"/>
-              </a:rPr>
-              <a:t>:</a:t>
-            </a:r>
-            <a:r>
-              <a:rPr lang="en-US" altLang="en-US" sz="2000" dirty="0">
-                <a:solidFill>
-                  <a:srgbClr val="333333"/>
-                </a:solidFill>
-                <a:latin typeface="Arial" panose="020B0604020202020204" pitchFamily="34" charset="0"/>
-                <a:ea typeface="Helvetica Neue"/>
-              </a:rPr>
-              <a:t> </a:t>
-            </a:r>
-            <a:r>
-              <a:rPr lang="en-US" altLang="en-US" sz="2000" dirty="0">
-                <a:solidFill>
-                  <a:srgbClr val="333333"/>
-                </a:solidFill>
-                <a:latin typeface="Arial" panose="020B0604020202020204" pitchFamily="34" charset="0"/>
-                <a:ea typeface="MathJax_Main"/>
-              </a:rPr>
-              <a:t>(</a:t>
-            </a:r>
-            <a:r>
-              <a:rPr lang="en-US" altLang="en-US" sz="2000" dirty="0">
-                <a:solidFill>
-                  <a:srgbClr val="333333"/>
-                </a:solidFill>
-                <a:latin typeface="Arial" panose="020B0604020202020204" pitchFamily="34" charset="0"/>
-                <a:ea typeface="MathJax_Math-italic"/>
-              </a:rPr>
-              <a:t>g</a:t>
-            </a:r>
-            <a:r>
-              <a:rPr lang="en-US" altLang="en-US" sz="2000" dirty="0">
-                <a:solidFill>
-                  <a:srgbClr val="333333"/>
-                </a:solidFill>
-                <a:latin typeface="Arial" panose="020B0604020202020204" pitchFamily="34" charset="0"/>
-                <a:ea typeface="MathJax_Main"/>
-              </a:rPr>
-              <a:t>(</a:t>
-            </a:r>
-            <a:r>
-              <a:rPr lang="en-US" altLang="en-US" sz="2000" dirty="0">
-                <a:solidFill>
-                  <a:srgbClr val="333333"/>
-                </a:solidFill>
-                <a:latin typeface="Arial" panose="020B0604020202020204" pitchFamily="34" charset="0"/>
-                <a:ea typeface="MathJax_Math-italic"/>
-              </a:rPr>
-              <a:t>acetic</a:t>
-            </a:r>
-            <a:r>
-              <a:rPr lang="en-US" altLang="en-US" sz="2000" dirty="0">
-                <a:solidFill>
-                  <a:srgbClr val="333333"/>
-                </a:solidFill>
-                <a:latin typeface="Arial" panose="020B0604020202020204" pitchFamily="34" charset="0"/>
-                <a:ea typeface="MathJax_Main"/>
-              </a:rPr>
-              <a:t> </a:t>
-            </a:r>
-            <a:r>
-              <a:rPr lang="en-US" altLang="en-US" sz="2000" dirty="0">
-                <a:solidFill>
-                  <a:srgbClr val="333333"/>
-                </a:solidFill>
-                <a:latin typeface="Arial" panose="020B0604020202020204" pitchFamily="34" charset="0"/>
-                <a:ea typeface="MathJax_Math-italic"/>
-              </a:rPr>
-              <a:t>acid</a:t>
-            </a:r>
-            <a:r>
-              <a:rPr lang="en-US" altLang="en-US" sz="2000" dirty="0">
-                <a:solidFill>
-                  <a:srgbClr val="333333"/>
-                </a:solidFill>
-                <a:latin typeface="Arial" panose="020B0604020202020204" pitchFamily="34" charset="0"/>
-                <a:ea typeface="MathJax_Main"/>
-              </a:rPr>
-              <a:t>)/</a:t>
-            </a:r>
-            <a:r>
-              <a:rPr lang="en-US" altLang="en-US" sz="2000" dirty="0">
-                <a:solidFill>
-                  <a:srgbClr val="333333"/>
-                </a:solidFill>
-                <a:latin typeface="Arial" panose="020B0604020202020204" pitchFamily="34" charset="0"/>
-                <a:ea typeface="MathJax_Math-italic"/>
-              </a:rPr>
-              <a:t>dm</a:t>
-            </a:r>
-            <a:r>
-              <a:rPr lang="en-US" altLang="en-US" sz="2000" dirty="0">
-                <a:solidFill>
-                  <a:srgbClr val="333333"/>
-                </a:solidFill>
-                <a:latin typeface="Arial" panose="020B0604020202020204" pitchFamily="34" charset="0"/>
-                <a:ea typeface="MathJax_Main"/>
-              </a:rPr>
-              <a:t>3</a:t>
-            </a:r>
-            <a:r>
-              <a:rPr lang="en-US" altLang="en-US" sz="2000" dirty="0">
-                <a:solidFill>
-                  <a:srgbClr val="333333"/>
-                </a:solidFill>
-                <a:latin typeface="Arial" panose="020B0604020202020204" pitchFamily="34" charset="0"/>
-                <a:ea typeface="Helvetica Neue"/>
-              </a:rPr>
-              <a:t>) the amount of acetic acid in wine; at high levels can lead to an unpleasant and vinegar taste in wines</a:t>
-            </a:r>
-          </a:p>
-          <a:p>
-            <a:pPr marL="285750" lvl="0" indent="-285750" eaLnBrk="0" fontAlgn="base" hangingPunct="0">
-              <a:spcBef>
-                <a:spcPct val="0"/>
-              </a:spcBef>
-              <a:spcAft>
-                <a:spcPct val="0"/>
-              </a:spcAft>
-              <a:buClrTx/>
-              <a:buFont typeface="Arial" panose="020B0604020202020204" pitchFamily="34" charset="0"/>
-              <a:buChar char="•"/>
-            </a:pPr>
-            <a:r>
-              <a:rPr lang="en-US" altLang="en-US" sz="2000" b="1" dirty="0" err="1">
-                <a:solidFill>
-                  <a:srgbClr val="333333"/>
-                </a:solidFill>
-                <a:latin typeface="Arial" panose="020B0604020202020204" pitchFamily="34" charset="0"/>
-                <a:ea typeface="Helvetica Neue"/>
-              </a:rPr>
-              <a:t>citric.acid</a:t>
-            </a:r>
-            <a:r>
-              <a:rPr lang="en-US" altLang="en-US" sz="2000" b="1" dirty="0">
-                <a:solidFill>
-                  <a:srgbClr val="333333"/>
-                </a:solidFill>
-                <a:latin typeface="Arial" panose="020B0604020202020204" pitchFamily="34" charset="0"/>
-                <a:ea typeface="Helvetica Neue"/>
-              </a:rPr>
-              <a:t>:</a:t>
-            </a:r>
-            <a:r>
-              <a:rPr lang="en-US" altLang="en-US" sz="2000" dirty="0">
-                <a:solidFill>
-                  <a:srgbClr val="333333"/>
-                </a:solidFill>
-                <a:latin typeface="Arial" panose="020B0604020202020204" pitchFamily="34" charset="0"/>
-                <a:ea typeface="Helvetica Neue"/>
-              </a:rPr>
-              <a:t> </a:t>
-            </a:r>
-            <a:r>
-              <a:rPr lang="en-US" altLang="en-US" sz="2000" dirty="0">
-                <a:solidFill>
-                  <a:srgbClr val="333333"/>
-                </a:solidFill>
-                <a:latin typeface="Arial" panose="020B0604020202020204" pitchFamily="34" charset="0"/>
-                <a:ea typeface="MathJax_Main"/>
-              </a:rPr>
-              <a:t>(</a:t>
-            </a:r>
-            <a:r>
-              <a:rPr lang="en-US" altLang="en-US" sz="2000" dirty="0">
-                <a:solidFill>
-                  <a:srgbClr val="333333"/>
-                </a:solidFill>
-                <a:latin typeface="Arial" panose="020B0604020202020204" pitchFamily="34" charset="0"/>
-                <a:ea typeface="MathJax_Math-italic"/>
-              </a:rPr>
-              <a:t>g</a:t>
-            </a:r>
-            <a:r>
-              <a:rPr lang="en-US" altLang="en-US" sz="2000" dirty="0">
-                <a:solidFill>
-                  <a:srgbClr val="333333"/>
-                </a:solidFill>
-                <a:latin typeface="Arial" panose="020B0604020202020204" pitchFamily="34" charset="0"/>
-                <a:ea typeface="MathJax_Main"/>
-              </a:rPr>
-              <a:t>/</a:t>
-            </a:r>
-            <a:r>
-              <a:rPr lang="en-US" altLang="en-US" sz="2000" dirty="0">
-                <a:solidFill>
-                  <a:srgbClr val="333333"/>
-                </a:solidFill>
-                <a:latin typeface="Arial" panose="020B0604020202020204" pitchFamily="34" charset="0"/>
-                <a:ea typeface="MathJax_Math-italic"/>
-              </a:rPr>
-              <a:t>dm</a:t>
-            </a:r>
-            <a:r>
-              <a:rPr lang="en-US" altLang="en-US" sz="2000" dirty="0">
-                <a:solidFill>
-                  <a:srgbClr val="333333"/>
-                </a:solidFill>
-                <a:latin typeface="Arial" panose="020B0604020202020204" pitchFamily="34" charset="0"/>
-                <a:ea typeface="MathJax_Main"/>
-              </a:rPr>
-              <a:t>3)</a:t>
-            </a:r>
-            <a:r>
-              <a:rPr lang="en-US" altLang="en-US" sz="2000" dirty="0">
-                <a:solidFill>
-                  <a:srgbClr val="333333"/>
-                </a:solidFill>
-                <a:latin typeface="Arial" panose="020B0604020202020204" pitchFamily="34" charset="0"/>
-                <a:ea typeface="Helvetica Neue"/>
-              </a:rPr>
-              <a:t> citric acid is found in small quantities, and can add freshness and flavor to wines</a:t>
-            </a:r>
-          </a:p>
-          <a:p>
-            <a:pPr marL="285750" lvl="0" indent="-285750" eaLnBrk="0" fontAlgn="base" hangingPunct="0">
-              <a:spcBef>
-                <a:spcPct val="0"/>
-              </a:spcBef>
-              <a:spcAft>
-                <a:spcPct val="0"/>
-              </a:spcAft>
-              <a:buClrTx/>
-              <a:buFont typeface="Arial" panose="020B0604020202020204" pitchFamily="34" charset="0"/>
-              <a:buChar char="•"/>
-            </a:pPr>
-            <a:r>
-              <a:rPr lang="en-US" altLang="en-US" sz="2000" b="1" dirty="0" err="1">
-                <a:solidFill>
-                  <a:srgbClr val="333333"/>
-                </a:solidFill>
-                <a:latin typeface="Arial" panose="020B0604020202020204" pitchFamily="34" charset="0"/>
-                <a:ea typeface="Helvetica Neue"/>
-              </a:rPr>
-              <a:t>residual.sugar</a:t>
-            </a:r>
-            <a:r>
-              <a:rPr lang="en-US" altLang="en-US" sz="2000" b="1" dirty="0">
-                <a:solidFill>
-                  <a:srgbClr val="333333"/>
-                </a:solidFill>
-                <a:latin typeface="Arial" panose="020B0604020202020204" pitchFamily="34" charset="0"/>
-                <a:ea typeface="Helvetica Neue"/>
-              </a:rPr>
-              <a:t>:</a:t>
-            </a:r>
-            <a:r>
-              <a:rPr lang="en-US" altLang="en-US" sz="2000" dirty="0">
-                <a:solidFill>
-                  <a:srgbClr val="333333"/>
-                </a:solidFill>
-                <a:latin typeface="Arial" panose="020B0604020202020204" pitchFamily="34" charset="0"/>
-                <a:ea typeface="Helvetica Neue"/>
-              </a:rPr>
-              <a:t> </a:t>
-            </a:r>
-            <a:r>
-              <a:rPr lang="en-US" altLang="en-US" sz="2000" dirty="0">
-                <a:solidFill>
-                  <a:srgbClr val="333333"/>
-                </a:solidFill>
-                <a:latin typeface="Arial" panose="020B0604020202020204" pitchFamily="34" charset="0"/>
-                <a:ea typeface="MathJax_Main"/>
-              </a:rPr>
-              <a:t>(</a:t>
-            </a:r>
-            <a:r>
-              <a:rPr lang="en-US" altLang="en-US" sz="2000" dirty="0">
-                <a:solidFill>
-                  <a:srgbClr val="333333"/>
-                </a:solidFill>
-                <a:latin typeface="Arial" panose="020B0604020202020204" pitchFamily="34" charset="0"/>
-                <a:ea typeface="MathJax_Math-italic"/>
-              </a:rPr>
-              <a:t>g</a:t>
-            </a:r>
-            <a:r>
-              <a:rPr lang="en-US" altLang="en-US" sz="2000" dirty="0">
-                <a:solidFill>
-                  <a:srgbClr val="333333"/>
-                </a:solidFill>
-                <a:latin typeface="Arial" panose="020B0604020202020204" pitchFamily="34" charset="0"/>
-                <a:ea typeface="MathJax_Main"/>
-              </a:rPr>
-              <a:t>/</a:t>
-            </a:r>
-            <a:r>
-              <a:rPr lang="en-US" altLang="en-US" sz="2000" dirty="0">
-                <a:solidFill>
-                  <a:srgbClr val="333333"/>
-                </a:solidFill>
-                <a:latin typeface="Arial" panose="020B0604020202020204" pitchFamily="34" charset="0"/>
-                <a:ea typeface="MathJax_Math-italic"/>
-              </a:rPr>
-              <a:t>dm</a:t>
-            </a:r>
-            <a:r>
-              <a:rPr lang="en-US" altLang="en-US" sz="2000" dirty="0">
-                <a:solidFill>
-                  <a:srgbClr val="333333"/>
-                </a:solidFill>
-                <a:latin typeface="Arial" panose="020B0604020202020204" pitchFamily="34" charset="0"/>
-                <a:ea typeface="MathJax_Main"/>
-              </a:rPr>
-              <a:t>3)</a:t>
-            </a:r>
-            <a:r>
-              <a:rPr lang="en-US" altLang="en-US" sz="2000" dirty="0">
-                <a:solidFill>
-                  <a:srgbClr val="333333"/>
-                </a:solidFill>
-                <a:latin typeface="Arial" panose="020B0604020202020204" pitchFamily="34" charset="0"/>
-                <a:ea typeface="Helvetica Neue"/>
-              </a:rPr>
-              <a:t> the amount of sugar left after </a:t>
-            </a:r>
-            <a:r>
-              <a:rPr lang="en-US" altLang="en-US" sz="2000" dirty="0" err="1">
-                <a:solidFill>
-                  <a:srgbClr val="333333"/>
-                </a:solidFill>
-                <a:latin typeface="Arial" panose="020B0604020202020204" pitchFamily="34" charset="0"/>
-                <a:ea typeface="Helvetica Neue"/>
-              </a:rPr>
-              <a:t>fermatation</a:t>
-            </a:r>
-            <a:r>
-              <a:rPr lang="en-US" altLang="en-US" sz="2000" dirty="0">
-                <a:solidFill>
-                  <a:srgbClr val="333333"/>
-                </a:solidFill>
-                <a:latin typeface="Arial" panose="020B0604020202020204" pitchFamily="34" charset="0"/>
-                <a:ea typeface="Helvetica Neue"/>
-              </a:rPr>
-              <a:t> stops; generally greater than 1 gram/liter in wines and wines with greater than 45 grams/liter are considered sweet</a:t>
-            </a:r>
-          </a:p>
-          <a:p>
-            <a:pPr marL="285750" lvl="0" indent="-285750" eaLnBrk="0" fontAlgn="base" hangingPunct="0">
-              <a:spcBef>
-                <a:spcPct val="0"/>
-              </a:spcBef>
-              <a:spcAft>
-                <a:spcPct val="0"/>
-              </a:spcAft>
-              <a:buClrTx/>
-              <a:buFont typeface="Arial" panose="020B0604020202020204" pitchFamily="34" charset="0"/>
-              <a:buChar char="•"/>
-            </a:pPr>
-            <a:r>
-              <a:rPr lang="en-US" altLang="en-US" sz="2000" b="1" dirty="0">
-                <a:solidFill>
-                  <a:srgbClr val="333333"/>
-                </a:solidFill>
-                <a:latin typeface="Arial" panose="020B0604020202020204" pitchFamily="34" charset="0"/>
-                <a:ea typeface="Helvetica Neue"/>
-              </a:rPr>
-              <a:t>chlorides:</a:t>
-            </a:r>
-            <a:r>
-              <a:rPr lang="en-US" altLang="en-US" sz="2000" dirty="0">
-                <a:solidFill>
-                  <a:srgbClr val="333333"/>
-                </a:solidFill>
-                <a:latin typeface="Arial" panose="020B0604020202020204" pitchFamily="34" charset="0"/>
-                <a:ea typeface="Helvetica Neue"/>
-              </a:rPr>
-              <a:t> </a:t>
-            </a:r>
-            <a:r>
-              <a:rPr lang="en-US" altLang="en-US" sz="2000" dirty="0">
-                <a:solidFill>
-                  <a:srgbClr val="333333"/>
-                </a:solidFill>
-                <a:latin typeface="Arial" panose="020B0604020202020204" pitchFamily="34" charset="0"/>
-                <a:ea typeface="MathJax_Main"/>
-              </a:rPr>
-              <a:t>(</a:t>
-            </a:r>
-            <a:r>
-              <a:rPr lang="en-US" altLang="en-US" sz="2000" dirty="0">
-                <a:solidFill>
-                  <a:srgbClr val="333333"/>
-                </a:solidFill>
-                <a:latin typeface="Arial" panose="020B0604020202020204" pitchFamily="34" charset="0"/>
-                <a:ea typeface="MathJax_Math-italic"/>
-              </a:rPr>
-              <a:t>g</a:t>
-            </a:r>
-            <a:r>
-              <a:rPr lang="en-US" altLang="en-US" sz="2000" dirty="0">
-                <a:solidFill>
-                  <a:srgbClr val="333333"/>
-                </a:solidFill>
-                <a:latin typeface="Arial" panose="020B0604020202020204" pitchFamily="34" charset="0"/>
-                <a:ea typeface="MathJax_Main"/>
-              </a:rPr>
-              <a:t>(</a:t>
-            </a:r>
-            <a:r>
-              <a:rPr lang="en-US" altLang="en-US" sz="2000" dirty="0">
-                <a:solidFill>
-                  <a:srgbClr val="333333"/>
-                </a:solidFill>
-                <a:latin typeface="Arial" panose="020B0604020202020204" pitchFamily="34" charset="0"/>
-                <a:ea typeface="MathJax_Math-italic"/>
-              </a:rPr>
-              <a:t>sodium</a:t>
-            </a:r>
-            <a:r>
-              <a:rPr lang="en-US" altLang="en-US" sz="2000" dirty="0">
-                <a:solidFill>
-                  <a:srgbClr val="333333"/>
-                </a:solidFill>
-                <a:latin typeface="Arial" panose="020B0604020202020204" pitchFamily="34" charset="0"/>
-                <a:ea typeface="MathJax_Main"/>
-              </a:rPr>
-              <a:t> </a:t>
-            </a:r>
-            <a:r>
-              <a:rPr lang="en-US" altLang="en-US" sz="2000" dirty="0">
-                <a:solidFill>
-                  <a:srgbClr val="333333"/>
-                </a:solidFill>
-                <a:latin typeface="Arial" panose="020B0604020202020204" pitchFamily="34" charset="0"/>
-                <a:ea typeface="MathJax_Math-italic"/>
-              </a:rPr>
-              <a:t>chloride</a:t>
-            </a:r>
-            <a:r>
-              <a:rPr lang="en-US" altLang="en-US" sz="2000" dirty="0">
-                <a:solidFill>
-                  <a:srgbClr val="333333"/>
-                </a:solidFill>
-                <a:latin typeface="Arial" panose="020B0604020202020204" pitchFamily="34" charset="0"/>
-                <a:ea typeface="MathJax_Main"/>
-              </a:rPr>
-              <a:t>)/</a:t>
-            </a:r>
-            <a:r>
-              <a:rPr lang="en-US" altLang="en-US" sz="2000" dirty="0">
-                <a:solidFill>
-                  <a:srgbClr val="333333"/>
-                </a:solidFill>
-                <a:latin typeface="Arial" panose="020B0604020202020204" pitchFamily="34" charset="0"/>
-                <a:ea typeface="MathJax_Math-italic"/>
-              </a:rPr>
-              <a:t>dm</a:t>
-            </a:r>
-            <a:r>
-              <a:rPr lang="en-US" altLang="en-US" sz="2000" dirty="0">
-                <a:solidFill>
-                  <a:srgbClr val="333333"/>
-                </a:solidFill>
-                <a:latin typeface="Arial" panose="020B0604020202020204" pitchFamily="34" charset="0"/>
-                <a:ea typeface="MathJax_Main"/>
-              </a:rPr>
-              <a:t>3)</a:t>
-            </a:r>
-            <a:r>
-              <a:rPr lang="en-US" altLang="en-US" sz="2000" dirty="0">
-                <a:solidFill>
-                  <a:srgbClr val="333333"/>
-                </a:solidFill>
-                <a:latin typeface="Arial" panose="020B0604020202020204" pitchFamily="34" charset="0"/>
-                <a:ea typeface="Helvetica Neue"/>
-              </a:rPr>
-              <a:t> the amount of salt in the wine</a:t>
-            </a:r>
-          </a:p>
-          <a:p>
-            <a:pPr marL="285750" lvl="0" indent="-285750" eaLnBrk="0" fontAlgn="base" hangingPunct="0">
-              <a:spcBef>
-                <a:spcPct val="0"/>
-              </a:spcBef>
-              <a:spcAft>
-                <a:spcPct val="0"/>
-              </a:spcAft>
-              <a:buClrTx/>
-              <a:buFont typeface="Arial" panose="020B0604020202020204" pitchFamily="34" charset="0"/>
-              <a:buChar char="•"/>
-            </a:pPr>
-            <a:r>
-              <a:rPr lang="en-US" altLang="en-US" sz="2000" b="1" dirty="0" err="1">
-                <a:solidFill>
-                  <a:srgbClr val="333333"/>
-                </a:solidFill>
-                <a:latin typeface="Arial" panose="020B0604020202020204" pitchFamily="34" charset="0"/>
-                <a:ea typeface="Helvetica Neue"/>
-              </a:rPr>
-              <a:t>free.sulfure.dioxide</a:t>
-            </a:r>
-            <a:r>
-              <a:rPr lang="en-US" altLang="en-US" sz="2000" b="1" dirty="0">
-                <a:solidFill>
-                  <a:srgbClr val="333333"/>
-                </a:solidFill>
-                <a:latin typeface="Arial" panose="020B0604020202020204" pitchFamily="34" charset="0"/>
-                <a:ea typeface="Helvetica Neue"/>
-              </a:rPr>
-              <a:t>:</a:t>
-            </a:r>
-            <a:r>
-              <a:rPr lang="en-US" altLang="en-US" sz="2000" dirty="0">
-                <a:solidFill>
-                  <a:srgbClr val="333333"/>
-                </a:solidFill>
-                <a:latin typeface="Arial" panose="020B0604020202020204" pitchFamily="34" charset="0"/>
-                <a:ea typeface="Helvetica Neue"/>
-              </a:rPr>
-              <a:t> </a:t>
-            </a:r>
-            <a:r>
-              <a:rPr lang="en-US" altLang="en-US" sz="2000" dirty="0">
-                <a:solidFill>
-                  <a:srgbClr val="333333"/>
-                </a:solidFill>
-                <a:latin typeface="Arial" panose="020B0604020202020204" pitchFamily="34" charset="0"/>
-                <a:ea typeface="MathJax_Main"/>
-              </a:rPr>
-              <a:t>(</a:t>
-            </a:r>
-            <a:r>
-              <a:rPr lang="en-US" altLang="en-US" sz="2000" dirty="0">
-                <a:solidFill>
-                  <a:srgbClr val="333333"/>
-                </a:solidFill>
-                <a:latin typeface="Arial" panose="020B0604020202020204" pitchFamily="34" charset="0"/>
-                <a:ea typeface="MathJax_Math-italic"/>
-              </a:rPr>
-              <a:t>mg</a:t>
-            </a:r>
-            <a:r>
-              <a:rPr lang="en-US" altLang="en-US" sz="2000" dirty="0">
-                <a:solidFill>
-                  <a:srgbClr val="333333"/>
-                </a:solidFill>
-                <a:latin typeface="Arial" panose="020B0604020202020204" pitchFamily="34" charset="0"/>
-                <a:ea typeface="MathJax_Main"/>
-              </a:rPr>
-              <a:t>/</a:t>
-            </a:r>
-            <a:r>
-              <a:rPr lang="en-US" altLang="en-US" sz="2000" dirty="0">
-                <a:solidFill>
-                  <a:srgbClr val="333333"/>
-                </a:solidFill>
-                <a:latin typeface="Arial" panose="020B0604020202020204" pitchFamily="34" charset="0"/>
-                <a:ea typeface="MathJax_Math-italic"/>
-              </a:rPr>
-              <a:t>dm</a:t>
-            </a:r>
-            <a:r>
-              <a:rPr lang="en-US" altLang="en-US" sz="2000" dirty="0">
-                <a:solidFill>
-                  <a:srgbClr val="333333"/>
-                </a:solidFill>
-                <a:latin typeface="Arial" panose="020B0604020202020204" pitchFamily="34" charset="0"/>
-                <a:ea typeface="MathJax_Main"/>
-              </a:rPr>
-              <a:t>3)</a:t>
-            </a:r>
-            <a:r>
-              <a:rPr lang="en-US" altLang="en-US" sz="2000" dirty="0">
-                <a:solidFill>
-                  <a:srgbClr val="333333"/>
-                </a:solidFill>
-                <a:latin typeface="Arial" panose="020B0604020202020204" pitchFamily="34" charset="0"/>
-                <a:ea typeface="Helvetica Neue"/>
-              </a:rPr>
-              <a:t>  the free form of </a:t>
-            </a:r>
-            <a:r>
-              <a:rPr lang="en-US" altLang="en-US" sz="2000" dirty="0">
-                <a:solidFill>
-                  <a:srgbClr val="333333"/>
-                </a:solidFill>
-                <a:latin typeface="Arial" panose="020B0604020202020204" pitchFamily="34" charset="0"/>
-                <a:ea typeface="MathJax_Math-italic"/>
-              </a:rPr>
-              <a:t>S</a:t>
-            </a:r>
-            <a:r>
-              <a:rPr lang="en-US" altLang="en-US" sz="2000" dirty="0">
-                <a:solidFill>
-                  <a:srgbClr val="333333"/>
-                </a:solidFill>
-                <a:latin typeface="Arial" panose="020B0604020202020204" pitchFamily="34" charset="0"/>
-                <a:ea typeface="MathJax_Main"/>
-              </a:rPr>
-              <a:t>02</a:t>
-            </a:r>
-            <a:r>
-              <a:rPr lang="en-US" altLang="en-US" sz="2000" dirty="0">
-                <a:solidFill>
-                  <a:srgbClr val="333333"/>
-                </a:solidFill>
-                <a:latin typeface="Arial" panose="020B0604020202020204" pitchFamily="34" charset="0"/>
-                <a:ea typeface="Helvetica Neue"/>
-              </a:rPr>
-              <a:t>S02 exists in equilibrium between molecular </a:t>
-            </a:r>
-            <a:r>
-              <a:rPr lang="en-US" altLang="en-US" sz="2000" dirty="0">
-                <a:solidFill>
-                  <a:srgbClr val="333333"/>
-                </a:solidFill>
-                <a:latin typeface="Arial" panose="020B0604020202020204" pitchFamily="34" charset="0"/>
-                <a:ea typeface="MathJax_Math-italic"/>
-              </a:rPr>
-              <a:t>S</a:t>
-            </a:r>
-            <a:r>
-              <a:rPr lang="en-US" altLang="en-US" sz="2000" dirty="0">
-                <a:solidFill>
-                  <a:srgbClr val="333333"/>
-                </a:solidFill>
-                <a:latin typeface="Arial" panose="020B0604020202020204" pitchFamily="34" charset="0"/>
-                <a:ea typeface="MathJax_Main"/>
-              </a:rPr>
-              <a:t>02</a:t>
-            </a:r>
-            <a:r>
-              <a:rPr lang="en-US" altLang="en-US" sz="2000" dirty="0">
-                <a:solidFill>
-                  <a:srgbClr val="333333"/>
-                </a:solidFill>
-                <a:latin typeface="Arial" panose="020B0604020202020204" pitchFamily="34" charset="0"/>
-                <a:ea typeface="Helvetica Neue"/>
-              </a:rPr>
-              <a:t>S02 (as a dissolved gas) and bisulfite ion</a:t>
-            </a:r>
-          </a:p>
-          <a:p>
-            <a:pPr marL="285750" lvl="0" indent="-285750" eaLnBrk="0" fontAlgn="base" hangingPunct="0">
-              <a:spcBef>
-                <a:spcPct val="0"/>
-              </a:spcBef>
-              <a:spcAft>
-                <a:spcPct val="0"/>
-              </a:spcAft>
-              <a:buClrTx/>
-              <a:buFont typeface="Arial" panose="020B0604020202020204" pitchFamily="34" charset="0"/>
-              <a:buChar char="•"/>
-            </a:pPr>
-            <a:r>
-              <a:rPr lang="en-US" altLang="en-US" sz="2000" b="1" dirty="0" err="1">
-                <a:solidFill>
-                  <a:srgbClr val="333333"/>
-                </a:solidFill>
-                <a:latin typeface="Arial" panose="020B0604020202020204" pitchFamily="34" charset="0"/>
-                <a:ea typeface="Helvetica Neue"/>
-              </a:rPr>
-              <a:t>total.sulfur.dioxide</a:t>
-            </a:r>
-            <a:r>
-              <a:rPr lang="en-US" altLang="en-US" sz="2000" b="1" dirty="0">
-                <a:solidFill>
-                  <a:srgbClr val="333333"/>
-                </a:solidFill>
-                <a:latin typeface="Arial" panose="020B0604020202020204" pitchFamily="34" charset="0"/>
-                <a:ea typeface="Helvetica Neue"/>
-              </a:rPr>
-              <a:t>:</a:t>
-            </a:r>
-            <a:r>
-              <a:rPr lang="en-US" altLang="en-US" sz="2000" dirty="0">
-                <a:solidFill>
-                  <a:srgbClr val="333333"/>
-                </a:solidFill>
-                <a:latin typeface="Arial" panose="020B0604020202020204" pitchFamily="34" charset="0"/>
-                <a:ea typeface="Helvetica Neue"/>
-              </a:rPr>
-              <a:t> </a:t>
-            </a:r>
-            <a:r>
-              <a:rPr lang="en-US" altLang="en-US" sz="2000" dirty="0">
-                <a:solidFill>
-                  <a:srgbClr val="333333"/>
-                </a:solidFill>
-                <a:latin typeface="Arial" panose="020B0604020202020204" pitchFamily="34" charset="0"/>
-                <a:ea typeface="MathJax_Main"/>
-              </a:rPr>
-              <a:t>(</a:t>
-            </a:r>
-            <a:r>
-              <a:rPr lang="en-US" altLang="en-US" sz="2000" dirty="0">
-                <a:solidFill>
-                  <a:srgbClr val="333333"/>
-                </a:solidFill>
-                <a:latin typeface="Arial" panose="020B0604020202020204" pitchFamily="34" charset="0"/>
-                <a:ea typeface="MathJax_Math-italic"/>
-              </a:rPr>
-              <a:t>mg</a:t>
-            </a:r>
-            <a:r>
-              <a:rPr lang="en-US" altLang="en-US" sz="2000" dirty="0">
-                <a:solidFill>
-                  <a:srgbClr val="333333"/>
-                </a:solidFill>
-                <a:latin typeface="Arial" panose="020B0604020202020204" pitchFamily="34" charset="0"/>
-                <a:ea typeface="MathJax_Main"/>
-              </a:rPr>
-              <a:t>/</a:t>
-            </a:r>
-            <a:r>
-              <a:rPr lang="en-US" altLang="en-US" sz="2000" dirty="0">
-                <a:solidFill>
-                  <a:srgbClr val="333333"/>
-                </a:solidFill>
-                <a:latin typeface="Arial" panose="020B0604020202020204" pitchFamily="34" charset="0"/>
-                <a:ea typeface="MathJax_Math-italic"/>
-              </a:rPr>
-              <a:t>dm</a:t>
-            </a:r>
-            <a:r>
-              <a:rPr lang="en-US" altLang="en-US" sz="2000" dirty="0">
-                <a:solidFill>
-                  <a:srgbClr val="333333"/>
-                </a:solidFill>
-                <a:latin typeface="Arial" panose="020B0604020202020204" pitchFamily="34" charset="0"/>
-                <a:ea typeface="MathJax_Main"/>
-              </a:rPr>
-              <a:t>3)</a:t>
-            </a:r>
-            <a:r>
-              <a:rPr lang="en-US" altLang="en-US" sz="2000" dirty="0">
-                <a:solidFill>
-                  <a:srgbClr val="333333"/>
-                </a:solidFill>
-                <a:latin typeface="Arial" panose="020B0604020202020204" pitchFamily="34" charset="0"/>
-                <a:ea typeface="Helvetica Neue"/>
-              </a:rPr>
-              <a:t> amount of free and bound forms of </a:t>
-            </a:r>
-            <a:r>
-              <a:rPr lang="en-US" altLang="en-US" sz="2000" dirty="0">
-                <a:solidFill>
-                  <a:srgbClr val="333333"/>
-                </a:solidFill>
-                <a:latin typeface="Arial" panose="020B0604020202020204" pitchFamily="34" charset="0"/>
-                <a:ea typeface="MathJax_Math-italic"/>
-              </a:rPr>
-              <a:t>S</a:t>
-            </a:r>
-            <a:r>
-              <a:rPr lang="en-US" altLang="en-US" sz="2000" dirty="0">
-                <a:solidFill>
-                  <a:srgbClr val="333333"/>
-                </a:solidFill>
-                <a:latin typeface="Arial" panose="020B0604020202020204" pitchFamily="34" charset="0"/>
-                <a:ea typeface="MathJax_Main"/>
-              </a:rPr>
-              <a:t>02</a:t>
-            </a:r>
-            <a:r>
-              <a:rPr lang="en-US" altLang="en-US" sz="2000" dirty="0">
-                <a:solidFill>
-                  <a:srgbClr val="333333"/>
-                </a:solidFill>
-                <a:latin typeface="Arial" panose="020B0604020202020204" pitchFamily="34" charset="0"/>
-                <a:ea typeface="Helvetica Neue"/>
-              </a:rPr>
-              <a:t>S02; at free </a:t>
-            </a:r>
-            <a:r>
-              <a:rPr lang="en-US" altLang="en-US" sz="2000" dirty="0">
-                <a:solidFill>
-                  <a:srgbClr val="333333"/>
-                </a:solidFill>
-                <a:latin typeface="Arial" panose="020B0604020202020204" pitchFamily="34" charset="0"/>
-                <a:ea typeface="MathJax_Math-italic"/>
-              </a:rPr>
-              <a:t>S</a:t>
-            </a:r>
-            <a:r>
-              <a:rPr lang="en-US" altLang="en-US" sz="2000" dirty="0">
-                <a:solidFill>
-                  <a:srgbClr val="333333"/>
-                </a:solidFill>
-                <a:latin typeface="Arial" panose="020B0604020202020204" pitchFamily="34" charset="0"/>
-                <a:ea typeface="MathJax_Main"/>
-              </a:rPr>
-              <a:t>02</a:t>
-            </a:r>
-            <a:r>
-              <a:rPr lang="en-US" altLang="en-US" sz="2000" dirty="0">
-                <a:solidFill>
-                  <a:srgbClr val="333333"/>
-                </a:solidFill>
-                <a:latin typeface="Arial" panose="020B0604020202020204" pitchFamily="34" charset="0"/>
-                <a:ea typeface="Helvetica Neue"/>
-              </a:rPr>
-              <a:t>S02 concentration over 50ppm, </a:t>
-            </a:r>
-            <a:r>
-              <a:rPr lang="en-US" altLang="en-US" sz="2000" dirty="0">
-                <a:solidFill>
-                  <a:srgbClr val="333333"/>
-                </a:solidFill>
-                <a:latin typeface="Arial" panose="020B0604020202020204" pitchFamily="34" charset="0"/>
-                <a:ea typeface="MathJax_Math-italic"/>
-              </a:rPr>
-              <a:t>S</a:t>
-            </a:r>
-            <a:r>
-              <a:rPr lang="en-US" altLang="en-US" sz="2000" dirty="0">
-                <a:solidFill>
-                  <a:srgbClr val="333333"/>
-                </a:solidFill>
-                <a:latin typeface="Arial" panose="020B0604020202020204" pitchFamily="34" charset="0"/>
-                <a:ea typeface="MathJax_Main"/>
-              </a:rPr>
-              <a:t>02</a:t>
-            </a:r>
-            <a:r>
-              <a:rPr lang="en-US" altLang="en-US" sz="2000" dirty="0">
-                <a:solidFill>
-                  <a:srgbClr val="333333"/>
-                </a:solidFill>
-                <a:latin typeface="Arial" panose="020B0604020202020204" pitchFamily="34" charset="0"/>
-                <a:ea typeface="Helvetica Neue"/>
-              </a:rPr>
-              <a:t>S02 becomes evident in the smell and taste of the wine</a:t>
-            </a:r>
-          </a:p>
-          <a:p>
-            <a:pPr marL="285750" lvl="0" indent="-285750" eaLnBrk="0" fontAlgn="base" hangingPunct="0">
-              <a:spcBef>
-                <a:spcPct val="0"/>
-              </a:spcBef>
-              <a:spcAft>
-                <a:spcPct val="0"/>
-              </a:spcAft>
-              <a:buClrTx/>
-              <a:buFont typeface="Arial" panose="020B0604020202020204" pitchFamily="34" charset="0"/>
-              <a:buChar char="•"/>
-            </a:pPr>
-            <a:r>
-              <a:rPr lang="en-US" altLang="en-US" sz="2000" b="1" dirty="0">
-                <a:solidFill>
-                  <a:srgbClr val="333333"/>
-                </a:solidFill>
-                <a:latin typeface="Arial" panose="020B0604020202020204" pitchFamily="34" charset="0"/>
-                <a:ea typeface="Helvetica Neue"/>
-              </a:rPr>
-              <a:t>density:</a:t>
-            </a:r>
-            <a:r>
-              <a:rPr lang="en-US" altLang="en-US" sz="2000" dirty="0">
-                <a:solidFill>
-                  <a:srgbClr val="333333"/>
-                </a:solidFill>
-                <a:latin typeface="Arial" panose="020B0604020202020204" pitchFamily="34" charset="0"/>
-                <a:ea typeface="Helvetica Neue"/>
-              </a:rPr>
-              <a:t> </a:t>
-            </a:r>
-            <a:r>
-              <a:rPr lang="en-US" altLang="en-US" sz="2000" dirty="0">
-                <a:solidFill>
-                  <a:srgbClr val="333333"/>
-                </a:solidFill>
-                <a:latin typeface="Arial" panose="020B0604020202020204" pitchFamily="34" charset="0"/>
-                <a:ea typeface="MathJax_Main"/>
-              </a:rPr>
-              <a:t>(</a:t>
-            </a:r>
-            <a:r>
-              <a:rPr lang="en-US" altLang="en-US" sz="2000" dirty="0">
-                <a:solidFill>
-                  <a:srgbClr val="333333"/>
-                </a:solidFill>
-                <a:latin typeface="Arial" panose="020B0604020202020204" pitchFamily="34" charset="0"/>
-                <a:ea typeface="MathJax_Math-italic"/>
-              </a:rPr>
-              <a:t>g</a:t>
-            </a:r>
-            <a:r>
-              <a:rPr lang="en-US" altLang="en-US" sz="2000" dirty="0">
-                <a:solidFill>
-                  <a:srgbClr val="333333"/>
-                </a:solidFill>
-                <a:latin typeface="Arial" panose="020B0604020202020204" pitchFamily="34" charset="0"/>
-                <a:ea typeface="MathJax_Main"/>
-              </a:rPr>
-              <a:t>/</a:t>
-            </a:r>
-            <a:r>
-              <a:rPr lang="en-US" altLang="en-US" sz="2000" dirty="0">
-                <a:solidFill>
-                  <a:srgbClr val="333333"/>
-                </a:solidFill>
-                <a:latin typeface="Arial" panose="020B0604020202020204" pitchFamily="34" charset="0"/>
-                <a:ea typeface="MathJax_Math-italic"/>
-              </a:rPr>
-              <a:t>cm</a:t>
-            </a:r>
-            <a:r>
-              <a:rPr lang="en-US" altLang="en-US" sz="2000" dirty="0">
-                <a:solidFill>
-                  <a:srgbClr val="333333"/>
-                </a:solidFill>
-                <a:latin typeface="Arial" panose="020B0604020202020204" pitchFamily="34" charset="0"/>
-                <a:ea typeface="MathJax_Main"/>
-              </a:rPr>
-              <a:t>3) </a:t>
-            </a:r>
-            <a:r>
-              <a:rPr lang="en-US" altLang="en-US" sz="2000" dirty="0">
-                <a:solidFill>
-                  <a:srgbClr val="333333"/>
-                </a:solidFill>
-                <a:latin typeface="Arial" panose="020B0604020202020204" pitchFamily="34" charset="0"/>
-                <a:ea typeface="Helvetica Neue"/>
-              </a:rPr>
-              <a:t>the density of the liquid, which is close to the density of water depending on the percent alcohol and sugar content in the wine</a:t>
-            </a:r>
-          </a:p>
-          <a:p>
-            <a:pPr marL="285750" lvl="0" indent="-285750" eaLnBrk="0" fontAlgn="base" hangingPunct="0">
-              <a:spcBef>
-                <a:spcPct val="0"/>
-              </a:spcBef>
-              <a:spcAft>
-                <a:spcPct val="0"/>
-              </a:spcAft>
-              <a:buClrTx/>
-              <a:buFont typeface="Arial" panose="020B0604020202020204" pitchFamily="34" charset="0"/>
-              <a:buChar char="•"/>
-            </a:pPr>
-            <a:r>
-              <a:rPr lang="en-US" altLang="en-US" sz="2000" b="1" dirty="0">
-                <a:solidFill>
-                  <a:srgbClr val="333333"/>
-                </a:solidFill>
-                <a:latin typeface="Arial" panose="020B0604020202020204" pitchFamily="34" charset="0"/>
-                <a:ea typeface="Helvetica Neue"/>
-              </a:rPr>
-              <a:t>pH:</a:t>
-            </a:r>
-            <a:r>
-              <a:rPr lang="en-US" altLang="en-US" sz="2000" dirty="0">
-                <a:solidFill>
-                  <a:srgbClr val="333333"/>
-                </a:solidFill>
-                <a:latin typeface="Arial" panose="020B0604020202020204" pitchFamily="34" charset="0"/>
-                <a:ea typeface="Helvetica Neue"/>
-              </a:rPr>
-              <a:t> the indicator of the </a:t>
-            </a:r>
-            <a:r>
-              <a:rPr lang="en-US" altLang="en-US" sz="2000" dirty="0" err="1">
-                <a:solidFill>
-                  <a:srgbClr val="333333"/>
-                </a:solidFill>
-                <a:latin typeface="Arial" panose="020B0604020202020204" pitchFamily="34" charset="0"/>
-                <a:ea typeface="Helvetica Neue"/>
-              </a:rPr>
-              <a:t>acidicity</a:t>
-            </a:r>
-            <a:r>
-              <a:rPr lang="en-US" altLang="en-US" sz="2000" dirty="0">
-                <a:solidFill>
-                  <a:srgbClr val="333333"/>
-                </a:solidFill>
-                <a:latin typeface="Arial" panose="020B0604020202020204" pitchFamily="34" charset="0"/>
-                <a:ea typeface="Helvetica Neue"/>
-              </a:rPr>
-              <a:t> or basic property of the wine on a scale from 0 (very acidic) to 14 (very basic)</a:t>
-            </a:r>
-          </a:p>
-          <a:p>
-            <a:pPr marL="285750" lvl="0" indent="-285750" eaLnBrk="0" fontAlgn="base" hangingPunct="0">
-              <a:spcBef>
-                <a:spcPct val="0"/>
-              </a:spcBef>
-              <a:spcAft>
-                <a:spcPct val="0"/>
-              </a:spcAft>
-              <a:buClrTx/>
-              <a:buFont typeface="Arial" panose="020B0604020202020204" pitchFamily="34" charset="0"/>
-              <a:buChar char="•"/>
-            </a:pPr>
-            <a:r>
-              <a:rPr lang="en-US" altLang="en-US" sz="2000" b="1" dirty="0">
-                <a:solidFill>
-                  <a:srgbClr val="333333"/>
-                </a:solidFill>
-                <a:latin typeface="Arial" panose="020B0604020202020204" pitchFamily="34" charset="0"/>
-                <a:ea typeface="Helvetica Neue"/>
-              </a:rPr>
-              <a:t>sulphates:</a:t>
-            </a:r>
-            <a:r>
-              <a:rPr lang="en-US" altLang="en-US" sz="2000" dirty="0">
-                <a:solidFill>
-                  <a:srgbClr val="333333"/>
-                </a:solidFill>
-                <a:latin typeface="Arial" panose="020B0604020202020204" pitchFamily="34" charset="0"/>
-                <a:ea typeface="Helvetica Neue"/>
-              </a:rPr>
-              <a:t> </a:t>
-            </a:r>
-            <a:r>
-              <a:rPr lang="en-US" altLang="en-US" sz="2000" dirty="0">
-                <a:solidFill>
-                  <a:srgbClr val="333333"/>
-                </a:solidFill>
-                <a:latin typeface="Arial" panose="020B0604020202020204" pitchFamily="34" charset="0"/>
-                <a:ea typeface="MathJax_Main"/>
-              </a:rPr>
-              <a:t>(</a:t>
-            </a:r>
-            <a:r>
-              <a:rPr lang="en-US" altLang="en-US" sz="2000" dirty="0">
-                <a:solidFill>
-                  <a:srgbClr val="333333"/>
-                </a:solidFill>
-                <a:latin typeface="Arial" panose="020B0604020202020204" pitchFamily="34" charset="0"/>
-                <a:ea typeface="MathJax_Math-italic"/>
-              </a:rPr>
-              <a:t>g</a:t>
-            </a:r>
-            <a:r>
-              <a:rPr lang="en-US" altLang="en-US" sz="2000" dirty="0">
-                <a:solidFill>
-                  <a:srgbClr val="333333"/>
-                </a:solidFill>
-                <a:latin typeface="Arial" panose="020B0604020202020204" pitchFamily="34" charset="0"/>
-                <a:ea typeface="MathJax_Main"/>
-              </a:rPr>
-              <a:t>(</a:t>
-            </a:r>
-            <a:r>
-              <a:rPr lang="en-US" altLang="en-US" sz="2000" dirty="0">
-                <a:solidFill>
-                  <a:srgbClr val="333333"/>
-                </a:solidFill>
-                <a:latin typeface="Arial" panose="020B0604020202020204" pitchFamily="34" charset="0"/>
-                <a:ea typeface="MathJax_Math-italic"/>
-              </a:rPr>
-              <a:t>potassium</a:t>
-            </a:r>
-            <a:r>
-              <a:rPr lang="en-US" altLang="en-US" sz="2000" dirty="0">
-                <a:solidFill>
-                  <a:srgbClr val="333333"/>
-                </a:solidFill>
-                <a:latin typeface="Arial" panose="020B0604020202020204" pitchFamily="34" charset="0"/>
-                <a:ea typeface="MathJax_Main"/>
-              </a:rPr>
-              <a:t> </a:t>
-            </a:r>
-            <a:r>
-              <a:rPr lang="en-US" altLang="en-US" sz="2000" dirty="0">
-                <a:solidFill>
-                  <a:srgbClr val="333333"/>
-                </a:solidFill>
-                <a:latin typeface="Arial" panose="020B0604020202020204" pitchFamily="34" charset="0"/>
-                <a:ea typeface="MathJax_Math-italic"/>
-              </a:rPr>
-              <a:t>sulphate</a:t>
-            </a:r>
-            <a:r>
-              <a:rPr lang="en-US" altLang="en-US" sz="2000" dirty="0">
-                <a:solidFill>
-                  <a:srgbClr val="333333"/>
-                </a:solidFill>
-                <a:latin typeface="Arial" panose="020B0604020202020204" pitchFamily="34" charset="0"/>
-                <a:ea typeface="MathJax_Main"/>
-              </a:rPr>
-              <a:t>)/</a:t>
-            </a:r>
-            <a:r>
-              <a:rPr lang="en-US" altLang="en-US" sz="2000" dirty="0">
-                <a:solidFill>
-                  <a:srgbClr val="333333"/>
-                </a:solidFill>
-                <a:latin typeface="Arial" panose="020B0604020202020204" pitchFamily="34" charset="0"/>
-                <a:ea typeface="MathJax_Math-italic"/>
-              </a:rPr>
-              <a:t>dm</a:t>
-            </a:r>
-            <a:r>
-              <a:rPr lang="en-US" altLang="en-US" sz="2000" dirty="0">
-                <a:solidFill>
-                  <a:srgbClr val="333333"/>
-                </a:solidFill>
-                <a:latin typeface="Arial" panose="020B0604020202020204" pitchFamily="34" charset="0"/>
-                <a:ea typeface="MathJax_Main"/>
-              </a:rPr>
-              <a:t>3</a:t>
-            </a:r>
-            <a:r>
-              <a:rPr lang="en-US" altLang="en-US" sz="2000" dirty="0">
-                <a:solidFill>
-                  <a:srgbClr val="333333"/>
-                </a:solidFill>
-                <a:latin typeface="Arial" panose="020B0604020202020204" pitchFamily="34" charset="0"/>
-                <a:ea typeface="Helvetica Neue"/>
-              </a:rPr>
-              <a:t>)a wine additive which can contribute to sulfur dioxide gas </a:t>
-            </a:r>
-            <a:r>
-              <a:rPr lang="en-US" altLang="en-US" sz="2000" dirty="0">
-                <a:solidFill>
-                  <a:srgbClr val="333333"/>
-                </a:solidFill>
-                <a:latin typeface="Arial" panose="020B0604020202020204" pitchFamily="34" charset="0"/>
-                <a:ea typeface="MathJax_Math-italic"/>
-              </a:rPr>
-              <a:t>S</a:t>
-            </a:r>
-            <a:r>
-              <a:rPr lang="en-US" altLang="en-US" sz="2000" dirty="0">
-                <a:solidFill>
-                  <a:srgbClr val="333333"/>
-                </a:solidFill>
-                <a:latin typeface="Arial" panose="020B0604020202020204" pitchFamily="34" charset="0"/>
-                <a:ea typeface="MathJax_Main"/>
-              </a:rPr>
-              <a:t>02</a:t>
-            </a:r>
-            <a:r>
-              <a:rPr lang="en-US" altLang="en-US" sz="2000" dirty="0">
-                <a:solidFill>
-                  <a:srgbClr val="333333"/>
-                </a:solidFill>
-                <a:latin typeface="Arial" panose="020B0604020202020204" pitchFamily="34" charset="0"/>
-                <a:ea typeface="Helvetica Neue"/>
-              </a:rPr>
-              <a:t>S02 levels</a:t>
-            </a:r>
-          </a:p>
-          <a:p>
-            <a:pPr marL="285750" lvl="0" indent="-285750" eaLnBrk="0" fontAlgn="base" hangingPunct="0">
-              <a:spcBef>
-                <a:spcPct val="0"/>
-              </a:spcBef>
-              <a:spcAft>
-                <a:spcPct val="0"/>
-              </a:spcAft>
-              <a:buClrTx/>
-              <a:buFont typeface="Arial" panose="020B0604020202020204" pitchFamily="34" charset="0"/>
-              <a:buChar char="•"/>
-            </a:pPr>
-            <a:r>
-              <a:rPr lang="en-US" altLang="en-US" sz="2000" b="1" dirty="0">
-                <a:solidFill>
-                  <a:srgbClr val="333333"/>
-                </a:solidFill>
-                <a:latin typeface="Arial" panose="020B0604020202020204" pitchFamily="34" charset="0"/>
-                <a:ea typeface="Helvetica Neue"/>
-              </a:rPr>
-              <a:t>alcohol:</a:t>
-            </a:r>
-            <a:r>
-              <a:rPr lang="en-US" altLang="en-US" sz="2000" dirty="0">
-                <a:solidFill>
-                  <a:srgbClr val="333333"/>
-                </a:solidFill>
-                <a:latin typeface="Arial" panose="020B0604020202020204" pitchFamily="34" charset="0"/>
-                <a:ea typeface="Helvetica Neue"/>
-              </a:rPr>
-              <a:t> </a:t>
-            </a:r>
-            <a:r>
-              <a:rPr lang="en-US" altLang="en-US" sz="2000" dirty="0">
-                <a:solidFill>
-                  <a:srgbClr val="333333"/>
-                </a:solidFill>
-                <a:latin typeface="Arial" panose="020B0604020202020204" pitchFamily="34" charset="0"/>
-                <a:ea typeface="MathJax_Main"/>
-              </a:rPr>
-              <a:t>(</a:t>
-            </a:r>
-            <a:r>
-              <a:rPr lang="en-US" altLang="en-US" sz="2000" dirty="0">
-                <a:solidFill>
-                  <a:srgbClr val="333333"/>
-                </a:solidFill>
-                <a:latin typeface="Arial" panose="020B0604020202020204" pitchFamily="34" charset="0"/>
-                <a:ea typeface="MathJax_Math-italic"/>
-              </a:rPr>
-              <a:t>vol. </a:t>
-            </a:r>
-            <a:r>
-              <a:rPr lang="en-US" altLang="en-US" sz="2000" dirty="0">
-                <a:solidFill>
-                  <a:srgbClr val="333333"/>
-                </a:solidFill>
-                <a:latin typeface="Arial" panose="020B0604020202020204" pitchFamily="34" charset="0"/>
-                <a:ea typeface="Helvetica Neue"/>
-              </a:rPr>
-              <a:t>the percent alcohol content of the wine</a:t>
-            </a:r>
-          </a:p>
-          <a:p>
-            <a:br>
-              <a:rPr lang="en-US" sz="2000" dirty="0"/>
-            </a:br>
-            <a:br>
-              <a:rPr lang="en-US" sz="1200" dirty="0"/>
-            </a:br>
-            <a:endParaRPr lang="en-US" sz="1200" dirty="0"/>
-          </a:p>
-        </p:txBody>
-      </p:sp>
-      <p:sp>
-        <p:nvSpPr>
-          <p:cNvPr id="60" name="TextBox 59">
-            <a:extLst>
-              <a:ext uri="{FF2B5EF4-FFF2-40B4-BE49-F238E27FC236}">
-                <a16:creationId xmlns:a16="http://schemas.microsoft.com/office/drawing/2014/main" id="{1425F98C-64CC-4B97-AE87-602DDD396EDA}"/>
-              </a:ext>
-            </a:extLst>
-          </p:cNvPr>
-          <p:cNvSpPr txBox="1"/>
-          <p:nvPr/>
-        </p:nvSpPr>
-        <p:spPr>
-          <a:xfrm>
-            <a:off x="17185998" y="14516371"/>
-            <a:ext cx="9323238" cy="707886"/>
-          </a:xfrm>
-          <a:prstGeom prst="rect">
-            <a:avLst/>
-          </a:prstGeom>
-          <a:noFill/>
-        </p:spPr>
-        <p:txBody>
-          <a:bodyPr wrap="square" rtlCol="0">
-            <a:spAutoFit/>
-          </a:bodyPr>
-          <a:lstStyle/>
-          <a:p>
-            <a:pPr algn="ctr"/>
-            <a:r>
-              <a:rPr lang="en-US" sz="4000" b="1" dirty="0"/>
-              <a:t>Data &amp; Data Exploration</a:t>
-            </a:r>
-            <a:endParaRPr lang="en-US" sz="1800" b="1" dirty="0"/>
-          </a:p>
-        </p:txBody>
-      </p:sp>
-      <p:sp>
-        <p:nvSpPr>
           <p:cNvPr id="55" name="TextBox 54">
             <a:extLst>
               <a:ext uri="{FF2B5EF4-FFF2-40B4-BE49-F238E27FC236}">
@@ -5501,68 +3278,6 @@
               <a:buChar char="•"/>
             </a:pPr>
             <a:endParaRPr lang="en-US" sz="2400" dirty="0"/>
-          </a:p>
-        </p:txBody>
-      </p:sp>
-      <p:sp>
-        <p:nvSpPr>
-          <p:cNvPr id="93" name="TextBox 92">
-            <a:extLst>
-              <a:ext uri="{FF2B5EF4-FFF2-40B4-BE49-F238E27FC236}">
-                <a16:creationId xmlns:a16="http://schemas.microsoft.com/office/drawing/2014/main" id="{22901E07-D9FC-4A73-B23C-E231EC611F4B}"/>
-              </a:ext>
-            </a:extLst>
-          </p:cNvPr>
-          <p:cNvSpPr txBox="1"/>
-          <p:nvPr/>
-        </p:nvSpPr>
-        <p:spPr>
-          <a:xfrm>
-            <a:off x="419131" y="17766470"/>
-            <a:ext cx="11297356" cy="1477328"/>
-          </a:xfrm>
-          <a:prstGeom prst="rect">
-            <a:avLst/>
-          </a:prstGeom>
-          <a:noFill/>
-        </p:spPr>
-        <p:txBody>
-          <a:bodyPr wrap="square" rtlCol="0">
-            <a:spAutoFit/>
-          </a:bodyPr>
-          <a:lstStyle/>
-          <a:p>
-            <a:pPr marL="457200" indent="-457200">
-              <a:buFont typeface="Arial" panose="020B0604020202020204" pitchFamily="34" charset="0"/>
-              <a:buChar char="•"/>
-            </a:pPr>
-            <a:r>
-              <a:rPr lang="en-US" sz="2400" dirty="0"/>
-              <a:t>Model not predicting quality = 1, 2, 9,10</a:t>
-            </a:r>
-          </a:p>
-          <a:p>
-            <a:pPr marL="457200" indent="-457200">
-              <a:buFont typeface="Arial" panose="020B0604020202020204" pitchFamily="34" charset="0"/>
-              <a:buChar char="•"/>
-            </a:pPr>
-            <a:r>
-              <a:rPr lang="en-US" sz="2400" dirty="0"/>
-              <a:t>Overall accuracy: 60%</a:t>
-            </a:r>
-          </a:p>
-          <a:p>
-            <a:pPr marL="457200" indent="-457200">
-              <a:buFont typeface="Arial" panose="020B0604020202020204" pitchFamily="34" charset="0"/>
-              <a:buChar char="•"/>
-            </a:pPr>
-            <a:r>
-              <a:rPr lang="en-US" sz="2400" dirty="0"/>
-              <a:t>Very good job in prediction at quality = 5, 6</a:t>
-            </a:r>
-          </a:p>
-          <a:p>
-            <a:endParaRPr lang="en-US" sz="1800" dirty="0"/>
           </a:p>
         </p:txBody>
       </p:sp>
@@ -5720,97 +3435,6 @@
             <a:r>
               <a:rPr lang="en-US" sz="2400" dirty="0"/>
               <a:t>We believe that acidity </a:t>
-            </a:r>
-          </a:p>
-        </p:txBody>
-      </p:sp>
-      <p:pic>
-        <p:nvPicPr>
-          <p:cNvPr id="1039" name="Picture 15">
-            <a:extLst>
-              <a:ext uri="{FF2B5EF4-FFF2-40B4-BE49-F238E27FC236}">
-                <a16:creationId xmlns:a16="http://schemas.microsoft.com/office/drawing/2014/main" id="{D6512BA7-9D55-47FA-8181-191BED236DF7}"/>
-              </a:ext>
-            </a:extLst>
-          </p:cNvPr>
-          <p:cNvPicPr>
-            <a:picLocks noChangeAspect="1" noChangeArrowheads="1"/>
-          </p:cNvPicPr>
-          <p:nvPr/>
-        </p:nvPicPr>
-        <p:blipFill>
-          <a:blip r:embed="rId5">
-            <a:extLst>
-              <a:ext uri="{28A0092B-C50C-407E-A947-70E740481C1C}">
-                <a14:useLocalDpi xmlns:a14="http://schemas.microsoft.com/office/drawing/2010/main" val="0"/>
-              </a:ext>
-            </a:extLst>
-          </a:blip>
-          <a:srcRect/>
-          <a:stretch>
-            <a:fillRect/>
-          </a:stretch>
-        </p:blipFill>
-        <p:spPr bwMode="auto">
-          <a:xfrm>
-            <a:off x="34396006" y="12827479"/>
-            <a:ext cx="7446131" cy="5613378"/>
-          </a:xfrm>
-          <a:prstGeom prst="rect">
-            <a:avLst/>
-          </a:prstGeom>
-          <a:noFill/>
-          <a:extLst>
-            <a:ext uri="{909E8E84-426E-40DD-AFC4-6F175D3DCCD1}">
-              <a14:hiddenFill xmlns:a14="http://schemas.microsoft.com/office/drawing/2010/main">
-                <a:solidFill>
-                  <a:srgbClr val="FFFFFF"/>
-                </a:solidFill>
-              </a14:hiddenFill>
-            </a:ext>
-          </a:extLst>
-        </p:spPr>
-      </p:pic>
-      <p:sp>
-        <p:nvSpPr>
-          <p:cNvPr id="109" name="TextBox 108">
-            <a:extLst>
-              <a:ext uri="{FF2B5EF4-FFF2-40B4-BE49-F238E27FC236}">
-                <a16:creationId xmlns:a16="http://schemas.microsoft.com/office/drawing/2014/main" id="{DFC49F18-80C9-4552-8BCB-8C44E8C3BE90}"/>
-              </a:ext>
-            </a:extLst>
-          </p:cNvPr>
-          <p:cNvSpPr txBox="1"/>
-          <p:nvPr/>
-        </p:nvSpPr>
-        <p:spPr>
-          <a:xfrm>
-            <a:off x="32735136" y="18499526"/>
-            <a:ext cx="10526515" cy="1938992"/>
-          </a:xfrm>
-          <a:prstGeom prst="rect">
-            <a:avLst/>
-          </a:prstGeom>
-          <a:noFill/>
-        </p:spPr>
-        <p:txBody>
-          <a:bodyPr wrap="square" rtlCol="0">
-            <a:spAutoFit/>
-          </a:bodyPr>
-          <a:lstStyle/>
-          <a:p>
-            <a:r>
-              <a:rPr lang="en-US" sz="2400" dirty="0"/>
-              <a:t>From the ROC curve and AUC calculation, we can see the curve is fairly close to the top left corner (area under the curve is close to 1). </a:t>
-            </a:r>
-          </a:p>
-          <a:p>
-            <a:endParaRPr lang="en-US" sz="2400" dirty="0"/>
-          </a:p>
-          <a:p>
-            <a:r>
-              <a:rPr lang="en-US" sz="2400" dirty="0"/>
-              <a:t>This shows that the logistic model is able to distinguish between good and not good quality, so this is a pretty good model.</a:t>
             </a:r>
           </a:p>
         </p:txBody>
@@ -6244,12 +3868,110 @@
           </p:cxnSp>
         </p:grpSp>
       </p:grpSp>
+      <p:pic>
+        <p:nvPicPr>
+          <p:cNvPr id="84" name="Picture 83">
+            <a:extLst>
+              <a:ext uri="{FF2B5EF4-FFF2-40B4-BE49-F238E27FC236}">
+                <a16:creationId xmlns:a16="http://schemas.microsoft.com/office/drawing/2014/main" id="{A8AA56A3-1F16-475E-A574-74C072B931B0}"/>
+              </a:ext>
+            </a:extLst>
+          </p:cNvPr>
+          <p:cNvPicPr>
+            <a:picLocks noChangeAspect="1"/>
+          </p:cNvPicPr>
+          <p:nvPr/>
+        </p:nvPicPr>
+        <p:blipFill>
+          <a:blip r:embed="rId3"/>
+          <a:stretch>
+            <a:fillRect/>
+          </a:stretch>
+        </p:blipFill>
+        <p:spPr>
+          <a:xfrm>
+            <a:off x="32650489" y="1897697"/>
+            <a:ext cx="11180121" cy="5290147"/>
+          </a:xfrm>
+          <a:prstGeom prst="rect">
+            <a:avLst/>
+          </a:prstGeom>
+        </p:spPr>
+      </p:pic>
+      <p:pic>
+        <p:nvPicPr>
+          <p:cNvPr id="85" name="Picture 84">
+            <a:extLst>
+              <a:ext uri="{FF2B5EF4-FFF2-40B4-BE49-F238E27FC236}">
+                <a16:creationId xmlns:a16="http://schemas.microsoft.com/office/drawing/2014/main" id="{577767B9-A1CF-4B3C-8E45-0833AE06CC27}"/>
+              </a:ext>
+            </a:extLst>
+          </p:cNvPr>
+          <p:cNvPicPr>
+            <a:picLocks noChangeAspect="1"/>
+          </p:cNvPicPr>
+          <p:nvPr/>
+        </p:nvPicPr>
+        <p:blipFill>
+          <a:blip r:embed="rId4"/>
+          <a:stretch>
+            <a:fillRect/>
+          </a:stretch>
+        </p:blipFill>
+        <p:spPr>
+          <a:xfrm>
+            <a:off x="315536" y="1828573"/>
+            <a:ext cx="10925175" cy="5915025"/>
+          </a:xfrm>
+          <a:prstGeom prst="rect">
+            <a:avLst/>
+          </a:prstGeom>
+        </p:spPr>
+      </p:pic>
+      <p:sp>
+        <p:nvSpPr>
+          <p:cNvPr id="8" name="文本框 7">
+            <a:extLst>
+              <a:ext uri="{FF2B5EF4-FFF2-40B4-BE49-F238E27FC236}">
+                <a16:creationId xmlns:a16="http://schemas.microsoft.com/office/drawing/2014/main" id="{D4F983C4-CD7D-4D8B-A72E-8E7D2755127C}"/>
+              </a:ext>
+            </a:extLst>
+          </p:cNvPr>
+          <p:cNvSpPr txBox="1"/>
+          <p:nvPr/>
+        </p:nvSpPr>
+        <p:spPr>
+          <a:xfrm>
+            <a:off x="315536" y="31020703"/>
+            <a:ext cx="10925175" cy="523220"/>
+          </a:xfrm>
+          <a:prstGeom prst="rect">
+            <a:avLst/>
+          </a:prstGeom>
+          <a:noFill/>
+        </p:spPr>
+        <p:txBody>
+          <a:bodyPr wrap="square" rtlCol="0">
+            <a:spAutoFit/>
+          </a:bodyPr>
+          <a:lstStyle/>
+          <a:p>
+            <a:r>
+              <a:rPr lang="en-US" altLang="zh-CN" dirty="0"/>
+              <a:t>References:</a:t>
+            </a:r>
+          </a:p>
+          <a:p>
+            <a:endParaRPr lang="zh-CN" altLang="en-US" dirty="0"/>
+          </a:p>
+        </p:txBody>
+      </p:sp>
       <p:grpSp>
         <p:nvGrpSpPr>
-          <p:cNvPr id="110" name="Group 109">
+          <p:cNvPr id="14" name="Group 13">
             <a:extLst>
               <a:ext uri="{FF2B5EF4-FFF2-40B4-BE49-F238E27FC236}">
-                <a16:creationId xmlns:a16="http://schemas.microsoft.com/office/drawing/2014/main" id="{DA683BDF-32A1-4409-9E70-51EFD3EF96CA}"/>
+                <a16:creationId xmlns:a16="http://schemas.microsoft.com/office/drawing/2014/main" id="{FB57CE20-139F-43B6-A2D7-BD0FF4856C9F}"/>
               </a:ext>
             </a:extLst>
           </p:cNvPr>
@@ -6258,7 +3980,2731 @@
         </p:nvGrpSpPr>
         <p:grpSpPr>
           <a:xfrm>
-            <a:off x="33364685" y="11796158"/>
+            <a:off x="14697548" y="9711822"/>
+            <a:ext cx="2156581" cy="1776901"/>
+            <a:chOff x="14484188" y="9658482"/>
+            <a:chExt cx="2156581" cy="1776901"/>
+          </a:xfrm>
+        </p:grpSpPr>
+        <p:pic>
+          <p:nvPicPr>
+            <p:cNvPr id="2" name="Picture 2" descr="Aveleda Casal Garcia Vinho Verde White N.V.">
+              <a:extLst>
+                <a:ext uri="{FF2B5EF4-FFF2-40B4-BE49-F238E27FC236}">
+                  <a16:creationId xmlns:a16="http://schemas.microsoft.com/office/drawing/2014/main" id="{07A24BEC-4C9D-4454-84FC-FDC491D87AEA}"/>
+                </a:ext>
+              </a:extLst>
+            </p:cNvPr>
+            <p:cNvPicPr>
+              <a:picLocks noChangeAspect="1" noChangeArrowheads="1"/>
+            </p:cNvPicPr>
+            <p:nvPr/>
+          </p:nvPicPr>
+          <p:blipFill>
+            <a:blip r:embed="rId5">
+              <a:extLst>
+                <a:ext uri="{28A0092B-C50C-407E-A947-70E740481C1C}">
+                  <a14:useLocalDpi xmlns:a14="http://schemas.microsoft.com/office/drawing/2010/main" val="0"/>
+                </a:ext>
+              </a:extLst>
+            </a:blip>
+            <a:srcRect/>
+            <a:stretch>
+              <a:fillRect/>
+            </a:stretch>
+          </p:blipFill>
+          <p:spPr bwMode="auto">
+            <a:xfrm rot="11008">
+              <a:off x="14484188" y="9658482"/>
+              <a:ext cx="428185" cy="1776901"/>
+            </a:xfrm>
+            <a:prstGeom prst="rect">
+              <a:avLst/>
+            </a:prstGeom>
+            <a:noFill/>
+            <a:extLst>
+              <a:ext uri="{909E8E84-426E-40DD-AFC4-6F175D3DCCD1}">
+                <a14:hiddenFill xmlns:a14="http://schemas.microsoft.com/office/drawing/2010/main">
+                  <a:solidFill>
+                    <a:srgbClr val="FFFFFF"/>
+                  </a:solidFill>
+                </a14:hiddenFill>
+              </a:ext>
+            </a:extLst>
+          </p:spPr>
+        </p:pic>
+        <p:pic>
+          <p:nvPicPr>
+            <p:cNvPr id="66" name="Picture 2" descr="Aveleda Casal Garcia Vinho Verde White N.V.">
+              <a:extLst>
+                <a:ext uri="{FF2B5EF4-FFF2-40B4-BE49-F238E27FC236}">
+                  <a16:creationId xmlns:a16="http://schemas.microsoft.com/office/drawing/2014/main" id="{DF3B0163-F2CF-41ED-B5D7-8D2AD96B3D44}"/>
+                </a:ext>
+              </a:extLst>
+            </p:cNvPr>
+            <p:cNvPicPr>
+              <a:picLocks noChangeAspect="1" noChangeArrowheads="1"/>
+            </p:cNvPicPr>
+            <p:nvPr/>
+          </p:nvPicPr>
+          <p:blipFill>
+            <a:blip r:embed="rId5">
+              <a:extLst>
+                <a:ext uri="{28A0092B-C50C-407E-A947-70E740481C1C}">
+                  <a14:useLocalDpi xmlns:a14="http://schemas.microsoft.com/office/drawing/2010/main" val="0"/>
+                </a:ext>
+              </a:extLst>
+            </a:blip>
+            <a:srcRect/>
+            <a:stretch>
+              <a:fillRect/>
+            </a:stretch>
+          </p:blipFill>
+          <p:spPr bwMode="auto">
+            <a:xfrm rot="11008">
+              <a:off x="14916287" y="9658482"/>
+              <a:ext cx="428185" cy="1776901"/>
+            </a:xfrm>
+            <a:prstGeom prst="rect">
+              <a:avLst/>
+            </a:prstGeom>
+            <a:noFill/>
+            <a:extLst>
+              <a:ext uri="{909E8E84-426E-40DD-AFC4-6F175D3DCCD1}">
+                <a14:hiddenFill xmlns:a14="http://schemas.microsoft.com/office/drawing/2010/main">
+                  <a:solidFill>
+                    <a:srgbClr val="FFFFFF"/>
+                  </a:solidFill>
+                </a14:hiddenFill>
+              </a:ext>
+            </a:extLst>
+          </p:spPr>
+        </p:pic>
+        <p:pic>
+          <p:nvPicPr>
+            <p:cNvPr id="67" name="Picture 2" descr="Aveleda Casal Garcia Vinho Verde White N.V.">
+              <a:extLst>
+                <a:ext uri="{FF2B5EF4-FFF2-40B4-BE49-F238E27FC236}">
+                  <a16:creationId xmlns:a16="http://schemas.microsoft.com/office/drawing/2014/main" id="{E0C39A4D-677F-4BBF-9EBD-7035EFF731D2}"/>
+                </a:ext>
+              </a:extLst>
+            </p:cNvPr>
+            <p:cNvPicPr>
+              <a:picLocks noChangeAspect="1" noChangeArrowheads="1"/>
+            </p:cNvPicPr>
+            <p:nvPr/>
+          </p:nvPicPr>
+          <p:blipFill>
+            <a:blip r:embed="rId5">
+              <a:extLst>
+                <a:ext uri="{28A0092B-C50C-407E-A947-70E740481C1C}">
+                  <a14:useLocalDpi xmlns:a14="http://schemas.microsoft.com/office/drawing/2010/main" val="0"/>
+                </a:ext>
+              </a:extLst>
+            </a:blip>
+            <a:srcRect/>
+            <a:stretch>
+              <a:fillRect/>
+            </a:stretch>
+          </p:blipFill>
+          <p:spPr bwMode="auto">
+            <a:xfrm rot="11008">
+              <a:off x="15348386" y="9658482"/>
+              <a:ext cx="428185" cy="1776901"/>
+            </a:xfrm>
+            <a:prstGeom prst="rect">
+              <a:avLst/>
+            </a:prstGeom>
+            <a:noFill/>
+            <a:extLst>
+              <a:ext uri="{909E8E84-426E-40DD-AFC4-6F175D3DCCD1}">
+                <a14:hiddenFill xmlns:a14="http://schemas.microsoft.com/office/drawing/2010/main">
+                  <a:solidFill>
+                    <a:srgbClr val="FFFFFF"/>
+                  </a:solidFill>
+                </a14:hiddenFill>
+              </a:ext>
+            </a:extLst>
+          </p:spPr>
+        </p:pic>
+        <p:pic>
+          <p:nvPicPr>
+            <p:cNvPr id="68" name="Picture 2" descr="Aveleda Casal Garcia Vinho Verde White N.V.">
+              <a:extLst>
+                <a:ext uri="{FF2B5EF4-FFF2-40B4-BE49-F238E27FC236}">
+                  <a16:creationId xmlns:a16="http://schemas.microsoft.com/office/drawing/2014/main" id="{664523AD-4AD8-47FE-BC00-7390FAB789D0}"/>
+                </a:ext>
+              </a:extLst>
+            </p:cNvPr>
+            <p:cNvPicPr>
+              <a:picLocks noChangeAspect="1" noChangeArrowheads="1"/>
+            </p:cNvPicPr>
+            <p:nvPr/>
+          </p:nvPicPr>
+          <p:blipFill>
+            <a:blip r:embed="rId5">
+              <a:extLst>
+                <a:ext uri="{28A0092B-C50C-407E-A947-70E740481C1C}">
+                  <a14:useLocalDpi xmlns:a14="http://schemas.microsoft.com/office/drawing/2010/main" val="0"/>
+                </a:ext>
+              </a:extLst>
+            </a:blip>
+            <a:srcRect/>
+            <a:stretch>
+              <a:fillRect/>
+            </a:stretch>
+          </p:blipFill>
+          <p:spPr bwMode="auto">
+            <a:xfrm rot="11008">
+              <a:off x="15780485" y="9658482"/>
+              <a:ext cx="428185" cy="1776901"/>
+            </a:xfrm>
+            <a:prstGeom prst="rect">
+              <a:avLst/>
+            </a:prstGeom>
+            <a:noFill/>
+            <a:extLst>
+              <a:ext uri="{909E8E84-426E-40DD-AFC4-6F175D3DCCD1}">
+                <a14:hiddenFill xmlns:a14="http://schemas.microsoft.com/office/drawing/2010/main">
+                  <a:solidFill>
+                    <a:srgbClr val="FFFFFF"/>
+                  </a:solidFill>
+                </a14:hiddenFill>
+              </a:ext>
+            </a:extLst>
+          </p:spPr>
+        </p:pic>
+        <p:pic>
+          <p:nvPicPr>
+            <p:cNvPr id="69" name="Picture 2" descr="Aveleda Casal Garcia Vinho Verde White N.V.">
+              <a:extLst>
+                <a:ext uri="{FF2B5EF4-FFF2-40B4-BE49-F238E27FC236}">
+                  <a16:creationId xmlns:a16="http://schemas.microsoft.com/office/drawing/2014/main" id="{7D865A2B-C9DA-4F51-B727-54454592F9D0}"/>
+                </a:ext>
+              </a:extLst>
+            </p:cNvPr>
+            <p:cNvPicPr>
+              <a:picLocks noChangeAspect="1" noChangeArrowheads="1"/>
+            </p:cNvPicPr>
+            <p:nvPr/>
+          </p:nvPicPr>
+          <p:blipFill>
+            <a:blip r:embed="rId5">
+              <a:extLst>
+                <a:ext uri="{28A0092B-C50C-407E-A947-70E740481C1C}">
+                  <a14:useLocalDpi xmlns:a14="http://schemas.microsoft.com/office/drawing/2010/main" val="0"/>
+                </a:ext>
+              </a:extLst>
+            </a:blip>
+            <a:srcRect/>
+            <a:stretch>
+              <a:fillRect/>
+            </a:stretch>
+          </p:blipFill>
+          <p:spPr bwMode="auto">
+            <a:xfrm rot="11008">
+              <a:off x="16212584" y="9658482"/>
+              <a:ext cx="428185" cy="1776901"/>
+            </a:xfrm>
+            <a:prstGeom prst="rect">
+              <a:avLst/>
+            </a:prstGeom>
+            <a:noFill/>
+            <a:extLst>
+              <a:ext uri="{909E8E84-426E-40DD-AFC4-6F175D3DCCD1}">
+                <a14:hiddenFill xmlns:a14="http://schemas.microsoft.com/office/drawing/2010/main">
+                  <a:solidFill>
+                    <a:srgbClr val="FFFFFF"/>
+                  </a:solidFill>
+                </a14:hiddenFill>
+              </a:ext>
+            </a:extLst>
+          </p:spPr>
+        </p:pic>
+      </p:grpSp>
+      <p:grpSp>
+        <p:nvGrpSpPr>
+          <p:cNvPr id="73" name="Group 72">
+            <a:extLst>
+              <a:ext uri="{FF2B5EF4-FFF2-40B4-BE49-F238E27FC236}">
+                <a16:creationId xmlns:a16="http://schemas.microsoft.com/office/drawing/2014/main" id="{3AD273E8-0FC9-49A8-A4FC-28DFC3790D90}"/>
+              </a:ext>
+            </a:extLst>
+          </p:cNvPr>
+          <p:cNvGrpSpPr/>
+          <p:nvPr/>
+        </p:nvGrpSpPr>
+        <p:grpSpPr>
+          <a:xfrm>
+            <a:off x="11898630" y="3639635"/>
+            <a:ext cx="20093940" cy="5056296"/>
+            <a:chOff x="12031980" y="3630894"/>
+            <a:chExt cx="20093940" cy="5499299"/>
+          </a:xfrm>
+        </p:grpSpPr>
+        <p:sp>
+          <p:nvSpPr>
+            <p:cNvPr id="75" name="TextBox 74">
+              <a:extLst>
+                <a:ext uri="{FF2B5EF4-FFF2-40B4-BE49-F238E27FC236}">
+                  <a16:creationId xmlns:a16="http://schemas.microsoft.com/office/drawing/2014/main" id="{DCDD2CD7-E88E-458A-BEB6-3B170D5C6FA6}"/>
+                </a:ext>
+              </a:extLst>
+            </p:cNvPr>
+            <p:cNvSpPr txBox="1"/>
+            <p:nvPr/>
+          </p:nvSpPr>
+          <p:spPr>
+            <a:xfrm>
+              <a:off x="17413540" y="3630894"/>
+              <a:ext cx="8944606" cy="1205072"/>
+            </a:xfrm>
+            <a:prstGeom prst="rect">
+              <a:avLst/>
+            </a:prstGeom>
+            <a:noFill/>
+          </p:spPr>
+          <p:txBody>
+            <a:bodyPr wrap="square" rtlCol="0">
+              <a:spAutoFit/>
+            </a:bodyPr>
+            <a:lstStyle/>
+            <a:p>
+              <a:pPr algn="ctr"/>
+              <a:r>
+                <a:rPr lang="en-US" sz="6600" b="1" dirty="0">
+                  <a:solidFill>
+                    <a:schemeClr val="tx1">
+                      <a:lumMod val="65000"/>
+                      <a:lumOff val="35000"/>
+                    </a:schemeClr>
+                  </a:solidFill>
+                </a:rPr>
+                <a:t>W</a:t>
+              </a:r>
+              <a:r>
+                <a:rPr lang="en-US" sz="4000" b="1" dirty="0">
+                  <a:solidFill>
+                    <a:schemeClr val="tx1">
+                      <a:lumMod val="65000"/>
+                      <a:lumOff val="35000"/>
+                    </a:schemeClr>
+                  </a:solidFill>
+                </a:rPr>
+                <a:t>hat Makes a Good Glass of Wine</a:t>
+              </a:r>
+              <a:endParaRPr lang="en-US" b="1" dirty="0">
+                <a:solidFill>
+                  <a:schemeClr val="tx1">
+                    <a:lumMod val="65000"/>
+                    <a:lumOff val="35000"/>
+                  </a:schemeClr>
+                </a:solidFill>
+              </a:endParaRPr>
+            </a:p>
+          </p:txBody>
+        </p:sp>
+        <p:sp>
+          <p:nvSpPr>
+            <p:cNvPr id="80" name="Rectangle 79">
+              <a:extLst>
+                <a:ext uri="{FF2B5EF4-FFF2-40B4-BE49-F238E27FC236}">
+                  <a16:creationId xmlns:a16="http://schemas.microsoft.com/office/drawing/2014/main" id="{0261F5EA-43A9-4455-9B15-6C3EBE43A29D}"/>
+                </a:ext>
+              </a:extLst>
+            </p:cNvPr>
+            <p:cNvSpPr/>
+            <p:nvPr/>
+          </p:nvSpPr>
+          <p:spPr>
+            <a:xfrm>
+              <a:off x="12031980" y="4678123"/>
+              <a:ext cx="20093940" cy="4452070"/>
+            </a:xfrm>
+            <a:prstGeom prst="rect">
+              <a:avLst/>
+            </a:prstGeom>
+          </p:spPr>
+          <p:txBody>
+            <a:bodyPr wrap="square">
+              <a:spAutoFit/>
+            </a:bodyPr>
+            <a:lstStyle/>
+            <a:p>
+              <a:r>
+                <a:rPr lang="en-US" sz="2400" dirty="0"/>
+                <a:t>Project Goal: </a:t>
+              </a:r>
+              <a:r>
+                <a:rPr lang="en-US" sz="2400" b="1" dirty="0"/>
+                <a:t>Explanation</a:t>
+              </a:r>
+              <a:r>
+                <a:rPr lang="en-US" sz="2400" dirty="0"/>
+                <a:t>. </a:t>
+              </a:r>
+            </a:p>
+            <a:p>
+              <a:r>
+                <a:rPr lang="en-US" sz="2400" dirty="0"/>
+                <a:t>To identify variables that are important in explaining variation in the response.</a:t>
+              </a:r>
+            </a:p>
+            <a:p>
+              <a:endParaRPr lang="en-US" sz="2400" dirty="0"/>
+            </a:p>
+            <a:p>
+              <a:r>
+                <a:rPr lang="en-US" sz="2400" dirty="0"/>
+                <a:t>We are interested in </a:t>
+              </a:r>
+              <a:r>
+                <a:rPr lang="en-US" sz="2400" b="1" dirty="0"/>
+                <a:t>researching what factors contribute to the quality of wine for different types of red </a:t>
+              </a:r>
+              <a:r>
+                <a:rPr lang="en-US" sz="2400" b="1" dirty="0" err="1"/>
+                <a:t>vinho</a:t>
+              </a:r>
+              <a:r>
+                <a:rPr lang="en-US" sz="2400" b="1" dirty="0"/>
+                <a:t> </a:t>
+              </a:r>
+              <a:r>
+                <a:rPr lang="en-US" sz="2400" b="1" dirty="0" err="1"/>
+                <a:t>verde</a:t>
+              </a:r>
+              <a:r>
+                <a:rPr lang="en-US" sz="2400" b="1" dirty="0"/>
+                <a:t> from Portugal</a:t>
+              </a:r>
+            </a:p>
+            <a:p>
+              <a:endParaRPr lang="en-US" sz="2000" dirty="0"/>
+            </a:p>
+            <a:p>
+              <a:r>
+                <a:rPr lang="en-US" sz="2400" dirty="0"/>
+                <a:t>What makes good glass of wine? How do wine experts evaluate whether a wine satiate human palettes? We picked red </a:t>
+              </a:r>
+              <a:r>
+                <a:rPr lang="en-US" sz="2400" dirty="0" err="1"/>
+                <a:t>vinho</a:t>
+              </a:r>
+              <a:r>
+                <a:rPr lang="en-US" sz="2400" dirty="0"/>
+                <a:t> </a:t>
+              </a:r>
+              <a:r>
+                <a:rPr lang="en-US" sz="2400" dirty="0" err="1"/>
+                <a:t>verde</a:t>
+              </a:r>
+              <a:r>
+                <a:rPr lang="en-US" sz="2400" dirty="0"/>
+                <a:t> from Portugal to conduct our research. The data set in this research was used to predict quality of wine for future wine certification, complementary to human wine tasters, in the paper we cited. We believe that this dataset can also be used to analyze what chemical factors are attributable to the final rating of wine. Understanding what makes a good wine may shed light on future directions for chemical methods that could improve/preserve wine quality.</a:t>
+              </a:r>
+              <a:br>
+                <a:rPr lang="en-US" sz="2400" dirty="0"/>
+              </a:br>
+              <a:br>
+                <a:rPr lang="en-US" sz="2400" dirty="0"/>
+              </a:br>
+              <a:endParaRPr lang="en-US" sz="2400" dirty="0"/>
+            </a:p>
+          </p:txBody>
+        </p:sp>
+      </p:grpSp>
+      <p:grpSp>
+        <p:nvGrpSpPr>
+          <p:cNvPr id="95" name="Group 94">
+            <a:extLst>
+              <a:ext uri="{FF2B5EF4-FFF2-40B4-BE49-F238E27FC236}">
+                <a16:creationId xmlns:a16="http://schemas.microsoft.com/office/drawing/2014/main" id="{3CBE3BE9-0AC3-4718-A2A5-3947B8A857BC}"/>
+              </a:ext>
+            </a:extLst>
+          </p:cNvPr>
+          <p:cNvGrpSpPr/>
+          <p:nvPr/>
+        </p:nvGrpSpPr>
+        <p:grpSpPr>
+          <a:xfrm>
+            <a:off x="13023847" y="8507594"/>
+            <a:ext cx="17843506" cy="3977006"/>
+            <a:chOff x="13023847" y="9157130"/>
+            <a:chExt cx="17843506" cy="3977006"/>
+          </a:xfrm>
+        </p:grpSpPr>
+        <p:grpSp>
+          <p:nvGrpSpPr>
+            <p:cNvPr id="96" name="Group 95">
+              <a:extLst>
+                <a:ext uri="{FF2B5EF4-FFF2-40B4-BE49-F238E27FC236}">
+                  <a16:creationId xmlns:a16="http://schemas.microsoft.com/office/drawing/2014/main" id="{92C0FB73-2545-47A9-8617-4A9D343B6C60}"/>
+                </a:ext>
+              </a:extLst>
+            </p:cNvPr>
+            <p:cNvGrpSpPr/>
+            <p:nvPr/>
+          </p:nvGrpSpPr>
+          <p:grpSpPr>
+            <a:xfrm>
+              <a:off x="14798343" y="9157130"/>
+              <a:ext cx="14294514" cy="3508425"/>
+              <a:chOff x="15822725" y="8667448"/>
+              <a:chExt cx="12126238" cy="3508425"/>
+            </a:xfrm>
+          </p:grpSpPr>
+          <p:sp>
+            <p:nvSpPr>
+              <p:cNvPr id="105" name="TextBox 104">
+                <a:extLst>
+                  <a:ext uri="{FF2B5EF4-FFF2-40B4-BE49-F238E27FC236}">
+                    <a16:creationId xmlns:a16="http://schemas.microsoft.com/office/drawing/2014/main" id="{10FA1C6A-1B0D-45EC-8473-EB89B3D69A97}"/>
+                  </a:ext>
+                </a:extLst>
+              </p:cNvPr>
+              <p:cNvSpPr txBox="1"/>
+              <p:nvPr/>
+            </p:nvSpPr>
+            <p:spPr>
+              <a:xfrm>
+                <a:off x="15822725" y="8667448"/>
+                <a:ext cx="12126238" cy="1107996"/>
+              </a:xfrm>
+              <a:prstGeom prst="rect">
+                <a:avLst/>
+              </a:prstGeom>
+              <a:noFill/>
+            </p:spPr>
+            <p:txBody>
+              <a:bodyPr wrap="square" rtlCol="0">
+                <a:spAutoFit/>
+              </a:bodyPr>
+              <a:lstStyle/>
+              <a:p>
+                <a:pPr algn="ctr"/>
+                <a:r>
+                  <a:rPr lang="en-US" sz="6600" b="1" dirty="0">
+                    <a:solidFill>
+                      <a:schemeClr val="tx1">
+                        <a:lumMod val="65000"/>
+                        <a:lumOff val="35000"/>
+                      </a:schemeClr>
+                    </a:solidFill>
+                  </a:rPr>
+                  <a:t>W</a:t>
+                </a:r>
+                <a:r>
+                  <a:rPr lang="en-US" sz="4000" b="1" dirty="0">
+                    <a:solidFill>
+                      <a:schemeClr val="tx1">
+                        <a:lumMod val="65000"/>
+                        <a:lumOff val="35000"/>
+                      </a:schemeClr>
+                    </a:solidFill>
+                  </a:rPr>
+                  <a:t>hy Proportional Odds &amp; Logistic Model</a:t>
+                </a:r>
+                <a:endParaRPr lang="en-US" sz="1800" b="1" dirty="0">
+                  <a:solidFill>
+                    <a:schemeClr val="tx1">
+                      <a:lumMod val="65000"/>
+                      <a:lumOff val="35000"/>
+                    </a:schemeClr>
+                  </a:solidFill>
+                </a:endParaRPr>
+              </a:p>
+            </p:txBody>
+          </p:sp>
+          <p:sp>
+            <p:nvSpPr>
+              <p:cNvPr id="106" name="Rectangle 105">
+                <a:extLst>
+                  <a:ext uri="{FF2B5EF4-FFF2-40B4-BE49-F238E27FC236}">
+                    <a16:creationId xmlns:a16="http://schemas.microsoft.com/office/drawing/2014/main" id="{34A5BB44-D0E3-4A7E-AD48-476F832B0C1C}"/>
+                  </a:ext>
+                </a:extLst>
+              </p:cNvPr>
+              <p:cNvSpPr/>
+              <p:nvPr/>
+            </p:nvSpPr>
+            <p:spPr>
+              <a:xfrm>
+                <a:off x="18720981" y="10236881"/>
+                <a:ext cx="6705059" cy="1938992"/>
+              </a:xfrm>
+              <a:prstGeom prst="rect">
+                <a:avLst/>
+              </a:prstGeom>
+            </p:spPr>
+            <p:txBody>
+              <a:bodyPr wrap="square">
+                <a:spAutoFit/>
+              </a:bodyPr>
+              <a:lstStyle/>
+              <a:p>
+                <a:r>
+                  <a:rPr lang="en-US" altLang="zh-CN" sz="2400" b="1" dirty="0"/>
+                  <a:t>P</a:t>
+                </a:r>
+                <a:r>
+                  <a:rPr lang="en-US" sz="2400" b="1" dirty="0"/>
+                  <a:t>roportional odds model</a:t>
+                </a:r>
+                <a:r>
+                  <a:rPr lang="en-US" sz="2400" dirty="0"/>
+                  <a:t> gives more specified quality levels, meeting wine professionals’ needs;</a:t>
+                </a:r>
+              </a:p>
+              <a:p>
+                <a:endParaRPr lang="en-US" sz="2400" b="1" dirty="0"/>
+              </a:p>
+              <a:p>
+                <a:r>
+                  <a:rPr lang="en-US" sz="2400" b="1" dirty="0"/>
+                  <a:t>Logistic regression </a:t>
+                </a:r>
+                <a:r>
+                  <a:rPr lang="en-US" sz="2400" dirty="0"/>
+                  <a:t>indicates whether the wine is ‘good’ or ‘</a:t>
+                </a:r>
+                <a:r>
+                  <a:rPr lang="en-US" altLang="zh-CN" sz="2400" dirty="0"/>
+                  <a:t>bad’. Simple for normal consumers to understand</a:t>
+                </a:r>
+                <a:endParaRPr lang="en-US" sz="2400" dirty="0"/>
+              </a:p>
+            </p:txBody>
+          </p:sp>
+        </p:grpSp>
+        <p:grpSp>
+          <p:nvGrpSpPr>
+            <p:cNvPr id="97" name="Group 96">
+              <a:extLst>
+                <a:ext uri="{FF2B5EF4-FFF2-40B4-BE49-F238E27FC236}">
+                  <a16:creationId xmlns:a16="http://schemas.microsoft.com/office/drawing/2014/main" id="{04C33EDE-C33B-44D9-8527-E6493A3D80E6}"/>
+                </a:ext>
+              </a:extLst>
+            </p:cNvPr>
+            <p:cNvGrpSpPr/>
+            <p:nvPr/>
+          </p:nvGrpSpPr>
+          <p:grpSpPr>
+            <a:xfrm>
+              <a:off x="13023847" y="10072026"/>
+              <a:ext cx="17843506" cy="3062110"/>
+              <a:chOff x="12924736" y="10072026"/>
+              <a:chExt cx="17843506" cy="3062110"/>
+            </a:xfrm>
+          </p:grpSpPr>
+          <p:sp>
+            <p:nvSpPr>
+              <p:cNvPr id="104" name="Rectangle 103">
+                <a:extLst>
+                  <a:ext uri="{FF2B5EF4-FFF2-40B4-BE49-F238E27FC236}">
+                    <a16:creationId xmlns:a16="http://schemas.microsoft.com/office/drawing/2014/main" id="{7095C48B-5240-484B-B3C8-E609411050FE}"/>
+                  </a:ext>
+                </a:extLst>
+              </p:cNvPr>
+              <p:cNvSpPr/>
+              <p:nvPr/>
+            </p:nvSpPr>
+            <p:spPr>
+              <a:xfrm>
+                <a:off x="12924736" y="12180029"/>
+                <a:ext cx="5523982" cy="954107"/>
+              </a:xfrm>
+              <a:prstGeom prst="rect">
+                <a:avLst/>
+              </a:prstGeom>
+            </p:spPr>
+            <p:txBody>
+              <a:bodyPr wrap="square">
+                <a:spAutoFit/>
+              </a:bodyPr>
+              <a:lstStyle/>
+              <a:p>
+                <a:pPr algn="ctr"/>
+                <a:r>
+                  <a:rPr lang="en-US" sz="3200" b="1" dirty="0">
+                    <a:solidFill>
+                      <a:srgbClr val="C1CBD1"/>
+                    </a:solidFill>
+                  </a:rPr>
+                  <a:t>Proportional Odds </a:t>
+                </a:r>
+              </a:p>
+              <a:p>
+                <a:pPr algn="ctr"/>
+                <a:r>
+                  <a:rPr lang="en-US" sz="2400" dirty="0"/>
+                  <a:t>for the professionals</a:t>
+                </a:r>
+              </a:p>
+            </p:txBody>
+          </p:sp>
+          <p:grpSp>
+            <p:nvGrpSpPr>
+              <p:cNvPr id="100" name="Group 99">
+                <a:extLst>
+                  <a:ext uri="{FF2B5EF4-FFF2-40B4-BE49-F238E27FC236}">
+                    <a16:creationId xmlns:a16="http://schemas.microsoft.com/office/drawing/2014/main" id="{C613FC54-C850-49D8-AC8D-53F37E3BC450}"/>
+                  </a:ext>
+                </a:extLst>
+              </p:cNvPr>
+              <p:cNvGrpSpPr/>
+              <p:nvPr/>
+            </p:nvGrpSpPr>
+            <p:grpSpPr>
+              <a:xfrm>
+                <a:off x="25576877" y="10072026"/>
+                <a:ext cx="5191365" cy="3001363"/>
+                <a:chOff x="25921361" y="10092228"/>
+                <a:chExt cx="5191365" cy="3001363"/>
+              </a:xfrm>
+            </p:grpSpPr>
+            <p:pic>
+              <p:nvPicPr>
+                <p:cNvPr id="101" name="Picture 6" descr="âwine pngâçå¾çæç´¢ç»æ">
+                  <a:extLst>
+                    <a:ext uri="{FF2B5EF4-FFF2-40B4-BE49-F238E27FC236}">
+                      <a16:creationId xmlns:a16="http://schemas.microsoft.com/office/drawing/2014/main" id="{3BEA46DA-1E6C-47F1-8CBD-8A4BBC0AE9CC}"/>
+                    </a:ext>
+                  </a:extLst>
+                </p:cNvPr>
+                <p:cNvPicPr>
+                  <a:picLocks noChangeAspect="1" noChangeArrowheads="1"/>
+                </p:cNvPicPr>
+                <p:nvPr/>
+              </p:nvPicPr>
+              <p:blipFill>
+                <a:blip r:embed="rId6">
+                  <a:extLst>
+                    <a:ext uri="{28A0092B-C50C-407E-A947-70E740481C1C}">
+                      <a14:useLocalDpi xmlns:a14="http://schemas.microsoft.com/office/drawing/2010/main" val="0"/>
+                    </a:ext>
+                  </a:extLst>
+                </a:blip>
+                <a:srcRect/>
+                <a:stretch>
+                  <a:fillRect/>
+                </a:stretch>
+              </p:blipFill>
+              <p:spPr bwMode="auto">
+                <a:xfrm>
+                  <a:off x="27569641" y="10092228"/>
+                  <a:ext cx="1894806" cy="2091878"/>
+                </a:xfrm>
+                <a:prstGeom prst="rect">
+                  <a:avLst/>
+                </a:prstGeom>
+                <a:noFill/>
+                <a:extLst>
+                  <a:ext uri="{909E8E84-426E-40DD-AFC4-6F175D3DCCD1}">
+                    <a14:hiddenFill xmlns:a14="http://schemas.microsoft.com/office/drawing/2010/main">
+                      <a:solidFill>
+                        <a:srgbClr val="FFFFFF"/>
+                      </a:solidFill>
+                    </a14:hiddenFill>
+                  </a:ext>
+                </a:extLst>
+              </p:spPr>
+            </p:pic>
+            <p:sp>
+              <p:nvSpPr>
+                <p:cNvPr id="102" name="Rectangle 101">
+                  <a:extLst>
+                    <a:ext uri="{FF2B5EF4-FFF2-40B4-BE49-F238E27FC236}">
+                      <a16:creationId xmlns:a16="http://schemas.microsoft.com/office/drawing/2014/main" id="{C7F4C97D-3CE5-4573-8754-B4A7402190FF}"/>
+                    </a:ext>
+                  </a:extLst>
+                </p:cNvPr>
+                <p:cNvSpPr/>
+                <p:nvPr/>
+              </p:nvSpPr>
+              <p:spPr>
+                <a:xfrm>
+                  <a:off x="25921361" y="12139484"/>
+                  <a:ext cx="5191365" cy="954107"/>
+                </a:xfrm>
+                <a:prstGeom prst="rect">
+                  <a:avLst/>
+                </a:prstGeom>
+              </p:spPr>
+              <p:txBody>
+                <a:bodyPr wrap="square">
+                  <a:spAutoFit/>
+                </a:bodyPr>
+                <a:lstStyle/>
+                <a:p>
+                  <a:pPr algn="ctr"/>
+                  <a:r>
+                    <a:rPr lang="en-US" sz="3200" b="1" dirty="0">
+                      <a:solidFill>
+                        <a:srgbClr val="9FA7BA"/>
+                      </a:solidFill>
+                    </a:rPr>
+                    <a:t>Logistic Regression </a:t>
+                  </a:r>
+                </a:p>
+                <a:p>
+                  <a:pPr algn="ctr"/>
+                  <a:r>
+                    <a:rPr lang="en-US" sz="2400" dirty="0"/>
+                    <a:t>for the common</a:t>
+                  </a:r>
+                  <a:r>
+                    <a:rPr lang="en-US" altLang="zh-CN" sz="2400" dirty="0"/>
+                    <a:t>s</a:t>
+                  </a:r>
+                  <a:endParaRPr lang="en-US" sz="2400" dirty="0"/>
+                </a:p>
+              </p:txBody>
+            </p:sp>
+          </p:grpSp>
+        </p:grpSp>
+      </p:grpSp>
+      <p:grpSp>
+        <p:nvGrpSpPr>
+          <p:cNvPr id="107" name="Group 106">
+            <a:extLst>
+              <a:ext uri="{FF2B5EF4-FFF2-40B4-BE49-F238E27FC236}">
+                <a16:creationId xmlns:a16="http://schemas.microsoft.com/office/drawing/2014/main" id="{36264682-3649-44C0-A5F7-2E591717C091}"/>
+              </a:ext>
+            </a:extLst>
+          </p:cNvPr>
+          <p:cNvGrpSpPr/>
+          <p:nvPr/>
+        </p:nvGrpSpPr>
+        <p:grpSpPr>
+          <a:xfrm>
+            <a:off x="11978671" y="12826842"/>
+            <a:ext cx="20385467" cy="12459249"/>
+            <a:chOff x="11978671" y="14323294"/>
+            <a:chExt cx="20385467" cy="12459249"/>
+          </a:xfrm>
+        </p:grpSpPr>
+        <p:grpSp>
+          <p:nvGrpSpPr>
+            <p:cNvPr id="108" name="Group 107">
+              <a:extLst>
+                <a:ext uri="{FF2B5EF4-FFF2-40B4-BE49-F238E27FC236}">
+                  <a16:creationId xmlns:a16="http://schemas.microsoft.com/office/drawing/2014/main" id="{EC0EA2D6-0DFF-4096-825C-4E60ABC56599}"/>
+                </a:ext>
+              </a:extLst>
+            </p:cNvPr>
+            <p:cNvGrpSpPr/>
+            <p:nvPr/>
+          </p:nvGrpSpPr>
+          <p:grpSpPr>
+            <a:xfrm>
+              <a:off x="11978671" y="15625643"/>
+              <a:ext cx="20385467" cy="11156900"/>
+              <a:chOff x="11876209" y="15518963"/>
+              <a:chExt cx="20385467" cy="11156900"/>
+            </a:xfrm>
+          </p:grpSpPr>
+          <p:grpSp>
+            <p:nvGrpSpPr>
+              <p:cNvPr id="116" name="Group 115">
+                <a:extLst>
+                  <a:ext uri="{FF2B5EF4-FFF2-40B4-BE49-F238E27FC236}">
+                    <a16:creationId xmlns:a16="http://schemas.microsoft.com/office/drawing/2014/main" id="{6439B9B9-CE8D-46F5-913A-2915AA0E213B}"/>
+                  </a:ext>
+                </a:extLst>
+              </p:cNvPr>
+              <p:cNvGrpSpPr/>
+              <p:nvPr/>
+            </p:nvGrpSpPr>
+            <p:grpSpPr>
+              <a:xfrm>
+                <a:off x="21091497" y="15588112"/>
+                <a:ext cx="9710367" cy="5846248"/>
+                <a:chOff x="824673" y="1654959"/>
+                <a:chExt cx="9233592" cy="6485860"/>
+              </a:xfrm>
+            </p:grpSpPr>
+            <p:grpSp>
+              <p:nvGrpSpPr>
+                <p:cNvPr id="126" name="Group 125">
+                  <a:extLst>
+                    <a:ext uri="{FF2B5EF4-FFF2-40B4-BE49-F238E27FC236}">
+                      <a16:creationId xmlns:a16="http://schemas.microsoft.com/office/drawing/2014/main" id="{25D468D3-AAAF-4D9E-A885-FC037F7318CC}"/>
+                    </a:ext>
+                  </a:extLst>
+                </p:cNvPr>
+                <p:cNvGrpSpPr/>
+                <p:nvPr/>
+              </p:nvGrpSpPr>
+              <p:grpSpPr>
+                <a:xfrm>
+                  <a:off x="824673" y="1654959"/>
+                  <a:ext cx="9233592" cy="6485860"/>
+                  <a:chOff x="824673" y="1654959"/>
+                  <a:chExt cx="9233592" cy="6485860"/>
+                </a:xfrm>
+              </p:grpSpPr>
+              <p:grpSp>
+                <p:nvGrpSpPr>
+                  <p:cNvPr id="128" name="Group 127">
+                    <a:extLst>
+                      <a:ext uri="{FF2B5EF4-FFF2-40B4-BE49-F238E27FC236}">
+                        <a16:creationId xmlns:a16="http://schemas.microsoft.com/office/drawing/2014/main" id="{80FE4D1E-1035-4520-B36C-2C6E29DA20B2}"/>
+                      </a:ext>
+                    </a:extLst>
+                  </p:cNvPr>
+                  <p:cNvGrpSpPr/>
+                  <p:nvPr/>
+                </p:nvGrpSpPr>
+                <p:grpSpPr>
+                  <a:xfrm>
+                    <a:off x="824673" y="1654959"/>
+                    <a:ext cx="9233592" cy="6485860"/>
+                    <a:chOff x="824673" y="1654959"/>
+                    <a:chExt cx="9233592" cy="6485860"/>
+                  </a:xfrm>
+                </p:grpSpPr>
+                <p:pic>
+                  <p:nvPicPr>
+                    <p:cNvPr id="132" name="Picture 2">
+                      <a:extLst>
+                        <a:ext uri="{FF2B5EF4-FFF2-40B4-BE49-F238E27FC236}">
+                          <a16:creationId xmlns:a16="http://schemas.microsoft.com/office/drawing/2014/main" id="{7A472BE1-6AAC-482E-88BA-BFA4C41531BD}"/>
+                        </a:ext>
+                      </a:extLst>
+                    </p:cNvPr>
+                    <p:cNvPicPr>
+                      <a:picLocks noChangeAspect="1" noChangeArrowheads="1"/>
+                    </p:cNvPicPr>
+                    <p:nvPr/>
+                  </p:nvPicPr>
+                  <p:blipFill>
+                    <a:blip r:embed="rId7">
+                      <a:extLst>
+                        <a:ext uri="{28A0092B-C50C-407E-A947-70E740481C1C}">
+                          <a14:useLocalDpi xmlns:a14="http://schemas.microsoft.com/office/drawing/2010/main" val="0"/>
+                        </a:ext>
+                      </a:extLst>
+                    </a:blip>
+                    <a:srcRect/>
+                    <a:stretch>
+                      <a:fillRect/>
+                    </a:stretch>
+                  </p:blipFill>
+                  <p:spPr bwMode="auto">
+                    <a:xfrm>
+                      <a:off x="824673" y="1654959"/>
+                      <a:ext cx="9080204" cy="6485860"/>
+                    </a:xfrm>
+                    <a:prstGeom prst="rect">
+                      <a:avLst/>
+                    </a:prstGeom>
+                    <a:noFill/>
+                    <a:extLst>
+                      <a:ext uri="{909E8E84-426E-40DD-AFC4-6F175D3DCCD1}">
+                        <a14:hiddenFill xmlns:a14="http://schemas.microsoft.com/office/drawing/2010/main">
+                          <a:solidFill>
+                            <a:srgbClr val="FFFFFF"/>
+                          </a:solidFill>
+                        </a14:hiddenFill>
+                      </a:ext>
+                    </a:extLst>
+                  </p:spPr>
+                </p:pic>
+                <p:grpSp>
+                  <p:nvGrpSpPr>
+                    <p:cNvPr id="133" name="Group 132">
+                      <a:extLst>
+                        <a:ext uri="{FF2B5EF4-FFF2-40B4-BE49-F238E27FC236}">
+                          <a16:creationId xmlns:a16="http://schemas.microsoft.com/office/drawing/2014/main" id="{212C07CA-D990-4E07-A474-E3A630857EB3}"/>
+                        </a:ext>
+                      </a:extLst>
+                    </p:cNvPr>
+                    <p:cNvGrpSpPr/>
+                    <p:nvPr/>
+                  </p:nvGrpSpPr>
+                  <p:grpSpPr>
+                    <a:xfrm>
+                      <a:off x="5493885" y="5978322"/>
+                      <a:ext cx="4564380" cy="2084070"/>
+                      <a:chOff x="6179964" y="6056749"/>
+                      <a:chExt cx="4564380" cy="2084070"/>
+                    </a:xfrm>
+                  </p:grpSpPr>
+                  <p:pic>
+                    <p:nvPicPr>
+                      <p:cNvPr id="134" name="Picture 4">
+                        <a:extLst>
+                          <a:ext uri="{FF2B5EF4-FFF2-40B4-BE49-F238E27FC236}">
+                            <a16:creationId xmlns:a16="http://schemas.microsoft.com/office/drawing/2014/main" id="{740626E7-1094-4BDC-B8C9-71241F92BA4E}"/>
+                          </a:ext>
+                        </a:extLst>
+                      </p:cNvPr>
+                      <p:cNvPicPr>
+                        <a:picLocks noChangeAspect="1" noChangeArrowheads="1"/>
+                      </p:cNvPicPr>
+                      <p:nvPr/>
+                    </p:nvPicPr>
+                    <p:blipFill rotWithShape="1">
+                      <a:blip r:embed="rId8">
+                        <a:duotone>
+                          <a:schemeClr val="accent4">
+                            <a:shade val="45000"/>
+                            <a:satMod val="135000"/>
+                          </a:schemeClr>
+                          <a:prstClr val="white"/>
+                        </a:duotone>
+                        <a:extLst>
+                          <a:ext uri="{28A0092B-C50C-407E-A947-70E740481C1C}">
+                            <a14:useLocalDpi xmlns:a14="http://schemas.microsoft.com/office/drawing/2010/main" val="0"/>
+                          </a:ext>
+                        </a:extLst>
+                      </a:blip>
+                      <a:srcRect l="27212" t="33462" r="47653" b="34405"/>
+                      <a:stretch/>
+                    </p:blipFill>
+                    <p:spPr bwMode="auto">
+                      <a:xfrm>
+                        <a:off x="6179964" y="6056749"/>
+                        <a:ext cx="2282190" cy="2084070"/>
+                      </a:xfrm>
+                      <a:prstGeom prst="rect">
+                        <a:avLst/>
+                      </a:prstGeom>
+                      <a:noFill/>
+                      <a:extLst>
+                        <a:ext uri="{909E8E84-426E-40DD-AFC4-6F175D3DCCD1}">
+                          <a14:hiddenFill xmlns:a14="http://schemas.microsoft.com/office/drawing/2010/main">
+                            <a:solidFill>
+                              <a:srgbClr val="FFFFFF"/>
+                            </a:solidFill>
+                          </a14:hiddenFill>
+                        </a:ext>
+                      </a:extLst>
+                    </p:spPr>
+                  </p:pic>
+                  <p:pic>
+                    <p:nvPicPr>
+                      <p:cNvPr id="135" name="Picture 4">
+                        <a:extLst>
+                          <a:ext uri="{FF2B5EF4-FFF2-40B4-BE49-F238E27FC236}">
+                            <a16:creationId xmlns:a16="http://schemas.microsoft.com/office/drawing/2014/main" id="{655BBDF4-F3C6-416A-8689-138D5EAFE87C}"/>
+                          </a:ext>
+                        </a:extLst>
+                      </p:cNvPr>
+                      <p:cNvPicPr>
+                        <a:picLocks noChangeAspect="1" noChangeArrowheads="1"/>
+                      </p:cNvPicPr>
+                      <p:nvPr/>
+                    </p:nvPicPr>
+                    <p:blipFill rotWithShape="1">
+                      <a:blip r:embed="rId8">
+                        <a:duotone>
+                          <a:schemeClr val="accent4">
+                            <a:shade val="45000"/>
+                            <a:satMod val="135000"/>
+                          </a:schemeClr>
+                          <a:prstClr val="white"/>
+                        </a:duotone>
+                        <a:extLst>
+                          <a:ext uri="{28A0092B-C50C-407E-A947-70E740481C1C}">
+                            <a14:useLocalDpi xmlns:a14="http://schemas.microsoft.com/office/drawing/2010/main" val="0"/>
+                          </a:ext>
+                        </a:extLst>
+                      </a:blip>
+                      <a:srcRect l="26667" t="66519" r="48198" b="1348"/>
+                      <a:stretch/>
+                    </p:blipFill>
+                    <p:spPr bwMode="auto">
+                      <a:xfrm>
+                        <a:off x="8462154" y="6056749"/>
+                        <a:ext cx="2282190" cy="2084070"/>
+                      </a:xfrm>
+                      <a:prstGeom prst="rect">
+                        <a:avLst/>
+                      </a:prstGeom>
+                      <a:noFill/>
+                      <a:extLst>
+                        <a:ext uri="{909E8E84-426E-40DD-AFC4-6F175D3DCCD1}">
+                          <a14:hiddenFill xmlns:a14="http://schemas.microsoft.com/office/drawing/2010/main">
+                            <a:solidFill>
+                              <a:srgbClr val="FFFFFF"/>
+                            </a:solidFill>
+                          </a14:hiddenFill>
+                        </a:ext>
+                      </a:extLst>
+                    </p:spPr>
+                  </p:pic>
+                </p:grpSp>
+              </p:grpSp>
+              <p:pic>
+                <p:nvPicPr>
+                  <p:cNvPr id="130" name="Picture 2">
+                    <a:extLst>
+                      <a:ext uri="{FF2B5EF4-FFF2-40B4-BE49-F238E27FC236}">
+                        <a16:creationId xmlns:a16="http://schemas.microsoft.com/office/drawing/2014/main" id="{A924C346-7AD1-4AB3-A5DC-5BB0CE082775}"/>
+                      </a:ext>
+                    </a:extLst>
+                  </p:cNvPr>
+                  <p:cNvPicPr>
+                    <a:picLocks noChangeAspect="1" noChangeArrowheads="1"/>
+                  </p:cNvPicPr>
+                  <p:nvPr/>
+                </p:nvPicPr>
+                <p:blipFill rotWithShape="1">
+                  <a:blip r:embed="rId7">
+                    <a:extLst>
+                      <a:ext uri="{28A0092B-C50C-407E-A947-70E740481C1C}">
+                        <a14:useLocalDpi xmlns:a14="http://schemas.microsoft.com/office/drawing/2010/main" val="0"/>
+                      </a:ext>
+                    </a:extLst>
+                  </a:blip>
+                  <a:srcRect l="27417" t="65944" r="50403"/>
+                  <a:stretch/>
+                </p:blipFill>
+                <p:spPr bwMode="auto">
+                  <a:xfrm>
+                    <a:off x="3350780" y="5932025"/>
+                    <a:ext cx="2013995" cy="2208794"/>
+                  </a:xfrm>
+                  <a:prstGeom prst="rect">
+                    <a:avLst/>
+                  </a:prstGeom>
+                  <a:noFill/>
+                  <a:extLst>
+                    <a:ext uri="{909E8E84-426E-40DD-AFC4-6F175D3DCCD1}">
+                      <a14:hiddenFill xmlns:a14="http://schemas.microsoft.com/office/drawing/2010/main">
+                        <a:solidFill>
+                          <a:srgbClr val="FFFFFF"/>
+                        </a:solidFill>
+                      </a14:hiddenFill>
+                    </a:ext>
+                  </a:extLst>
+                </p:spPr>
+              </p:pic>
+              <p:pic>
+                <p:nvPicPr>
+                  <p:cNvPr id="131" name="Picture 2">
+                    <a:extLst>
+                      <a:ext uri="{FF2B5EF4-FFF2-40B4-BE49-F238E27FC236}">
+                        <a16:creationId xmlns:a16="http://schemas.microsoft.com/office/drawing/2014/main" id="{75190790-83E5-4CEE-9309-5F42AEA41420}"/>
+                      </a:ext>
+                    </a:extLst>
+                  </p:cNvPr>
+                  <p:cNvPicPr>
+                    <a:picLocks noChangeAspect="1" noChangeArrowheads="1"/>
+                  </p:cNvPicPr>
+                  <p:nvPr/>
+                </p:nvPicPr>
+                <p:blipFill rotWithShape="1">
+                  <a:blip r:embed="rId7">
+                    <a:extLst>
+                      <a:ext uri="{28A0092B-C50C-407E-A947-70E740481C1C}">
+                        <a14:useLocalDpi xmlns:a14="http://schemas.microsoft.com/office/drawing/2010/main" val="0"/>
+                      </a:ext>
+                    </a:extLst>
+                  </a:blip>
+                  <a:srcRect l="26859" t="32393" r="47471" b="33551"/>
+                  <a:stretch/>
+                </p:blipFill>
+                <p:spPr bwMode="auto">
+                  <a:xfrm>
+                    <a:off x="978061" y="5932025"/>
+                    <a:ext cx="2330887" cy="2208794"/>
+                  </a:xfrm>
+                  <a:prstGeom prst="rect">
+                    <a:avLst/>
+                  </a:prstGeom>
+                  <a:noFill/>
+                  <a:extLst>
+                    <a:ext uri="{909E8E84-426E-40DD-AFC4-6F175D3DCCD1}">
+                      <a14:hiddenFill xmlns:a14="http://schemas.microsoft.com/office/drawing/2010/main">
+                        <a:solidFill>
+                          <a:srgbClr val="FFFFFF"/>
+                        </a:solidFill>
+                      </a14:hiddenFill>
+                    </a:ext>
+                  </a:extLst>
+                </p:spPr>
+              </p:pic>
+            </p:grpSp>
+            <p:pic>
+              <p:nvPicPr>
+                <p:cNvPr id="127" name="Picture 2">
+                  <a:extLst>
+                    <a:ext uri="{FF2B5EF4-FFF2-40B4-BE49-F238E27FC236}">
+                      <a16:creationId xmlns:a16="http://schemas.microsoft.com/office/drawing/2014/main" id="{1597CC52-29D9-463B-BFD2-1FE33F7388C4}"/>
+                    </a:ext>
+                  </a:extLst>
+                </p:cNvPr>
+                <p:cNvPicPr>
+                  <a:picLocks noChangeAspect="1" noChangeArrowheads="1"/>
+                </p:cNvPicPr>
+                <p:nvPr/>
+              </p:nvPicPr>
+              <p:blipFill rotWithShape="1">
+                <a:blip r:embed="rId7">
+                  <a:extLst>
+                    <a:ext uri="{28A0092B-C50C-407E-A947-70E740481C1C}">
+                      <a14:useLocalDpi xmlns:a14="http://schemas.microsoft.com/office/drawing/2010/main" val="0"/>
+                    </a:ext>
+                  </a:extLst>
+                </a:blip>
+                <a:srcRect l="2186" t="66351" r="72942" b="803"/>
+                <a:stretch/>
+              </p:blipFill>
+              <p:spPr bwMode="auto">
+                <a:xfrm>
+                  <a:off x="3308948" y="3801695"/>
+                  <a:ext cx="2258475" cy="2130330"/>
+                </a:xfrm>
+                <a:prstGeom prst="rect">
+                  <a:avLst/>
+                </a:prstGeom>
+                <a:noFill/>
+                <a:extLst>
+                  <a:ext uri="{909E8E84-426E-40DD-AFC4-6F175D3DCCD1}">
+                    <a14:hiddenFill xmlns:a14="http://schemas.microsoft.com/office/drawing/2010/main">
+                      <a:solidFill>
+                        <a:srgbClr val="FFFFFF"/>
+                      </a:solidFill>
+                    </a14:hiddenFill>
+                  </a:ext>
+                </a:extLst>
+              </p:spPr>
+            </p:pic>
+          </p:grpSp>
+          <p:sp>
+            <p:nvSpPr>
+              <p:cNvPr id="122" name="Rectangle 121">
+                <a:extLst>
+                  <a:ext uri="{FF2B5EF4-FFF2-40B4-BE49-F238E27FC236}">
+                    <a16:creationId xmlns:a16="http://schemas.microsoft.com/office/drawing/2014/main" id="{00DF613A-3894-490F-BDFA-74CD42F725FB}"/>
+                  </a:ext>
+                </a:extLst>
+              </p:cNvPr>
+              <p:cNvSpPr/>
+              <p:nvPr/>
+            </p:nvSpPr>
+            <p:spPr>
+              <a:xfrm>
+                <a:off x="21199415" y="21666817"/>
+                <a:ext cx="11062261" cy="4108817"/>
+              </a:xfrm>
+              <a:prstGeom prst="rect">
+                <a:avLst/>
+              </a:prstGeom>
+            </p:spPr>
+            <p:txBody>
+              <a:bodyPr wrap="square">
+                <a:spAutoFit/>
+              </a:bodyPr>
+              <a:lstStyle/>
+              <a:p>
+                <a:pPr marL="342900" indent="-342900" algn="just">
+                  <a:spcBef>
+                    <a:spcPts val="600"/>
+                  </a:spcBef>
+                  <a:spcAft>
+                    <a:spcPts val="600"/>
+                  </a:spcAft>
+                  <a:buFont typeface="Arial" panose="020B0604020202020204" pitchFamily="34" charset="0"/>
+                  <a:buChar char="•"/>
+                </a:pPr>
+                <a:r>
+                  <a:rPr lang="en-US" sz="2400" dirty="0"/>
+                  <a:t>Most variables are normally distributed</a:t>
+                </a:r>
+              </a:p>
+              <a:p>
+                <a:pPr marL="342900" indent="-342900">
+                  <a:spcBef>
+                    <a:spcPts val="600"/>
+                  </a:spcBef>
+                  <a:spcAft>
+                    <a:spcPts val="600"/>
+                  </a:spcAft>
+                  <a:buFont typeface="Arial" panose="020B0604020202020204" pitchFamily="34" charset="0"/>
+                  <a:buChar char="•"/>
+                </a:pPr>
+                <a:r>
+                  <a:rPr lang="en-US" sz="2400" dirty="0" err="1"/>
+                  <a:t>residual.sugar</a:t>
+                </a:r>
+                <a:r>
+                  <a:rPr lang="en-US" sz="2400" dirty="0"/>
+                  <a:t>, </a:t>
+                </a:r>
+                <a:r>
+                  <a:rPr lang="en-US" sz="2400" dirty="0" err="1"/>
+                  <a:t>cholorides</a:t>
+                </a:r>
+                <a:r>
+                  <a:rPr lang="en-US" sz="2400" dirty="0"/>
+                  <a:t>, and sulphates also have a slightly rightward skewedness</a:t>
+                </a:r>
+              </a:p>
+              <a:p>
+                <a:pPr marL="342900" indent="-342900">
+                  <a:spcBef>
+                    <a:spcPts val="600"/>
+                  </a:spcBef>
+                  <a:spcAft>
+                    <a:spcPts val="600"/>
+                  </a:spcAft>
+                  <a:buFont typeface="Arial" panose="020B0604020202020204" pitchFamily="34" charset="0"/>
+                  <a:buChar char="•"/>
+                </a:pPr>
+                <a:r>
+                  <a:rPr lang="en-US" sz="2400" dirty="0" err="1"/>
+                  <a:t>Free.sulfur.dioxide</a:t>
+                </a:r>
+                <a:r>
+                  <a:rPr lang="en-US" sz="2400" dirty="0"/>
+                  <a:t> and alcohol have an obvious rightly skewed distribution. </a:t>
+                </a:r>
+              </a:p>
+              <a:p>
+                <a:pPr marL="342900" indent="-342900">
+                  <a:spcBef>
+                    <a:spcPts val="600"/>
+                  </a:spcBef>
+                  <a:spcAft>
+                    <a:spcPts val="600"/>
+                  </a:spcAft>
+                  <a:buFont typeface="Arial" panose="020B0604020202020204" pitchFamily="34" charset="0"/>
+                  <a:buChar char="•"/>
+                </a:pPr>
+                <a:r>
+                  <a:rPr lang="en-US" sz="2400" dirty="0" err="1"/>
+                  <a:t>citric.acid</a:t>
+                </a:r>
+                <a:r>
+                  <a:rPr lang="en-US" sz="2400" dirty="0"/>
+                  <a:t> at first appears to have a bimodal distribution, because there are some wines with zero citric acid, Based on data definition, we know it is possible for wines to have citric acid of 0.</a:t>
+                </a:r>
+              </a:p>
+              <a:p>
+                <a:pPr marL="342900" indent="-342900">
+                  <a:spcBef>
+                    <a:spcPts val="600"/>
+                  </a:spcBef>
+                  <a:spcAft>
+                    <a:spcPts val="600"/>
+                  </a:spcAft>
+                  <a:buFont typeface="Arial" panose="020B0604020202020204" pitchFamily="34" charset="0"/>
+                  <a:buChar char="•"/>
+                </a:pPr>
+                <a:r>
+                  <a:rPr lang="en-US" sz="2400" dirty="0"/>
+                  <a:t>Yellow logged </a:t>
+                </a:r>
+                <a:r>
+                  <a:rPr lang="en-US" sz="2400" dirty="0" err="1"/>
+                  <a:t>free.sulfur.dioxide</a:t>
+                </a:r>
+                <a:r>
+                  <a:rPr lang="en-US" sz="2400" dirty="0"/>
+                  <a:t>, and alcohol turns normal</a:t>
+                </a:r>
+              </a:p>
+              <a:p>
+                <a:br>
+                  <a:rPr lang="en-US" sz="1200" dirty="0"/>
+                </a:br>
+                <a:endParaRPr lang="en-US" sz="1200" dirty="0"/>
+              </a:p>
+            </p:txBody>
+          </p:sp>
+          <p:sp>
+            <p:nvSpPr>
+              <p:cNvPr id="125" name="Rectangle 124">
+                <a:extLst>
+                  <a:ext uri="{FF2B5EF4-FFF2-40B4-BE49-F238E27FC236}">
+                    <a16:creationId xmlns:a16="http://schemas.microsoft.com/office/drawing/2014/main" id="{67AB1C33-5554-4E75-BDA8-C8A08165EEED}"/>
+                  </a:ext>
+                </a:extLst>
+              </p:cNvPr>
+              <p:cNvSpPr/>
+              <p:nvPr/>
+            </p:nvSpPr>
+            <p:spPr>
+              <a:xfrm>
+                <a:off x="11876209" y="15518963"/>
+                <a:ext cx="9163484" cy="11156900"/>
+              </a:xfrm>
+              <a:prstGeom prst="rect">
+                <a:avLst/>
+              </a:prstGeom>
+            </p:spPr>
+            <p:txBody>
+              <a:bodyPr wrap="square">
+                <a:spAutoFit/>
+              </a:bodyPr>
+              <a:lstStyle/>
+              <a:p>
+                <a:pPr lvl="0" eaLnBrk="0" fontAlgn="base" hangingPunct="0">
+                  <a:lnSpc>
+                    <a:spcPct val="150000"/>
+                  </a:lnSpc>
+                  <a:spcBef>
+                    <a:spcPts val="600"/>
+                  </a:spcBef>
+                  <a:spcAft>
+                    <a:spcPts val="600"/>
+                  </a:spcAft>
+                  <a:buClrTx/>
+                </a:pPr>
+                <a:r>
+                  <a:rPr lang="en-US" altLang="en-US" sz="2400" b="1" dirty="0">
+                    <a:solidFill>
+                      <a:srgbClr val="333333"/>
+                    </a:solidFill>
+                    <a:latin typeface="Arial" panose="020B0604020202020204" pitchFamily="34" charset="0"/>
+                    <a:ea typeface="inherit"/>
+                  </a:rPr>
+                  <a:t>Response Variable:</a:t>
+                </a:r>
+                <a:endParaRPr lang="en-US" altLang="en-US" sz="2400" dirty="0">
+                  <a:solidFill>
+                    <a:srgbClr val="333333"/>
+                  </a:solidFill>
+                  <a:latin typeface="Arial" panose="020B0604020202020204" pitchFamily="34" charset="0"/>
+                  <a:ea typeface="inherit"/>
+                </a:endParaRPr>
+              </a:p>
+              <a:p>
+                <a:pPr marL="285750" lvl="0" indent="-285750" eaLnBrk="0" fontAlgn="base" hangingPunct="0">
+                  <a:spcBef>
+                    <a:spcPts val="600"/>
+                  </a:spcBef>
+                  <a:spcAft>
+                    <a:spcPts val="600"/>
+                  </a:spcAft>
+                  <a:buClrTx/>
+                  <a:buFont typeface="Arial" panose="020B0604020202020204" pitchFamily="34" charset="0"/>
+                  <a:buChar char="•"/>
+                </a:pPr>
+                <a:r>
+                  <a:rPr lang="en-US" altLang="en-US" sz="2400" b="1" dirty="0">
+                    <a:solidFill>
+                      <a:srgbClr val="333333"/>
+                    </a:solidFill>
+                    <a:latin typeface="Arial" panose="020B0604020202020204" pitchFamily="34" charset="0"/>
+                    <a:ea typeface="Helvetica Neue"/>
+                  </a:rPr>
+                  <a:t>quality:</a:t>
+                </a:r>
+                <a:r>
+                  <a:rPr lang="en-US" altLang="en-US" sz="2400" dirty="0">
+                    <a:solidFill>
+                      <a:srgbClr val="333333"/>
+                    </a:solidFill>
+                    <a:latin typeface="Arial" panose="020B0604020202020204" pitchFamily="34" charset="0"/>
+                    <a:ea typeface="Helvetica Neue"/>
+                  </a:rPr>
+                  <a:t> the quality of the wine (a score between 0 and 10)</a:t>
+                </a:r>
+              </a:p>
+              <a:p>
+                <a:pPr lvl="0" eaLnBrk="0" fontAlgn="base" hangingPunct="0">
+                  <a:lnSpc>
+                    <a:spcPct val="200000"/>
+                  </a:lnSpc>
+                  <a:spcBef>
+                    <a:spcPts val="600"/>
+                  </a:spcBef>
+                  <a:spcAft>
+                    <a:spcPts val="600"/>
+                  </a:spcAft>
+                  <a:buClrTx/>
+                </a:pPr>
+                <a:r>
+                  <a:rPr lang="en-US" altLang="en-US" sz="2400" b="1" dirty="0">
+                    <a:solidFill>
+                      <a:srgbClr val="333333"/>
+                    </a:solidFill>
+                    <a:latin typeface="Arial" panose="020B0604020202020204" pitchFamily="34" charset="0"/>
+                    <a:ea typeface="inherit"/>
+                  </a:rPr>
+                  <a:t>Explanatory Variables:</a:t>
+                </a:r>
+                <a:endParaRPr lang="en-US" altLang="en-US" sz="2400" dirty="0">
+                  <a:solidFill>
+                    <a:srgbClr val="333333"/>
+                  </a:solidFill>
+                  <a:latin typeface="Arial" panose="020B0604020202020204" pitchFamily="34" charset="0"/>
+                  <a:ea typeface="inherit"/>
+                </a:endParaRPr>
+              </a:p>
+              <a:p>
+                <a:pPr marL="285750" lvl="0" indent="-285750" eaLnBrk="0" fontAlgn="base" hangingPunct="0">
+                  <a:spcBef>
+                    <a:spcPts val="600"/>
+                  </a:spcBef>
+                  <a:spcAft>
+                    <a:spcPts val="600"/>
+                  </a:spcAft>
+                  <a:buClrTx/>
+                  <a:buFont typeface="Arial" panose="020B0604020202020204" pitchFamily="34" charset="0"/>
+                  <a:buChar char="•"/>
+                </a:pPr>
+                <a:r>
+                  <a:rPr lang="en-US" altLang="en-US" sz="2400" b="1" dirty="0" err="1">
+                    <a:solidFill>
+                      <a:srgbClr val="333333"/>
+                    </a:solidFill>
+                    <a:latin typeface="Arial" panose="020B0604020202020204" pitchFamily="34" charset="0"/>
+                    <a:ea typeface="Helvetica Neue"/>
+                  </a:rPr>
+                  <a:t>fixed.acidity</a:t>
+                </a:r>
+                <a:r>
+                  <a:rPr lang="en-US" altLang="en-US" sz="2400" b="1" dirty="0">
+                    <a:solidFill>
+                      <a:srgbClr val="333333"/>
+                    </a:solidFill>
+                    <a:latin typeface="Arial" panose="020B0604020202020204" pitchFamily="34" charset="0"/>
+                    <a:ea typeface="Helvetica Neue"/>
+                  </a:rPr>
+                  <a:t>:</a:t>
+                </a:r>
+                <a:r>
+                  <a:rPr lang="en-US" altLang="en-US" sz="2400" dirty="0">
+                    <a:solidFill>
+                      <a:srgbClr val="333333"/>
+                    </a:solidFill>
+                    <a:latin typeface="Arial" panose="020B0604020202020204" pitchFamily="34" charset="0"/>
+                    <a:ea typeface="Helvetica Neue"/>
+                  </a:rPr>
+                  <a:t> the amount of acid in wine that’s not volatile (do not evaporate fast)</a:t>
+                </a:r>
+              </a:p>
+              <a:p>
+                <a:pPr marL="285750" lvl="0" indent="-285750" eaLnBrk="0" fontAlgn="base" hangingPunct="0">
+                  <a:spcBef>
+                    <a:spcPts val="600"/>
+                  </a:spcBef>
+                  <a:spcAft>
+                    <a:spcPts val="600"/>
+                  </a:spcAft>
+                  <a:buClrTx/>
+                  <a:buFont typeface="Arial" panose="020B0604020202020204" pitchFamily="34" charset="0"/>
+                  <a:buChar char="•"/>
+                </a:pPr>
+                <a:r>
+                  <a:rPr lang="en-US" altLang="en-US" sz="2400" b="1" dirty="0" err="1">
+                    <a:solidFill>
+                      <a:srgbClr val="333333"/>
+                    </a:solidFill>
+                    <a:latin typeface="Arial" panose="020B0604020202020204" pitchFamily="34" charset="0"/>
+                    <a:ea typeface="Helvetica Neue"/>
+                  </a:rPr>
+                  <a:t>volatile.acidity</a:t>
+                </a:r>
+                <a:r>
+                  <a:rPr lang="en-US" altLang="en-US" sz="2400" b="1" dirty="0">
+                    <a:solidFill>
+                      <a:srgbClr val="333333"/>
+                    </a:solidFill>
+                    <a:latin typeface="Arial" panose="020B0604020202020204" pitchFamily="34" charset="0"/>
+                    <a:ea typeface="Helvetica Neue"/>
+                  </a:rPr>
+                  <a:t>:</a:t>
+                </a:r>
+                <a:r>
+                  <a:rPr lang="en-US" altLang="en-US" sz="2400" dirty="0">
+                    <a:solidFill>
+                      <a:srgbClr val="333333"/>
+                    </a:solidFill>
+                    <a:latin typeface="Arial" panose="020B0604020202020204" pitchFamily="34" charset="0"/>
+                    <a:ea typeface="Helvetica Neue"/>
+                  </a:rPr>
+                  <a:t> the amount of acetic acid in wine</a:t>
+                </a:r>
+              </a:p>
+              <a:p>
+                <a:pPr marL="285750" lvl="0" indent="-285750" eaLnBrk="0" fontAlgn="base" hangingPunct="0">
+                  <a:spcBef>
+                    <a:spcPts val="600"/>
+                  </a:spcBef>
+                  <a:spcAft>
+                    <a:spcPts val="600"/>
+                  </a:spcAft>
+                  <a:buClrTx/>
+                  <a:buFont typeface="Arial" panose="020B0604020202020204" pitchFamily="34" charset="0"/>
+                  <a:buChar char="•"/>
+                </a:pPr>
+                <a:r>
+                  <a:rPr lang="en-US" altLang="en-US" sz="2400" b="1" dirty="0" err="1">
+                    <a:solidFill>
+                      <a:srgbClr val="333333"/>
+                    </a:solidFill>
+                    <a:latin typeface="Arial" panose="020B0604020202020204" pitchFamily="34" charset="0"/>
+                    <a:ea typeface="Helvetica Neue"/>
+                  </a:rPr>
+                  <a:t>citric.acid</a:t>
+                </a:r>
+                <a:r>
+                  <a:rPr lang="en-US" altLang="en-US" sz="2400" b="1" dirty="0">
+                    <a:solidFill>
+                      <a:srgbClr val="333333"/>
+                    </a:solidFill>
+                    <a:latin typeface="Arial" panose="020B0604020202020204" pitchFamily="34" charset="0"/>
+                    <a:ea typeface="Helvetica Neue"/>
+                  </a:rPr>
+                  <a:t>:</a:t>
+                </a:r>
+                <a:r>
+                  <a:rPr lang="en-US" altLang="en-US" sz="2400" dirty="0">
+                    <a:solidFill>
+                      <a:srgbClr val="333333"/>
+                    </a:solidFill>
+                    <a:latin typeface="Arial" panose="020B0604020202020204" pitchFamily="34" charset="0"/>
+                    <a:ea typeface="Helvetica Neue"/>
+                  </a:rPr>
+                  <a:t>  citric acid is found in small quantities, and can add freshness and flavor to wines</a:t>
+                </a:r>
+              </a:p>
+              <a:p>
+                <a:pPr marL="285750" lvl="0" indent="-285750" eaLnBrk="0" fontAlgn="base" hangingPunct="0">
+                  <a:spcBef>
+                    <a:spcPts val="600"/>
+                  </a:spcBef>
+                  <a:spcAft>
+                    <a:spcPts val="600"/>
+                  </a:spcAft>
+                  <a:buClrTx/>
+                  <a:buFont typeface="Arial" panose="020B0604020202020204" pitchFamily="34" charset="0"/>
+                  <a:buChar char="•"/>
+                </a:pPr>
+                <a:r>
+                  <a:rPr lang="en-US" altLang="en-US" sz="2400" b="1" dirty="0" err="1">
+                    <a:solidFill>
+                      <a:srgbClr val="333333"/>
+                    </a:solidFill>
+                    <a:latin typeface="Arial" panose="020B0604020202020204" pitchFamily="34" charset="0"/>
+                    <a:ea typeface="Helvetica Neue"/>
+                  </a:rPr>
+                  <a:t>residual.sugar</a:t>
+                </a:r>
+                <a:r>
+                  <a:rPr lang="en-US" altLang="en-US" sz="2400" b="1" dirty="0">
+                    <a:solidFill>
+                      <a:srgbClr val="333333"/>
+                    </a:solidFill>
+                    <a:latin typeface="Arial" panose="020B0604020202020204" pitchFamily="34" charset="0"/>
+                    <a:ea typeface="Helvetica Neue"/>
+                  </a:rPr>
+                  <a:t>:</a:t>
+                </a:r>
+                <a:r>
+                  <a:rPr lang="en-US" altLang="en-US" sz="2400" dirty="0">
+                    <a:solidFill>
+                      <a:srgbClr val="333333"/>
+                    </a:solidFill>
+                    <a:latin typeface="Arial" panose="020B0604020202020204" pitchFamily="34" charset="0"/>
+                    <a:ea typeface="Helvetica Neue"/>
+                  </a:rPr>
+                  <a:t>  the amount of sugar left after </a:t>
+                </a:r>
+                <a:r>
+                  <a:rPr lang="en-US" altLang="en-US" sz="2400" dirty="0" err="1">
+                    <a:solidFill>
+                      <a:srgbClr val="333333"/>
+                    </a:solidFill>
+                    <a:latin typeface="Arial" panose="020B0604020202020204" pitchFamily="34" charset="0"/>
+                    <a:ea typeface="Helvetica Neue"/>
+                  </a:rPr>
+                  <a:t>fermatation</a:t>
+                </a:r>
+                <a:r>
+                  <a:rPr lang="en-US" altLang="en-US" sz="2400" dirty="0">
+                    <a:solidFill>
+                      <a:srgbClr val="333333"/>
+                    </a:solidFill>
+                    <a:latin typeface="Arial" panose="020B0604020202020204" pitchFamily="34" charset="0"/>
+                    <a:ea typeface="Helvetica Neue"/>
+                  </a:rPr>
+                  <a:t> stops</a:t>
+                </a:r>
+              </a:p>
+              <a:p>
+                <a:pPr marL="285750" lvl="0" indent="-285750" eaLnBrk="0" fontAlgn="base" hangingPunct="0">
+                  <a:spcBef>
+                    <a:spcPts val="600"/>
+                  </a:spcBef>
+                  <a:spcAft>
+                    <a:spcPts val="600"/>
+                  </a:spcAft>
+                  <a:buClrTx/>
+                  <a:buFont typeface="Arial" panose="020B0604020202020204" pitchFamily="34" charset="0"/>
+                  <a:buChar char="•"/>
+                </a:pPr>
+                <a:r>
+                  <a:rPr lang="en-US" altLang="en-US" sz="2400" b="1" dirty="0">
+                    <a:solidFill>
+                      <a:srgbClr val="333333"/>
+                    </a:solidFill>
+                    <a:latin typeface="Arial" panose="020B0604020202020204" pitchFamily="34" charset="0"/>
+                    <a:ea typeface="Helvetica Neue"/>
+                  </a:rPr>
+                  <a:t>chlorides:</a:t>
+                </a:r>
+                <a:r>
+                  <a:rPr lang="en-US" altLang="en-US" sz="2400" dirty="0">
+                    <a:solidFill>
+                      <a:srgbClr val="333333"/>
+                    </a:solidFill>
+                    <a:latin typeface="Arial" panose="020B0604020202020204" pitchFamily="34" charset="0"/>
+                    <a:ea typeface="Helvetica Neue"/>
+                  </a:rPr>
+                  <a:t>  the amount of salt in the wine</a:t>
+                </a:r>
+              </a:p>
+              <a:p>
+                <a:pPr marL="285750" lvl="0" indent="-285750" eaLnBrk="0" fontAlgn="base" hangingPunct="0">
+                  <a:spcBef>
+                    <a:spcPts val="600"/>
+                  </a:spcBef>
+                  <a:spcAft>
+                    <a:spcPts val="600"/>
+                  </a:spcAft>
+                  <a:buClrTx/>
+                  <a:buFont typeface="Arial" panose="020B0604020202020204" pitchFamily="34" charset="0"/>
+                  <a:buChar char="•"/>
+                </a:pPr>
+                <a:r>
+                  <a:rPr lang="en-US" altLang="en-US" sz="2400" b="1" dirty="0" err="1">
+                    <a:solidFill>
+                      <a:srgbClr val="333333"/>
+                    </a:solidFill>
+                    <a:latin typeface="Arial" panose="020B0604020202020204" pitchFamily="34" charset="0"/>
+                    <a:ea typeface="Helvetica Neue"/>
+                  </a:rPr>
+                  <a:t>free.sulfure.dioxide</a:t>
+                </a:r>
+                <a:r>
+                  <a:rPr lang="en-US" altLang="en-US" sz="2400" b="1" dirty="0">
+                    <a:solidFill>
+                      <a:srgbClr val="333333"/>
+                    </a:solidFill>
+                    <a:latin typeface="Arial" panose="020B0604020202020204" pitchFamily="34" charset="0"/>
+                    <a:ea typeface="Helvetica Neue"/>
+                  </a:rPr>
+                  <a:t>:</a:t>
+                </a:r>
+                <a:r>
+                  <a:rPr lang="en-US" altLang="en-US" sz="2400" dirty="0">
+                    <a:solidFill>
+                      <a:srgbClr val="333333"/>
+                    </a:solidFill>
+                    <a:latin typeface="Arial" panose="020B0604020202020204" pitchFamily="34" charset="0"/>
+                    <a:ea typeface="Helvetica Neue"/>
+                  </a:rPr>
+                  <a:t> the free form of </a:t>
+                </a:r>
+                <a:r>
+                  <a:rPr lang="en-US" altLang="en-US" sz="2400" dirty="0">
+                    <a:solidFill>
+                      <a:srgbClr val="333333"/>
+                    </a:solidFill>
+                    <a:latin typeface="Arial" panose="020B0604020202020204" pitchFamily="34" charset="0"/>
+                    <a:ea typeface="MathJax_Math-italic"/>
+                  </a:rPr>
+                  <a:t>S</a:t>
+                </a:r>
+                <a:r>
+                  <a:rPr lang="en-US" altLang="en-US" sz="2400" dirty="0">
+                    <a:solidFill>
+                      <a:srgbClr val="333333"/>
+                    </a:solidFill>
+                    <a:latin typeface="Arial" panose="020B0604020202020204" pitchFamily="34" charset="0"/>
+                    <a:ea typeface="MathJax_Main"/>
+                  </a:rPr>
+                  <a:t>02</a:t>
+                </a:r>
+                <a:r>
+                  <a:rPr lang="en-US" altLang="en-US" sz="2400" dirty="0">
+                    <a:solidFill>
+                      <a:srgbClr val="333333"/>
+                    </a:solidFill>
+                    <a:latin typeface="Arial" panose="020B0604020202020204" pitchFamily="34" charset="0"/>
+                    <a:ea typeface="Helvetica Neue"/>
+                  </a:rPr>
+                  <a:t>S02 exists in equilibrium between molecular </a:t>
+                </a:r>
+                <a:r>
+                  <a:rPr lang="en-US" altLang="en-US" sz="2400" dirty="0">
+                    <a:solidFill>
+                      <a:srgbClr val="333333"/>
+                    </a:solidFill>
+                    <a:latin typeface="Arial" panose="020B0604020202020204" pitchFamily="34" charset="0"/>
+                    <a:ea typeface="MathJax_Math-italic"/>
+                  </a:rPr>
+                  <a:t>S</a:t>
+                </a:r>
+                <a:r>
+                  <a:rPr lang="en-US" altLang="en-US" sz="2400" dirty="0">
+                    <a:solidFill>
+                      <a:srgbClr val="333333"/>
+                    </a:solidFill>
+                    <a:latin typeface="Arial" panose="020B0604020202020204" pitchFamily="34" charset="0"/>
+                    <a:ea typeface="MathJax_Main"/>
+                  </a:rPr>
+                  <a:t>02</a:t>
+                </a:r>
+                <a:r>
+                  <a:rPr lang="en-US" altLang="en-US" sz="2400" dirty="0">
+                    <a:solidFill>
+                      <a:srgbClr val="333333"/>
+                    </a:solidFill>
+                    <a:latin typeface="Arial" panose="020B0604020202020204" pitchFamily="34" charset="0"/>
+                    <a:ea typeface="Helvetica Neue"/>
+                  </a:rPr>
+                  <a:t>S02 (as a dissolved gas) and bisulfite ion</a:t>
+                </a:r>
+              </a:p>
+              <a:p>
+                <a:pPr marL="285750" lvl="0" indent="-285750" eaLnBrk="0" fontAlgn="base" hangingPunct="0">
+                  <a:spcBef>
+                    <a:spcPts val="600"/>
+                  </a:spcBef>
+                  <a:spcAft>
+                    <a:spcPts val="600"/>
+                  </a:spcAft>
+                  <a:buClrTx/>
+                  <a:buFont typeface="Arial" panose="020B0604020202020204" pitchFamily="34" charset="0"/>
+                  <a:buChar char="•"/>
+                </a:pPr>
+                <a:r>
+                  <a:rPr lang="en-US" altLang="en-US" sz="2400" b="1" dirty="0" err="1">
+                    <a:solidFill>
+                      <a:srgbClr val="333333"/>
+                    </a:solidFill>
+                    <a:latin typeface="Arial" panose="020B0604020202020204" pitchFamily="34" charset="0"/>
+                    <a:ea typeface="Helvetica Neue"/>
+                  </a:rPr>
+                  <a:t>total.sulfur.dioxide</a:t>
+                </a:r>
+                <a:r>
+                  <a:rPr lang="en-US" altLang="en-US" sz="2400" b="1" dirty="0">
+                    <a:solidFill>
+                      <a:srgbClr val="333333"/>
+                    </a:solidFill>
+                    <a:latin typeface="Arial" panose="020B0604020202020204" pitchFamily="34" charset="0"/>
+                    <a:ea typeface="Helvetica Neue"/>
+                  </a:rPr>
+                  <a:t>:</a:t>
+                </a:r>
+                <a:r>
+                  <a:rPr lang="en-US" altLang="en-US" sz="2400" dirty="0">
+                    <a:solidFill>
+                      <a:srgbClr val="333333"/>
+                    </a:solidFill>
+                    <a:latin typeface="Arial" panose="020B0604020202020204" pitchFamily="34" charset="0"/>
+                    <a:ea typeface="Helvetica Neue"/>
+                  </a:rPr>
+                  <a:t> amount of free and bound forms of </a:t>
+                </a:r>
+                <a:r>
+                  <a:rPr lang="en-US" altLang="en-US" sz="2400" dirty="0">
+                    <a:solidFill>
+                      <a:srgbClr val="333333"/>
+                    </a:solidFill>
+                    <a:latin typeface="Arial" panose="020B0604020202020204" pitchFamily="34" charset="0"/>
+                    <a:ea typeface="MathJax_Math-italic"/>
+                  </a:rPr>
+                  <a:t>S</a:t>
+                </a:r>
+                <a:r>
+                  <a:rPr lang="en-US" altLang="en-US" sz="2400" dirty="0">
+                    <a:solidFill>
+                      <a:srgbClr val="333333"/>
+                    </a:solidFill>
+                    <a:latin typeface="Arial" panose="020B0604020202020204" pitchFamily="34" charset="0"/>
+                    <a:ea typeface="MathJax_Main"/>
+                  </a:rPr>
+                  <a:t>02</a:t>
+                </a:r>
+                <a:r>
+                  <a:rPr lang="en-US" altLang="en-US" sz="2400" dirty="0">
+                    <a:solidFill>
+                      <a:srgbClr val="333333"/>
+                    </a:solidFill>
+                    <a:latin typeface="Arial" panose="020B0604020202020204" pitchFamily="34" charset="0"/>
+                    <a:ea typeface="Helvetica Neue"/>
+                  </a:rPr>
+                  <a:t>S02</a:t>
+                </a:r>
+              </a:p>
+              <a:p>
+                <a:pPr marL="285750" lvl="0" indent="-285750" eaLnBrk="0" fontAlgn="base" hangingPunct="0">
+                  <a:spcBef>
+                    <a:spcPts val="600"/>
+                  </a:spcBef>
+                  <a:spcAft>
+                    <a:spcPts val="600"/>
+                  </a:spcAft>
+                  <a:buClrTx/>
+                  <a:buFont typeface="Arial" panose="020B0604020202020204" pitchFamily="34" charset="0"/>
+                  <a:buChar char="•"/>
+                </a:pPr>
+                <a:r>
+                  <a:rPr lang="en-US" altLang="en-US" sz="2400" b="1" dirty="0">
+                    <a:solidFill>
+                      <a:srgbClr val="333333"/>
+                    </a:solidFill>
+                    <a:latin typeface="Arial" panose="020B0604020202020204" pitchFamily="34" charset="0"/>
+                    <a:ea typeface="Helvetica Neue"/>
+                  </a:rPr>
+                  <a:t>density:</a:t>
+                </a:r>
+                <a:r>
+                  <a:rPr lang="en-US" altLang="en-US" sz="2400" dirty="0">
+                    <a:solidFill>
+                      <a:srgbClr val="333333"/>
+                    </a:solidFill>
+                    <a:latin typeface="Arial" panose="020B0604020202020204" pitchFamily="34" charset="0"/>
+                    <a:ea typeface="Helvetica Neue"/>
+                  </a:rPr>
+                  <a:t> the density of the liquid</a:t>
+                </a:r>
+              </a:p>
+              <a:p>
+                <a:pPr marL="285750" lvl="0" indent="-285750" eaLnBrk="0" fontAlgn="base" hangingPunct="0">
+                  <a:spcBef>
+                    <a:spcPts val="600"/>
+                  </a:spcBef>
+                  <a:spcAft>
+                    <a:spcPts val="600"/>
+                  </a:spcAft>
+                  <a:buClrTx/>
+                  <a:buFont typeface="Arial" panose="020B0604020202020204" pitchFamily="34" charset="0"/>
+                  <a:buChar char="•"/>
+                </a:pPr>
+                <a:r>
+                  <a:rPr lang="en-US" altLang="en-US" sz="2400" b="1" dirty="0">
+                    <a:solidFill>
+                      <a:srgbClr val="333333"/>
+                    </a:solidFill>
+                    <a:latin typeface="Arial" panose="020B0604020202020204" pitchFamily="34" charset="0"/>
+                    <a:ea typeface="Helvetica Neue"/>
+                  </a:rPr>
+                  <a:t>pH:</a:t>
+                </a:r>
+                <a:r>
+                  <a:rPr lang="en-US" altLang="en-US" sz="2400" dirty="0">
+                    <a:solidFill>
+                      <a:srgbClr val="333333"/>
+                    </a:solidFill>
+                    <a:latin typeface="Arial" panose="020B0604020202020204" pitchFamily="34" charset="0"/>
+                    <a:ea typeface="Helvetica Neue"/>
+                  </a:rPr>
+                  <a:t> the indicator of the </a:t>
+                </a:r>
+                <a:r>
+                  <a:rPr lang="en-US" altLang="en-US" sz="2400" dirty="0" err="1">
+                    <a:solidFill>
+                      <a:srgbClr val="333333"/>
+                    </a:solidFill>
+                    <a:latin typeface="Arial" panose="020B0604020202020204" pitchFamily="34" charset="0"/>
+                    <a:ea typeface="Helvetica Neue"/>
+                  </a:rPr>
+                  <a:t>acidicity</a:t>
+                </a:r>
+                <a:r>
+                  <a:rPr lang="en-US" altLang="en-US" sz="2400" dirty="0">
+                    <a:solidFill>
+                      <a:srgbClr val="333333"/>
+                    </a:solidFill>
+                    <a:latin typeface="Arial" panose="020B0604020202020204" pitchFamily="34" charset="0"/>
+                    <a:ea typeface="Helvetica Neue"/>
+                  </a:rPr>
+                  <a:t> or basic property of the wine</a:t>
+                </a:r>
+              </a:p>
+              <a:p>
+                <a:pPr marL="285750" lvl="0" indent="-285750" eaLnBrk="0" fontAlgn="base" hangingPunct="0">
+                  <a:spcBef>
+                    <a:spcPts val="600"/>
+                  </a:spcBef>
+                  <a:spcAft>
+                    <a:spcPts val="600"/>
+                  </a:spcAft>
+                  <a:buClrTx/>
+                  <a:buFont typeface="Arial" panose="020B0604020202020204" pitchFamily="34" charset="0"/>
+                  <a:buChar char="•"/>
+                </a:pPr>
+                <a:r>
+                  <a:rPr lang="en-US" altLang="en-US" sz="2400" b="1" dirty="0">
+                    <a:solidFill>
+                      <a:srgbClr val="333333"/>
+                    </a:solidFill>
+                    <a:latin typeface="Arial" panose="020B0604020202020204" pitchFamily="34" charset="0"/>
+                    <a:ea typeface="Helvetica Neue"/>
+                  </a:rPr>
+                  <a:t>sulphates: </a:t>
+                </a:r>
+                <a:r>
+                  <a:rPr lang="en-US" altLang="en-US" sz="2400" dirty="0">
+                    <a:solidFill>
+                      <a:srgbClr val="333333"/>
+                    </a:solidFill>
+                    <a:latin typeface="Arial" panose="020B0604020202020204" pitchFamily="34" charset="0"/>
+                    <a:ea typeface="Helvetica Neue"/>
+                  </a:rPr>
+                  <a:t>a wine additive which can contribute to sulfur dioxide gas </a:t>
+                </a:r>
+                <a:r>
+                  <a:rPr lang="en-US" altLang="en-US" sz="2400" dirty="0">
+                    <a:solidFill>
+                      <a:srgbClr val="333333"/>
+                    </a:solidFill>
+                    <a:latin typeface="Arial" panose="020B0604020202020204" pitchFamily="34" charset="0"/>
+                    <a:ea typeface="MathJax_Math-italic"/>
+                  </a:rPr>
+                  <a:t>S</a:t>
+                </a:r>
+                <a:r>
+                  <a:rPr lang="en-US" altLang="en-US" sz="2400" dirty="0">
+                    <a:solidFill>
+                      <a:srgbClr val="333333"/>
+                    </a:solidFill>
+                    <a:latin typeface="Arial" panose="020B0604020202020204" pitchFamily="34" charset="0"/>
+                    <a:ea typeface="MathJax_Main"/>
+                  </a:rPr>
+                  <a:t>02</a:t>
+                </a:r>
+                <a:r>
+                  <a:rPr lang="en-US" altLang="en-US" sz="2400" dirty="0">
+                    <a:solidFill>
+                      <a:srgbClr val="333333"/>
+                    </a:solidFill>
+                    <a:latin typeface="Arial" panose="020B0604020202020204" pitchFamily="34" charset="0"/>
+                    <a:ea typeface="Helvetica Neue"/>
+                  </a:rPr>
+                  <a:t>S02 levels</a:t>
+                </a:r>
+              </a:p>
+              <a:p>
+                <a:pPr marL="285750" lvl="0" indent="-285750" eaLnBrk="0" fontAlgn="base" hangingPunct="0">
+                  <a:spcBef>
+                    <a:spcPts val="600"/>
+                  </a:spcBef>
+                  <a:spcAft>
+                    <a:spcPts val="600"/>
+                  </a:spcAft>
+                  <a:buClrTx/>
+                  <a:buFont typeface="Arial" panose="020B0604020202020204" pitchFamily="34" charset="0"/>
+                  <a:buChar char="•"/>
+                </a:pPr>
+                <a:r>
+                  <a:rPr lang="en-US" altLang="en-US" sz="2400" b="1" dirty="0">
+                    <a:solidFill>
+                      <a:srgbClr val="333333"/>
+                    </a:solidFill>
+                    <a:latin typeface="Arial" panose="020B0604020202020204" pitchFamily="34" charset="0"/>
+                    <a:ea typeface="Helvetica Neue"/>
+                  </a:rPr>
+                  <a:t>alcohol:</a:t>
+                </a:r>
+                <a:r>
+                  <a:rPr lang="en-US" altLang="en-US" sz="2400" dirty="0">
+                    <a:solidFill>
+                      <a:srgbClr val="333333"/>
+                    </a:solidFill>
+                    <a:latin typeface="Arial" panose="020B0604020202020204" pitchFamily="34" charset="0"/>
+                    <a:ea typeface="Helvetica Neue"/>
+                  </a:rPr>
+                  <a:t> the percent alcohol content of the wine</a:t>
+                </a:r>
+              </a:p>
+              <a:p>
+                <a:br>
+                  <a:rPr lang="en-US" sz="2000" dirty="0"/>
+                </a:br>
+                <a:br>
+                  <a:rPr lang="en-US" sz="1200" dirty="0"/>
+                </a:br>
+                <a:endParaRPr lang="en-US" sz="1200" dirty="0"/>
+              </a:p>
+            </p:txBody>
+          </p:sp>
+        </p:grpSp>
+        <p:sp>
+          <p:nvSpPr>
+            <p:cNvPr id="115" name="TextBox 114">
+              <a:extLst>
+                <a:ext uri="{FF2B5EF4-FFF2-40B4-BE49-F238E27FC236}">
+                  <a16:creationId xmlns:a16="http://schemas.microsoft.com/office/drawing/2014/main" id="{99D86F51-3EB6-4519-A834-89DC9EBADE18}"/>
+                </a:ext>
+              </a:extLst>
+            </p:cNvPr>
+            <p:cNvSpPr txBox="1"/>
+            <p:nvPr/>
+          </p:nvSpPr>
+          <p:spPr>
+            <a:xfrm>
+              <a:off x="17224224" y="14323294"/>
+              <a:ext cx="9323238" cy="1107996"/>
+            </a:xfrm>
+            <a:prstGeom prst="rect">
+              <a:avLst/>
+            </a:prstGeom>
+            <a:noFill/>
+          </p:spPr>
+          <p:txBody>
+            <a:bodyPr wrap="square" rtlCol="0">
+              <a:spAutoFit/>
+            </a:bodyPr>
+            <a:lstStyle/>
+            <a:p>
+              <a:pPr algn="ctr"/>
+              <a:r>
+                <a:rPr lang="en-US" sz="6600" b="1" dirty="0">
+                  <a:solidFill>
+                    <a:schemeClr val="tx1">
+                      <a:lumMod val="65000"/>
+                      <a:lumOff val="35000"/>
+                    </a:schemeClr>
+                  </a:solidFill>
+                </a:rPr>
+                <a:t>D</a:t>
+              </a:r>
+              <a:r>
+                <a:rPr lang="en-US" sz="4000" b="1" dirty="0">
+                  <a:solidFill>
+                    <a:schemeClr val="tx1">
+                      <a:lumMod val="65000"/>
+                      <a:lumOff val="35000"/>
+                    </a:schemeClr>
+                  </a:solidFill>
+                </a:rPr>
+                <a:t>ata Explanation &amp; Data Exploration</a:t>
+              </a:r>
+              <a:endParaRPr lang="en-US" sz="1800" b="1" dirty="0">
+                <a:solidFill>
+                  <a:schemeClr val="tx1">
+                    <a:lumMod val="65000"/>
+                    <a:lumOff val="35000"/>
+                  </a:schemeClr>
+                </a:solidFill>
+              </a:endParaRPr>
+            </a:p>
+          </p:txBody>
+        </p:sp>
+      </p:grpSp>
+      <p:sp>
+        <p:nvSpPr>
+          <p:cNvPr id="137" name="TextBox 136">
+            <a:extLst>
+              <a:ext uri="{FF2B5EF4-FFF2-40B4-BE49-F238E27FC236}">
+                <a16:creationId xmlns:a16="http://schemas.microsoft.com/office/drawing/2014/main" id="{100A7F0C-FC7B-48F7-BAC5-0DFC5AF5F31F}"/>
+              </a:ext>
+            </a:extLst>
+          </p:cNvPr>
+          <p:cNvSpPr txBox="1"/>
+          <p:nvPr/>
+        </p:nvSpPr>
+        <p:spPr>
+          <a:xfrm>
+            <a:off x="419131" y="14952562"/>
+            <a:ext cx="11297356" cy="1862048"/>
+          </a:xfrm>
+          <a:prstGeom prst="rect">
+            <a:avLst/>
+          </a:prstGeom>
+          <a:noFill/>
+        </p:spPr>
+        <p:txBody>
+          <a:bodyPr wrap="square" rtlCol="0">
+            <a:spAutoFit/>
+          </a:bodyPr>
+          <a:lstStyle/>
+          <a:p>
+            <a:pPr marL="457200" indent="-457200">
+              <a:spcBef>
+                <a:spcPts val="600"/>
+              </a:spcBef>
+              <a:spcAft>
+                <a:spcPts val="600"/>
+              </a:spcAft>
+              <a:buFont typeface="Arial" panose="020B0604020202020204" pitchFamily="34" charset="0"/>
+              <a:buChar char="•"/>
+            </a:pPr>
+            <a:r>
+              <a:rPr lang="en-US" sz="2400" dirty="0"/>
+              <a:t>Model not predicting quality = 1, 2, 9,10</a:t>
+            </a:r>
+          </a:p>
+          <a:p>
+            <a:pPr marL="457200" indent="-457200">
+              <a:spcBef>
+                <a:spcPts val="600"/>
+              </a:spcBef>
+              <a:spcAft>
+                <a:spcPts val="600"/>
+              </a:spcAft>
+              <a:buFont typeface="Arial" panose="020B0604020202020204" pitchFamily="34" charset="0"/>
+              <a:buChar char="•"/>
+            </a:pPr>
+            <a:r>
+              <a:rPr lang="en-US" sz="2400" dirty="0"/>
+              <a:t>Overall accuracy: 60%</a:t>
+            </a:r>
+          </a:p>
+          <a:p>
+            <a:pPr marL="457200" indent="-457200">
+              <a:spcBef>
+                <a:spcPts val="600"/>
+              </a:spcBef>
+              <a:spcAft>
+                <a:spcPts val="600"/>
+              </a:spcAft>
+              <a:buFont typeface="Arial" panose="020B0604020202020204" pitchFamily="34" charset="0"/>
+              <a:buChar char="•"/>
+            </a:pPr>
+            <a:r>
+              <a:rPr lang="en-US" sz="2400" dirty="0"/>
+              <a:t>Very good job in prediction at quality = 5, 6</a:t>
+            </a:r>
+          </a:p>
+          <a:p>
+            <a:endParaRPr lang="en-US" sz="1800" dirty="0"/>
+          </a:p>
+        </p:txBody>
+      </p:sp>
+      <p:grpSp>
+        <p:nvGrpSpPr>
+          <p:cNvPr id="143" name="Group 142">
+            <a:extLst>
+              <a:ext uri="{FF2B5EF4-FFF2-40B4-BE49-F238E27FC236}">
+                <a16:creationId xmlns:a16="http://schemas.microsoft.com/office/drawing/2014/main" id="{88BD3A21-D8C2-400B-861E-2ABEEE9F0CC0}"/>
+              </a:ext>
+            </a:extLst>
+          </p:cNvPr>
+          <p:cNvGrpSpPr/>
+          <p:nvPr/>
+        </p:nvGrpSpPr>
+        <p:grpSpPr>
+          <a:xfrm>
+            <a:off x="500668" y="9863377"/>
+            <a:ext cx="13037167" cy="1031321"/>
+            <a:chOff x="15707576" y="28334853"/>
+            <a:chExt cx="13037167" cy="1031321"/>
+          </a:xfrm>
+        </p:grpSpPr>
+        <p:sp>
+          <p:nvSpPr>
+            <p:cNvPr id="144" name="TextBox 143">
+              <a:extLst>
+                <a:ext uri="{FF2B5EF4-FFF2-40B4-BE49-F238E27FC236}">
+                  <a16:creationId xmlns:a16="http://schemas.microsoft.com/office/drawing/2014/main" id="{5283114B-F278-4E74-A5BB-3015011B604D}"/>
+                </a:ext>
+              </a:extLst>
+            </p:cNvPr>
+            <p:cNvSpPr txBox="1"/>
+            <p:nvPr/>
+          </p:nvSpPr>
+          <p:spPr>
+            <a:xfrm>
+              <a:off x="16669959" y="28621254"/>
+              <a:ext cx="12074784" cy="707886"/>
+            </a:xfrm>
+            <a:prstGeom prst="rect">
+              <a:avLst/>
+            </a:prstGeom>
+            <a:noFill/>
+          </p:spPr>
+          <p:txBody>
+            <a:bodyPr wrap="square" rtlCol="0">
+              <a:spAutoFit/>
+            </a:bodyPr>
+            <a:lstStyle/>
+            <a:p>
+              <a:r>
+                <a:rPr lang="en-US" altLang="zh-CN" sz="4000" b="1" dirty="0" err="1">
+                  <a:solidFill>
+                    <a:schemeClr val="tx1">
+                      <a:lumMod val="65000"/>
+                      <a:lumOff val="35000"/>
+                    </a:schemeClr>
+                  </a:solidFill>
+                </a:rPr>
+                <a:t>rdinal</a:t>
+              </a:r>
+              <a:r>
+                <a:rPr lang="en-US" altLang="zh-CN" sz="4000" b="1" dirty="0">
+                  <a:solidFill>
+                    <a:schemeClr val="tx1">
+                      <a:lumMod val="65000"/>
+                      <a:lumOff val="35000"/>
+                    </a:schemeClr>
+                  </a:solidFill>
+                </a:rPr>
+                <a:t> Regression Model Output</a:t>
+              </a:r>
+              <a:endParaRPr lang="en-US" sz="1800" b="1" dirty="0">
+                <a:solidFill>
+                  <a:schemeClr val="tx1">
+                    <a:lumMod val="65000"/>
+                    <a:lumOff val="35000"/>
+                  </a:schemeClr>
+                </a:solidFill>
+              </a:endParaRPr>
+            </a:p>
+          </p:txBody>
+        </p:sp>
+        <p:grpSp>
+          <p:nvGrpSpPr>
+            <p:cNvPr id="145" name="Group 144">
+              <a:extLst>
+                <a:ext uri="{FF2B5EF4-FFF2-40B4-BE49-F238E27FC236}">
+                  <a16:creationId xmlns:a16="http://schemas.microsoft.com/office/drawing/2014/main" id="{E9A19DF8-075E-4EC1-8931-24BEB0171345}"/>
+                </a:ext>
+              </a:extLst>
+            </p:cNvPr>
+            <p:cNvGrpSpPr/>
+            <p:nvPr/>
+          </p:nvGrpSpPr>
+          <p:grpSpPr>
+            <a:xfrm>
+              <a:off x="15707576" y="28334853"/>
+              <a:ext cx="9672141" cy="1031321"/>
+              <a:chOff x="12742070" y="23763090"/>
+              <a:chExt cx="9672141" cy="1031321"/>
+            </a:xfrm>
+          </p:grpSpPr>
+          <p:sp>
+            <p:nvSpPr>
+              <p:cNvPr id="146" name="Oval 145">
+                <a:extLst>
+                  <a:ext uri="{FF2B5EF4-FFF2-40B4-BE49-F238E27FC236}">
+                    <a16:creationId xmlns:a16="http://schemas.microsoft.com/office/drawing/2014/main" id="{788E357D-4BD9-4E7F-8787-DFCF53A85305}"/>
+                  </a:ext>
+                </a:extLst>
+              </p:cNvPr>
+              <p:cNvSpPr/>
+              <p:nvPr/>
+            </p:nvSpPr>
+            <p:spPr>
+              <a:xfrm>
+                <a:off x="12742070" y="23763090"/>
+                <a:ext cx="1031321" cy="1031321"/>
+              </a:xfrm>
+              <a:prstGeom prst="ellipse">
+                <a:avLst/>
+              </a:prstGeom>
+              <a:solidFill>
+                <a:srgbClr val="C1CBD1"/>
+              </a:solidFill>
+              <a:ln>
+                <a:noFill/>
+              </a:ln>
+            </p:spPr>
+            <p:style>
+              <a:lnRef idx="2">
+                <a:schemeClr val="accent1">
+                  <a:shade val="50000"/>
+                </a:schemeClr>
+              </a:lnRef>
+              <a:fillRef idx="1">
+                <a:schemeClr val="accent1"/>
+              </a:fillRef>
+              <a:effectRef idx="0">
+                <a:schemeClr val="accent1"/>
+              </a:effectRef>
+              <a:fontRef idx="minor">
+                <a:schemeClr val="lt1"/>
+              </a:fontRef>
+            </p:style>
+            <p:txBody>
+              <a:bodyPr rtlCol="0" anchor="ctr"/>
+              <a:lstStyle/>
+              <a:p>
+                <a:pPr algn="ctr"/>
+                <a:r>
+                  <a:rPr lang="en-US" sz="6600" b="1" dirty="0">
+                    <a:solidFill>
+                      <a:schemeClr val="tx1">
+                        <a:lumMod val="65000"/>
+                        <a:lumOff val="35000"/>
+                      </a:schemeClr>
+                    </a:solidFill>
+                  </a:rPr>
+                  <a:t>O</a:t>
+                </a:r>
+                <a:endParaRPr lang="en-US" b="1" dirty="0">
+                  <a:solidFill>
+                    <a:schemeClr val="tx1">
+                      <a:lumMod val="65000"/>
+                      <a:lumOff val="35000"/>
+                    </a:schemeClr>
+                  </a:solidFill>
+                </a:endParaRPr>
+              </a:p>
+            </p:txBody>
+          </p:sp>
+          <p:cxnSp>
+            <p:nvCxnSpPr>
+              <p:cNvPr id="147" name="Straight Connector 146">
+                <a:extLst>
+                  <a:ext uri="{FF2B5EF4-FFF2-40B4-BE49-F238E27FC236}">
+                    <a16:creationId xmlns:a16="http://schemas.microsoft.com/office/drawing/2014/main" id="{9F493826-B3A2-42C7-80A6-60B42421C557}"/>
+                  </a:ext>
+                </a:extLst>
+              </p:cNvPr>
+              <p:cNvCxnSpPr>
+                <a:cxnSpLocks/>
+              </p:cNvCxnSpPr>
+              <p:nvPr/>
+            </p:nvCxnSpPr>
+            <p:spPr>
+              <a:xfrm>
+                <a:off x="13248205" y="24766873"/>
+                <a:ext cx="9166006" cy="0"/>
+              </a:xfrm>
+              <a:prstGeom prst="line">
+                <a:avLst/>
+              </a:prstGeom>
+              <a:ln w="47625">
+                <a:solidFill>
+                  <a:srgbClr val="C1CBD1"/>
+                </a:solidFill>
+              </a:ln>
+            </p:spPr>
+            <p:style>
+              <a:lnRef idx="1">
+                <a:schemeClr val="accent1"/>
+              </a:lnRef>
+              <a:fillRef idx="0">
+                <a:schemeClr val="accent1"/>
+              </a:fillRef>
+              <a:effectRef idx="0">
+                <a:schemeClr val="accent1"/>
+              </a:effectRef>
+              <a:fontRef idx="minor">
+                <a:schemeClr val="tx1"/>
+              </a:fontRef>
+            </p:style>
+          </p:cxnSp>
+        </p:grpSp>
+      </p:grpSp>
+      <p:pic>
+        <p:nvPicPr>
+          <p:cNvPr id="148" name="Picture 8">
+            <a:extLst>
+              <a:ext uri="{FF2B5EF4-FFF2-40B4-BE49-F238E27FC236}">
+                <a16:creationId xmlns:a16="http://schemas.microsoft.com/office/drawing/2014/main" id="{08C06172-2D89-468B-8BB3-7B300C07D4BC}"/>
+              </a:ext>
+            </a:extLst>
+          </p:cNvPr>
+          <p:cNvPicPr>
+            <a:picLocks noChangeAspect="1" noChangeArrowheads="1"/>
+          </p:cNvPicPr>
+          <p:nvPr/>
+        </p:nvPicPr>
+        <p:blipFill>
+          <a:blip r:embed="rId9">
+            <a:extLst>
+              <a:ext uri="{28A0092B-C50C-407E-A947-70E740481C1C}">
+                <a14:useLocalDpi xmlns:a14="http://schemas.microsoft.com/office/drawing/2010/main" val="0"/>
+              </a:ext>
+            </a:extLst>
+          </a:blip>
+          <a:srcRect/>
+          <a:stretch>
+            <a:fillRect/>
+          </a:stretch>
+        </p:blipFill>
+        <p:spPr bwMode="auto">
+          <a:xfrm>
+            <a:off x="1031532" y="17066005"/>
+            <a:ext cx="9224855" cy="6589182"/>
+          </a:xfrm>
+          <a:prstGeom prst="rect">
+            <a:avLst/>
+          </a:prstGeom>
+          <a:noFill/>
+          <a:extLst>
+            <a:ext uri="{909E8E84-426E-40DD-AFC4-6F175D3DCCD1}">
+              <a14:hiddenFill xmlns:a14="http://schemas.microsoft.com/office/drawing/2010/main">
+                <a:solidFill>
+                  <a:srgbClr val="FFFFFF"/>
+                </a:solidFill>
+              </a14:hiddenFill>
+            </a:ext>
+          </a:extLst>
+        </p:spPr>
+      </p:pic>
+      <p:grpSp>
+        <p:nvGrpSpPr>
+          <p:cNvPr id="149" name="Group 148">
+            <a:extLst>
+              <a:ext uri="{FF2B5EF4-FFF2-40B4-BE49-F238E27FC236}">
+                <a16:creationId xmlns:a16="http://schemas.microsoft.com/office/drawing/2014/main" id="{5820C747-9544-4ED7-A28E-B0DC69BE2BF4}"/>
+              </a:ext>
+            </a:extLst>
+          </p:cNvPr>
+          <p:cNvGrpSpPr/>
+          <p:nvPr/>
+        </p:nvGrpSpPr>
+        <p:grpSpPr>
+          <a:xfrm>
+            <a:off x="360097" y="11570444"/>
+            <a:ext cx="10566882" cy="2889534"/>
+            <a:chOff x="-9991812" y="6244575"/>
+            <a:chExt cx="16299804" cy="4219575"/>
+          </a:xfrm>
+        </p:grpSpPr>
+        <p:pic>
+          <p:nvPicPr>
+            <p:cNvPr id="150" name="Picture 149">
+              <a:extLst>
+                <a:ext uri="{FF2B5EF4-FFF2-40B4-BE49-F238E27FC236}">
+                  <a16:creationId xmlns:a16="http://schemas.microsoft.com/office/drawing/2014/main" id="{F77605FC-B8F1-42BA-BBEB-331C4CB3D7D6}"/>
+                </a:ext>
+              </a:extLst>
+            </p:cNvPr>
+            <p:cNvPicPr>
+              <a:picLocks noChangeAspect="1"/>
+            </p:cNvPicPr>
+            <p:nvPr/>
+          </p:nvPicPr>
+          <p:blipFill rotWithShape="1">
+            <a:blip r:embed="rId10"/>
+            <a:srcRect r="88303"/>
+            <a:stretch/>
+          </p:blipFill>
+          <p:spPr>
+            <a:xfrm>
+              <a:off x="-9991812" y="6244575"/>
+              <a:ext cx="2566992" cy="4219575"/>
+            </a:xfrm>
+            <a:prstGeom prst="rect">
+              <a:avLst/>
+            </a:prstGeom>
+          </p:spPr>
+        </p:pic>
+        <p:pic>
+          <p:nvPicPr>
+            <p:cNvPr id="151" name="Picture 150">
+              <a:extLst>
+                <a:ext uri="{FF2B5EF4-FFF2-40B4-BE49-F238E27FC236}">
+                  <a16:creationId xmlns:a16="http://schemas.microsoft.com/office/drawing/2014/main" id="{DAC6DC7C-FEBE-48E3-B8BF-5C5AEAE0C340}"/>
+                </a:ext>
+              </a:extLst>
+            </p:cNvPr>
+            <p:cNvPicPr>
+              <a:picLocks noChangeAspect="1"/>
+            </p:cNvPicPr>
+            <p:nvPr/>
+          </p:nvPicPr>
+          <p:blipFill rotWithShape="1">
+            <a:blip r:embed="rId10"/>
+            <a:srcRect l="37423"/>
+            <a:stretch/>
+          </p:blipFill>
+          <p:spPr>
+            <a:xfrm>
+              <a:off x="-7424820" y="6244575"/>
+              <a:ext cx="13732812" cy="4219575"/>
+            </a:xfrm>
+            <a:prstGeom prst="rect">
+              <a:avLst/>
+            </a:prstGeom>
+          </p:spPr>
+        </p:pic>
+      </p:grpSp>
+      <p:sp>
+        <p:nvSpPr>
+          <p:cNvPr id="152" name="TextBox 151">
+            <a:extLst>
+              <a:ext uri="{FF2B5EF4-FFF2-40B4-BE49-F238E27FC236}">
+                <a16:creationId xmlns:a16="http://schemas.microsoft.com/office/drawing/2014/main" id="{7E4E79A1-3E96-46E3-925B-3A8B1130796C}"/>
+              </a:ext>
+            </a:extLst>
+          </p:cNvPr>
+          <p:cNvSpPr txBox="1"/>
+          <p:nvPr/>
+        </p:nvSpPr>
+        <p:spPr>
+          <a:xfrm>
+            <a:off x="315536" y="23655187"/>
+            <a:ext cx="10925175" cy="1354217"/>
+          </a:xfrm>
+          <a:prstGeom prst="rect">
+            <a:avLst/>
+          </a:prstGeom>
+          <a:noFill/>
+        </p:spPr>
+        <p:txBody>
+          <a:bodyPr wrap="square" rtlCol="0">
+            <a:spAutoFit/>
+          </a:bodyPr>
+          <a:lstStyle/>
+          <a:p>
+            <a:pPr marL="457200" indent="-457200">
+              <a:spcBef>
+                <a:spcPts val="600"/>
+              </a:spcBef>
+              <a:spcAft>
+                <a:spcPts val="600"/>
+              </a:spcAft>
+              <a:buFont typeface="Arial" panose="020B0604020202020204" pitchFamily="34" charset="0"/>
+              <a:buChar char="•"/>
+            </a:pPr>
+            <a:r>
+              <a:rPr lang="en-US" sz="2400" dirty="0"/>
+              <a:t>Data dominance in class 5, 6. This explains why prediction at 5, 6 is </a:t>
+            </a:r>
+            <a:r>
+              <a:rPr lang="en-US" altLang="zh-CN" sz="2400" dirty="0"/>
+              <a:t>better</a:t>
+            </a:r>
+          </a:p>
+          <a:p>
+            <a:pPr marL="457200" indent="-457200">
+              <a:spcBef>
+                <a:spcPts val="600"/>
+              </a:spcBef>
+              <a:spcAft>
+                <a:spcPts val="600"/>
+              </a:spcAft>
+              <a:buFont typeface="Arial" panose="020B0604020202020204" pitchFamily="34" charset="0"/>
+              <a:buChar char="•"/>
+            </a:pPr>
+            <a:r>
+              <a:rPr lang="en-US" sz="2400" dirty="0"/>
+              <a:t>Overall, the dataset is a good dataset for the </a:t>
+            </a:r>
+            <a:r>
+              <a:rPr lang="en-US" altLang="zh-CN" sz="2400" dirty="0"/>
+              <a:t>ordinary regression model, as the data structure suggests</a:t>
+            </a:r>
+            <a:endParaRPr lang="en-US" sz="1800" dirty="0"/>
+          </a:p>
+        </p:txBody>
+      </p:sp>
+      <p:pic>
+        <p:nvPicPr>
+          <p:cNvPr id="153" name="Picture 15">
+            <a:extLst>
+              <a:ext uri="{FF2B5EF4-FFF2-40B4-BE49-F238E27FC236}">
+                <a16:creationId xmlns:a16="http://schemas.microsoft.com/office/drawing/2014/main" id="{1465B8E9-FE6F-4B5B-A4D9-04561D9D20E6}"/>
+              </a:ext>
+            </a:extLst>
+          </p:cNvPr>
+          <p:cNvPicPr>
+            <a:picLocks noChangeAspect="1" noChangeArrowheads="1"/>
+          </p:cNvPicPr>
+          <p:nvPr/>
+        </p:nvPicPr>
+        <p:blipFill>
+          <a:blip r:embed="rId11">
+            <a:extLst>
+              <a:ext uri="{28A0092B-C50C-407E-A947-70E740481C1C}">
+                <a14:useLocalDpi xmlns:a14="http://schemas.microsoft.com/office/drawing/2010/main" val="0"/>
+              </a:ext>
+            </a:extLst>
+          </a:blip>
+          <a:srcRect/>
+          <a:stretch>
+            <a:fillRect/>
+          </a:stretch>
+        </p:blipFill>
+        <p:spPr bwMode="auto">
+          <a:xfrm>
+            <a:off x="35130398" y="11882212"/>
+            <a:ext cx="5977348" cy="4506114"/>
+          </a:xfrm>
+          <a:prstGeom prst="rect">
+            <a:avLst/>
+          </a:prstGeom>
+          <a:noFill/>
+          <a:extLst>
+            <a:ext uri="{909E8E84-426E-40DD-AFC4-6F175D3DCCD1}">
+              <a14:hiddenFill xmlns:a14="http://schemas.microsoft.com/office/drawing/2010/main">
+                <a:solidFill>
+                  <a:srgbClr val="FFFFFF"/>
+                </a:solidFill>
+              </a14:hiddenFill>
+            </a:ext>
+          </a:extLst>
+        </p:spPr>
+      </p:pic>
+      <p:sp>
+        <p:nvSpPr>
+          <p:cNvPr id="154" name="TextBox 153">
+            <a:extLst>
+              <a:ext uri="{FF2B5EF4-FFF2-40B4-BE49-F238E27FC236}">
+                <a16:creationId xmlns:a16="http://schemas.microsoft.com/office/drawing/2014/main" id="{BA2333D1-40DD-42B4-97F5-A83488B63C80}"/>
+              </a:ext>
+            </a:extLst>
+          </p:cNvPr>
+          <p:cNvSpPr txBox="1"/>
+          <p:nvPr/>
+        </p:nvSpPr>
+        <p:spPr>
+          <a:xfrm>
+            <a:off x="32735136" y="16848026"/>
+            <a:ext cx="10526515" cy="1938992"/>
+          </a:xfrm>
+          <a:prstGeom prst="rect">
+            <a:avLst/>
+          </a:prstGeom>
+          <a:noFill/>
+        </p:spPr>
+        <p:txBody>
+          <a:bodyPr wrap="square" rtlCol="0">
+            <a:spAutoFit/>
+          </a:bodyPr>
+          <a:lstStyle/>
+          <a:p>
+            <a:pPr marL="342900" indent="-342900">
+              <a:buFont typeface="Arial" panose="020B0604020202020204" pitchFamily="34" charset="0"/>
+              <a:buChar char="•"/>
+            </a:pPr>
+            <a:r>
+              <a:rPr lang="en-US" sz="2400" dirty="0"/>
+              <a:t>From the ROC curve and AUC calculation, we can see the curve is close to the top left corner (area under the curve is close to 1). </a:t>
+            </a:r>
+          </a:p>
+          <a:p>
+            <a:pPr marL="342900" indent="-342900">
+              <a:buFont typeface="Arial" panose="020B0604020202020204" pitchFamily="34" charset="0"/>
+              <a:buChar char="•"/>
+            </a:pPr>
+            <a:endParaRPr lang="en-US" sz="2400" dirty="0"/>
+          </a:p>
+          <a:p>
+            <a:pPr marL="342900" indent="-342900">
+              <a:buFont typeface="Arial" panose="020B0604020202020204" pitchFamily="34" charset="0"/>
+              <a:buChar char="•"/>
+            </a:pPr>
+            <a:r>
+              <a:rPr lang="en-US" sz="2400" dirty="0"/>
+              <a:t>This shows that the logistic model can distinguish between good and not good quality, so this is a pretty good model.</a:t>
+            </a:r>
+          </a:p>
+        </p:txBody>
+      </p:sp>
+      <p:grpSp>
+        <p:nvGrpSpPr>
+          <p:cNvPr id="155" name="Group 154">
+            <a:extLst>
+              <a:ext uri="{FF2B5EF4-FFF2-40B4-BE49-F238E27FC236}">
+                <a16:creationId xmlns:a16="http://schemas.microsoft.com/office/drawing/2014/main" id="{942ABC51-16D1-4380-B489-DF7B23E4ACA9}"/>
+              </a:ext>
+            </a:extLst>
+          </p:cNvPr>
+          <p:cNvGrpSpPr/>
+          <p:nvPr/>
+        </p:nvGrpSpPr>
+        <p:grpSpPr>
+          <a:xfrm>
+            <a:off x="32991903" y="10446084"/>
             <a:ext cx="13106105" cy="1031321"/>
             <a:chOff x="15675341" y="25677021"/>
             <a:chExt cx="13106105" cy="1031321"/>
@@ -6266,10 +6712,10 @@
         </p:grpSpPr>
         <p:sp>
           <p:nvSpPr>
-            <p:cNvPr id="111" name="TextBox 110">
+            <p:cNvPr id="156" name="TextBox 155">
               <a:extLst>
                 <a:ext uri="{FF2B5EF4-FFF2-40B4-BE49-F238E27FC236}">
-                  <a16:creationId xmlns:a16="http://schemas.microsoft.com/office/drawing/2014/main" id="{1F514E5D-3689-4074-91FF-A5B40EC7D936}"/>
+                  <a16:creationId xmlns:a16="http://schemas.microsoft.com/office/drawing/2014/main" id="{E96785C4-0A26-4335-A2AA-8B5CE8A86DD4}"/>
                 </a:ext>
               </a:extLst>
             </p:cNvPr>
@@ -6327,10 +6773,10 @@
         </p:sp>
         <p:grpSp>
           <p:nvGrpSpPr>
-            <p:cNvPr id="112" name="Group 111">
+            <p:cNvPr id="157" name="Group 156">
               <a:extLst>
                 <a:ext uri="{FF2B5EF4-FFF2-40B4-BE49-F238E27FC236}">
-                  <a16:creationId xmlns:a16="http://schemas.microsoft.com/office/drawing/2014/main" id="{2E7C659D-4F85-4256-9DAC-BAD69C2CFEED}"/>
+                  <a16:creationId xmlns:a16="http://schemas.microsoft.com/office/drawing/2014/main" id="{DFEE7EBE-7508-4BF6-8108-11388CC6F4E2}"/>
                 </a:ext>
               </a:extLst>
             </p:cNvPr>
@@ -6347,10 +6793,10 @@
           </p:grpSpPr>
           <p:sp>
             <p:nvSpPr>
-              <p:cNvPr id="113" name="Oval 112">
+              <p:cNvPr id="158" name="Oval 157">
                 <a:extLst>
                   <a:ext uri="{FF2B5EF4-FFF2-40B4-BE49-F238E27FC236}">
-                    <a16:creationId xmlns:a16="http://schemas.microsoft.com/office/drawing/2014/main" id="{9EFA4C59-4DA4-4C1B-ACFF-44104D5EA51C}"/>
+                    <a16:creationId xmlns:a16="http://schemas.microsoft.com/office/drawing/2014/main" id="{26A900CB-82C1-48D9-A703-761B85168917}"/>
                   </a:ext>
                 </a:extLst>
               </p:cNvPr>
@@ -6417,10 +6863,10 @@
           </p:sp>
           <p:cxnSp>
             <p:nvCxnSpPr>
-              <p:cNvPr id="114" name="Straight Connector 113">
+              <p:cNvPr id="159" name="Straight Connector 158">
                 <a:extLst>
                   <a:ext uri="{FF2B5EF4-FFF2-40B4-BE49-F238E27FC236}">
-                    <a16:creationId xmlns:a16="http://schemas.microsoft.com/office/drawing/2014/main" id="{F4EE5E6E-5099-4E3D-887B-F29F3C63E731}"/>
+                    <a16:creationId xmlns:a16="http://schemas.microsoft.com/office/drawing/2014/main" id="{270CFD90-D278-433D-9D12-E844A4E11348}"/>
                   </a:ext>
                 </a:extLst>
               </p:cNvPr>
@@ -6460,807 +6906,12 @@
           </p:cxnSp>
         </p:grpSp>
       </p:grpSp>
-      <p:grpSp>
-        <p:nvGrpSpPr>
-          <p:cNvPr id="117" name="Group 116">
+      <p:pic>
+        <p:nvPicPr>
+          <p:cNvPr id="160" name="Picture 2">
             <a:extLst>
               <a:ext uri="{FF2B5EF4-FFF2-40B4-BE49-F238E27FC236}">
-                <a16:creationId xmlns:a16="http://schemas.microsoft.com/office/drawing/2014/main" id="{06989AB5-E10D-45DF-A374-F092B3A3680E}"/>
-              </a:ext>
-            </a:extLst>
-          </p:cNvPr>
-          <p:cNvGrpSpPr/>
-          <p:nvPr/>
-        </p:nvGrpSpPr>
-        <p:grpSpPr>
-          <a:xfrm>
-            <a:off x="500668" y="12677285"/>
-            <a:ext cx="13037167" cy="1031321"/>
-            <a:chOff x="15707576" y="28334853"/>
-            <a:chExt cx="13037167" cy="1031321"/>
-          </a:xfrm>
-        </p:grpSpPr>
-        <p:sp>
-          <p:nvSpPr>
-            <p:cNvPr id="118" name="TextBox 117">
-              <a:extLst>
-                <a:ext uri="{FF2B5EF4-FFF2-40B4-BE49-F238E27FC236}">
-                  <a16:creationId xmlns:a16="http://schemas.microsoft.com/office/drawing/2014/main" id="{499B4257-E54D-42B6-B8C1-B4C9D4074ADC}"/>
-                </a:ext>
-              </a:extLst>
-            </p:cNvPr>
-            <p:cNvSpPr txBox="1"/>
-            <p:nvPr/>
-          </p:nvSpPr>
-          <p:spPr>
-            <a:xfrm>
-              <a:off x="16669959" y="28621254"/>
-              <a:ext cx="12074784" cy="707886"/>
-            </a:xfrm>
-            <a:prstGeom prst="rect">
-              <a:avLst/>
-            </a:prstGeom>
-            <a:noFill/>
-          </p:spPr>
-          <p:txBody>
-            <a:bodyPr wrap="square" rtlCol="0">
-              <a:spAutoFit/>
-            </a:bodyPr>
-            <a:lstStyle/>
-            <a:p>
-              <a:r>
-                <a:rPr lang="en-US" altLang="zh-CN" sz="4000" b="1" dirty="0" err="1">
-                  <a:solidFill>
-                    <a:schemeClr val="tx1">
-                      <a:lumMod val="65000"/>
-                      <a:lumOff val="35000"/>
-                    </a:schemeClr>
-                  </a:solidFill>
-                </a:rPr>
-                <a:t>rdinal</a:t>
-              </a:r>
-              <a:r>
-                <a:rPr lang="en-US" altLang="zh-CN" sz="4000" b="1" dirty="0">
-                  <a:solidFill>
-                    <a:schemeClr val="tx1">
-                      <a:lumMod val="65000"/>
-                      <a:lumOff val="35000"/>
-                    </a:schemeClr>
-                  </a:solidFill>
-                </a:rPr>
-                <a:t> Regression Model Output</a:t>
-              </a:r>
-              <a:endParaRPr lang="en-US" sz="1800" b="1" dirty="0">
-                <a:solidFill>
-                  <a:schemeClr val="tx1">
-                    <a:lumMod val="65000"/>
-                    <a:lumOff val="35000"/>
-                  </a:schemeClr>
-                </a:solidFill>
-              </a:endParaRPr>
-            </a:p>
-          </p:txBody>
-        </p:sp>
-        <p:grpSp>
-          <p:nvGrpSpPr>
-            <p:cNvPr id="119" name="Group 118">
-              <a:extLst>
-                <a:ext uri="{FF2B5EF4-FFF2-40B4-BE49-F238E27FC236}">
-                  <a16:creationId xmlns:a16="http://schemas.microsoft.com/office/drawing/2014/main" id="{B46AA660-A5D7-49AE-9842-E623D6C751B8}"/>
-                </a:ext>
-              </a:extLst>
-            </p:cNvPr>
-            <p:cNvGrpSpPr/>
-            <p:nvPr/>
-          </p:nvGrpSpPr>
-          <p:grpSpPr>
-            <a:xfrm>
-              <a:off x="15707576" y="28334853"/>
-              <a:ext cx="9672141" cy="1031321"/>
-              <a:chOff x="12742070" y="23763090"/>
-              <a:chExt cx="9672141" cy="1031321"/>
-            </a:xfrm>
-          </p:grpSpPr>
-          <p:sp>
-            <p:nvSpPr>
-              <p:cNvPr id="120" name="Oval 119">
-                <a:extLst>
-                  <a:ext uri="{FF2B5EF4-FFF2-40B4-BE49-F238E27FC236}">
-                    <a16:creationId xmlns:a16="http://schemas.microsoft.com/office/drawing/2014/main" id="{C18CA4DC-7E52-4859-8550-F3144F4E2315}"/>
-                  </a:ext>
-                </a:extLst>
-              </p:cNvPr>
-              <p:cNvSpPr/>
-              <p:nvPr/>
-            </p:nvSpPr>
-            <p:spPr>
-              <a:xfrm>
-                <a:off x="12742070" y="23763090"/>
-                <a:ext cx="1031321" cy="1031321"/>
-              </a:xfrm>
-              <a:prstGeom prst="ellipse">
-                <a:avLst/>
-              </a:prstGeom>
-              <a:solidFill>
-                <a:srgbClr val="C1CBD1"/>
-              </a:solidFill>
-              <a:ln>
-                <a:noFill/>
-              </a:ln>
-            </p:spPr>
-            <p:style>
-              <a:lnRef idx="2">
-                <a:schemeClr val="accent1">
-                  <a:shade val="50000"/>
-                </a:schemeClr>
-              </a:lnRef>
-              <a:fillRef idx="1">
-                <a:schemeClr val="accent1"/>
-              </a:fillRef>
-              <a:effectRef idx="0">
-                <a:schemeClr val="accent1"/>
-              </a:effectRef>
-              <a:fontRef idx="minor">
-                <a:schemeClr val="lt1"/>
-              </a:fontRef>
-            </p:style>
-            <p:txBody>
-              <a:bodyPr rtlCol="0" anchor="ctr"/>
-              <a:lstStyle/>
-              <a:p>
-                <a:pPr algn="ctr"/>
-                <a:r>
-                  <a:rPr lang="en-US" sz="6600" b="1" dirty="0">
-                    <a:solidFill>
-                      <a:schemeClr val="tx1">
-                        <a:lumMod val="65000"/>
-                        <a:lumOff val="35000"/>
-                      </a:schemeClr>
-                    </a:solidFill>
-                  </a:rPr>
-                  <a:t>O</a:t>
-                </a:r>
-                <a:endParaRPr lang="en-US" b="1" dirty="0">
-                  <a:solidFill>
-                    <a:schemeClr val="tx1">
-                      <a:lumMod val="65000"/>
-                      <a:lumOff val="35000"/>
-                    </a:schemeClr>
-                  </a:solidFill>
-                </a:endParaRPr>
-              </a:p>
-            </p:txBody>
-          </p:sp>
-          <p:cxnSp>
-            <p:nvCxnSpPr>
-              <p:cNvPr id="121" name="Straight Connector 120">
-                <a:extLst>
-                  <a:ext uri="{FF2B5EF4-FFF2-40B4-BE49-F238E27FC236}">
-                    <a16:creationId xmlns:a16="http://schemas.microsoft.com/office/drawing/2014/main" id="{10B07AC8-3D14-4A97-9D4D-3D0BADB4CC46}"/>
-                  </a:ext>
-                </a:extLst>
-              </p:cNvPr>
-              <p:cNvCxnSpPr>
-                <a:cxnSpLocks/>
-              </p:cNvCxnSpPr>
-              <p:nvPr/>
-            </p:nvCxnSpPr>
-            <p:spPr>
-              <a:xfrm>
-                <a:off x="13248205" y="24766873"/>
-                <a:ext cx="9166006" cy="0"/>
-              </a:xfrm>
-              <a:prstGeom prst="line">
-                <a:avLst/>
-              </a:prstGeom>
-              <a:ln w="47625">
-                <a:solidFill>
-                  <a:srgbClr val="C1CBD1"/>
-                </a:solidFill>
-              </a:ln>
-            </p:spPr>
-            <p:style>
-              <a:lnRef idx="1">
-                <a:schemeClr val="accent1"/>
-              </a:lnRef>
-              <a:fillRef idx="0">
-                <a:schemeClr val="accent1"/>
-              </a:fillRef>
-              <a:effectRef idx="0">
-                <a:schemeClr val="accent1"/>
-              </a:effectRef>
-              <a:fontRef idx="minor">
-                <a:schemeClr val="tx1"/>
-              </a:fontRef>
-            </p:style>
-          </p:cxnSp>
-        </p:grpSp>
-      </p:grpSp>
-      <p:pic>
-        <p:nvPicPr>
-          <p:cNvPr id="57" name="Picture 2">
-            <a:extLst>
-              <a:ext uri="{FF2B5EF4-FFF2-40B4-BE49-F238E27FC236}">
-                <a16:creationId xmlns:a16="http://schemas.microsoft.com/office/drawing/2014/main" id="{2AFB5CBC-3DB9-4F3F-B5ED-F6324C76E763}"/>
-              </a:ext>
-            </a:extLst>
-          </p:cNvPr>
-          <p:cNvPicPr>
-            <a:picLocks noChangeAspect="1" noChangeArrowheads="1"/>
-          </p:cNvPicPr>
-          <p:nvPr/>
-        </p:nvPicPr>
-        <p:blipFill>
-          <a:blip r:embed="rId6">
-            <a:extLst>
-              <a:ext uri="{28A0092B-C50C-407E-A947-70E740481C1C}">
-                <a14:useLocalDpi xmlns:a14="http://schemas.microsoft.com/office/drawing/2010/main" val="0"/>
-              </a:ext>
-            </a:extLst>
-          </a:blip>
-          <a:srcRect/>
-          <a:stretch>
-            <a:fillRect/>
-          </a:stretch>
-        </p:blipFill>
-        <p:spPr bwMode="auto">
-          <a:xfrm>
-            <a:off x="35445603" y="26185755"/>
-            <a:ext cx="6232573" cy="4451838"/>
-          </a:xfrm>
-          <a:prstGeom prst="rect">
-            <a:avLst/>
-          </a:prstGeom>
-          <a:noFill/>
-          <a:extLst>
-            <a:ext uri="{909E8E84-426E-40DD-AFC4-6F175D3DCCD1}">
-              <a14:hiddenFill xmlns:a14="http://schemas.microsoft.com/office/drawing/2010/main">
-                <a:solidFill>
-                  <a:srgbClr val="FFFFFF"/>
-                </a:solidFill>
-              </a14:hiddenFill>
-            </a:ext>
-          </a:extLst>
-        </p:spPr>
-      </p:pic>
-      <p:grpSp>
-        <p:nvGrpSpPr>
-          <p:cNvPr id="76" name="Group 75">
-            <a:extLst>
-              <a:ext uri="{FF2B5EF4-FFF2-40B4-BE49-F238E27FC236}">
-                <a16:creationId xmlns:a16="http://schemas.microsoft.com/office/drawing/2014/main" id="{43B21D4B-3396-420E-9BB3-FDEA4BBA1F10}"/>
-              </a:ext>
-            </a:extLst>
-          </p:cNvPr>
-          <p:cNvGrpSpPr/>
-          <p:nvPr/>
-        </p:nvGrpSpPr>
-        <p:grpSpPr>
-          <a:xfrm>
-            <a:off x="13426738" y="9409054"/>
-            <a:ext cx="17037725" cy="4223198"/>
-            <a:chOff x="13426738" y="9409054"/>
-            <a:chExt cx="17037725" cy="4223198"/>
-          </a:xfrm>
-        </p:grpSpPr>
-        <p:grpSp>
-          <p:nvGrpSpPr>
-            <p:cNvPr id="30" name="Group 29"/>
-            <p:cNvGrpSpPr/>
-            <p:nvPr/>
-          </p:nvGrpSpPr>
-          <p:grpSpPr>
-            <a:xfrm>
-              <a:off x="18501362" y="9719340"/>
-              <a:ext cx="6888478" cy="3364367"/>
-              <a:chOff x="18981831" y="9013284"/>
-              <a:chExt cx="5843593" cy="3364367"/>
-            </a:xfrm>
-          </p:grpSpPr>
-          <p:sp>
-            <p:nvSpPr>
-              <p:cNvPr id="31" name="TextBox 30">
-                <a:extLst>
-                  <a:ext uri="{FF2B5EF4-FFF2-40B4-BE49-F238E27FC236}">
-                    <a16:creationId xmlns:a16="http://schemas.microsoft.com/office/drawing/2014/main" id="{E7686121-4BB1-4A39-A901-F33C506A8987}"/>
-                  </a:ext>
-                </a:extLst>
-              </p:cNvPr>
-              <p:cNvSpPr txBox="1"/>
-              <p:nvPr/>
-            </p:nvSpPr>
-            <p:spPr>
-              <a:xfrm>
-                <a:off x="19123852" y="9013284"/>
-                <a:ext cx="5523982" cy="707886"/>
-              </a:xfrm>
-              <a:prstGeom prst="rect">
-                <a:avLst/>
-              </a:prstGeom>
-              <a:noFill/>
-            </p:spPr>
-            <p:txBody>
-              <a:bodyPr wrap="square" rtlCol="0">
-                <a:spAutoFit/>
-              </a:bodyPr>
-              <a:lstStyle/>
-              <a:p>
-                <a:pPr algn="ctr"/>
-                <a:r>
-                  <a:rPr lang="en-US" sz="4000" b="1" dirty="0"/>
-                  <a:t>Regression Methods</a:t>
-                </a:r>
-                <a:endParaRPr lang="en-US" sz="1800" b="1" dirty="0"/>
-              </a:p>
-            </p:txBody>
-          </p:sp>
-          <p:sp>
-            <p:nvSpPr>
-              <p:cNvPr id="49" name="Rectangle 48">
-                <a:extLst>
-                  <a:ext uri="{FF2B5EF4-FFF2-40B4-BE49-F238E27FC236}">
-                    <a16:creationId xmlns:a16="http://schemas.microsoft.com/office/drawing/2014/main" id="{83F095ED-2448-4591-8BBA-021577CC6621}"/>
-                  </a:ext>
-                </a:extLst>
-              </p:cNvPr>
-              <p:cNvSpPr/>
-              <p:nvPr/>
-            </p:nvSpPr>
-            <p:spPr>
-              <a:xfrm>
-                <a:off x="18981831" y="10069327"/>
-                <a:ext cx="5843593" cy="2308324"/>
-              </a:xfrm>
-              <a:prstGeom prst="rect">
-                <a:avLst/>
-              </a:prstGeom>
-            </p:spPr>
-            <p:txBody>
-              <a:bodyPr wrap="square">
-                <a:spAutoFit/>
-              </a:bodyPr>
-              <a:lstStyle/>
-              <a:p>
-                <a:r>
-                  <a:rPr lang="en-US" sz="2400" dirty="0"/>
-                  <a:t>For the purpose of explaining wine quality in meeting the needs of wine-professionals’ and common folks’ level, we ran </a:t>
-                </a:r>
-                <a:r>
-                  <a:rPr lang="en-US" sz="2400" b="1" dirty="0"/>
-                  <a:t>proportional odds model</a:t>
-                </a:r>
-                <a:r>
-                  <a:rPr lang="en-US" sz="2400" dirty="0"/>
-                  <a:t>, giving more specified quality levels, and </a:t>
-                </a:r>
-                <a:r>
-                  <a:rPr lang="en-US" sz="2400" b="1" dirty="0"/>
-                  <a:t>logistic regression</a:t>
-                </a:r>
-                <a:r>
-                  <a:rPr lang="en-US" sz="2400" dirty="0"/>
-                  <a:t>, indicating whether the wine is good enough.  </a:t>
-                </a:r>
-              </a:p>
-            </p:txBody>
-          </p:sp>
-        </p:grpSp>
-        <p:grpSp>
-          <p:nvGrpSpPr>
-            <p:cNvPr id="74" name="Group 73">
-              <a:extLst>
-                <a:ext uri="{FF2B5EF4-FFF2-40B4-BE49-F238E27FC236}">
-                  <a16:creationId xmlns:a16="http://schemas.microsoft.com/office/drawing/2014/main" id="{859755E8-DD38-4E06-8D1D-BCD1DC129182}"/>
-                </a:ext>
-              </a:extLst>
-            </p:cNvPr>
-            <p:cNvGrpSpPr/>
-            <p:nvPr/>
-          </p:nvGrpSpPr>
-          <p:grpSpPr>
-            <a:xfrm>
-              <a:off x="13426738" y="9409054"/>
-              <a:ext cx="17037725" cy="4223198"/>
-              <a:chOff x="13334136" y="9409054"/>
-              <a:chExt cx="17037725" cy="4223198"/>
-            </a:xfrm>
-          </p:grpSpPr>
-          <p:sp>
-            <p:nvSpPr>
-              <p:cNvPr id="123" name="Rectangle 122">
-                <a:extLst>
-                  <a:ext uri="{FF2B5EF4-FFF2-40B4-BE49-F238E27FC236}">
-                    <a16:creationId xmlns:a16="http://schemas.microsoft.com/office/drawing/2014/main" id="{A908E48A-44C8-496C-B0D5-EE34CE567785}"/>
-                  </a:ext>
-                </a:extLst>
-              </p:cNvPr>
-              <p:cNvSpPr/>
-              <p:nvPr/>
-            </p:nvSpPr>
-            <p:spPr>
-              <a:xfrm>
-                <a:off x="13334136" y="12678145"/>
-                <a:ext cx="5523982" cy="954107"/>
-              </a:xfrm>
-              <a:prstGeom prst="rect">
-                <a:avLst/>
-              </a:prstGeom>
-            </p:spPr>
-            <p:txBody>
-              <a:bodyPr wrap="square">
-                <a:spAutoFit/>
-              </a:bodyPr>
-              <a:lstStyle/>
-              <a:p>
-                <a:pPr algn="ctr"/>
-                <a:r>
-                  <a:rPr lang="en-US" sz="3200" b="1" dirty="0">
-                    <a:solidFill>
-                      <a:srgbClr val="C1CBD1"/>
-                    </a:solidFill>
-                  </a:rPr>
-                  <a:t>Proportional Odds </a:t>
-                </a:r>
-              </a:p>
-              <a:p>
-                <a:pPr algn="ctr"/>
-                <a:r>
-                  <a:rPr lang="en-US" sz="2400" dirty="0"/>
-                  <a:t>for the professionals</a:t>
-                </a:r>
-              </a:p>
-            </p:txBody>
-          </p:sp>
-          <p:grpSp>
-            <p:nvGrpSpPr>
-              <p:cNvPr id="70" name="Group 69">
-                <a:extLst>
-                  <a:ext uri="{FF2B5EF4-FFF2-40B4-BE49-F238E27FC236}">
-                    <a16:creationId xmlns:a16="http://schemas.microsoft.com/office/drawing/2014/main" id="{E230BC0C-0953-46BC-94B8-18F9FA5E1866}"/>
-                  </a:ext>
-                </a:extLst>
-              </p:cNvPr>
-              <p:cNvGrpSpPr/>
-              <p:nvPr/>
-            </p:nvGrpSpPr>
-            <p:grpSpPr>
-              <a:xfrm>
-                <a:off x="25180496" y="9409054"/>
-                <a:ext cx="5191365" cy="4222338"/>
-                <a:chOff x="25921361" y="9409054"/>
-                <a:chExt cx="5191365" cy="4222338"/>
-              </a:xfrm>
-            </p:grpSpPr>
-            <p:pic>
-              <p:nvPicPr>
-                <p:cNvPr id="63" name="Picture 6" descr="âwine pngâçå¾çæç´¢ç»æ">
-                  <a:extLst>
-                    <a:ext uri="{FF2B5EF4-FFF2-40B4-BE49-F238E27FC236}">
-                      <a16:creationId xmlns:a16="http://schemas.microsoft.com/office/drawing/2014/main" id="{112EEC31-A893-4DD1-AE53-A192DFB1398B}"/>
-                    </a:ext>
-                  </a:extLst>
-                </p:cNvPr>
-                <p:cNvPicPr>
-                  <a:picLocks noChangeAspect="1" noChangeArrowheads="1"/>
-                </p:cNvPicPr>
-                <p:nvPr/>
-              </p:nvPicPr>
-              <p:blipFill>
-                <a:blip r:embed="rId7">
-                  <a:extLst>
-                    <a:ext uri="{28A0092B-C50C-407E-A947-70E740481C1C}">
-                      <a14:useLocalDpi xmlns:a14="http://schemas.microsoft.com/office/drawing/2010/main" val="0"/>
-                    </a:ext>
-                  </a:extLst>
-                </a:blip>
-                <a:srcRect/>
-                <a:stretch>
-                  <a:fillRect/>
-                </a:stretch>
-              </p:blipFill>
-              <p:spPr bwMode="auto">
-                <a:xfrm>
-                  <a:off x="26927868" y="9409054"/>
-                  <a:ext cx="2786228" cy="3302479"/>
-                </a:xfrm>
-                <a:prstGeom prst="rect">
-                  <a:avLst/>
-                </a:prstGeom>
-                <a:noFill/>
-                <a:extLst>
-                  <a:ext uri="{909E8E84-426E-40DD-AFC4-6F175D3DCCD1}">
-                    <a14:hiddenFill xmlns:a14="http://schemas.microsoft.com/office/drawing/2010/main">
-                      <a:solidFill>
-                        <a:srgbClr val="FFFFFF"/>
-                      </a:solidFill>
-                    </a14:hiddenFill>
-                  </a:ext>
-                </a:extLst>
-              </p:spPr>
-            </p:pic>
-            <p:sp>
-              <p:nvSpPr>
-                <p:cNvPr id="124" name="Rectangle 123">
-                  <a:extLst>
-                    <a:ext uri="{FF2B5EF4-FFF2-40B4-BE49-F238E27FC236}">
-                      <a16:creationId xmlns:a16="http://schemas.microsoft.com/office/drawing/2014/main" id="{720C1955-3B3B-4FFF-87BD-A8A7FCC144F4}"/>
-                    </a:ext>
-                  </a:extLst>
-                </p:cNvPr>
-                <p:cNvSpPr/>
-                <p:nvPr/>
-              </p:nvSpPr>
-              <p:spPr>
-                <a:xfrm>
-                  <a:off x="25921361" y="12677285"/>
-                  <a:ext cx="5191365" cy="954107"/>
-                </a:xfrm>
-                <a:prstGeom prst="rect">
-                  <a:avLst/>
-                </a:prstGeom>
-              </p:spPr>
-              <p:txBody>
-                <a:bodyPr wrap="square">
-                  <a:spAutoFit/>
-                </a:bodyPr>
-                <a:lstStyle/>
-                <a:p>
-                  <a:pPr algn="ctr"/>
-                  <a:r>
-                    <a:rPr lang="en-US" sz="3200" b="1" dirty="0">
-                      <a:solidFill>
-                        <a:srgbClr val="9FA7BA"/>
-                      </a:solidFill>
-                    </a:rPr>
-                    <a:t>Logistic Regression </a:t>
-                  </a:r>
-                </a:p>
-                <a:p>
-                  <a:pPr algn="ctr"/>
-                  <a:r>
-                    <a:rPr lang="en-US" sz="2400" dirty="0"/>
-                    <a:t>for the common</a:t>
-                  </a:r>
-                </a:p>
-              </p:txBody>
-            </p:sp>
-          </p:grpSp>
-        </p:grpSp>
-      </p:grpSp>
-      <p:pic>
-        <p:nvPicPr>
-          <p:cNvPr id="77" name="Picture 8">
-            <a:extLst>
-              <a:ext uri="{FF2B5EF4-FFF2-40B4-BE49-F238E27FC236}">
-                <a16:creationId xmlns:a16="http://schemas.microsoft.com/office/drawing/2014/main" id="{07C6BD88-A2B1-4C4F-981A-772896D5503C}"/>
-              </a:ext>
-            </a:extLst>
-          </p:cNvPr>
-          <p:cNvPicPr>
-            <a:picLocks noChangeAspect="1" noChangeArrowheads="1"/>
-          </p:cNvPicPr>
-          <p:nvPr/>
-        </p:nvPicPr>
-        <p:blipFill>
-          <a:blip r:embed="rId8">
-            <a:extLst>
-              <a:ext uri="{28A0092B-C50C-407E-A947-70E740481C1C}">
-                <a14:useLocalDpi xmlns:a14="http://schemas.microsoft.com/office/drawing/2010/main" val="0"/>
-              </a:ext>
-            </a:extLst>
-          </a:blip>
-          <a:srcRect/>
-          <a:stretch>
-            <a:fillRect/>
-          </a:stretch>
-        </p:blipFill>
-        <p:spPr bwMode="auto">
-          <a:xfrm>
-            <a:off x="493394" y="19569119"/>
-            <a:ext cx="9224855" cy="6589182"/>
-          </a:xfrm>
-          <a:prstGeom prst="rect">
-            <a:avLst/>
-          </a:prstGeom>
-          <a:noFill/>
-          <a:extLst>
-            <a:ext uri="{909E8E84-426E-40DD-AFC4-6F175D3DCCD1}">
-              <a14:hiddenFill xmlns:a14="http://schemas.microsoft.com/office/drawing/2010/main">
-                <a:solidFill>
-                  <a:srgbClr val="FFFFFF"/>
-                </a:solidFill>
-              </a14:hiddenFill>
-            </a:ext>
-          </a:extLst>
-        </p:spPr>
-      </p:pic>
-      <p:grpSp>
-        <p:nvGrpSpPr>
-          <p:cNvPr id="79" name="Group 78">
-            <a:extLst>
-              <a:ext uri="{FF2B5EF4-FFF2-40B4-BE49-F238E27FC236}">
-                <a16:creationId xmlns:a16="http://schemas.microsoft.com/office/drawing/2014/main" id="{6F015208-91CA-42DC-BF31-2C203AD6127E}"/>
-              </a:ext>
-            </a:extLst>
-          </p:cNvPr>
-          <p:cNvGrpSpPr/>
-          <p:nvPr/>
-        </p:nvGrpSpPr>
-        <p:grpSpPr>
-          <a:xfrm>
-            <a:off x="360097" y="14384352"/>
-            <a:ext cx="10566882" cy="2889534"/>
-            <a:chOff x="-9991812" y="6244575"/>
-            <a:chExt cx="16299804" cy="4219575"/>
-          </a:xfrm>
-        </p:grpSpPr>
-        <p:pic>
-          <p:nvPicPr>
-            <p:cNvPr id="78" name="Picture 77">
-              <a:extLst>
-                <a:ext uri="{FF2B5EF4-FFF2-40B4-BE49-F238E27FC236}">
-                  <a16:creationId xmlns:a16="http://schemas.microsoft.com/office/drawing/2014/main" id="{7F646E5B-6492-4DFC-A235-7D8EE5E6D0F5}"/>
-                </a:ext>
-              </a:extLst>
-            </p:cNvPr>
-            <p:cNvPicPr>
-              <a:picLocks noChangeAspect="1"/>
-            </p:cNvPicPr>
-            <p:nvPr/>
-          </p:nvPicPr>
-          <p:blipFill rotWithShape="1">
-            <a:blip r:embed="rId9"/>
-            <a:srcRect r="88303"/>
-            <a:stretch/>
-          </p:blipFill>
-          <p:spPr>
-            <a:xfrm>
-              <a:off x="-9991812" y="6244575"/>
-              <a:ext cx="2566992" cy="4219575"/>
-            </a:xfrm>
-            <a:prstGeom prst="rect">
-              <a:avLst/>
-            </a:prstGeom>
-          </p:spPr>
-        </p:pic>
-        <p:pic>
-          <p:nvPicPr>
-            <p:cNvPr id="136" name="Picture 135">
-              <a:extLst>
-                <a:ext uri="{FF2B5EF4-FFF2-40B4-BE49-F238E27FC236}">
-                  <a16:creationId xmlns:a16="http://schemas.microsoft.com/office/drawing/2014/main" id="{60E392A1-3330-40D0-93C9-5A6B0339DB87}"/>
-                </a:ext>
-              </a:extLst>
-            </p:cNvPr>
-            <p:cNvPicPr>
-              <a:picLocks noChangeAspect="1"/>
-            </p:cNvPicPr>
-            <p:nvPr/>
-          </p:nvPicPr>
-          <p:blipFill rotWithShape="1">
-            <a:blip r:embed="rId9"/>
-            <a:srcRect l="37423"/>
-            <a:stretch/>
-          </p:blipFill>
-          <p:spPr>
-            <a:xfrm>
-              <a:off x="-7424820" y="6244575"/>
-              <a:ext cx="13732812" cy="4219575"/>
-            </a:xfrm>
-            <a:prstGeom prst="rect">
-              <a:avLst/>
-            </a:prstGeom>
-          </p:spPr>
-        </p:pic>
-      </p:grpSp>
-      <p:sp>
-        <p:nvSpPr>
-          <p:cNvPr id="138" name="TextBox 137">
-            <a:extLst>
-              <a:ext uri="{FF2B5EF4-FFF2-40B4-BE49-F238E27FC236}">
-                <a16:creationId xmlns:a16="http://schemas.microsoft.com/office/drawing/2014/main" id="{66D7133B-EE0E-453C-9162-833643CB7AE0}"/>
-              </a:ext>
-            </a:extLst>
-          </p:cNvPr>
-          <p:cNvSpPr txBox="1"/>
-          <p:nvPr/>
-        </p:nvSpPr>
-        <p:spPr>
-          <a:xfrm>
-            <a:off x="360097" y="26185755"/>
-            <a:ext cx="11297356" cy="738664"/>
-          </a:xfrm>
-          <a:prstGeom prst="rect">
-            <a:avLst/>
-          </a:prstGeom>
-          <a:noFill/>
-        </p:spPr>
-        <p:txBody>
-          <a:bodyPr wrap="square" rtlCol="0">
-            <a:spAutoFit/>
-          </a:bodyPr>
-          <a:lstStyle/>
-          <a:p>
-            <a:pPr marL="457200" indent="-457200">
-              <a:buFont typeface="Arial" panose="020B0604020202020204" pitchFamily="34" charset="0"/>
-              <a:buChar char="•"/>
-            </a:pPr>
-            <a:r>
-              <a:rPr lang="en-US" sz="2400" dirty="0"/>
-              <a:t>Dominance in class 5, 6. Explaining why prediction at 5, 6 is good</a:t>
-            </a:r>
-          </a:p>
-          <a:p>
-            <a:endParaRPr lang="en-US" sz="1800" dirty="0"/>
-          </a:p>
-        </p:txBody>
-      </p:sp>
-      <p:pic>
-        <p:nvPicPr>
-          <p:cNvPr id="84" name="Picture 83">
-            <a:extLst>
-              <a:ext uri="{FF2B5EF4-FFF2-40B4-BE49-F238E27FC236}">
-                <a16:creationId xmlns:a16="http://schemas.microsoft.com/office/drawing/2014/main" id="{A8AA56A3-1F16-475E-A574-74C072B931B0}"/>
-              </a:ext>
-            </a:extLst>
-          </p:cNvPr>
-          <p:cNvPicPr>
-            <a:picLocks noChangeAspect="1"/>
-          </p:cNvPicPr>
-          <p:nvPr/>
-        </p:nvPicPr>
-        <p:blipFill>
-          <a:blip r:embed="rId10"/>
-          <a:stretch>
-            <a:fillRect/>
-          </a:stretch>
-        </p:blipFill>
-        <p:spPr>
-          <a:xfrm>
-            <a:off x="32650489" y="1897697"/>
-            <a:ext cx="11180121" cy="5290147"/>
-          </a:xfrm>
-          <a:prstGeom prst="rect">
-            <a:avLst/>
-          </a:prstGeom>
-        </p:spPr>
-      </p:pic>
-      <p:pic>
-        <p:nvPicPr>
-          <p:cNvPr id="85" name="Picture 84">
-            <a:extLst>
-              <a:ext uri="{FF2B5EF4-FFF2-40B4-BE49-F238E27FC236}">
-                <a16:creationId xmlns:a16="http://schemas.microsoft.com/office/drawing/2014/main" id="{577767B9-A1CF-4B3C-8E45-0833AE06CC27}"/>
-              </a:ext>
-            </a:extLst>
-          </p:cNvPr>
-          <p:cNvPicPr>
-            <a:picLocks noChangeAspect="1"/>
-          </p:cNvPicPr>
-          <p:nvPr/>
-        </p:nvPicPr>
-        <p:blipFill>
-          <a:blip r:embed="rId11"/>
-          <a:stretch>
-            <a:fillRect/>
-          </a:stretch>
-        </p:blipFill>
-        <p:spPr>
-          <a:xfrm>
-            <a:off x="315536" y="1828573"/>
-            <a:ext cx="10925175" cy="5915025"/>
-          </a:xfrm>
-          <a:prstGeom prst="rect">
-            <a:avLst/>
-          </a:prstGeom>
-        </p:spPr>
-      </p:pic>
-      <p:pic>
-        <p:nvPicPr>
-          <p:cNvPr id="2" name="Picture 2" descr="Aveleda Casal Garcia Vinho Verde White N.V.">
-            <a:extLst>
-              <a:ext uri="{FF2B5EF4-FFF2-40B4-BE49-F238E27FC236}">
-                <a16:creationId xmlns:a16="http://schemas.microsoft.com/office/drawing/2014/main" id="{07A24BEC-4C9D-4454-84FC-FDC491D87AEA}"/>
+                <a16:creationId xmlns:a16="http://schemas.microsoft.com/office/drawing/2014/main" id="{15BE442F-82D0-423F-BB07-325832CDD465}"/>
               </a:ext>
             </a:extLst>
           </p:cNvPr>
@@ -7283,9 +6934,9 @@
           </a:stretch>
         </p:blipFill>
         <p:spPr bwMode="auto">
-          <a:xfrm rot="19884449">
-            <a:off x="15758256" y="9568203"/>
-            <a:ext cx="653946" cy="3013576"/>
+          <a:xfrm>
+            <a:off x="34236837" y="19171614"/>
+            <a:ext cx="7957462" cy="5683902"/>
           </a:xfrm>
           <a:prstGeom prst="rect">
             <a:avLst/>
@@ -7304,10 +6955,10 @@
       </p:pic>
       <p:sp>
         <p:nvSpPr>
-          <p:cNvPr id="8" name="文本框 7">
+          <p:cNvPr id="161" name="TextBox 160">
             <a:extLst>
               <a:ext uri="{FF2B5EF4-FFF2-40B4-BE49-F238E27FC236}">
-                <a16:creationId xmlns:a16="http://schemas.microsoft.com/office/drawing/2014/main" id="{D4F983C4-CD7D-4D8B-A72E-8E7D2755127C}"/>
+                <a16:creationId xmlns:a16="http://schemas.microsoft.com/office/drawing/2014/main" id="{548F9683-F061-4429-A172-99C1E42B6961}"/>
               </a:ext>
             </a:extLst>
           </p:cNvPr>
@@ -7316,8 +6967,8 @@
         </p:nvSpPr>
         <p:spPr>
           <a:xfrm>
-            <a:off x="315536" y="31020703"/>
-            <a:ext cx="10925175" cy="523220"/>
+            <a:off x="32855814" y="24885329"/>
+            <a:ext cx="10526515" cy="830997"/>
           </a:xfrm>
           <a:prstGeom prst="rect">
             <a:avLst/>
@@ -7330,13 +6981,14 @@
           </a:bodyPr>
           <a:lstStyle/>
           <a:p>
+            <a:pPr marL="342900" indent="-342900">
+              <a:buFont typeface="Arial" panose="020B0604020202020204" pitchFamily="34" charset="0"/>
+              <a:buChar char="•"/>
+            </a:pPr>
             <a:r>
-              <a:rPr lang="en-US" altLang="zh-CN" dirty="0"/>
-              <a:t>References:</a:t>
+              <a:rPr lang="en-US" sz="2400" dirty="0"/>
+              <a:t>The t-SNE plot shows that the logistic regression the raw dataset has been a good model in differentiating good and bad wine</a:t>
             </a:r>
-          </a:p>
-          <a:p>
-            <a:endParaRPr lang="zh-CN" altLang="en-US" dirty="0"/>
           </a:p>
         </p:txBody>
       </p:sp>

--- a/extra_credit.pptx
+++ b/extra_credit.pptx
@@ -3943,7 +3943,7 @@
         <p:spPr>
           <a:xfrm>
             <a:off x="315536" y="31020703"/>
-            <a:ext cx="10925175" cy="523220"/>
+            <a:ext cx="9940851" cy="1877437"/>
           </a:xfrm>
           <a:prstGeom prst="rect">
             <a:avLst/>
@@ -3957,8 +3957,38 @@
           <a:lstStyle/>
           <a:p>
             <a:r>
-              <a:rPr lang="en-US" altLang="zh-CN" dirty="0"/>
-              <a:t>References:</a:t>
+              <a:rPr lang="en-US" altLang="zh-CN" sz="1800" dirty="0"/>
+              <a:t>References:  </a:t>
+            </a:r>
+          </a:p>
+          <a:p>
+            <a:endParaRPr lang="en-US" altLang="zh-CN" sz="1800" dirty="0"/>
+          </a:p>
+          <a:p>
+            <a:r>
+              <a:rPr lang="en-US" altLang="zh-CN" sz="1600" dirty="0" err="1"/>
+              <a:t>Vinho</a:t>
+            </a:r>
+            <a:r>
+              <a:rPr lang="en-US" altLang="zh-CN" sz="1600" dirty="0"/>
+              <a:t> Verde. (2018, September 20). Retrieved from https://en.wikipedia.org/wiki/Vinho_Verde</a:t>
+            </a:r>
+          </a:p>
+          <a:p>
+            <a:endParaRPr lang="en-US" altLang="zh-CN" sz="1800" dirty="0"/>
+          </a:p>
+          <a:p>
+            <a:r>
+              <a:rPr lang="en-US" altLang="zh-CN" sz="1600" dirty="0"/>
+              <a:t>Cortez, P., </a:t>
+            </a:r>
+            <a:r>
+              <a:rPr lang="en-US" altLang="zh-CN" sz="1600" dirty="0" err="1"/>
+              <a:t>Cerdeira</a:t>
+            </a:r>
+            <a:r>
+              <a:rPr lang="en-US" altLang="zh-CN" sz="1600" dirty="0"/>
+              <a:t>, A., Almeida, F., Matos, T., &amp; Reis, J. (2009). Modeling wine preferences by data mining from physicochemical properties. Decision Support Systems,47(4), 547-553. doi:10.1016/j.dss.2009.05.016</a:t>
             </a:r>
           </a:p>
           <a:p>
@@ -4428,10 +4458,10 @@
         </p:nvGrpSpPr>
         <p:grpSpPr>
           <a:xfrm>
-            <a:off x="13023847" y="8507594"/>
-            <a:ext cx="17843506" cy="3977006"/>
-            <a:chOff x="13023847" y="9157130"/>
-            <a:chExt cx="17843506" cy="3977006"/>
+            <a:off x="13023847" y="8598409"/>
+            <a:ext cx="17843506" cy="4156274"/>
+            <a:chOff x="13023847" y="9247945"/>
+            <a:chExt cx="17843506" cy="4156274"/>
           </a:xfrm>
         </p:grpSpPr>
         <p:grpSp>
@@ -4448,10 +4478,10 @@
           </p:nvGrpSpPr>
           <p:grpSpPr>
             <a:xfrm>
-              <a:off x="14798343" y="9157130"/>
-              <a:ext cx="14294514" cy="3508425"/>
-              <a:chOff x="15822725" y="8667448"/>
-              <a:chExt cx="12126238" cy="3508425"/>
+              <a:off x="14798343" y="9247945"/>
+              <a:ext cx="14294514" cy="4156274"/>
+              <a:chOff x="15822725" y="8758263"/>
+              <a:chExt cx="12126238" cy="4156274"/>
             </a:xfrm>
           </p:grpSpPr>
           <p:sp>
@@ -4468,7 +4498,7 @@
             </p:nvSpPr>
             <p:spPr>
               <a:xfrm>
-                <a:off x="15822725" y="8667448"/>
+                <a:off x="15822725" y="8758263"/>
                 <a:ext cx="12126238" cy="1107996"/>
               </a:xfrm>
               <a:prstGeom prst="rect">
@@ -4531,7 +4561,7 @@
             <p:spPr>
               <a:xfrm>
                 <a:off x="18720981" y="10236881"/>
-                <a:ext cx="6705059" cy="1938992"/>
+                <a:ext cx="6705059" cy="2677656"/>
               </a:xfrm>
               <a:prstGeom prst="rect">
                 <a:avLst/>
@@ -4553,7 +4583,7 @@
                 </a:r>
                 <a:r>
                   <a:rPr lang="en-US" sz="2400" dirty="0"/>
-                  <a:t> gives more specified quality levels, meeting wine professionals’ needs;</a:t>
+                  <a:t> gives more specific quality level interpretation, which is more informative for professionals in the wine industry.</a:t>
                 </a:r>
               </a:p>
               <a:p>
@@ -4570,7 +4600,7 @@
                 </a:r>
                 <a:r>
                   <a:rPr lang="en-US" altLang="zh-CN" sz="2400" dirty="0"/>
-                  <a:t>bad’. Simple for normal consumers to understand</a:t>
+                  <a:t>bad’. For the potential customers, simple and straightforward information is more useful.</a:t>
                 </a:r>
                 <a:endParaRPr lang="en-US" sz="2400" dirty="0"/>
               </a:p>
@@ -4591,10 +4621,10 @@
           </p:nvGrpSpPr>
           <p:grpSpPr>
             <a:xfrm>
-              <a:off x="13023847" y="10072026"/>
-              <a:ext cx="17843506" cy="3062110"/>
-              <a:chOff x="12924736" y="10072026"/>
-              <a:chExt cx="17843506" cy="3062110"/>
+              <a:off x="13023847" y="10250063"/>
+              <a:ext cx="17843506" cy="2940107"/>
+              <a:chOff x="12924736" y="10250063"/>
+              <a:chExt cx="17843506" cy="2940107"/>
             </a:xfrm>
           </p:grpSpPr>
           <p:sp>
@@ -4657,10 +4687,10 @@
             </p:nvGrpSpPr>
             <p:grpSpPr>
               <a:xfrm>
-                <a:off x="25576877" y="10072026"/>
-                <a:ext cx="5191365" cy="3001363"/>
-                <a:chOff x="25921361" y="10092228"/>
-                <a:chExt cx="5191365" cy="3001363"/>
+                <a:off x="25576877" y="10250063"/>
+                <a:ext cx="5191365" cy="2940107"/>
+                <a:chOff x="25921361" y="10270265"/>
+                <a:chExt cx="5191365" cy="2940107"/>
               </a:xfrm>
             </p:grpSpPr>
             <p:pic>
@@ -4692,7 +4722,7 @@
               </p:blipFill>
               <p:spPr bwMode="auto">
                 <a:xfrm>
-                  <a:off x="27569641" y="10092228"/>
+                  <a:off x="27564511" y="10270265"/>
                   <a:ext cx="1894806" cy="2091878"/>
                 </a:xfrm>
                 <a:prstGeom prst="rect">
@@ -4724,7 +4754,7 @@
               </p:nvSpPr>
               <p:spPr>
                 <a:xfrm>
-                  <a:off x="25921361" y="12139484"/>
+                  <a:off x="25921361" y="12256265"/>
                   <a:ext cx="5191365" cy="954107"/>
                 </a:xfrm>
                 <a:prstGeom prst="rect">
@@ -4779,9 +4809,9 @@
         <p:grpSpPr>
           <a:xfrm>
             <a:off x="11978671" y="12826842"/>
-            <a:ext cx="20385467" cy="12459249"/>
+            <a:ext cx="19857689" cy="12459249"/>
             <a:chOff x="11978671" y="14323294"/>
-            <a:chExt cx="20385467" cy="12459249"/>
+            <a:chExt cx="19857689" cy="12459249"/>
           </a:xfrm>
         </p:grpSpPr>
         <p:grpSp>
@@ -4799,9 +4829,9 @@
           <p:grpSpPr>
             <a:xfrm>
               <a:off x="11978671" y="15625643"/>
-              <a:ext cx="20385467" cy="11156900"/>
+              <a:ext cx="19857689" cy="11156900"/>
               <a:chOff x="11876209" y="15518963"/>
-              <a:chExt cx="20385467" cy="11156900"/>
+              <a:chExt cx="19857689" cy="11156900"/>
             </a:xfrm>
           </p:grpSpPr>
           <p:grpSp>
@@ -4818,10 +4848,10 @@
             </p:nvGrpSpPr>
             <p:grpSpPr>
               <a:xfrm>
-                <a:off x="21091497" y="15588112"/>
-                <a:ext cx="9710367" cy="5846248"/>
-                <a:chOff x="824673" y="1654959"/>
-                <a:chExt cx="9233592" cy="6485860"/>
+                <a:off x="21091497" y="15527152"/>
+                <a:ext cx="9710367" cy="5907208"/>
+                <a:chOff x="824673" y="1587331"/>
+                <a:chExt cx="9233592" cy="6553488"/>
               </a:xfrm>
             </p:grpSpPr>
             <p:grpSp>
@@ -4838,10 +4868,10 @@
               </p:nvGrpSpPr>
               <p:grpSpPr>
                 <a:xfrm>
-                  <a:off x="824673" y="1654959"/>
-                  <a:ext cx="9233592" cy="6485860"/>
-                  <a:chOff x="824673" y="1654959"/>
-                  <a:chExt cx="9233592" cy="6485860"/>
+                  <a:off x="824673" y="1587331"/>
+                  <a:ext cx="9233592" cy="6553488"/>
+                  <a:chOff x="824673" y="1587331"/>
+                  <a:chExt cx="9233592" cy="6553488"/>
                 </a:xfrm>
               </p:grpSpPr>
               <p:grpSp>
@@ -4858,9 +4888,9 @@
                 </p:nvGrpSpPr>
                 <p:grpSpPr>
                   <a:xfrm>
-                    <a:off x="824673" y="1654959"/>
+                    <a:off x="824673" y="1587331"/>
                     <a:ext cx="9233592" cy="6485860"/>
-                    <a:chOff x="824673" y="1654959"/>
+                    <a:chOff x="824673" y="1587331"/>
                     <a:chExt cx="9233592" cy="6485860"/>
                   </a:xfrm>
                 </p:grpSpPr>
@@ -4893,7 +4923,7 @@
                   </p:blipFill>
                   <p:spPr bwMode="auto">
                     <a:xfrm>
-                      <a:off x="824673" y="1654959"/>
+                      <a:off x="824673" y="1587331"/>
                       <a:ext cx="9080204" cy="6485860"/>
                     </a:xfrm>
                     <a:prstGeom prst="rect">
@@ -5188,8 +5218,8 @@
             </p:nvSpPr>
             <p:spPr>
               <a:xfrm>
-                <a:off x="21199415" y="21666817"/>
-                <a:ext cx="11062261" cy="4108817"/>
+                <a:off x="21184175" y="21514417"/>
+                <a:ext cx="10549723" cy="4031873"/>
               </a:xfrm>
               <a:prstGeom prst="rect">
                 <a:avLst/>
@@ -5213,7 +5243,7 @@
                 </a:pPr>
                 <a:r>
                   <a:rPr lang="en-US" sz="2400" dirty="0"/>
-                  <a:t>Most variables are normally distributed</a:t>
+                  <a:t>Many variables are normally distributed, which might be dominating for future logistic analysis</a:t>
                 </a:r>
               </a:p>
               <a:p>
@@ -5241,7 +5271,7 @@
                 </a:r>
                 <a:r>
                   <a:rPr lang="en-US" sz="2400" dirty="0"/>
-                  <a:t>, and sulphates also have a slightly rightward skewedness</a:t>
+                  <a:t>, and sulphates are slightly skewed to the right</a:t>
                 </a:r>
               </a:p>
               <a:p>
@@ -5257,7 +5287,7 @@
                 </a:pPr>
                 <a:r>
                   <a:rPr lang="en-US" sz="2400" dirty="0" err="1"/>
-                  <a:t>Free.sulfur.dioxide</a:t>
+                  <a:t>free.sulfur.dioxide</a:t>
                 </a:r>
                 <a:r>
                   <a:rPr lang="en-US" sz="2400" dirty="0"/>
@@ -5297,7 +5327,7 @@
                 </a:pPr>
                 <a:r>
                   <a:rPr lang="en-US" sz="2400" dirty="0"/>
-                  <a:t>Yellow logged </a:t>
+                  <a:t>The variables in yellow plots are logged </a:t>
                 </a:r>
                 <a:r>
                   <a:rPr lang="en-US" sz="2400" dirty="0" err="1"/>
@@ -5305,14 +5335,8 @@
                 </a:r>
                 <a:r>
                   <a:rPr lang="en-US" sz="2400" dirty="0"/>
-                  <a:t>, and alcohol turns normal</a:t>
+                  <a:t>, and alcohol; log transformation is used to improve model fit</a:t>
                 </a:r>
-              </a:p>
-              <a:p>
-                <a:br>
-                  <a:rPr lang="en-US" sz="1200" dirty="0"/>
-                </a:br>
-                <a:endParaRPr lang="en-US" sz="1200" dirty="0"/>
               </a:p>
             </p:txBody>
           </p:sp>
@@ -6046,7 +6070,7 @@
           </p:nvSpPr>
           <p:spPr>
             <a:xfrm>
-              <a:off x="17224224" y="14323294"/>
+              <a:off x="17283981" y="14323294"/>
               <a:ext cx="9323238" cy="1107996"/>
             </a:xfrm>
             <a:prstGeom prst="rect">
@@ -6109,8 +6133,8 @@
         </p:nvSpPr>
         <p:spPr>
           <a:xfrm>
-            <a:off x="419131" y="14952562"/>
-            <a:ext cx="11297356" cy="1862048"/>
+            <a:off x="319737" y="13872114"/>
+            <a:ext cx="11175157" cy="2031325"/>
           </a:xfrm>
           <a:prstGeom prst="rect">
             <a:avLst/>
@@ -6135,7 +6159,7 @@
             </a:pPr>
             <a:r>
               <a:rPr lang="en-US" sz="2400" dirty="0"/>
-              <a:t>Model not predicting quality = 1, 2, 9,10</a:t>
+              <a:t>Model not predicting quality = 1, 2, 3, 9,10 as no (few) raw data available</a:t>
             </a:r>
           </a:p>
           <a:p>
@@ -6151,7 +6175,7 @@
             </a:pPr>
             <a:r>
               <a:rPr lang="en-US" sz="2400" dirty="0"/>
-              <a:t>Overall accuracy: 60%</a:t>
+              <a:t>Model not predicting well at quality = 4, 8 because of dominance</a:t>
             </a:r>
           </a:p>
           <a:p>
@@ -6167,11 +6191,24 @@
             </a:pPr>
             <a:r>
               <a:rPr lang="en-US" sz="2400" dirty="0"/>
-              <a:t>Very good job in prediction at quality = 5, 6</a:t>
+              <a:t>Model predicting well at quality = 5, 6, 7, as bigger data size available </a:t>
             </a:r>
           </a:p>
           <a:p>
-            <a:endParaRPr lang="en-US" sz="1800" dirty="0"/>
+            <a:pPr marL="457200" indent="-457200">
+              <a:spcBef>
+                <a:spcPts val="600"/>
+              </a:spcBef>
+              <a:spcAft>
+                <a:spcPts val="600"/>
+              </a:spcAft>
+              <a:buFont typeface="Arial" panose="020B0604020202020204" pitchFamily="34" charset="0"/>
+              <a:buChar char="•"/>
+            </a:pPr>
+            <a:r>
+              <a:rPr lang="en-US" sz="2400" dirty="0"/>
+              <a:t>Overall accuracy: 59.47%; Class 5 accuracy: 72.23%</a:t>
+            </a:r>
           </a:p>
         </p:txBody>
       </p:sp>
@@ -6189,7 +6226,7 @@
         </p:nvGrpSpPr>
         <p:grpSpPr>
           <a:xfrm>
-            <a:off x="500668" y="9863377"/>
+            <a:off x="500668" y="9770167"/>
             <a:ext cx="13037167" cy="1031321"/>
             <a:chOff x="15707576" y="28334853"/>
             <a:chExt cx="13037167" cy="1031321"/>
@@ -6420,7 +6457,7 @@
         </p:blipFill>
         <p:spPr bwMode="auto">
           <a:xfrm>
-            <a:off x="1031532" y="17066005"/>
+            <a:off x="729192" y="16008890"/>
             <a:ext cx="9224855" cy="6589182"/>
           </a:xfrm>
           <a:prstGeom prst="rect">
@@ -6438,85 +6475,6 @@
           </a:extLst>
         </p:spPr>
       </p:pic>
-      <p:grpSp>
-        <p:nvGrpSpPr>
-          <p:cNvPr id="149" name="Group 148">
-            <a:extLst>
-              <a:ext uri="{FF2B5EF4-FFF2-40B4-BE49-F238E27FC236}">
-                <a16:creationId xmlns:a16="http://schemas.microsoft.com/office/drawing/2014/main" id="{5820C747-9544-4ED7-A28E-B0DC69BE2BF4}"/>
-              </a:ext>
-            </a:extLst>
-          </p:cNvPr>
-          <p:cNvGrpSpPr/>
-          <p:nvPr/>
-        </p:nvGrpSpPr>
-        <p:grpSpPr>
-          <a:xfrm>
-            <a:off x="360097" y="11570444"/>
-            <a:ext cx="10566882" cy="2889534"/>
-            <a:chOff x="-9991812" y="6244575"/>
-            <a:chExt cx="16299804" cy="4219575"/>
-          </a:xfrm>
-        </p:grpSpPr>
-        <p:pic>
-          <p:nvPicPr>
-            <p:cNvPr id="150" name="Picture 149">
-              <a:extLst>
-                <a:ext uri="{FF2B5EF4-FFF2-40B4-BE49-F238E27FC236}">
-                  <a16:creationId xmlns:a16="http://schemas.microsoft.com/office/drawing/2014/main" id="{F77605FC-B8F1-42BA-BBEB-331C4CB3D7D6}"/>
-                </a:ext>
-              </a:extLst>
-            </p:cNvPr>
-            <p:cNvPicPr>
-              <a:picLocks noChangeAspect="1"/>
-            </p:cNvPicPr>
-            <p:nvPr/>
-          </p:nvPicPr>
-          <p:blipFill rotWithShape="1">
-            <a:blip r:embed="rId10"/>
-            <a:srcRect r="88303"/>
-            <a:stretch/>
-          </p:blipFill>
-          <p:spPr>
-            <a:xfrm>
-              <a:off x="-9991812" y="6244575"/>
-              <a:ext cx="2566992" cy="4219575"/>
-            </a:xfrm>
-            <a:prstGeom prst="rect">
-              <a:avLst/>
-            </a:prstGeom>
-          </p:spPr>
-        </p:pic>
-        <p:pic>
-          <p:nvPicPr>
-            <p:cNvPr id="151" name="Picture 150">
-              <a:extLst>
-                <a:ext uri="{FF2B5EF4-FFF2-40B4-BE49-F238E27FC236}">
-                  <a16:creationId xmlns:a16="http://schemas.microsoft.com/office/drawing/2014/main" id="{DAC6DC7C-FEBE-48E3-B8BF-5C5AEAE0C340}"/>
-                </a:ext>
-              </a:extLst>
-            </p:cNvPr>
-            <p:cNvPicPr>
-              <a:picLocks noChangeAspect="1"/>
-            </p:cNvPicPr>
-            <p:nvPr/>
-          </p:nvPicPr>
-          <p:blipFill rotWithShape="1">
-            <a:blip r:embed="rId10"/>
-            <a:srcRect l="37423"/>
-            <a:stretch/>
-          </p:blipFill>
-          <p:spPr>
-            <a:xfrm>
-              <a:off x="-7424820" y="6244575"/>
-              <a:ext cx="13732812" cy="4219575"/>
-            </a:xfrm>
-            <a:prstGeom prst="rect">
-              <a:avLst/>
-            </a:prstGeom>
-          </p:spPr>
-        </p:pic>
-      </p:grpSp>
       <p:sp>
         <p:nvSpPr>
           <p:cNvPr id="152" name="TextBox 151">
@@ -6531,7 +6489,7 @@
         </p:nvSpPr>
         <p:spPr>
           <a:xfrm>
-            <a:off x="315536" y="23655187"/>
+            <a:off x="347119" y="22433955"/>
             <a:ext cx="10925175" cy="1354217"/>
           </a:xfrm>
           <a:prstGeom prst="rect">
@@ -6602,7 +6560,7 @@
           <p:nvPr/>
         </p:nvPicPr>
         <p:blipFill>
-          <a:blip r:embed="rId11">
+          <a:blip r:embed="rId10">
             <a:extLst>
               <a:ext uri="{28A0092B-C50C-407E-A947-70E740481C1C}">
                 <a14:useLocalDpi xmlns:a14="http://schemas.microsoft.com/office/drawing/2010/main" val="0"/>
@@ -6648,7 +6606,7 @@
         </p:nvSpPr>
         <p:spPr>
           <a:xfrm>
-            <a:off x="32735136" y="16848026"/>
+            <a:off x="32735136" y="16558466"/>
             <a:ext cx="10526515" cy="1938992"/>
           </a:xfrm>
           <a:prstGeom prst="rect">
@@ -6921,7 +6879,7 @@
           <p:nvPr/>
         </p:nvPicPr>
         <p:blipFill>
-          <a:blip r:embed="rId12">
+          <a:blip r:embed="rId11">
             <a:extLst>
               <a:ext uri="{28A0092B-C50C-407E-A947-70E740481C1C}">
                 <a14:useLocalDpi xmlns:a14="http://schemas.microsoft.com/office/drawing/2010/main" val="0"/>
@@ -6935,7 +6893,7 @@
         </p:blipFill>
         <p:spPr bwMode="auto">
           <a:xfrm>
-            <a:off x="34236837" y="19171614"/>
+            <a:off x="34236837" y="18882054"/>
             <a:ext cx="7957462" cy="5683902"/>
           </a:xfrm>
           <a:prstGeom prst="rect">
@@ -6967,7 +6925,7 @@
         </p:nvSpPr>
         <p:spPr>
           <a:xfrm>
-            <a:off x="32855814" y="24885329"/>
+            <a:off x="32855814" y="24595769"/>
             <a:ext cx="10526515" cy="830997"/>
           </a:xfrm>
           <a:prstGeom prst="rect">
@@ -6989,6 +6947,899 @@
               <a:rPr lang="en-US" sz="2400" dirty="0"/>
               <a:t>The t-SNE plot shows that the logistic regression the raw dataset has been a good model in differentiating good and bad wine</a:t>
             </a:r>
+          </a:p>
+        </p:txBody>
+      </p:sp>
+      <p:grpSp>
+        <p:nvGrpSpPr>
+          <p:cNvPr id="6" name="Group 5">
+            <a:extLst>
+              <a:ext uri="{FF2B5EF4-FFF2-40B4-BE49-F238E27FC236}">
+                <a16:creationId xmlns:a16="http://schemas.microsoft.com/office/drawing/2014/main" id="{5F1C57B4-300E-4FE4-ABE5-57FCC375F809}"/>
+              </a:ext>
+            </a:extLst>
+          </p:cNvPr>
+          <p:cNvGrpSpPr/>
+          <p:nvPr/>
+        </p:nvGrpSpPr>
+        <p:grpSpPr>
+          <a:xfrm>
+            <a:off x="452747" y="11024617"/>
+            <a:ext cx="10594870" cy="2600115"/>
+            <a:chOff x="360097" y="11570444"/>
+            <a:chExt cx="11950051" cy="2931482"/>
+          </a:xfrm>
+        </p:grpSpPr>
+        <p:grpSp>
+          <p:nvGrpSpPr>
+            <p:cNvPr id="149" name="Group 148">
+              <a:extLst>
+                <a:ext uri="{FF2B5EF4-FFF2-40B4-BE49-F238E27FC236}">
+                  <a16:creationId xmlns:a16="http://schemas.microsoft.com/office/drawing/2014/main" id="{5820C747-9544-4ED7-A28E-B0DC69BE2BF4}"/>
+                </a:ext>
+              </a:extLst>
+            </p:cNvPr>
+            <p:cNvGrpSpPr/>
+            <p:nvPr/>
+          </p:nvGrpSpPr>
+          <p:grpSpPr>
+            <a:xfrm>
+              <a:off x="360097" y="11570444"/>
+              <a:ext cx="11950051" cy="2889534"/>
+              <a:chOff x="-9991812" y="6244575"/>
+              <a:chExt cx="18433393" cy="4219575"/>
+            </a:xfrm>
+          </p:grpSpPr>
+          <p:pic>
+            <p:nvPicPr>
+              <p:cNvPr id="150" name="Picture 149">
+                <a:extLst>
+                  <a:ext uri="{FF2B5EF4-FFF2-40B4-BE49-F238E27FC236}">
+                    <a16:creationId xmlns:a16="http://schemas.microsoft.com/office/drawing/2014/main" id="{F77605FC-B8F1-42BA-BBEB-331C4CB3D7D6}"/>
+                  </a:ext>
+                </a:extLst>
+              </p:cNvPr>
+              <p:cNvPicPr>
+                <a:picLocks noChangeAspect="1"/>
+              </p:cNvPicPr>
+              <p:nvPr/>
+            </p:nvPicPr>
+            <p:blipFill rotWithShape="1">
+              <a:blip r:embed="rId12"/>
+              <a:srcRect r="88303"/>
+              <a:stretch/>
+            </p:blipFill>
+            <p:spPr>
+              <a:xfrm>
+                <a:off x="-9991812" y="6244575"/>
+                <a:ext cx="2566992" cy="4219575"/>
+              </a:xfrm>
+              <a:prstGeom prst="rect">
+                <a:avLst/>
+              </a:prstGeom>
+            </p:spPr>
+          </p:pic>
+          <p:pic>
+            <p:nvPicPr>
+              <p:cNvPr id="151" name="Picture 150">
+                <a:extLst>
+                  <a:ext uri="{FF2B5EF4-FFF2-40B4-BE49-F238E27FC236}">
+                    <a16:creationId xmlns:a16="http://schemas.microsoft.com/office/drawing/2014/main" id="{DAC6DC7C-FEBE-48E3-B8BF-5C5AEAE0C340}"/>
+                  </a:ext>
+                </a:extLst>
+              </p:cNvPr>
+              <p:cNvPicPr>
+                <a:picLocks noChangeAspect="1"/>
+              </p:cNvPicPr>
+              <p:nvPr/>
+            </p:nvPicPr>
+            <p:blipFill rotWithShape="1">
+              <a:blip r:embed="rId12"/>
+              <a:srcRect l="37423"/>
+              <a:stretch/>
+            </p:blipFill>
+            <p:spPr>
+              <a:xfrm>
+                <a:off x="-5291229" y="6244575"/>
+                <a:ext cx="13732810" cy="4219575"/>
+              </a:xfrm>
+              <a:prstGeom prst="rect">
+                <a:avLst/>
+              </a:prstGeom>
+            </p:spPr>
+          </p:pic>
+        </p:grpSp>
+        <p:pic>
+          <p:nvPicPr>
+            <p:cNvPr id="5" name="Picture 4">
+              <a:extLst>
+                <a:ext uri="{FF2B5EF4-FFF2-40B4-BE49-F238E27FC236}">
+                  <a16:creationId xmlns:a16="http://schemas.microsoft.com/office/drawing/2014/main" id="{8740DDAB-322F-43A0-B770-9D86FFB2EE28}"/>
+                </a:ext>
+              </a:extLst>
+            </p:cNvPr>
+            <p:cNvPicPr>
+              <a:picLocks noChangeAspect="1"/>
+            </p:cNvPicPr>
+            <p:nvPr/>
+          </p:nvPicPr>
+          <p:blipFill rotWithShape="1">
+            <a:blip r:embed="rId13"/>
+            <a:srcRect t="17023"/>
+            <a:stretch/>
+          </p:blipFill>
+          <p:spPr>
+            <a:xfrm>
+              <a:off x="1675436" y="12017521"/>
+              <a:ext cx="1795496" cy="2484405"/>
+            </a:xfrm>
+            <a:prstGeom prst="rect">
+              <a:avLst/>
+            </a:prstGeom>
+          </p:spPr>
+        </p:pic>
+      </p:grpSp>
+      <p:pic>
+        <p:nvPicPr>
+          <p:cNvPr id="82" name="Picture 81">
+            <a:extLst>
+              <a:ext uri="{FF2B5EF4-FFF2-40B4-BE49-F238E27FC236}">
+                <a16:creationId xmlns:a16="http://schemas.microsoft.com/office/drawing/2014/main" id="{E687A6FC-EEC3-4323-B91A-B8503BE51BC3}"/>
+              </a:ext>
+            </a:extLst>
+          </p:cNvPr>
+          <p:cNvPicPr>
+            <a:picLocks noChangeAspect="1"/>
+          </p:cNvPicPr>
+          <p:nvPr/>
+        </p:nvPicPr>
+        <p:blipFill rotWithShape="1">
+          <a:blip r:embed="rId13"/>
+          <a:srcRect b="83589"/>
+          <a:stretch/>
+        </p:blipFill>
+        <p:spPr>
+          <a:xfrm>
+            <a:off x="2005859" y="10981966"/>
+            <a:ext cx="1346956" cy="374956"/>
+          </a:xfrm>
+          <a:prstGeom prst="rect">
+            <a:avLst/>
+          </a:prstGeom>
+        </p:spPr>
+      </p:pic>
+      <p:grpSp>
+        <p:nvGrpSpPr>
+          <p:cNvPr id="83" name="Group 82">
+            <a:extLst>
+              <a:ext uri="{FF2B5EF4-FFF2-40B4-BE49-F238E27FC236}">
+                <a16:creationId xmlns:a16="http://schemas.microsoft.com/office/drawing/2014/main" id="{C5EE6A7B-5345-4A98-96BE-2E956697F282}"/>
+              </a:ext>
+            </a:extLst>
+          </p:cNvPr>
+          <p:cNvGrpSpPr/>
+          <p:nvPr/>
+        </p:nvGrpSpPr>
+        <p:grpSpPr>
+          <a:xfrm>
+            <a:off x="500668" y="24109874"/>
+            <a:ext cx="13037167" cy="1031321"/>
+            <a:chOff x="15707576" y="28334853"/>
+            <a:chExt cx="13037167" cy="1031321"/>
+          </a:xfrm>
+        </p:grpSpPr>
+        <p:sp>
+          <p:nvSpPr>
+            <p:cNvPr id="86" name="TextBox 85">
+              <a:extLst>
+                <a:ext uri="{FF2B5EF4-FFF2-40B4-BE49-F238E27FC236}">
+                  <a16:creationId xmlns:a16="http://schemas.microsoft.com/office/drawing/2014/main" id="{218E909D-1B4C-423C-8DA4-66644F7014FC}"/>
+                </a:ext>
+              </a:extLst>
+            </p:cNvPr>
+            <p:cNvSpPr txBox="1"/>
+            <p:nvPr/>
+          </p:nvSpPr>
+          <p:spPr>
+            <a:xfrm>
+              <a:off x="16669959" y="28621254"/>
+              <a:ext cx="12074784" cy="707886"/>
+            </a:xfrm>
+            <a:prstGeom prst="rect">
+              <a:avLst/>
+            </a:prstGeom>
+            <a:noFill/>
+          </p:spPr>
+          <p:txBody>
+            <a:bodyPr wrap="square" rtlCol="0">
+              <a:spAutoFit/>
+            </a:bodyPr>
+            <a:lstStyle/>
+            <a:p>
+              <a:r>
+                <a:rPr lang="en-US" altLang="zh-CN" sz="4000" b="1" dirty="0" err="1">
+                  <a:solidFill>
+                    <a:schemeClr val="tx1">
+                      <a:lumMod val="65000"/>
+                      <a:lumOff val="35000"/>
+                    </a:schemeClr>
+                  </a:solidFill>
+                </a:rPr>
+                <a:t>rdinal</a:t>
+              </a:r>
+              <a:r>
+                <a:rPr lang="en-US" altLang="zh-CN" sz="4000" b="1" dirty="0">
+                  <a:solidFill>
+                    <a:schemeClr val="tx1">
+                      <a:lumMod val="65000"/>
+                      <a:lumOff val="35000"/>
+                    </a:schemeClr>
+                  </a:solidFill>
+                </a:rPr>
+                <a:t> Regression Model Inference</a:t>
+              </a:r>
+              <a:endParaRPr lang="en-US" sz="1800" b="1" dirty="0">
+                <a:solidFill>
+                  <a:schemeClr val="tx1">
+                    <a:lumMod val="65000"/>
+                    <a:lumOff val="35000"/>
+                  </a:schemeClr>
+                </a:solidFill>
+              </a:endParaRPr>
+            </a:p>
+          </p:txBody>
+        </p:sp>
+        <p:grpSp>
+          <p:nvGrpSpPr>
+            <p:cNvPr id="87" name="Group 86">
+              <a:extLst>
+                <a:ext uri="{FF2B5EF4-FFF2-40B4-BE49-F238E27FC236}">
+                  <a16:creationId xmlns:a16="http://schemas.microsoft.com/office/drawing/2014/main" id="{E66308BC-912B-45D4-A52C-88385518164D}"/>
+                </a:ext>
+              </a:extLst>
+            </p:cNvPr>
+            <p:cNvGrpSpPr/>
+            <p:nvPr/>
+          </p:nvGrpSpPr>
+          <p:grpSpPr>
+            <a:xfrm>
+              <a:off x="15707576" y="28334853"/>
+              <a:ext cx="9672141" cy="1031321"/>
+              <a:chOff x="12742070" y="23763090"/>
+              <a:chExt cx="9672141" cy="1031321"/>
+            </a:xfrm>
+          </p:grpSpPr>
+          <p:sp>
+            <p:nvSpPr>
+              <p:cNvPr id="88" name="Oval 87">
+                <a:extLst>
+                  <a:ext uri="{FF2B5EF4-FFF2-40B4-BE49-F238E27FC236}">
+                    <a16:creationId xmlns:a16="http://schemas.microsoft.com/office/drawing/2014/main" id="{8FE072FC-5A1F-475B-B9B6-184804DEAA3F}"/>
+                  </a:ext>
+                </a:extLst>
+              </p:cNvPr>
+              <p:cNvSpPr/>
+              <p:nvPr/>
+            </p:nvSpPr>
+            <p:spPr>
+              <a:xfrm>
+                <a:off x="12742070" y="23763090"/>
+                <a:ext cx="1031321" cy="1031321"/>
+              </a:xfrm>
+              <a:prstGeom prst="ellipse">
+                <a:avLst/>
+              </a:prstGeom>
+              <a:solidFill>
+                <a:srgbClr val="C1CBD1"/>
+              </a:solidFill>
+              <a:ln>
+                <a:noFill/>
+              </a:ln>
+            </p:spPr>
+            <p:style>
+              <a:lnRef idx="2">
+                <a:schemeClr val="accent1">
+                  <a:shade val="50000"/>
+                </a:schemeClr>
+              </a:lnRef>
+              <a:fillRef idx="1">
+                <a:schemeClr val="accent1"/>
+              </a:fillRef>
+              <a:effectRef idx="0">
+                <a:schemeClr val="accent1"/>
+              </a:effectRef>
+              <a:fontRef idx="minor">
+                <a:schemeClr val="lt1"/>
+              </a:fontRef>
+            </p:style>
+            <p:txBody>
+              <a:bodyPr rtlCol="0" anchor="ctr"/>
+              <a:lstStyle/>
+              <a:p>
+                <a:pPr algn="ctr"/>
+                <a:r>
+                  <a:rPr lang="en-US" sz="6600" b="1" dirty="0">
+                    <a:solidFill>
+                      <a:schemeClr val="tx1">
+                        <a:lumMod val="65000"/>
+                        <a:lumOff val="35000"/>
+                      </a:schemeClr>
+                    </a:solidFill>
+                  </a:rPr>
+                  <a:t>O</a:t>
+                </a:r>
+                <a:endParaRPr lang="en-US" b="1" dirty="0">
+                  <a:solidFill>
+                    <a:schemeClr val="tx1">
+                      <a:lumMod val="65000"/>
+                      <a:lumOff val="35000"/>
+                    </a:schemeClr>
+                  </a:solidFill>
+                </a:endParaRPr>
+              </a:p>
+            </p:txBody>
+          </p:sp>
+          <p:cxnSp>
+            <p:nvCxnSpPr>
+              <p:cNvPr id="89" name="Straight Connector 88">
+                <a:extLst>
+                  <a:ext uri="{FF2B5EF4-FFF2-40B4-BE49-F238E27FC236}">
+                    <a16:creationId xmlns:a16="http://schemas.microsoft.com/office/drawing/2014/main" id="{56E4A37F-726C-4B22-AF1D-3FE523787248}"/>
+                  </a:ext>
+                </a:extLst>
+              </p:cNvPr>
+              <p:cNvCxnSpPr>
+                <a:cxnSpLocks/>
+              </p:cNvCxnSpPr>
+              <p:nvPr/>
+            </p:nvCxnSpPr>
+            <p:spPr>
+              <a:xfrm>
+                <a:off x="13248205" y="24766873"/>
+                <a:ext cx="9166006" cy="0"/>
+              </a:xfrm>
+              <a:prstGeom prst="line">
+                <a:avLst/>
+              </a:prstGeom>
+              <a:ln w="47625">
+                <a:solidFill>
+                  <a:srgbClr val="C1CBD1"/>
+                </a:solidFill>
+              </a:ln>
+            </p:spPr>
+            <p:style>
+              <a:lnRef idx="1">
+                <a:schemeClr val="accent1"/>
+              </a:lnRef>
+              <a:fillRef idx="0">
+                <a:schemeClr val="accent1"/>
+              </a:fillRef>
+              <a:effectRef idx="0">
+                <a:schemeClr val="accent1"/>
+              </a:effectRef>
+              <a:fontRef idx="minor">
+                <a:schemeClr val="tx1"/>
+              </a:fontRef>
+            </p:style>
+          </p:cxnSp>
+        </p:grpSp>
+      </p:grpSp>
+      <p:grpSp>
+        <p:nvGrpSpPr>
+          <p:cNvPr id="90" name="Group 89">
+            <a:extLst>
+              <a:ext uri="{FF2B5EF4-FFF2-40B4-BE49-F238E27FC236}">
+                <a16:creationId xmlns:a16="http://schemas.microsoft.com/office/drawing/2014/main" id="{D0D55BE2-4162-44DD-A566-EBAE813122C6}"/>
+              </a:ext>
+            </a:extLst>
+          </p:cNvPr>
+          <p:cNvGrpSpPr/>
+          <p:nvPr/>
+        </p:nvGrpSpPr>
+        <p:grpSpPr>
+          <a:xfrm>
+            <a:off x="33174783" y="25640364"/>
+            <a:ext cx="13106105" cy="1031321"/>
+            <a:chOff x="15675341" y="25677021"/>
+            <a:chExt cx="13106105" cy="1031321"/>
+          </a:xfrm>
+        </p:grpSpPr>
+        <p:sp>
+          <p:nvSpPr>
+            <p:cNvPr id="91" name="TextBox 90">
+              <a:extLst>
+                <a:ext uri="{FF2B5EF4-FFF2-40B4-BE49-F238E27FC236}">
+                  <a16:creationId xmlns:a16="http://schemas.microsoft.com/office/drawing/2014/main" id="{7DF83C42-6E86-4142-8B72-C0F940827A18}"/>
+                </a:ext>
+              </a:extLst>
+            </p:cNvPr>
+            <p:cNvSpPr txBox="1"/>
+            <p:nvPr/>
+          </p:nvSpPr>
+          <p:spPr>
+            <a:xfrm>
+              <a:off x="16706662" y="25991683"/>
+              <a:ext cx="12074784" cy="707886"/>
+            </a:xfrm>
+            <a:prstGeom prst="rect">
+              <a:avLst/>
+            </a:prstGeom>
+            <a:noFill/>
+          </p:spPr>
+          <p:txBody>
+            <a:bodyPr wrap="square" rtlCol="0">
+              <a:spAutoFit/>
+            </a:bodyPr>
+            <a:lstStyle/>
+            <a:p>
+              <a:r>
+                <a:rPr lang="en-US" altLang="zh-CN" sz="4000" b="1" dirty="0" err="1">
+                  <a:solidFill>
+                    <a:schemeClr val="tx1">
+                      <a:lumMod val="65000"/>
+                      <a:lumOff val="35000"/>
+                    </a:schemeClr>
+                  </a:solidFill>
+                </a:rPr>
+                <a:t>ogistic</a:t>
+              </a:r>
+              <a:r>
+                <a:rPr lang="en-US" altLang="zh-CN" sz="4000" b="1" dirty="0">
+                  <a:solidFill>
+                    <a:schemeClr val="tx1">
+                      <a:lumMod val="65000"/>
+                      <a:lumOff val="35000"/>
+                    </a:schemeClr>
+                  </a:solidFill>
+                </a:rPr>
+                <a:t> Regression Model Inference</a:t>
+              </a:r>
+              <a:endParaRPr lang="en-US" sz="1800" b="1" dirty="0">
+                <a:solidFill>
+                  <a:schemeClr val="tx1">
+                    <a:lumMod val="65000"/>
+                    <a:lumOff val="35000"/>
+                  </a:schemeClr>
+                </a:solidFill>
+              </a:endParaRPr>
+            </a:p>
+          </p:txBody>
+        </p:sp>
+        <p:grpSp>
+          <p:nvGrpSpPr>
+            <p:cNvPr id="92" name="Group 91">
+              <a:extLst>
+                <a:ext uri="{FF2B5EF4-FFF2-40B4-BE49-F238E27FC236}">
+                  <a16:creationId xmlns:a16="http://schemas.microsoft.com/office/drawing/2014/main" id="{14CB70C7-066F-4A5C-9FC8-B03ED63CD5C6}"/>
+                </a:ext>
+              </a:extLst>
+            </p:cNvPr>
+            <p:cNvGrpSpPr/>
+            <p:nvPr/>
+          </p:nvGrpSpPr>
+          <p:grpSpPr>
+            <a:xfrm>
+              <a:off x="15675341" y="25677021"/>
+              <a:ext cx="9573457" cy="1031321"/>
+              <a:chOff x="12742070" y="23763090"/>
+              <a:chExt cx="9573457" cy="1031321"/>
+            </a:xfrm>
+          </p:grpSpPr>
+          <p:sp>
+            <p:nvSpPr>
+              <p:cNvPr id="93" name="Oval 92">
+                <a:extLst>
+                  <a:ext uri="{FF2B5EF4-FFF2-40B4-BE49-F238E27FC236}">
+                    <a16:creationId xmlns:a16="http://schemas.microsoft.com/office/drawing/2014/main" id="{23ADA84F-A9C2-4546-A08C-11399CB01A9D}"/>
+                  </a:ext>
+                </a:extLst>
+              </p:cNvPr>
+              <p:cNvSpPr/>
+              <p:nvPr/>
+            </p:nvSpPr>
+            <p:spPr>
+              <a:xfrm>
+                <a:off x="12742070" y="23763090"/>
+                <a:ext cx="1031321" cy="1031321"/>
+              </a:xfrm>
+              <a:prstGeom prst="ellipse">
+                <a:avLst/>
+              </a:prstGeom>
+              <a:solidFill>
+                <a:srgbClr val="9FA7BA"/>
+              </a:solidFill>
+              <a:ln>
+                <a:noFill/>
+              </a:ln>
+            </p:spPr>
+            <p:style>
+              <a:lnRef idx="2">
+                <a:schemeClr val="accent1">
+                  <a:shade val="50000"/>
+                </a:schemeClr>
+              </a:lnRef>
+              <a:fillRef idx="1">
+                <a:schemeClr val="accent1"/>
+              </a:fillRef>
+              <a:effectRef idx="0">
+                <a:schemeClr val="accent1"/>
+              </a:effectRef>
+              <a:fontRef idx="minor">
+                <a:schemeClr val="lt1"/>
+              </a:fontRef>
+            </p:style>
+            <p:txBody>
+              <a:bodyPr rtlCol="0" anchor="ctr"/>
+              <a:lstStyle/>
+              <a:p>
+                <a:pPr algn="ctr"/>
+                <a:r>
+                  <a:rPr lang="en-US" sz="6600" b="1" dirty="0">
+                    <a:solidFill>
+                      <a:schemeClr val="tx1">
+                        <a:lumMod val="65000"/>
+                        <a:lumOff val="35000"/>
+                      </a:schemeClr>
+                    </a:solidFill>
+                  </a:rPr>
+                  <a:t>L</a:t>
+                </a:r>
+                <a:endParaRPr lang="en-US" b="1" dirty="0">
+                  <a:solidFill>
+                    <a:schemeClr val="tx1">
+                      <a:lumMod val="65000"/>
+                      <a:lumOff val="35000"/>
+                    </a:schemeClr>
+                  </a:solidFill>
+                </a:endParaRPr>
+              </a:p>
+            </p:txBody>
+          </p:sp>
+          <p:cxnSp>
+            <p:nvCxnSpPr>
+              <p:cNvPr id="94" name="Straight Connector 93">
+                <a:extLst>
+                  <a:ext uri="{FF2B5EF4-FFF2-40B4-BE49-F238E27FC236}">
+                    <a16:creationId xmlns:a16="http://schemas.microsoft.com/office/drawing/2014/main" id="{F3123B78-DF4E-456F-9404-0780DCDFA7BA}"/>
+                  </a:ext>
+                </a:extLst>
+              </p:cNvPr>
+              <p:cNvCxnSpPr>
+                <a:cxnSpLocks/>
+              </p:cNvCxnSpPr>
+              <p:nvPr/>
+            </p:nvCxnSpPr>
+            <p:spPr>
+              <a:xfrm>
+                <a:off x="13248205" y="24766873"/>
+                <a:ext cx="9067322" cy="0"/>
+              </a:xfrm>
+              <a:prstGeom prst="line">
+                <a:avLst/>
+              </a:prstGeom>
+              <a:ln w="47625">
+                <a:solidFill>
+                  <a:srgbClr val="9FA7BA"/>
+                </a:solidFill>
+              </a:ln>
+            </p:spPr>
+            <p:style>
+              <a:lnRef idx="1">
+                <a:schemeClr val="accent1"/>
+              </a:lnRef>
+              <a:fillRef idx="0">
+                <a:schemeClr val="accent1"/>
+              </a:fillRef>
+              <a:effectRef idx="0">
+                <a:schemeClr val="accent1"/>
+              </a:effectRef>
+              <a:fontRef idx="minor">
+                <a:schemeClr val="tx1"/>
+              </a:fontRef>
+            </p:style>
+          </p:cxnSp>
+        </p:grpSp>
+      </p:grpSp>
+      <p:sp>
+        <p:nvSpPr>
+          <p:cNvPr id="98" name="TextBox 97">
+            <a:extLst>
+              <a:ext uri="{FF2B5EF4-FFF2-40B4-BE49-F238E27FC236}">
+                <a16:creationId xmlns:a16="http://schemas.microsoft.com/office/drawing/2014/main" id="{3BE03F03-6DB6-4453-83CA-EC7DDD95A7B5}"/>
+              </a:ext>
+            </a:extLst>
+          </p:cNvPr>
+          <p:cNvSpPr txBox="1"/>
+          <p:nvPr/>
+        </p:nvSpPr>
+        <p:spPr>
+          <a:xfrm>
+            <a:off x="1048193" y="26752990"/>
+            <a:ext cx="10862007" cy="1569660"/>
+          </a:xfrm>
+          <a:prstGeom prst="rect">
+            <a:avLst/>
+          </a:prstGeom>
+          <a:noFill/>
+        </p:spPr>
+        <p:txBody>
+          <a:bodyPr wrap="square" rtlCol="0">
+            <a:spAutoFit/>
+          </a:bodyPr>
+          <a:lstStyle/>
+          <a:p>
+            <a:pPr marL="342900" indent="-342900">
+              <a:buFont typeface="Arial" panose="020B0604020202020204" pitchFamily="34" charset="0"/>
+              <a:buChar char="•"/>
+            </a:pPr>
+            <a:r>
+              <a:rPr lang="en-US" sz="2400" dirty="0" err="1"/>
+              <a:t>ChloridesCent</a:t>
+            </a:r>
+            <a:r>
+              <a:rPr lang="en-US" sz="2400" dirty="0"/>
+              <a:t>, </a:t>
+            </a:r>
+            <a:r>
+              <a:rPr lang="en-US" sz="2400" dirty="0" err="1"/>
+              <a:t>Volatile.acidity</a:t>
+            </a:r>
+            <a:r>
+              <a:rPr lang="en-US" sz="2400" dirty="0"/>
+              <a:t>, </a:t>
+            </a:r>
+            <a:r>
+              <a:rPr lang="en-US" sz="2400" dirty="0" err="1"/>
+              <a:t>sulphatesCent</a:t>
+            </a:r>
+            <a:r>
+              <a:rPr lang="en-US" sz="2400" dirty="0"/>
+              <a:t> are very significant and influential predictors</a:t>
+            </a:r>
+          </a:p>
+          <a:p>
+            <a:pPr marL="342900" indent="-342900">
+              <a:buFont typeface="Arial" panose="020B0604020202020204" pitchFamily="34" charset="0"/>
+              <a:buChar char="•"/>
+            </a:pPr>
+            <a:r>
+              <a:rPr lang="en-US" sz="2400" dirty="0"/>
+              <a:t>Why are they influential? </a:t>
+            </a:r>
+            <a:r>
+              <a:rPr lang="zh-CN" altLang="en-US" sz="2400" dirty="0"/>
+              <a:t>为什么？</a:t>
+            </a:r>
+            <a:endParaRPr lang="en-US" sz="2400" dirty="0"/>
+          </a:p>
+          <a:p>
+            <a:pPr marL="342900" indent="-342900">
+              <a:buFont typeface="Arial" panose="020B0604020202020204" pitchFamily="34" charset="0"/>
+              <a:buChar char="•"/>
+            </a:pPr>
+            <a:endParaRPr lang="en-US" sz="2400" dirty="0"/>
+          </a:p>
+        </p:txBody>
+      </p:sp>
+      <p:sp>
+        <p:nvSpPr>
+          <p:cNvPr id="103" name="TextBox 102">
+            <a:extLst>
+              <a:ext uri="{FF2B5EF4-FFF2-40B4-BE49-F238E27FC236}">
+                <a16:creationId xmlns:a16="http://schemas.microsoft.com/office/drawing/2014/main" id="{E240A82C-77F1-4B46-8F89-AD1CA1C969AF}"/>
+              </a:ext>
+            </a:extLst>
+          </p:cNvPr>
+          <p:cNvSpPr txBox="1"/>
+          <p:nvPr/>
+        </p:nvSpPr>
+        <p:spPr>
+          <a:xfrm>
+            <a:off x="32735136" y="27184537"/>
+            <a:ext cx="11180120" cy="1200329"/>
+          </a:xfrm>
+          <a:prstGeom prst="rect">
+            <a:avLst/>
+          </a:prstGeom>
+          <a:noFill/>
+        </p:spPr>
+        <p:txBody>
+          <a:bodyPr wrap="square" rtlCol="0">
+            <a:spAutoFit/>
+          </a:bodyPr>
+          <a:lstStyle/>
+          <a:p>
+            <a:pPr marL="342900" indent="-342900">
+              <a:buFont typeface="Arial" panose="020B0604020202020204" pitchFamily="34" charset="0"/>
+              <a:buChar char="•"/>
+            </a:pPr>
+            <a:r>
+              <a:rPr lang="en-US" sz="2400" dirty="0" err="1"/>
+              <a:t>Volatile.acidityCent</a:t>
+            </a:r>
+            <a:r>
+              <a:rPr lang="en-US" sz="2400" dirty="0"/>
+              <a:t>, </a:t>
+            </a:r>
+            <a:r>
+              <a:rPr lang="en-US" sz="2400" dirty="0" err="1"/>
+              <a:t>log_sulphates</a:t>
+            </a:r>
+            <a:r>
+              <a:rPr lang="en-US" sz="2400" dirty="0"/>
+              <a:t>, </a:t>
+            </a:r>
+            <a:r>
+              <a:rPr lang="en-US" sz="2400" dirty="0" err="1"/>
+              <a:t>chloridesCent</a:t>
+            </a:r>
+            <a:r>
+              <a:rPr lang="en-US" sz="2400" dirty="0"/>
+              <a:t>, and interaction between </a:t>
+            </a:r>
+            <a:r>
+              <a:rPr lang="en-US" sz="2400" dirty="0" err="1"/>
+              <a:t>logsulphates</a:t>
+            </a:r>
+            <a:r>
+              <a:rPr lang="en-US" sz="2400" dirty="0"/>
+              <a:t> and </a:t>
+            </a:r>
+            <a:r>
+              <a:rPr lang="en-US" sz="2400" dirty="0" err="1"/>
+              <a:t>phCent</a:t>
+            </a:r>
+            <a:r>
+              <a:rPr lang="en-US" sz="2400" dirty="0"/>
+              <a:t> are most influential predictors.</a:t>
+            </a:r>
+            <a:r>
+              <a:rPr lang="en-US" altLang="zh-CN" sz="2400" dirty="0"/>
+              <a:t> </a:t>
+            </a:r>
+          </a:p>
+          <a:p>
+            <a:pPr marL="342900" indent="-342900">
+              <a:buFont typeface="Arial" panose="020B0604020202020204" pitchFamily="34" charset="0"/>
+              <a:buChar char="•"/>
+            </a:pPr>
+            <a:r>
+              <a:rPr lang="zh-CN" altLang="en-US" sz="2400" dirty="0"/>
+              <a:t>为什么他们</a:t>
+            </a:r>
+            <a:r>
+              <a:rPr lang="en-US" altLang="zh-CN" sz="2400" dirty="0"/>
+              <a:t>influential</a:t>
+            </a:r>
+            <a:r>
+              <a:rPr lang="zh-CN" altLang="en-US" sz="2400" dirty="0"/>
+              <a:t>？？</a:t>
+            </a:r>
+            <a:endParaRPr lang="en-US" sz="2400" dirty="0"/>
+          </a:p>
+        </p:txBody>
+      </p:sp>
+      <p:sp>
+        <p:nvSpPr>
+          <p:cNvPr id="109" name="TextBox 108">
+            <a:extLst>
+              <a:ext uri="{FF2B5EF4-FFF2-40B4-BE49-F238E27FC236}">
+                <a16:creationId xmlns:a16="http://schemas.microsoft.com/office/drawing/2014/main" id="{46843D87-1381-46E0-BC6E-520791B078C8}"/>
+              </a:ext>
+            </a:extLst>
+          </p:cNvPr>
+          <p:cNvSpPr txBox="1"/>
+          <p:nvPr/>
+        </p:nvSpPr>
+        <p:spPr>
+          <a:xfrm>
+            <a:off x="12807646" y="25158266"/>
+            <a:ext cx="9323238" cy="1107996"/>
+          </a:xfrm>
+          <a:prstGeom prst="rect">
+            <a:avLst/>
+          </a:prstGeom>
+          <a:noFill/>
+        </p:spPr>
+        <p:txBody>
+          <a:bodyPr wrap="square" rtlCol="0">
+            <a:spAutoFit/>
+          </a:bodyPr>
+          <a:lstStyle/>
+          <a:p>
+            <a:pPr algn="ctr"/>
+            <a:r>
+              <a:rPr lang="en-US" altLang="zh-CN" sz="6600" b="1" dirty="0">
+                <a:solidFill>
+                  <a:schemeClr val="tx1">
+                    <a:lumMod val="65000"/>
+                    <a:lumOff val="35000"/>
+                  </a:schemeClr>
+                </a:solidFill>
+              </a:rPr>
+              <a:t>C</a:t>
+            </a:r>
+            <a:r>
+              <a:rPr lang="en-US" sz="4000" b="1" dirty="0">
+                <a:solidFill>
+                  <a:schemeClr val="tx1">
+                    <a:lumMod val="65000"/>
+                    <a:lumOff val="35000"/>
+                  </a:schemeClr>
+                </a:solidFill>
+              </a:rPr>
+              <a:t>onclusion</a:t>
+            </a:r>
+            <a:endParaRPr lang="en-US" sz="1800" b="1" dirty="0">
+              <a:solidFill>
+                <a:schemeClr val="tx1">
+                  <a:lumMod val="65000"/>
+                  <a:lumOff val="35000"/>
+                </a:schemeClr>
+              </a:solidFill>
+            </a:endParaRPr>
+          </a:p>
+        </p:txBody>
+      </p:sp>
+      <p:sp>
+        <p:nvSpPr>
+          <p:cNvPr id="110" name="TextBox 109">
+            <a:extLst>
+              <a:ext uri="{FF2B5EF4-FFF2-40B4-BE49-F238E27FC236}">
+                <a16:creationId xmlns:a16="http://schemas.microsoft.com/office/drawing/2014/main" id="{1D8AF1EA-E9C7-4727-8BA7-32D0C91224F6}"/>
+              </a:ext>
+            </a:extLst>
+          </p:cNvPr>
+          <p:cNvSpPr txBox="1"/>
+          <p:nvPr/>
+        </p:nvSpPr>
+        <p:spPr>
+          <a:xfrm>
+            <a:off x="23335885" y="25192605"/>
+            <a:ext cx="9323238" cy="1107996"/>
+          </a:xfrm>
+          <a:prstGeom prst="rect">
+            <a:avLst/>
+          </a:prstGeom>
+          <a:noFill/>
+        </p:spPr>
+        <p:txBody>
+          <a:bodyPr wrap="square" rtlCol="0">
+            <a:spAutoFit/>
+          </a:bodyPr>
+          <a:lstStyle/>
+          <a:p>
+            <a:pPr algn="ctr"/>
+            <a:r>
+              <a:rPr lang="en-US" altLang="zh-CN" sz="6600" b="1" dirty="0">
+                <a:solidFill>
+                  <a:schemeClr val="tx1">
+                    <a:lumMod val="65000"/>
+                    <a:lumOff val="35000"/>
+                  </a:schemeClr>
+                </a:solidFill>
+              </a:rPr>
+              <a:t>L</a:t>
+            </a:r>
+            <a:r>
+              <a:rPr lang="en-US" sz="4000" b="1" dirty="0">
+                <a:solidFill>
+                  <a:schemeClr val="tx1">
+                    <a:lumMod val="65000"/>
+                    <a:lumOff val="35000"/>
+                  </a:schemeClr>
+                </a:solidFill>
+              </a:rPr>
+              <a:t>imitation</a:t>
+            </a:r>
+            <a:endParaRPr lang="en-US" sz="1800" b="1" dirty="0">
+              <a:solidFill>
+                <a:schemeClr val="tx1">
+                  <a:lumMod val="65000"/>
+                  <a:lumOff val="35000"/>
+                </a:schemeClr>
+              </a:solidFill>
+            </a:endParaRPr>
           </a:p>
         </p:txBody>
       </p:sp>

--- a/extra_credit.pptx
+++ b/extra_credit.pptx
@@ -4808,7 +4808,7 @@
         </p:nvGrpSpPr>
         <p:grpSpPr>
           <a:xfrm>
-            <a:off x="11978671" y="12826842"/>
+            <a:off x="11978671" y="13133403"/>
             <a:ext cx="19857689" cy="12459249"/>
             <a:chOff x="11978671" y="14323294"/>
             <a:chExt cx="19857689" cy="12459249"/>
@@ -6626,8 +6626,25 @@
             </a:pPr>
             <a:r>
               <a:rPr lang="en-US" sz="2400" dirty="0"/>
-              <a:t>From the ROC curve and AUC calculation, we can see the curve is close to the top left corner (area under the curve is close to 1). </a:t>
-            </a:r>
+              <a:t>From the ROC curve and AUC calculation, we can see the curve is close to the top left corner,</a:t>
+            </a:r>
+            <a:r>
+              <a:rPr lang="zh-CN" altLang="en-US" sz="2400" dirty="0"/>
+              <a:t> </a:t>
+            </a:r>
+            <a:r>
+              <a:rPr lang="en-US" altLang="zh-CN" sz="2400" dirty="0"/>
+              <a:t>area=</a:t>
+            </a:r>
+            <a:r>
+              <a:rPr lang="zh-CN" altLang="en-US" sz="2400" dirty="0"/>
+              <a:t> </a:t>
+            </a:r>
+            <a:r>
+              <a:rPr lang="en-US" altLang="zh-CN" sz="2400" dirty="0"/>
+              <a:t>0.81.</a:t>
+            </a:r>
+            <a:endParaRPr lang="en-US" sz="2400" dirty="0"/>
           </a:p>
           <a:p>
             <a:pPr marL="342900" indent="-342900">
@@ -7122,7 +7139,7 @@
         </p:nvGrpSpPr>
         <p:grpSpPr>
           <a:xfrm>
-            <a:off x="500668" y="24109874"/>
+            <a:off x="500668" y="24565956"/>
             <a:ext cx="13037167" cy="1031321"/>
             <a:chOff x="15707576" y="28334853"/>
             <a:chExt cx="13037167" cy="1031321"/>
@@ -7338,7 +7355,7 @@
         </p:nvGrpSpPr>
         <p:grpSpPr>
           <a:xfrm>
-            <a:off x="33174783" y="25640364"/>
+            <a:off x="33174783" y="26270667"/>
             <a:ext cx="13106105" cy="1031321"/>
             <a:chOff x="15675341" y="25677021"/>
             <a:chExt cx="13106105" cy="1031321"/>
@@ -7554,8 +7571,8 @@
         </p:nvSpPr>
         <p:spPr>
           <a:xfrm>
-            <a:off x="1048193" y="26752990"/>
-            <a:ext cx="10862007" cy="1569660"/>
+            <a:off x="155416" y="26202685"/>
+            <a:ext cx="10862007" cy="5062924"/>
           </a:xfrm>
           <a:prstGeom prst="rect">
             <a:avLst/>
@@ -7569,24 +7586,66 @@
           <a:lstStyle/>
           <a:p>
             <a:pPr marL="342900" indent="-342900">
+              <a:spcBef>
+                <a:spcPts val="600"/>
+              </a:spcBef>
+              <a:spcAft>
+                <a:spcPts val="600"/>
+              </a:spcAft>
               <a:buFont typeface="Arial" panose="020B0604020202020204" pitchFamily="34" charset="0"/>
               <a:buChar char="•"/>
             </a:pPr>
             <a:r>
-              <a:rPr lang="en-US" sz="2400" dirty="0" err="1"/>
-              <a:t>ChloridesCent</a:t>
+              <a:rPr lang="en-US" sz="2400" b="1" dirty="0">
+                <a:highlight>
+                  <a:srgbClr val="C1CBD1"/>
+                </a:highlight>
+              </a:rPr>
+              <a:t>Alcohol level</a:t>
             </a:r>
             <a:r>
               <a:rPr lang="en-US" sz="2400" dirty="0"/>
               <a:t>, </a:t>
             </a:r>
             <a:r>
-              <a:rPr lang="en-US" sz="2400" dirty="0" err="1"/>
-              <a:t>Volatile.acidity</a:t>
+              <a:rPr lang="en-US" sz="2400" b="1" dirty="0">
+                <a:highlight>
+                  <a:srgbClr val="C1CBD1"/>
+                </a:highlight>
+              </a:rPr>
+              <a:t>acetic acid level</a:t>
             </a:r>
             <a:r>
               <a:rPr lang="en-US" sz="2400" dirty="0"/>
-              <a:t>, </a:t>
+              <a:t>, and </a:t>
+            </a:r>
+            <a:r>
+              <a:rPr lang="en-US" sz="2400" b="1" dirty="0">
+                <a:highlight>
+                  <a:srgbClr val="C1CBD1"/>
+                </a:highlight>
+              </a:rPr>
+              <a:t>sulfate level </a:t>
+            </a:r>
+            <a:r>
+              <a:rPr lang="en-US" sz="2400" dirty="0"/>
+              <a:t>are the strongest explaining variables for quality with largest magnitude of test statistic. </a:t>
+            </a:r>
+          </a:p>
+          <a:p>
+            <a:pPr marL="342900" indent="-342900">
+              <a:spcBef>
+                <a:spcPts val="600"/>
+              </a:spcBef>
+              <a:spcAft>
+                <a:spcPts val="600"/>
+              </a:spcAft>
+              <a:buFont typeface="Arial" panose="020B0604020202020204" pitchFamily="34" charset="0"/>
+              <a:buChar char="•"/>
+            </a:pPr>
+            <a:r>
+              <a:rPr lang="en-US" sz="2400" dirty="0"/>
+              <a:t>During modeling process, we tried to log transform sulfate level as we discovered nonrandom patterns in binned residual plot for </a:t>
             </a:r>
             <a:r>
               <a:rPr lang="en-US" sz="2400" dirty="0" err="1"/>
@@ -7594,22 +7653,59 @@
             </a:r>
             <a:r>
               <a:rPr lang="en-US" sz="2400" dirty="0"/>
-              <a:t> are very significant and influential predictors</a:t>
-            </a:r>
+              <a:t>, but they still exist after log transformations. We believe that the patterns are partly caused by mid-quality wines dominating the model. </a:t>
+            </a:r>
+          </a:p>
+          <a:p>
+            <a:pPr marL="342900" indent="-342900">
+              <a:spcBef>
+                <a:spcPts val="600"/>
+              </a:spcBef>
+              <a:spcAft>
+                <a:spcPts val="600"/>
+              </a:spcAft>
+              <a:buFont typeface="Arial" panose="020B0604020202020204" pitchFamily="34" charset="0"/>
+              <a:buChar char="•"/>
+            </a:pPr>
+            <a:r>
+              <a:rPr lang="en-US" sz="2400" dirty="0"/>
+              <a:t>The model makes valuable predictions for mid-quality wines as the accuracy rate exceeds 70% for quality=5, 6 and 7. As they are the most common occurring quality for </a:t>
+            </a:r>
+            <a:r>
+              <a:rPr lang="en-US" sz="2400" dirty="0" err="1"/>
+              <a:t>vinho</a:t>
+            </a:r>
+            <a:r>
+              <a:rPr lang="en-US" sz="2400" dirty="0"/>
+              <a:t> </a:t>
+            </a:r>
+            <a:r>
+              <a:rPr lang="en-US" sz="2400" dirty="0" err="1"/>
+              <a:t>verde</a:t>
+            </a:r>
+            <a:r>
+              <a:rPr lang="en-US" sz="2400" dirty="0"/>
+              <a:t>, professionals might find this model useful.</a:t>
+            </a:r>
+          </a:p>
+          <a:p>
+            <a:pPr marL="342900" indent="-342900">
+              <a:spcBef>
+                <a:spcPts val="600"/>
+              </a:spcBef>
+              <a:spcAft>
+                <a:spcPts val="600"/>
+              </a:spcAft>
+              <a:buFont typeface="Arial" panose="020B0604020202020204" pitchFamily="34" charset="0"/>
+              <a:buChar char="•"/>
+            </a:pPr>
+            <a:endParaRPr lang="en-US" sz="2400" dirty="0"/>
           </a:p>
           <a:p>
             <a:pPr marL="342900" indent="-342900">
               <a:buFont typeface="Arial" panose="020B0604020202020204" pitchFamily="34" charset="0"/>
               <a:buChar char="•"/>
             </a:pPr>
-            <a:r>
-              <a:rPr lang="en-US" sz="2400" dirty="0"/>
-              <a:t>Why are they influential? </a:t>
-            </a:r>
-            <a:r>
-              <a:rPr lang="zh-CN" altLang="en-US" sz="2400" dirty="0"/>
-              <a:t>为什么？</a:t>
-            </a:r>
             <a:endParaRPr lang="en-US" sz="2400" dirty="0"/>
           </a:p>
           <a:p>
@@ -7635,8 +7731,8 @@
         </p:nvSpPr>
         <p:spPr>
           <a:xfrm>
-            <a:off x="32735136" y="27184537"/>
-            <a:ext cx="11180120" cy="1200329"/>
+            <a:off x="32735136" y="27814840"/>
+            <a:ext cx="10647193" cy="3139321"/>
           </a:xfrm>
           <a:prstGeom prst="rect">
             <a:avLst/>
@@ -7650,70 +7746,98 @@
           <a:lstStyle/>
           <a:p>
             <a:pPr marL="342900" indent="-342900">
+              <a:spcBef>
+                <a:spcPts val="600"/>
+              </a:spcBef>
+              <a:spcAft>
+                <a:spcPts val="600"/>
+              </a:spcAft>
               <a:buFont typeface="Arial" panose="020B0604020202020204" pitchFamily="34" charset="0"/>
               <a:buChar char="•"/>
             </a:pPr>
             <a:r>
-              <a:rPr lang="en-US" sz="2400" dirty="0" err="1"/>
-              <a:t>Volatile.acidityCent</a:t>
-            </a:r>
-            <a:r>
-              <a:rPr lang="en-US" sz="2400" dirty="0"/>
-              <a:t>, </a:t>
-            </a:r>
-            <a:r>
-              <a:rPr lang="en-US" sz="2400" dirty="0" err="1"/>
-              <a:t>log_sulphates</a:t>
-            </a:r>
-            <a:r>
-              <a:rPr lang="en-US" sz="2400" dirty="0"/>
-              <a:t>, </a:t>
-            </a:r>
-            <a:r>
-              <a:rPr lang="en-US" sz="2400" dirty="0" err="1"/>
-              <a:t>chloridesCent</a:t>
-            </a:r>
-            <a:r>
-              <a:rPr lang="en-US" sz="2400" dirty="0"/>
-              <a:t>, and interaction between </a:t>
-            </a:r>
-            <a:r>
-              <a:rPr lang="en-US" sz="2400" dirty="0" err="1"/>
-              <a:t>logsulphates</a:t>
-            </a:r>
-            <a:r>
-              <a:rPr lang="en-US" sz="2400" dirty="0"/>
-              <a:t> and </a:t>
-            </a:r>
-            <a:r>
-              <a:rPr lang="en-US" sz="2400" dirty="0" err="1"/>
-              <a:t>phCent</a:t>
-            </a:r>
-            <a:r>
-              <a:rPr lang="en-US" sz="2400" dirty="0"/>
-              <a:t> are most influential predictors.</a:t>
+              <a:rPr lang="en-US" altLang="zh-CN" sz="2400" b="1" dirty="0">
+                <a:highlight>
+                  <a:srgbClr val="C1CBD1"/>
+                </a:highlight>
+              </a:rPr>
+              <a:t>Alcohol</a:t>
             </a:r>
             <a:r>
               <a:rPr lang="en-US" altLang="zh-CN" sz="2400" dirty="0"/>
-              <a:t> </a:t>
+              <a:t> level indicates fermentation process. So it has positive effect.</a:t>
             </a:r>
           </a:p>
           <a:p>
             <a:pPr marL="342900" indent="-342900">
+              <a:spcBef>
+                <a:spcPts val="600"/>
+              </a:spcBef>
+              <a:spcAft>
+                <a:spcPts val="600"/>
+              </a:spcAft>
               <a:buFont typeface="Arial" panose="020B0604020202020204" pitchFamily="34" charset="0"/>
               <a:buChar char="•"/>
             </a:pPr>
             <a:r>
-              <a:rPr lang="zh-CN" altLang="en-US" sz="2400" dirty="0"/>
-              <a:t>为什么他们</a:t>
+              <a:rPr lang="en-US" altLang="zh-CN" sz="2400" b="1" dirty="0">
+                <a:highlight>
+                  <a:srgbClr val="C1CBD1"/>
+                </a:highlight>
+              </a:rPr>
+              <a:t>Sulfates</a:t>
+            </a:r>
+            <a:r>
+              <a:rPr lang="en-US" altLang="zh-CN" sz="2400" dirty="0">
+                <a:highlight>
+                  <a:srgbClr val="C1CBD1"/>
+                </a:highlight>
+              </a:rPr>
+              <a:t> </a:t>
             </a:r>
             <a:r>
               <a:rPr lang="en-US" altLang="zh-CN" sz="2400" dirty="0"/>
-              <a:t>influential</a:t>
-            </a:r>
-            <a:r>
-              <a:rPr lang="zh-CN" altLang="en-US" sz="2400" dirty="0"/>
-              <a:t>？？</a:t>
+              <a:t>help preserve freshness. So it has positive effect.</a:t>
+            </a:r>
+          </a:p>
+          <a:p>
+            <a:pPr marL="342900" indent="-342900">
+              <a:spcBef>
+                <a:spcPts val="600"/>
+              </a:spcBef>
+              <a:spcAft>
+                <a:spcPts val="600"/>
+              </a:spcAft>
+              <a:buFont typeface="Arial" panose="020B0604020202020204" pitchFamily="34" charset="0"/>
+              <a:buChar char="•"/>
+            </a:pPr>
+            <a:r>
+              <a:rPr lang="en-US" altLang="zh-CN" sz="2400" b="1" dirty="0">
+                <a:highlight>
+                  <a:srgbClr val="C1CBD1"/>
+                </a:highlight>
+              </a:rPr>
+              <a:t>Volatile acetic acid </a:t>
+            </a:r>
+            <a:r>
+              <a:rPr lang="en-US" altLang="zh-CN" sz="2400" dirty="0"/>
+              <a:t>leads to a sour taste of vinegar, so it has a negative coefficient. </a:t>
+            </a:r>
+          </a:p>
+          <a:p>
+            <a:pPr marL="342900" indent="-342900">
+              <a:spcBef>
+                <a:spcPts val="600"/>
+              </a:spcBef>
+              <a:spcAft>
+                <a:spcPts val="600"/>
+              </a:spcAft>
+              <a:buFont typeface="Arial" panose="020B0604020202020204" pitchFamily="34" charset="0"/>
+              <a:buChar char="•"/>
+            </a:pPr>
+            <a:r>
+              <a:rPr lang="en-US" altLang="zh-CN" sz="2400" dirty="0"/>
+              <a:t>The assumptions are met except a few observations with high leverage, but they have low Cook’s distance values, so they do not have a big impact on the predicting power of model.</a:t>
             </a:r>
             <a:endParaRPr lang="en-US" sz="2400" dirty="0"/>
           </a:p>
@@ -7733,7 +7857,7 @@
         </p:nvSpPr>
         <p:spPr>
           <a:xfrm>
-            <a:off x="12807646" y="25158266"/>
+            <a:off x="12807646" y="25293483"/>
             <a:ext cx="9323238" cy="1107996"/>
           </a:xfrm>
           <a:prstGeom prst="rect">
@@ -7795,7 +7919,7 @@
         </p:nvSpPr>
         <p:spPr>
           <a:xfrm>
-            <a:off x="23335885" y="25192605"/>
+            <a:off x="23335885" y="25327822"/>
             <a:ext cx="9323238" cy="1107996"/>
           </a:xfrm>
           <a:prstGeom prst="rect">
@@ -7840,6 +7964,229 @@
                 </a:schemeClr>
               </a:solidFill>
             </a:endParaRPr>
+          </a:p>
+        </p:txBody>
+      </p:sp>
+      <p:sp>
+        <p:nvSpPr>
+          <p:cNvPr id="112" name="TextBox 111">
+            <a:extLst>
+              <a:ext uri="{FF2B5EF4-FFF2-40B4-BE49-F238E27FC236}">
+                <a16:creationId xmlns:a16="http://schemas.microsoft.com/office/drawing/2014/main" id="{641D0D06-974A-44C5-981B-5AE94423E569}"/>
+              </a:ext>
+            </a:extLst>
+          </p:cNvPr>
+          <p:cNvSpPr txBox="1"/>
+          <p:nvPr/>
+        </p:nvSpPr>
+        <p:spPr>
+          <a:xfrm>
+            <a:off x="23711860" y="26627256"/>
+            <a:ext cx="8124500" cy="4832092"/>
+          </a:xfrm>
+          <a:prstGeom prst="rect">
+            <a:avLst/>
+          </a:prstGeom>
+          <a:noFill/>
+        </p:spPr>
+        <p:txBody>
+          <a:bodyPr wrap="square" rtlCol="0">
+            <a:spAutoFit/>
+          </a:bodyPr>
+          <a:lstStyle/>
+          <a:p>
+            <a:pPr marL="342900" indent="-342900">
+              <a:spcBef>
+                <a:spcPts val="600"/>
+              </a:spcBef>
+              <a:spcAft>
+                <a:spcPts val="600"/>
+              </a:spcAft>
+              <a:buFont typeface="Arial" panose="020B0604020202020204" pitchFamily="34" charset="0"/>
+              <a:buChar char="•"/>
+            </a:pPr>
+            <a:r>
+              <a:rPr lang="en-US" altLang="zh-CN" sz="2400" dirty="0"/>
+              <a:t>The sample data has wine with quality mostly ranging from 4 to 7. For future uses, it is very important not to extrapolate beyond this quality range, or the model will not give valuable explanation</a:t>
+            </a:r>
+          </a:p>
+          <a:p>
+            <a:pPr marL="342900" indent="-342900">
+              <a:spcBef>
+                <a:spcPts val="600"/>
+              </a:spcBef>
+              <a:spcAft>
+                <a:spcPts val="600"/>
+              </a:spcAft>
+              <a:buFont typeface="Arial" panose="020B0604020202020204" pitchFamily="34" charset="0"/>
+              <a:buChar char="•"/>
+            </a:pPr>
+            <a:r>
+              <a:rPr lang="en-US" altLang="zh-CN" sz="2400" dirty="0"/>
+              <a:t>In both models, there are some slightly non-random patterns for the binned residual plots for a few variables, which require care and possible future analysis – we did not conduct further improvements as they are beyond our knowledge learned in class</a:t>
+            </a:r>
+          </a:p>
+          <a:p>
+            <a:pPr marL="342900" indent="-342900">
+              <a:spcBef>
+                <a:spcPts val="600"/>
+              </a:spcBef>
+              <a:spcAft>
+                <a:spcPts val="600"/>
+              </a:spcAft>
+              <a:buFont typeface="Arial" panose="020B0604020202020204" pitchFamily="34" charset="0"/>
+              <a:buChar char="•"/>
+            </a:pPr>
+            <a:r>
+              <a:rPr lang="en-US" altLang="zh-CN" sz="2400" dirty="0"/>
+              <a:t>Model should also be tested on larger and more comprehensive datasets and more chemical factors can be included for future modeling</a:t>
+            </a:r>
+            <a:endParaRPr lang="en-US" sz="2400" dirty="0"/>
+          </a:p>
+        </p:txBody>
+      </p:sp>
+      <p:sp>
+        <p:nvSpPr>
+          <p:cNvPr id="113" name="TextBox 112">
+            <a:extLst>
+              <a:ext uri="{FF2B5EF4-FFF2-40B4-BE49-F238E27FC236}">
+                <a16:creationId xmlns:a16="http://schemas.microsoft.com/office/drawing/2014/main" id="{AD24D827-21FC-4575-8E72-08306A41A763}"/>
+              </a:ext>
+            </a:extLst>
+          </p:cNvPr>
+          <p:cNvSpPr txBox="1"/>
+          <p:nvPr/>
+        </p:nvSpPr>
+        <p:spPr>
+          <a:xfrm>
+            <a:off x="11862529" y="26572213"/>
+            <a:ext cx="11180120" cy="4247317"/>
+          </a:xfrm>
+          <a:prstGeom prst="rect">
+            <a:avLst/>
+          </a:prstGeom>
+          <a:noFill/>
+        </p:spPr>
+        <p:txBody>
+          <a:bodyPr wrap="square" rtlCol="0">
+            <a:spAutoFit/>
+          </a:bodyPr>
+          <a:lstStyle/>
+          <a:p>
+            <a:pPr marL="342900" indent="-342900">
+              <a:spcBef>
+                <a:spcPts val="600"/>
+              </a:spcBef>
+              <a:spcAft>
+                <a:spcPts val="600"/>
+              </a:spcAft>
+              <a:buFont typeface="Arial" panose="020B0604020202020204" pitchFamily="34" charset="0"/>
+              <a:buChar char="•"/>
+            </a:pPr>
+            <a:r>
+              <a:rPr lang="en-US" sz="2400" dirty="0"/>
+              <a:t>Our project goal is explanation: to identify the chemical factors that make significant contribution to the quality of wine</a:t>
+            </a:r>
+          </a:p>
+          <a:p>
+            <a:pPr marL="342900" indent="-342900">
+              <a:spcBef>
+                <a:spcPts val="600"/>
+              </a:spcBef>
+              <a:spcAft>
+                <a:spcPts val="600"/>
+              </a:spcAft>
+              <a:buFont typeface="Arial" panose="020B0604020202020204" pitchFamily="34" charset="0"/>
+              <a:buChar char="•"/>
+            </a:pPr>
+            <a:r>
+              <a:rPr lang="en-US" sz="2400" dirty="0"/>
+              <a:t>As quality is a discrete variable, we used logistic model and ordinal logistic model for our research, serving customers and wine professionals, respectively</a:t>
+            </a:r>
+          </a:p>
+          <a:p>
+            <a:pPr marL="342900" indent="-342900">
+              <a:spcBef>
+                <a:spcPts val="600"/>
+              </a:spcBef>
+              <a:spcAft>
+                <a:spcPts val="600"/>
+              </a:spcAft>
+              <a:buFont typeface="Arial" panose="020B0604020202020204" pitchFamily="34" charset="0"/>
+              <a:buChar char="•"/>
+            </a:pPr>
+            <a:r>
+              <a:rPr lang="en-US" sz="2400" dirty="0"/>
+              <a:t>Two models congruently leads to the conclusion, that for </a:t>
+            </a:r>
+            <a:r>
+              <a:rPr lang="en-US" sz="2400" dirty="0" err="1"/>
+              <a:t>vinho</a:t>
+            </a:r>
+            <a:r>
+              <a:rPr lang="en-US" sz="2400" dirty="0"/>
+              <a:t> </a:t>
+            </a:r>
+            <a:r>
+              <a:rPr lang="en-US" sz="2400" dirty="0" err="1"/>
+              <a:t>verde</a:t>
+            </a:r>
+            <a:r>
+              <a:rPr lang="en-US" sz="2400" dirty="0"/>
+              <a:t> wine produced in Portugal, </a:t>
+            </a:r>
+            <a:r>
+              <a:rPr lang="en-US" sz="2400" b="1" dirty="0">
+                <a:highlight>
+                  <a:srgbClr val="C1CBD1"/>
+                </a:highlight>
+              </a:rPr>
+              <a:t>alcohol level</a:t>
+            </a:r>
+            <a:r>
+              <a:rPr lang="en-US" sz="2400" dirty="0"/>
+              <a:t>, </a:t>
+            </a:r>
+            <a:r>
+              <a:rPr lang="en-US" sz="2400" b="1" dirty="0">
+                <a:highlight>
+                  <a:srgbClr val="C1CBD1"/>
+                </a:highlight>
+              </a:rPr>
+              <a:t>acetic acid level</a:t>
+            </a:r>
+            <a:r>
+              <a:rPr lang="en-US" sz="2400" dirty="0"/>
+              <a:t>, and </a:t>
+            </a:r>
+            <a:r>
+              <a:rPr lang="en-US" sz="2400" b="1" dirty="0">
+                <a:highlight>
+                  <a:srgbClr val="C1CBD1"/>
+                </a:highlight>
+              </a:rPr>
+              <a:t>sulfate level </a:t>
+            </a:r>
+            <a:r>
+              <a:rPr lang="en-US" sz="2400" dirty="0"/>
+              <a:t>are very strong explaining factors</a:t>
+            </a:r>
+          </a:p>
+          <a:p>
+            <a:pPr marL="342900" indent="-342900">
+              <a:spcBef>
+                <a:spcPts val="600"/>
+              </a:spcBef>
+              <a:spcAft>
+                <a:spcPts val="600"/>
+              </a:spcAft>
+              <a:buFont typeface="Arial" panose="020B0604020202020204" pitchFamily="34" charset="0"/>
+              <a:buChar char="•"/>
+            </a:pPr>
+            <a:r>
+              <a:rPr lang="en-US" sz="2400" dirty="0"/>
+              <a:t>citric acid level and free sulfur dioxide level contribute to the variation in quality, though not as influential</a:t>
+            </a:r>
           </a:p>
         </p:txBody>
       </p:sp>

--- a/extra_credit.pptx
+++ b/extra_credit.pptx
@@ -260,7 +260,7 @@
 
 <file path=ppt/commentAuthors.xml><?xml version="1.0" encoding="utf-8"?>
 <p:cmAuthorLst xmlns:a="http://schemas.openxmlformats.org/drawingml/2006/main" xmlns:r="http://schemas.openxmlformats.org/officeDocument/2006/relationships" xmlns:p="http://schemas.openxmlformats.org/presentationml/2006/main">
-  <p:cmAuthor id="1" name="纪 丁" initials="纪" lastIdx="1" clrIdx="0">
+  <p:cmAuthor id="1" name="纪 丁" initials="纪" lastIdx="2" clrIdx="0">
     <p:extLst>
       <p:ext uri="{19B8F6BF-5375-455C-9EA6-DF929625EA0E}">
         <p15:presenceInfo xmlns:p15="http://schemas.microsoft.com/office/powerpoint/2012/main" userId="e9072b150162b0e0" providerId="Windows Live"/>
@@ -8190,6 +8190,657 @@
           </a:p>
         </p:txBody>
       </p:sp>
+      <p:grpSp>
+        <p:nvGrpSpPr>
+          <p:cNvPr id="7" name="Group 6">
+            <a:extLst>
+              <a:ext uri="{FF2B5EF4-FFF2-40B4-BE49-F238E27FC236}">
+                <a16:creationId xmlns:a16="http://schemas.microsoft.com/office/drawing/2014/main" id="{8D249270-B258-47EE-9F78-E5AE65AA180B}"/>
+              </a:ext>
+            </a:extLst>
+          </p:cNvPr>
+          <p:cNvGrpSpPr/>
+          <p:nvPr/>
+        </p:nvGrpSpPr>
+        <p:grpSpPr>
+          <a:xfrm>
+            <a:off x="1157017" y="30213237"/>
+            <a:ext cx="8369204" cy="393539"/>
+            <a:chOff x="513935" y="30222446"/>
+            <a:chExt cx="8369204" cy="393539"/>
+          </a:xfrm>
+        </p:grpSpPr>
+        <p:sp>
+          <p:nvSpPr>
+            <p:cNvPr id="4" name="Rectangle 3">
+              <a:extLst>
+                <a:ext uri="{FF2B5EF4-FFF2-40B4-BE49-F238E27FC236}">
+                  <a16:creationId xmlns:a16="http://schemas.microsoft.com/office/drawing/2014/main" id="{2FCCC675-7070-4B95-BAF4-46C145F8B2E6}"/>
+                </a:ext>
+              </a:extLst>
+            </p:cNvPr>
+            <p:cNvSpPr/>
+            <p:nvPr/>
+          </p:nvSpPr>
+          <p:spPr>
+            <a:xfrm>
+              <a:off x="513935" y="30222446"/>
+              <a:ext cx="2209974" cy="393539"/>
+            </a:xfrm>
+            <a:prstGeom prst="rect">
+              <a:avLst/>
+            </a:prstGeom>
+            <a:solidFill>
+              <a:srgbClr val="C1CBD1"/>
+            </a:solidFill>
+            <a:ln>
+              <a:solidFill>
+                <a:schemeClr val="tx1"/>
+              </a:solidFill>
+            </a:ln>
+          </p:spPr>
+          <p:style>
+            <a:lnRef idx="2">
+              <a:schemeClr val="accent1">
+                <a:shade val="50000"/>
+              </a:schemeClr>
+            </a:lnRef>
+            <a:fillRef idx="1">
+              <a:schemeClr val="accent1"/>
+            </a:fillRef>
+            <a:effectRef idx="0">
+              <a:schemeClr val="accent1"/>
+            </a:effectRef>
+            <a:fontRef idx="minor">
+              <a:schemeClr val="lt1"/>
+            </a:fontRef>
+          </p:style>
+          <p:txBody>
+            <a:bodyPr rtlCol="0" anchor="ctr"/>
+            <a:lstStyle/>
+            <a:p>
+              <a:pPr algn="ctr"/>
+              <a:r>
+                <a:rPr lang="en-US" sz="2400" b="1" dirty="0"/>
+                <a:t>Alcohol</a:t>
+              </a:r>
+            </a:p>
+          </p:txBody>
+        </p:sp>
+        <p:sp>
+          <p:nvSpPr>
+            <p:cNvPr id="111" name="Rectangle 110">
+              <a:extLst>
+                <a:ext uri="{FF2B5EF4-FFF2-40B4-BE49-F238E27FC236}">
+                  <a16:creationId xmlns:a16="http://schemas.microsoft.com/office/drawing/2014/main" id="{2D8CFF91-7D07-4655-A287-386DD0F9E46C}"/>
+                </a:ext>
+              </a:extLst>
+            </p:cNvPr>
+            <p:cNvSpPr/>
+            <p:nvPr/>
+          </p:nvSpPr>
+          <p:spPr>
+            <a:xfrm>
+              <a:off x="3057454" y="30222446"/>
+              <a:ext cx="3282166" cy="393539"/>
+            </a:xfrm>
+            <a:prstGeom prst="rect">
+              <a:avLst/>
+            </a:prstGeom>
+            <a:solidFill>
+              <a:srgbClr val="C1CBD1"/>
+            </a:solidFill>
+            <a:ln>
+              <a:solidFill>
+                <a:schemeClr val="tx1"/>
+              </a:solidFill>
+            </a:ln>
+          </p:spPr>
+          <p:style>
+            <a:lnRef idx="2">
+              <a:schemeClr val="accent1">
+                <a:shade val="50000"/>
+              </a:schemeClr>
+            </a:lnRef>
+            <a:fillRef idx="1">
+              <a:schemeClr val="accent1"/>
+            </a:fillRef>
+            <a:effectRef idx="0">
+              <a:schemeClr val="accent1"/>
+            </a:effectRef>
+            <a:fontRef idx="minor">
+              <a:schemeClr val="lt1"/>
+            </a:fontRef>
+          </p:style>
+          <p:txBody>
+            <a:bodyPr rtlCol="0" anchor="ctr"/>
+            <a:lstStyle/>
+            <a:p>
+              <a:pPr algn="ctr"/>
+              <a:r>
+                <a:rPr lang="en-US" sz="2400" b="1" dirty="0">
+                  <a:highlight>
+                    <a:srgbClr val="C1CBD1"/>
+                  </a:highlight>
+                </a:rPr>
+                <a:t>Volatile acetic acid</a:t>
+              </a:r>
+              <a:endParaRPr lang="en-US" sz="2400" dirty="0">
+                <a:highlight>
+                  <a:srgbClr val="C1CBD1"/>
+                </a:highlight>
+              </a:endParaRPr>
+            </a:p>
+          </p:txBody>
+        </p:sp>
+        <p:sp>
+          <p:nvSpPr>
+            <p:cNvPr id="114" name="Rectangle 113">
+              <a:extLst>
+                <a:ext uri="{FF2B5EF4-FFF2-40B4-BE49-F238E27FC236}">
+                  <a16:creationId xmlns:a16="http://schemas.microsoft.com/office/drawing/2014/main" id="{2F9AF40D-FA74-44BA-ADD3-52E2FF649AB1}"/>
+                </a:ext>
+              </a:extLst>
+            </p:cNvPr>
+            <p:cNvSpPr/>
+            <p:nvPr/>
+          </p:nvSpPr>
+          <p:spPr>
+            <a:xfrm>
+              <a:off x="6673165" y="30222446"/>
+              <a:ext cx="2209974" cy="393539"/>
+            </a:xfrm>
+            <a:prstGeom prst="rect">
+              <a:avLst/>
+            </a:prstGeom>
+            <a:solidFill>
+              <a:srgbClr val="C1CBD1"/>
+            </a:solidFill>
+            <a:ln>
+              <a:solidFill>
+                <a:schemeClr val="tx1"/>
+              </a:solidFill>
+            </a:ln>
+          </p:spPr>
+          <p:style>
+            <a:lnRef idx="2">
+              <a:schemeClr val="accent1">
+                <a:shade val="50000"/>
+              </a:schemeClr>
+            </a:lnRef>
+            <a:fillRef idx="1">
+              <a:schemeClr val="accent1"/>
+            </a:fillRef>
+            <a:effectRef idx="0">
+              <a:schemeClr val="accent1"/>
+            </a:effectRef>
+            <a:fontRef idx="minor">
+              <a:schemeClr val="lt1"/>
+            </a:fontRef>
+          </p:style>
+          <p:txBody>
+            <a:bodyPr rtlCol="0" anchor="ctr"/>
+            <a:lstStyle/>
+            <a:p>
+              <a:pPr algn="ctr"/>
+              <a:r>
+                <a:rPr lang="en-US" sz="2400" b="1" dirty="0">
+                  <a:highlight>
+                    <a:srgbClr val="C1CBD1"/>
+                  </a:highlight>
+                </a:rPr>
+                <a:t>Sulfate</a:t>
+              </a:r>
+              <a:endParaRPr lang="en-US" sz="2400" dirty="0"/>
+            </a:p>
+          </p:txBody>
+        </p:sp>
+      </p:grpSp>
+      <p:grpSp>
+        <p:nvGrpSpPr>
+          <p:cNvPr id="117" name="Group 116">
+            <a:extLst>
+              <a:ext uri="{FF2B5EF4-FFF2-40B4-BE49-F238E27FC236}">
+                <a16:creationId xmlns:a16="http://schemas.microsoft.com/office/drawing/2014/main" id="{077B2D07-89D1-4220-8A18-D9C1D38AF8D8}"/>
+              </a:ext>
+            </a:extLst>
+          </p:cNvPr>
+          <p:cNvGrpSpPr/>
+          <p:nvPr/>
+        </p:nvGrpSpPr>
+        <p:grpSpPr>
+          <a:xfrm>
+            <a:off x="34055947" y="31308253"/>
+            <a:ext cx="8369204" cy="393539"/>
+            <a:chOff x="513935" y="30222446"/>
+            <a:chExt cx="8369204" cy="393539"/>
+          </a:xfrm>
+        </p:grpSpPr>
+        <p:sp>
+          <p:nvSpPr>
+            <p:cNvPr id="118" name="Rectangle 117">
+              <a:extLst>
+                <a:ext uri="{FF2B5EF4-FFF2-40B4-BE49-F238E27FC236}">
+                  <a16:creationId xmlns:a16="http://schemas.microsoft.com/office/drawing/2014/main" id="{605EB007-EC38-4803-A9B7-B7551B687F97}"/>
+                </a:ext>
+              </a:extLst>
+            </p:cNvPr>
+            <p:cNvSpPr/>
+            <p:nvPr/>
+          </p:nvSpPr>
+          <p:spPr>
+            <a:xfrm>
+              <a:off x="513935" y="30222446"/>
+              <a:ext cx="2209974" cy="393539"/>
+            </a:xfrm>
+            <a:prstGeom prst="rect">
+              <a:avLst/>
+            </a:prstGeom>
+            <a:solidFill>
+              <a:srgbClr val="9FA7BA"/>
+            </a:solidFill>
+            <a:ln>
+              <a:solidFill>
+                <a:schemeClr val="tx1"/>
+              </a:solidFill>
+            </a:ln>
+          </p:spPr>
+          <p:style>
+            <a:lnRef idx="2">
+              <a:schemeClr val="accent1">
+                <a:shade val="50000"/>
+              </a:schemeClr>
+            </a:lnRef>
+            <a:fillRef idx="1">
+              <a:schemeClr val="accent1"/>
+            </a:fillRef>
+            <a:effectRef idx="0">
+              <a:schemeClr val="accent1"/>
+            </a:effectRef>
+            <a:fontRef idx="minor">
+              <a:schemeClr val="lt1"/>
+            </a:fontRef>
+          </p:style>
+          <p:txBody>
+            <a:bodyPr rtlCol="0" anchor="ctr"/>
+            <a:lstStyle/>
+            <a:p>
+              <a:pPr algn="ctr"/>
+              <a:r>
+                <a:rPr lang="en-US" sz="2400" b="1" dirty="0"/>
+                <a:t>Alcohol</a:t>
+              </a:r>
+            </a:p>
+          </p:txBody>
+        </p:sp>
+        <p:sp>
+          <p:nvSpPr>
+            <p:cNvPr id="119" name="Rectangle 118">
+              <a:extLst>
+                <a:ext uri="{FF2B5EF4-FFF2-40B4-BE49-F238E27FC236}">
+                  <a16:creationId xmlns:a16="http://schemas.microsoft.com/office/drawing/2014/main" id="{100C9957-BB27-453A-ABC8-64DB7CAB3845}"/>
+                </a:ext>
+              </a:extLst>
+            </p:cNvPr>
+            <p:cNvSpPr/>
+            <p:nvPr/>
+          </p:nvSpPr>
+          <p:spPr>
+            <a:xfrm>
+              <a:off x="3057454" y="30222446"/>
+              <a:ext cx="3282166" cy="393539"/>
+            </a:xfrm>
+            <a:prstGeom prst="rect">
+              <a:avLst/>
+            </a:prstGeom>
+            <a:solidFill>
+              <a:srgbClr val="9FA7BA"/>
+            </a:solidFill>
+            <a:ln>
+              <a:solidFill>
+                <a:schemeClr val="tx1"/>
+              </a:solidFill>
+            </a:ln>
+          </p:spPr>
+          <p:style>
+            <a:lnRef idx="2">
+              <a:schemeClr val="accent1">
+                <a:shade val="50000"/>
+              </a:schemeClr>
+            </a:lnRef>
+            <a:fillRef idx="1">
+              <a:schemeClr val="accent1"/>
+            </a:fillRef>
+            <a:effectRef idx="0">
+              <a:schemeClr val="accent1"/>
+            </a:effectRef>
+            <a:fontRef idx="minor">
+              <a:schemeClr val="lt1"/>
+            </a:fontRef>
+          </p:style>
+          <p:txBody>
+            <a:bodyPr rtlCol="0" anchor="ctr"/>
+            <a:lstStyle/>
+            <a:p>
+              <a:pPr algn="ctr"/>
+              <a:r>
+                <a:rPr lang="en-US" sz="2400" b="1" dirty="0">
+                  <a:highlight>
+                    <a:srgbClr val="9FA7BA"/>
+                  </a:highlight>
+                </a:rPr>
+                <a:t>Volatile acetic acid</a:t>
+              </a:r>
+              <a:endParaRPr lang="en-US" sz="2400" dirty="0">
+                <a:highlight>
+                  <a:srgbClr val="9FA7BA"/>
+                </a:highlight>
+              </a:endParaRPr>
+            </a:p>
+          </p:txBody>
+        </p:sp>
+        <p:sp>
+          <p:nvSpPr>
+            <p:cNvPr id="120" name="Rectangle 119">
+              <a:extLst>
+                <a:ext uri="{FF2B5EF4-FFF2-40B4-BE49-F238E27FC236}">
+                  <a16:creationId xmlns:a16="http://schemas.microsoft.com/office/drawing/2014/main" id="{375EA1C8-1262-498D-8C2D-AD4124275EDF}"/>
+                </a:ext>
+              </a:extLst>
+            </p:cNvPr>
+            <p:cNvSpPr/>
+            <p:nvPr/>
+          </p:nvSpPr>
+          <p:spPr>
+            <a:xfrm>
+              <a:off x="6673165" y="30222446"/>
+              <a:ext cx="2209974" cy="393539"/>
+            </a:xfrm>
+            <a:prstGeom prst="rect">
+              <a:avLst/>
+            </a:prstGeom>
+            <a:solidFill>
+              <a:srgbClr val="9FA7BA"/>
+            </a:solidFill>
+            <a:ln>
+              <a:solidFill>
+                <a:schemeClr val="tx1"/>
+              </a:solidFill>
+            </a:ln>
+          </p:spPr>
+          <p:style>
+            <a:lnRef idx="2">
+              <a:schemeClr val="accent1">
+                <a:shade val="50000"/>
+              </a:schemeClr>
+            </a:lnRef>
+            <a:fillRef idx="1">
+              <a:schemeClr val="accent1"/>
+            </a:fillRef>
+            <a:effectRef idx="0">
+              <a:schemeClr val="accent1"/>
+            </a:effectRef>
+            <a:fontRef idx="minor">
+              <a:schemeClr val="lt1"/>
+            </a:fontRef>
+          </p:style>
+          <p:txBody>
+            <a:bodyPr rtlCol="0" anchor="ctr"/>
+            <a:lstStyle/>
+            <a:p>
+              <a:pPr algn="ctr"/>
+              <a:r>
+                <a:rPr lang="en-US" sz="2400" b="1" dirty="0">
+                  <a:highlight>
+                    <a:srgbClr val="9FA7BA"/>
+                  </a:highlight>
+                </a:rPr>
+                <a:t>Sulfate</a:t>
+              </a:r>
+              <a:endParaRPr lang="en-US" sz="2400" dirty="0">
+                <a:highlight>
+                  <a:srgbClr val="9FA7BA"/>
+                </a:highlight>
+              </a:endParaRPr>
+            </a:p>
+          </p:txBody>
+        </p:sp>
+      </p:grpSp>
+      <p:grpSp>
+        <p:nvGrpSpPr>
+          <p:cNvPr id="121" name="Group 120">
+            <a:extLst>
+              <a:ext uri="{FF2B5EF4-FFF2-40B4-BE49-F238E27FC236}">
+                <a16:creationId xmlns:a16="http://schemas.microsoft.com/office/drawing/2014/main" id="{DF364E66-E0B3-4148-BD76-D85C0FFF51CD}"/>
+              </a:ext>
+            </a:extLst>
+          </p:cNvPr>
+          <p:cNvGrpSpPr/>
+          <p:nvPr/>
+        </p:nvGrpSpPr>
+        <p:grpSpPr>
+          <a:xfrm>
+            <a:off x="13443012" y="31236270"/>
+            <a:ext cx="8369204" cy="393539"/>
+            <a:chOff x="513935" y="30222446"/>
+            <a:chExt cx="8369204" cy="393539"/>
+          </a:xfrm>
+        </p:grpSpPr>
+        <p:sp>
+          <p:nvSpPr>
+            <p:cNvPr id="123" name="Rectangle 122">
+              <a:extLst>
+                <a:ext uri="{FF2B5EF4-FFF2-40B4-BE49-F238E27FC236}">
+                  <a16:creationId xmlns:a16="http://schemas.microsoft.com/office/drawing/2014/main" id="{14B73EF3-A062-42E0-90D9-3B08951C34A5}"/>
+                </a:ext>
+              </a:extLst>
+            </p:cNvPr>
+            <p:cNvSpPr/>
+            <p:nvPr/>
+          </p:nvSpPr>
+          <p:spPr>
+            <a:xfrm>
+              <a:off x="513935" y="30222446"/>
+              <a:ext cx="2209974" cy="393539"/>
+            </a:xfrm>
+            <a:prstGeom prst="rect">
+              <a:avLst/>
+            </a:prstGeom>
+            <a:solidFill>
+              <a:schemeClr val="bg1">
+                <a:lumMod val="85000"/>
+              </a:schemeClr>
+            </a:solidFill>
+            <a:ln>
+              <a:solidFill>
+                <a:schemeClr val="tx1"/>
+              </a:solidFill>
+            </a:ln>
+          </p:spPr>
+          <p:style>
+            <a:lnRef idx="2">
+              <a:schemeClr val="accent1">
+                <a:shade val="50000"/>
+              </a:schemeClr>
+            </a:lnRef>
+            <a:fillRef idx="1">
+              <a:schemeClr val="accent1"/>
+            </a:fillRef>
+            <a:effectRef idx="0">
+              <a:schemeClr val="accent1"/>
+            </a:effectRef>
+            <a:fontRef idx="minor">
+              <a:schemeClr val="lt1"/>
+            </a:fontRef>
+          </p:style>
+          <p:txBody>
+            <a:bodyPr rtlCol="0" anchor="ctr"/>
+            <a:lstStyle/>
+            <a:p>
+              <a:pPr algn="ctr"/>
+              <a:r>
+                <a:rPr lang="en-US" sz="2400" b="1" dirty="0">
+                  <a:solidFill>
+                    <a:schemeClr val="tx1">
+                      <a:lumMod val="65000"/>
+                      <a:lumOff val="35000"/>
+                    </a:schemeClr>
+                  </a:solidFill>
+                </a:rPr>
+                <a:t>Alcohol</a:t>
+              </a:r>
+            </a:p>
+          </p:txBody>
+        </p:sp>
+        <p:sp>
+          <p:nvSpPr>
+            <p:cNvPr id="124" name="Rectangle 123">
+              <a:extLst>
+                <a:ext uri="{FF2B5EF4-FFF2-40B4-BE49-F238E27FC236}">
+                  <a16:creationId xmlns:a16="http://schemas.microsoft.com/office/drawing/2014/main" id="{1FE57E68-AE81-4F81-93A8-833089C63D01}"/>
+                </a:ext>
+              </a:extLst>
+            </p:cNvPr>
+            <p:cNvSpPr/>
+            <p:nvPr/>
+          </p:nvSpPr>
+          <p:spPr>
+            <a:xfrm>
+              <a:off x="3057454" y="30222446"/>
+              <a:ext cx="3282166" cy="393539"/>
+            </a:xfrm>
+            <a:prstGeom prst="rect">
+              <a:avLst/>
+            </a:prstGeom>
+            <a:solidFill>
+              <a:schemeClr val="bg1">
+                <a:lumMod val="85000"/>
+              </a:schemeClr>
+            </a:solidFill>
+            <a:ln>
+              <a:solidFill>
+                <a:schemeClr val="tx1"/>
+              </a:solidFill>
+            </a:ln>
+          </p:spPr>
+          <p:style>
+            <a:lnRef idx="2">
+              <a:schemeClr val="accent1">
+                <a:shade val="50000"/>
+              </a:schemeClr>
+            </a:lnRef>
+            <a:fillRef idx="1">
+              <a:schemeClr val="accent1"/>
+            </a:fillRef>
+            <a:effectRef idx="0">
+              <a:schemeClr val="accent1"/>
+            </a:effectRef>
+            <a:fontRef idx="minor">
+              <a:schemeClr val="lt1"/>
+            </a:fontRef>
+          </p:style>
+          <p:txBody>
+            <a:bodyPr rtlCol="0" anchor="ctr"/>
+            <a:lstStyle/>
+            <a:p>
+              <a:pPr algn="ctr"/>
+              <a:r>
+                <a:rPr lang="en-US" sz="2400" b="1" dirty="0">
+                  <a:solidFill>
+                    <a:schemeClr val="tx1">
+                      <a:lumMod val="65000"/>
+                      <a:lumOff val="35000"/>
+                    </a:schemeClr>
+                  </a:solidFill>
+                </a:rPr>
+                <a:t>Volatile acetic acid</a:t>
+              </a:r>
+              <a:endParaRPr lang="en-US" sz="2400" dirty="0">
+                <a:solidFill>
+                  <a:schemeClr val="tx1">
+                    <a:lumMod val="65000"/>
+                    <a:lumOff val="35000"/>
+                  </a:schemeClr>
+                </a:solidFill>
+              </a:endParaRPr>
+            </a:p>
+          </p:txBody>
+        </p:sp>
+        <p:sp>
+          <p:nvSpPr>
+            <p:cNvPr id="136" name="Rectangle 135">
+              <a:extLst>
+                <a:ext uri="{FF2B5EF4-FFF2-40B4-BE49-F238E27FC236}">
+                  <a16:creationId xmlns:a16="http://schemas.microsoft.com/office/drawing/2014/main" id="{462441CB-840B-4D0B-A002-0E93C5736964}"/>
+                </a:ext>
+              </a:extLst>
+            </p:cNvPr>
+            <p:cNvSpPr/>
+            <p:nvPr/>
+          </p:nvSpPr>
+          <p:spPr>
+            <a:xfrm>
+              <a:off x="6673165" y="30222446"/>
+              <a:ext cx="2209974" cy="393539"/>
+            </a:xfrm>
+            <a:prstGeom prst="rect">
+              <a:avLst/>
+            </a:prstGeom>
+            <a:solidFill>
+              <a:schemeClr val="bg1">
+                <a:lumMod val="85000"/>
+              </a:schemeClr>
+            </a:solidFill>
+            <a:ln>
+              <a:solidFill>
+                <a:schemeClr val="tx1"/>
+              </a:solidFill>
+            </a:ln>
+          </p:spPr>
+          <p:style>
+            <a:lnRef idx="2">
+              <a:schemeClr val="accent1">
+                <a:shade val="50000"/>
+              </a:schemeClr>
+            </a:lnRef>
+            <a:fillRef idx="1">
+              <a:schemeClr val="accent1"/>
+            </a:fillRef>
+            <a:effectRef idx="0">
+              <a:schemeClr val="accent1"/>
+            </a:effectRef>
+            <a:fontRef idx="minor">
+              <a:schemeClr val="lt1"/>
+            </a:fontRef>
+          </p:style>
+          <p:txBody>
+            <a:bodyPr rtlCol="0" anchor="ctr"/>
+            <a:lstStyle/>
+            <a:p>
+              <a:pPr algn="ctr"/>
+              <a:r>
+                <a:rPr lang="en-US" sz="2400" b="1" dirty="0">
+                  <a:solidFill>
+                    <a:schemeClr val="tx1">
+                      <a:lumMod val="65000"/>
+                      <a:lumOff val="35000"/>
+                    </a:schemeClr>
+                  </a:solidFill>
+                </a:rPr>
+                <a:t>Sulfate</a:t>
+              </a:r>
+              <a:endParaRPr lang="en-US" sz="2400" dirty="0">
+                <a:solidFill>
+                  <a:schemeClr val="tx1">
+                    <a:lumMod val="65000"/>
+                    <a:lumOff val="35000"/>
+                  </a:schemeClr>
+                </a:solidFill>
+              </a:endParaRPr>
+            </a:p>
+          </p:txBody>
+        </p:sp>
+      </p:grpSp>
     </p:spTree>
   </p:cSld>
   <p:clrMapOvr>

--- a/extra_credit.pptx
+++ b/extra_credit.pptx
@@ -3175,8 +3175,8 @@
         </p:nvSpPr>
         <p:spPr>
           <a:xfrm>
-            <a:off x="13274040" y="614650"/>
-            <a:ext cx="17343120" cy="1969770"/>
+            <a:off x="12054840" y="614650"/>
+            <a:ext cx="19781520" cy="2154436"/>
           </a:xfrm>
           <a:prstGeom prst="rect">
             <a:avLst/>
@@ -3191,7 +3191,7 @@
           <a:p>
             <a:pPr algn="ctr"/>
             <a:r>
-              <a:rPr lang="en-US" sz="5400" b="1" dirty="0"/>
+              <a:rPr lang="en-US" sz="6000" b="1" dirty="0"/>
               <a:t>Modeling wine preferences by data mining from physicochemical properties</a:t>
             </a:r>
           </a:p>
@@ -3233,7 +3233,11 @@
               <a:buChar char="•"/>
             </a:pPr>
             <a:r>
-              <a:rPr lang="en-US" sz="2400" dirty="0" err="1"/>
+              <a:rPr lang="en-US" sz="2400" b="1" dirty="0" err="1">
+                <a:highlight>
+                  <a:srgbClr val="C0C0C0"/>
+                </a:highlight>
+              </a:rPr>
               <a:t>ChloridesCent</a:t>
             </a:r>
             <a:r>
@@ -3241,7 +3245,11 @@
               <a:t>, </a:t>
             </a:r>
             <a:r>
-              <a:rPr lang="en-US" sz="2400" dirty="0" err="1"/>
+              <a:rPr lang="en-US" sz="2400" b="1" dirty="0" err="1">
+                <a:highlight>
+                  <a:srgbClr val="C0C0C0"/>
+                </a:highlight>
+              </a:rPr>
               <a:t>Volatile.acidity</a:t>
             </a:r>
             <a:r>
@@ -3249,12 +3257,24 @@
               <a:t>, </a:t>
             </a:r>
             <a:r>
-              <a:rPr lang="en-US" sz="2400" dirty="0" err="1"/>
+              <a:rPr lang="en-US" sz="2400" b="1" dirty="0" err="1">
+                <a:highlight>
+                  <a:srgbClr val="C0C0C0"/>
+                </a:highlight>
+              </a:rPr>
               <a:t>sulphatesCent</a:t>
             </a:r>
             <a:r>
+              <a:rPr lang="en-US" sz="2400" dirty="0">
+                <a:highlight>
+                  <a:srgbClr val="C0C0C0"/>
+                </a:highlight>
+              </a:rPr>
+              <a:t> </a:t>
+            </a:r>
+            <a:r>
               <a:rPr lang="en-US" sz="2400" dirty="0"/>
-              <a:t> are very significant and influential predictors</a:t>
+              <a:t>are very significant and influential predictors</a:t>
             </a:r>
           </a:p>
           <a:p>
@@ -3332,8 +3352,8 @@
         </p:nvSpPr>
         <p:spPr>
           <a:xfrm>
-            <a:off x="32650489" y="7479488"/>
-            <a:ext cx="11180120" cy="2677656"/>
+            <a:off x="32650489" y="7425005"/>
+            <a:ext cx="10925175" cy="3139321"/>
           </a:xfrm>
           <a:prstGeom prst="rect">
             <a:avLst/>
@@ -3347,11 +3367,21 @@
           <a:lstStyle/>
           <a:p>
             <a:pPr marL="342900" indent="-342900">
+              <a:spcBef>
+                <a:spcPts val="600"/>
+              </a:spcBef>
+              <a:spcAft>
+                <a:spcPts val="600"/>
+              </a:spcAft>
               <a:buFont typeface="Arial" panose="020B0604020202020204" pitchFamily="34" charset="0"/>
               <a:buChar char="•"/>
             </a:pPr>
             <a:r>
-              <a:rPr lang="en-US" sz="2400" dirty="0" err="1"/>
+              <a:rPr lang="en-US" sz="2400" b="1" dirty="0" err="1">
+                <a:highlight>
+                  <a:srgbClr val="C0C0C0"/>
+                </a:highlight>
+              </a:rPr>
               <a:t>Volatile.acidityCent</a:t>
             </a:r>
             <a:r>
@@ -3359,36 +3389,52 @@
               <a:t>, </a:t>
             </a:r>
             <a:r>
-              <a:rPr lang="en-US" sz="2400" dirty="0" err="1"/>
+              <a:rPr lang="en-US" sz="2400" b="1" dirty="0" err="1">
+                <a:highlight>
+                  <a:srgbClr val="C0C0C0"/>
+                </a:highlight>
+              </a:rPr>
               <a:t>log_sulphates</a:t>
             </a:r>
             <a:r>
               <a:rPr lang="en-US" sz="2400" dirty="0"/>
-              <a:t>, </a:t>
-            </a:r>
-            <a:r>
-              <a:rPr lang="en-US" sz="2400" dirty="0" err="1"/>
+              <a:t>,</a:t>
+            </a:r>
+            <a:r>
+              <a:rPr lang="en-US" altLang="zh-CN" sz="2400" b="1" dirty="0">
+                <a:highlight>
+                  <a:srgbClr val="C0C0C0"/>
+                </a:highlight>
+              </a:rPr>
+              <a:t> </a:t>
+            </a:r>
+            <a:r>
+              <a:rPr lang="en-US" altLang="zh-CN" sz="2400" b="1" dirty="0" err="1">
+                <a:highlight>
+                  <a:srgbClr val="C0C0C0"/>
+                </a:highlight>
+              </a:rPr>
+              <a:t>log_sulphates:pHCent</a:t>
+            </a:r>
+            <a:r>
+              <a:rPr lang="en-US" altLang="zh-CN" sz="2400" dirty="0"/>
+              <a:t>, and</a:t>
+            </a:r>
+            <a:r>
+              <a:rPr lang="en-US" sz="2400" dirty="0"/>
+              <a:t> </a:t>
+            </a:r>
+            <a:r>
+              <a:rPr lang="en-US" sz="2400" b="1" dirty="0" err="1">
+                <a:highlight>
+                  <a:srgbClr val="C0C0C0"/>
+                </a:highlight>
+              </a:rPr>
               <a:t>chloridesCent</a:t>
             </a:r>
             <a:r>
               <a:rPr lang="en-US" sz="2400" dirty="0"/>
-              <a:t>, and interaction between </a:t>
-            </a:r>
-            <a:r>
-              <a:rPr lang="en-US" sz="2400" dirty="0" err="1"/>
-              <a:t>logsulphates</a:t>
-            </a:r>
-            <a:r>
-              <a:rPr lang="en-US" sz="2400" dirty="0"/>
-              <a:t> and </a:t>
-            </a:r>
-            <a:r>
-              <a:rPr lang="en-US" sz="2400" dirty="0" err="1"/>
-              <a:t>phCent</a:t>
-            </a:r>
-            <a:r>
-              <a:rPr lang="en-US" sz="2400" dirty="0"/>
-              <a:t> are most influential predictors.</a:t>
+              <a:t>, and are most influential predictors.</a:t>
             </a:r>
             <a:r>
               <a:rPr lang="en-US" altLang="zh-CN" sz="2400" dirty="0"/>
@@ -3397,11 +3443,21 @@
           </a:p>
           <a:p>
             <a:pPr marL="342900" indent="-342900">
+              <a:spcBef>
+                <a:spcPts val="600"/>
+              </a:spcBef>
+              <a:spcAft>
+                <a:spcPts val="600"/>
+              </a:spcAft>
               <a:buFont typeface="Arial" panose="020B0604020202020204" pitchFamily="34" charset="0"/>
               <a:buChar char="•"/>
             </a:pPr>
             <a:r>
-              <a:rPr lang="en-US" sz="2400" dirty="0" err="1"/>
+              <a:rPr lang="en-US" sz="2400" b="1" dirty="0" err="1">
+                <a:highlight>
+                  <a:srgbClr val="C0C0C0"/>
+                </a:highlight>
+              </a:rPr>
               <a:t>pHCent</a:t>
             </a:r>
             <a:r>
@@ -3409,7 +3465,11 @@
               <a:t> and </a:t>
             </a:r>
             <a:r>
-              <a:rPr lang="en-US" sz="2400" dirty="0" err="1"/>
+              <a:rPr lang="en-US" sz="2400" b="1" dirty="0" err="1">
+                <a:highlight>
+                  <a:srgbClr val="C0C0C0"/>
+                </a:highlight>
+              </a:rPr>
               <a:t>chloridesCent</a:t>
             </a:r>
             <a:r>
@@ -3419,6 +3479,12 @@
           </a:p>
           <a:p>
             <a:pPr marL="342900" indent="-342900">
+              <a:spcBef>
+                <a:spcPts val="600"/>
+              </a:spcBef>
+              <a:spcAft>
+                <a:spcPts val="600"/>
+              </a:spcAft>
               <a:buFont typeface="Arial" panose="020B0604020202020204" pitchFamily="34" charset="0"/>
               <a:buChar char="•"/>
             </a:pPr>
@@ -3429,6 +3495,12 @@
           </a:p>
           <a:p>
             <a:pPr marL="342900" indent="-342900">
+              <a:spcBef>
+                <a:spcPts val="600"/>
+              </a:spcBef>
+              <a:spcAft>
+                <a:spcPts val="600"/>
+              </a:spcAft>
               <a:buFont typeface="Arial" panose="020B0604020202020204" pitchFamily="34" charset="0"/>
               <a:buChar char="•"/>
             </a:pPr>
@@ -3942,8 +4014,8 @@
         </p:nvSpPr>
         <p:spPr>
           <a:xfrm>
-            <a:off x="315536" y="31020703"/>
-            <a:ext cx="9940851" cy="1877437"/>
+            <a:off x="183016" y="31261750"/>
+            <a:ext cx="11190214" cy="1554272"/>
           </a:xfrm>
           <a:prstGeom prst="rect">
             <a:avLst/>
@@ -3956,42 +4028,99 @@
           </a:bodyPr>
           <a:lstStyle/>
           <a:p>
-            <a:r>
-              <a:rPr lang="en-US" altLang="zh-CN" sz="1800" dirty="0"/>
+            <a:pPr>
+              <a:spcBef>
+                <a:spcPts val="600"/>
+              </a:spcBef>
+            </a:pPr>
+            <a:r>
+              <a:rPr lang="en-US" altLang="zh-CN" sz="1800" i="1" dirty="0">
+                <a:solidFill>
+                  <a:schemeClr val="bg1">
+                    <a:lumMod val="50000"/>
+                  </a:schemeClr>
+                </a:solidFill>
+              </a:rPr>
               <a:t>References:  </a:t>
             </a:r>
           </a:p>
           <a:p>
-            <a:endParaRPr lang="en-US" altLang="zh-CN" sz="1800" dirty="0"/>
+            <a:pPr>
+              <a:spcBef>
+                <a:spcPts val="600"/>
+              </a:spcBef>
+            </a:pPr>
+            <a:r>
+              <a:rPr lang="en-US" altLang="zh-CN" sz="1600" i="1" dirty="0" err="1">
+                <a:solidFill>
+                  <a:schemeClr val="bg1">
+                    <a:lumMod val="50000"/>
+                  </a:schemeClr>
+                </a:solidFill>
+              </a:rPr>
+              <a:t>Vinho</a:t>
+            </a:r>
+            <a:r>
+              <a:rPr lang="en-US" altLang="zh-CN" sz="1600" i="1" dirty="0">
+                <a:solidFill>
+                  <a:schemeClr val="bg1">
+                    <a:lumMod val="50000"/>
+                  </a:schemeClr>
+                </a:solidFill>
+              </a:rPr>
+              <a:t> Verde. (2018, September 20). Retrieved from https://en.wikipedia.org/wiki/Vinho_Verde</a:t>
+            </a:r>
+            <a:endParaRPr lang="en-US" altLang="zh-CN" sz="1800" i="1" dirty="0">
+              <a:solidFill>
+                <a:schemeClr val="bg1">
+                  <a:lumMod val="50000"/>
+                </a:schemeClr>
+              </a:solidFill>
+            </a:endParaRPr>
           </a:p>
           <a:p>
-            <a:r>
-              <a:rPr lang="en-US" altLang="zh-CN" sz="1600" dirty="0" err="1"/>
-              <a:t>Vinho</a:t>
-            </a:r>
-            <a:r>
-              <a:rPr lang="en-US" altLang="zh-CN" sz="1600" dirty="0"/>
-              <a:t> Verde. (2018, September 20). Retrieved from https://en.wikipedia.org/wiki/Vinho_Verde</a:t>
+            <a:pPr>
+              <a:spcBef>
+                <a:spcPts val="600"/>
+              </a:spcBef>
+            </a:pPr>
+            <a:r>
+              <a:rPr lang="en-US" altLang="zh-CN" sz="1600" i="1" dirty="0">
+                <a:solidFill>
+                  <a:schemeClr val="bg1">
+                    <a:lumMod val="50000"/>
+                  </a:schemeClr>
+                </a:solidFill>
+              </a:rPr>
+              <a:t>Cortez, P., </a:t>
+            </a:r>
+            <a:r>
+              <a:rPr lang="en-US" altLang="zh-CN" sz="1600" i="1" dirty="0" err="1">
+                <a:solidFill>
+                  <a:schemeClr val="bg1">
+                    <a:lumMod val="50000"/>
+                  </a:schemeClr>
+                </a:solidFill>
+              </a:rPr>
+              <a:t>Cerdeira</a:t>
+            </a:r>
+            <a:r>
+              <a:rPr lang="en-US" altLang="zh-CN" sz="1600" i="1" dirty="0">
+                <a:solidFill>
+                  <a:schemeClr val="bg1">
+                    <a:lumMod val="50000"/>
+                  </a:schemeClr>
+                </a:solidFill>
+              </a:rPr>
+              <a:t>, A., Almeida, F., Matos, T., &amp; Reis, J. (2009). Modeling wine preferences by data mining from physicochemical properties. Decision Support Systems,47(4), 547-553. doi:10.1016/j.dss.2009.05.016</a:t>
             </a:r>
           </a:p>
           <a:p>
-            <a:endParaRPr lang="en-US" altLang="zh-CN" sz="1800" dirty="0"/>
-          </a:p>
-          <a:p>
-            <a:r>
-              <a:rPr lang="en-US" altLang="zh-CN" sz="1600" dirty="0"/>
-              <a:t>Cortez, P., </a:t>
-            </a:r>
-            <a:r>
-              <a:rPr lang="en-US" altLang="zh-CN" sz="1600" dirty="0" err="1"/>
-              <a:t>Cerdeira</a:t>
-            </a:r>
-            <a:r>
-              <a:rPr lang="en-US" altLang="zh-CN" sz="1600" dirty="0"/>
-              <a:t>, A., Almeida, F., Matos, T., &amp; Reis, J. (2009). Modeling wine preferences by data mining from physicochemical properties. Decision Support Systems,47(4), 547-553. doi:10.1016/j.dss.2009.05.016</a:t>
-            </a:r>
-          </a:p>
-          <a:p>
+            <a:pPr>
+              <a:spcBef>
+                <a:spcPts val="600"/>
+              </a:spcBef>
+            </a:pPr>
             <a:endParaRPr lang="zh-CN" altLang="en-US" dirty="0"/>
           </a:p>
         </p:txBody>
@@ -4286,8 +4415,8 @@
           </p:nvSpPr>
           <p:spPr>
             <a:xfrm>
-              <a:off x="17413540" y="3630894"/>
-              <a:ext cx="8944606" cy="1205072"/>
+              <a:off x="16834222" y="3630894"/>
+              <a:ext cx="10103242" cy="1205072"/>
             </a:xfrm>
             <a:prstGeom prst="rect">
               <a:avLst/>
@@ -4302,34 +4431,43 @@
             <a:p>
               <a:pPr algn="ctr"/>
               <a:r>
-                <a:rPr lang="en-US" sz="6600" b="1" dirty="0">
+                <a:rPr lang="en-US" sz="6600" b="1" u="sng" dirty="0">
                   <a:solidFill>
                     <a:schemeClr val="tx1">
                       <a:lumMod val="65000"/>
                       <a:lumOff val="35000"/>
                     </a:schemeClr>
                   </a:solidFill>
+                  <a:highlight>
+                    <a:srgbClr val="EAEAEA"/>
+                  </a:highlight>
                 </a:rPr>
                 <a:t>W</a:t>
               </a:r>
               <a:r>
-                <a:rPr lang="en-US" sz="4000" b="1" dirty="0">
+                <a:rPr lang="en-US" sz="4400" b="1" u="sng" dirty="0">
                   <a:solidFill>
                     <a:schemeClr val="tx1">
                       <a:lumMod val="65000"/>
                       <a:lumOff val="35000"/>
                     </a:schemeClr>
                   </a:solidFill>
+                  <a:highlight>
+                    <a:srgbClr val="EAEAEA"/>
+                  </a:highlight>
                 </a:rPr>
                 <a:t>hat Makes a Good Glass of Wine</a:t>
               </a:r>
-              <a:endParaRPr lang="en-US" b="1" dirty="0">
+              <a:endParaRPr lang="en-US" sz="1600" b="1" u="sng" dirty="0">
                 <a:solidFill>
                   <a:schemeClr val="tx1">
                     <a:lumMod val="65000"/>
                     <a:lumOff val="35000"/>
                   </a:schemeClr>
                 </a:solidFill>
+                <a:highlight>
+                  <a:srgbClr val="EAEAEA"/>
+                </a:highlight>
               </a:endParaRPr>
             </a:p>
           </p:txBody>
@@ -4458,10 +4596,10 @@
         </p:nvGrpSpPr>
         <p:grpSpPr>
           <a:xfrm>
-            <a:off x="13023847" y="8598409"/>
-            <a:ext cx="17843506" cy="4156274"/>
-            <a:chOff x="13023847" y="9247945"/>
-            <a:chExt cx="17843506" cy="4156274"/>
+            <a:off x="13023847" y="8478109"/>
+            <a:ext cx="17843506" cy="4276574"/>
+            <a:chOff x="13023847" y="9127645"/>
+            <a:chExt cx="17843506" cy="4276574"/>
           </a:xfrm>
         </p:grpSpPr>
         <p:grpSp>
@@ -4478,10 +4616,10 @@
           </p:nvGrpSpPr>
           <p:grpSpPr>
             <a:xfrm>
-              <a:off x="14798343" y="9247945"/>
-              <a:ext cx="14294514" cy="4156274"/>
-              <a:chOff x="15822725" y="8758263"/>
-              <a:chExt cx="12126238" cy="4156274"/>
+              <a:off x="14798343" y="9127645"/>
+              <a:ext cx="14294514" cy="4276574"/>
+              <a:chOff x="15822725" y="8637963"/>
+              <a:chExt cx="12126238" cy="4276574"/>
             </a:xfrm>
           </p:grpSpPr>
           <p:sp>
@@ -4498,7 +4636,7 @@
             </p:nvSpPr>
             <p:spPr>
               <a:xfrm>
-                <a:off x="15822725" y="8758263"/>
+                <a:off x="15822725" y="8637963"/>
                 <a:ext cx="12126238" cy="1107996"/>
               </a:xfrm>
               <a:prstGeom prst="rect">
@@ -4514,34 +4652,43 @@
               <a:p>
                 <a:pPr algn="ctr"/>
                 <a:r>
-                  <a:rPr lang="en-US" sz="6600" b="1" dirty="0">
+                  <a:rPr lang="en-US" sz="6600" b="1" u="sng" dirty="0">
                     <a:solidFill>
                       <a:schemeClr val="tx1">
                         <a:lumMod val="65000"/>
                         <a:lumOff val="35000"/>
                       </a:schemeClr>
                     </a:solidFill>
+                    <a:highlight>
+                      <a:srgbClr val="EAEAEA"/>
+                    </a:highlight>
                   </a:rPr>
                   <a:t>W</a:t>
                 </a:r>
                 <a:r>
-                  <a:rPr lang="en-US" sz="4000" b="1" dirty="0">
+                  <a:rPr lang="en-US" sz="4400" b="1" u="sng" dirty="0">
                     <a:solidFill>
                       <a:schemeClr val="tx1">
                         <a:lumMod val="65000"/>
                         <a:lumOff val="35000"/>
                       </a:schemeClr>
                     </a:solidFill>
+                    <a:highlight>
+                      <a:srgbClr val="EAEAEA"/>
+                    </a:highlight>
                   </a:rPr>
                   <a:t>hy Proportional Odds &amp; Logistic Model</a:t>
                 </a:r>
-                <a:endParaRPr lang="en-US" sz="1800" b="1" dirty="0">
+                <a:endParaRPr lang="en-US" sz="2000" b="1" u="sng" dirty="0">
                   <a:solidFill>
                     <a:schemeClr val="tx1">
                       <a:lumMod val="65000"/>
                       <a:lumOff val="35000"/>
                     </a:schemeClr>
                   </a:solidFill>
+                  <a:highlight>
+                    <a:srgbClr val="EAEAEA"/>
+                  </a:highlight>
                 </a:endParaRPr>
               </a:p>
             </p:txBody>
@@ -4794,1331 +4941,6 @@
           </p:grpSp>
         </p:grpSp>
       </p:grpSp>
-      <p:grpSp>
-        <p:nvGrpSpPr>
-          <p:cNvPr id="107" name="Group 106">
-            <a:extLst>
-              <a:ext uri="{FF2B5EF4-FFF2-40B4-BE49-F238E27FC236}">
-                <a16:creationId xmlns:a16="http://schemas.microsoft.com/office/drawing/2014/main" id="{36264682-3649-44C0-A5F7-2E591717C091}"/>
-              </a:ext>
-            </a:extLst>
-          </p:cNvPr>
-          <p:cNvGrpSpPr/>
-          <p:nvPr/>
-        </p:nvGrpSpPr>
-        <p:grpSpPr>
-          <a:xfrm>
-            <a:off x="11978671" y="13133403"/>
-            <a:ext cx="19857689" cy="12459249"/>
-            <a:chOff x="11978671" y="14323294"/>
-            <a:chExt cx="19857689" cy="12459249"/>
-          </a:xfrm>
-        </p:grpSpPr>
-        <p:grpSp>
-          <p:nvGrpSpPr>
-            <p:cNvPr id="108" name="Group 107">
-              <a:extLst>
-                <a:ext uri="{FF2B5EF4-FFF2-40B4-BE49-F238E27FC236}">
-                  <a16:creationId xmlns:a16="http://schemas.microsoft.com/office/drawing/2014/main" id="{EC0EA2D6-0DFF-4096-825C-4E60ABC56599}"/>
-                </a:ext>
-              </a:extLst>
-            </p:cNvPr>
-            <p:cNvGrpSpPr/>
-            <p:nvPr/>
-          </p:nvGrpSpPr>
-          <p:grpSpPr>
-            <a:xfrm>
-              <a:off x="11978671" y="15625643"/>
-              <a:ext cx="19857689" cy="11156900"/>
-              <a:chOff x="11876209" y="15518963"/>
-              <a:chExt cx="19857689" cy="11156900"/>
-            </a:xfrm>
-          </p:grpSpPr>
-          <p:grpSp>
-            <p:nvGrpSpPr>
-              <p:cNvPr id="116" name="Group 115">
-                <a:extLst>
-                  <a:ext uri="{FF2B5EF4-FFF2-40B4-BE49-F238E27FC236}">
-                    <a16:creationId xmlns:a16="http://schemas.microsoft.com/office/drawing/2014/main" id="{6439B9B9-CE8D-46F5-913A-2915AA0E213B}"/>
-                  </a:ext>
-                </a:extLst>
-              </p:cNvPr>
-              <p:cNvGrpSpPr/>
-              <p:nvPr/>
-            </p:nvGrpSpPr>
-            <p:grpSpPr>
-              <a:xfrm>
-                <a:off x="21091497" y="15527152"/>
-                <a:ext cx="9710367" cy="5907208"/>
-                <a:chOff x="824673" y="1587331"/>
-                <a:chExt cx="9233592" cy="6553488"/>
-              </a:xfrm>
-            </p:grpSpPr>
-            <p:grpSp>
-              <p:nvGrpSpPr>
-                <p:cNvPr id="126" name="Group 125">
-                  <a:extLst>
-                    <a:ext uri="{FF2B5EF4-FFF2-40B4-BE49-F238E27FC236}">
-                      <a16:creationId xmlns:a16="http://schemas.microsoft.com/office/drawing/2014/main" id="{25D468D3-AAAF-4D9E-A885-FC037F7318CC}"/>
-                    </a:ext>
-                  </a:extLst>
-                </p:cNvPr>
-                <p:cNvGrpSpPr/>
-                <p:nvPr/>
-              </p:nvGrpSpPr>
-              <p:grpSpPr>
-                <a:xfrm>
-                  <a:off x="824673" y="1587331"/>
-                  <a:ext cx="9233592" cy="6553488"/>
-                  <a:chOff x="824673" y="1587331"/>
-                  <a:chExt cx="9233592" cy="6553488"/>
-                </a:xfrm>
-              </p:grpSpPr>
-              <p:grpSp>
-                <p:nvGrpSpPr>
-                  <p:cNvPr id="128" name="Group 127">
-                    <a:extLst>
-                      <a:ext uri="{FF2B5EF4-FFF2-40B4-BE49-F238E27FC236}">
-                        <a16:creationId xmlns:a16="http://schemas.microsoft.com/office/drawing/2014/main" id="{80FE4D1E-1035-4520-B36C-2C6E29DA20B2}"/>
-                      </a:ext>
-                    </a:extLst>
-                  </p:cNvPr>
-                  <p:cNvGrpSpPr/>
-                  <p:nvPr/>
-                </p:nvGrpSpPr>
-                <p:grpSpPr>
-                  <a:xfrm>
-                    <a:off x="824673" y="1587331"/>
-                    <a:ext cx="9233592" cy="6485860"/>
-                    <a:chOff x="824673" y="1587331"/>
-                    <a:chExt cx="9233592" cy="6485860"/>
-                  </a:xfrm>
-                </p:grpSpPr>
-                <p:pic>
-                  <p:nvPicPr>
-                    <p:cNvPr id="132" name="Picture 2">
-                      <a:extLst>
-                        <a:ext uri="{FF2B5EF4-FFF2-40B4-BE49-F238E27FC236}">
-                          <a16:creationId xmlns:a16="http://schemas.microsoft.com/office/drawing/2014/main" id="{7A472BE1-6AAC-482E-88BA-BFA4C41531BD}"/>
-                        </a:ext>
-                      </a:extLst>
-                    </p:cNvPr>
-                    <p:cNvPicPr>
-                      <a:picLocks noChangeAspect="1" noChangeArrowheads="1"/>
-                    </p:cNvPicPr>
-                    <p:nvPr/>
-                  </p:nvPicPr>
-                  <p:blipFill>
-                    <a:blip r:embed="rId7">
-                      <a:extLst>
-                        <a:ext uri="{28A0092B-C50C-407E-A947-70E740481C1C}">
-                          <a14:useLocalDpi xmlns:a14="http://schemas.microsoft.com/office/drawing/2010/main" val="0"/>
-                        </a:ext>
-                      </a:extLst>
-                    </a:blip>
-                    <a:srcRect/>
-                    <a:stretch>
-                      <a:fillRect/>
-                    </a:stretch>
-                  </p:blipFill>
-                  <p:spPr bwMode="auto">
-                    <a:xfrm>
-                      <a:off x="824673" y="1587331"/>
-                      <a:ext cx="9080204" cy="6485860"/>
-                    </a:xfrm>
-                    <a:prstGeom prst="rect">
-                      <a:avLst/>
-                    </a:prstGeom>
-                    <a:noFill/>
-                    <a:extLst>
-                      <a:ext uri="{909E8E84-426E-40DD-AFC4-6F175D3DCCD1}">
-                        <a14:hiddenFill xmlns:a14="http://schemas.microsoft.com/office/drawing/2010/main">
-                          <a:solidFill>
-                            <a:srgbClr val="FFFFFF"/>
-                          </a:solidFill>
-                        </a14:hiddenFill>
-                      </a:ext>
-                    </a:extLst>
-                  </p:spPr>
-                </p:pic>
-                <p:grpSp>
-                  <p:nvGrpSpPr>
-                    <p:cNvPr id="133" name="Group 132">
-                      <a:extLst>
-                        <a:ext uri="{FF2B5EF4-FFF2-40B4-BE49-F238E27FC236}">
-                          <a16:creationId xmlns:a16="http://schemas.microsoft.com/office/drawing/2014/main" id="{212C07CA-D990-4E07-A474-E3A630857EB3}"/>
-                        </a:ext>
-                      </a:extLst>
-                    </p:cNvPr>
-                    <p:cNvGrpSpPr/>
-                    <p:nvPr/>
-                  </p:nvGrpSpPr>
-                  <p:grpSpPr>
-                    <a:xfrm>
-                      <a:off x="5493885" y="5978322"/>
-                      <a:ext cx="4564380" cy="2084070"/>
-                      <a:chOff x="6179964" y="6056749"/>
-                      <a:chExt cx="4564380" cy="2084070"/>
-                    </a:xfrm>
-                  </p:grpSpPr>
-                  <p:pic>
-                    <p:nvPicPr>
-                      <p:cNvPr id="134" name="Picture 4">
-                        <a:extLst>
-                          <a:ext uri="{FF2B5EF4-FFF2-40B4-BE49-F238E27FC236}">
-                            <a16:creationId xmlns:a16="http://schemas.microsoft.com/office/drawing/2014/main" id="{740626E7-1094-4BDC-B8C9-71241F92BA4E}"/>
-                          </a:ext>
-                        </a:extLst>
-                      </p:cNvPr>
-                      <p:cNvPicPr>
-                        <a:picLocks noChangeAspect="1" noChangeArrowheads="1"/>
-                      </p:cNvPicPr>
-                      <p:nvPr/>
-                    </p:nvPicPr>
-                    <p:blipFill rotWithShape="1">
-                      <a:blip r:embed="rId8">
-                        <a:duotone>
-                          <a:schemeClr val="accent4">
-                            <a:shade val="45000"/>
-                            <a:satMod val="135000"/>
-                          </a:schemeClr>
-                          <a:prstClr val="white"/>
-                        </a:duotone>
-                        <a:extLst>
-                          <a:ext uri="{28A0092B-C50C-407E-A947-70E740481C1C}">
-                            <a14:useLocalDpi xmlns:a14="http://schemas.microsoft.com/office/drawing/2010/main" val="0"/>
-                          </a:ext>
-                        </a:extLst>
-                      </a:blip>
-                      <a:srcRect l="27212" t="33462" r="47653" b="34405"/>
-                      <a:stretch/>
-                    </p:blipFill>
-                    <p:spPr bwMode="auto">
-                      <a:xfrm>
-                        <a:off x="6179964" y="6056749"/>
-                        <a:ext cx="2282190" cy="2084070"/>
-                      </a:xfrm>
-                      <a:prstGeom prst="rect">
-                        <a:avLst/>
-                      </a:prstGeom>
-                      <a:noFill/>
-                      <a:extLst>
-                        <a:ext uri="{909E8E84-426E-40DD-AFC4-6F175D3DCCD1}">
-                          <a14:hiddenFill xmlns:a14="http://schemas.microsoft.com/office/drawing/2010/main">
-                            <a:solidFill>
-                              <a:srgbClr val="FFFFFF"/>
-                            </a:solidFill>
-                          </a14:hiddenFill>
-                        </a:ext>
-                      </a:extLst>
-                    </p:spPr>
-                  </p:pic>
-                  <p:pic>
-                    <p:nvPicPr>
-                      <p:cNvPr id="135" name="Picture 4">
-                        <a:extLst>
-                          <a:ext uri="{FF2B5EF4-FFF2-40B4-BE49-F238E27FC236}">
-                            <a16:creationId xmlns:a16="http://schemas.microsoft.com/office/drawing/2014/main" id="{655BBDF4-F3C6-416A-8689-138D5EAFE87C}"/>
-                          </a:ext>
-                        </a:extLst>
-                      </p:cNvPr>
-                      <p:cNvPicPr>
-                        <a:picLocks noChangeAspect="1" noChangeArrowheads="1"/>
-                      </p:cNvPicPr>
-                      <p:nvPr/>
-                    </p:nvPicPr>
-                    <p:blipFill rotWithShape="1">
-                      <a:blip r:embed="rId8">
-                        <a:duotone>
-                          <a:schemeClr val="accent4">
-                            <a:shade val="45000"/>
-                            <a:satMod val="135000"/>
-                          </a:schemeClr>
-                          <a:prstClr val="white"/>
-                        </a:duotone>
-                        <a:extLst>
-                          <a:ext uri="{28A0092B-C50C-407E-A947-70E740481C1C}">
-                            <a14:useLocalDpi xmlns:a14="http://schemas.microsoft.com/office/drawing/2010/main" val="0"/>
-                          </a:ext>
-                        </a:extLst>
-                      </a:blip>
-                      <a:srcRect l="26667" t="66519" r="48198" b="1348"/>
-                      <a:stretch/>
-                    </p:blipFill>
-                    <p:spPr bwMode="auto">
-                      <a:xfrm>
-                        <a:off x="8462154" y="6056749"/>
-                        <a:ext cx="2282190" cy="2084070"/>
-                      </a:xfrm>
-                      <a:prstGeom prst="rect">
-                        <a:avLst/>
-                      </a:prstGeom>
-                      <a:noFill/>
-                      <a:extLst>
-                        <a:ext uri="{909E8E84-426E-40DD-AFC4-6F175D3DCCD1}">
-                          <a14:hiddenFill xmlns:a14="http://schemas.microsoft.com/office/drawing/2010/main">
-                            <a:solidFill>
-                              <a:srgbClr val="FFFFFF"/>
-                            </a:solidFill>
-                          </a14:hiddenFill>
-                        </a:ext>
-                      </a:extLst>
-                    </p:spPr>
-                  </p:pic>
-                </p:grpSp>
-              </p:grpSp>
-              <p:pic>
-                <p:nvPicPr>
-                  <p:cNvPr id="130" name="Picture 2">
-                    <a:extLst>
-                      <a:ext uri="{FF2B5EF4-FFF2-40B4-BE49-F238E27FC236}">
-                        <a16:creationId xmlns:a16="http://schemas.microsoft.com/office/drawing/2014/main" id="{A924C346-7AD1-4AB3-A5DC-5BB0CE082775}"/>
-                      </a:ext>
-                    </a:extLst>
-                  </p:cNvPr>
-                  <p:cNvPicPr>
-                    <a:picLocks noChangeAspect="1" noChangeArrowheads="1"/>
-                  </p:cNvPicPr>
-                  <p:nvPr/>
-                </p:nvPicPr>
-                <p:blipFill rotWithShape="1">
-                  <a:blip r:embed="rId7">
-                    <a:extLst>
-                      <a:ext uri="{28A0092B-C50C-407E-A947-70E740481C1C}">
-                        <a14:useLocalDpi xmlns:a14="http://schemas.microsoft.com/office/drawing/2010/main" val="0"/>
-                      </a:ext>
-                    </a:extLst>
-                  </a:blip>
-                  <a:srcRect l="27417" t="65944" r="50403"/>
-                  <a:stretch/>
-                </p:blipFill>
-                <p:spPr bwMode="auto">
-                  <a:xfrm>
-                    <a:off x="3350780" y="5932025"/>
-                    <a:ext cx="2013995" cy="2208794"/>
-                  </a:xfrm>
-                  <a:prstGeom prst="rect">
-                    <a:avLst/>
-                  </a:prstGeom>
-                  <a:noFill/>
-                  <a:extLst>
-                    <a:ext uri="{909E8E84-426E-40DD-AFC4-6F175D3DCCD1}">
-                      <a14:hiddenFill xmlns:a14="http://schemas.microsoft.com/office/drawing/2010/main">
-                        <a:solidFill>
-                          <a:srgbClr val="FFFFFF"/>
-                        </a:solidFill>
-                      </a14:hiddenFill>
-                    </a:ext>
-                  </a:extLst>
-                </p:spPr>
-              </p:pic>
-              <p:pic>
-                <p:nvPicPr>
-                  <p:cNvPr id="131" name="Picture 2">
-                    <a:extLst>
-                      <a:ext uri="{FF2B5EF4-FFF2-40B4-BE49-F238E27FC236}">
-                        <a16:creationId xmlns:a16="http://schemas.microsoft.com/office/drawing/2014/main" id="{75190790-83E5-4CEE-9309-5F42AEA41420}"/>
-                      </a:ext>
-                    </a:extLst>
-                  </p:cNvPr>
-                  <p:cNvPicPr>
-                    <a:picLocks noChangeAspect="1" noChangeArrowheads="1"/>
-                  </p:cNvPicPr>
-                  <p:nvPr/>
-                </p:nvPicPr>
-                <p:blipFill rotWithShape="1">
-                  <a:blip r:embed="rId7">
-                    <a:extLst>
-                      <a:ext uri="{28A0092B-C50C-407E-A947-70E740481C1C}">
-                        <a14:useLocalDpi xmlns:a14="http://schemas.microsoft.com/office/drawing/2010/main" val="0"/>
-                      </a:ext>
-                    </a:extLst>
-                  </a:blip>
-                  <a:srcRect l="26859" t="32393" r="47471" b="33551"/>
-                  <a:stretch/>
-                </p:blipFill>
-                <p:spPr bwMode="auto">
-                  <a:xfrm>
-                    <a:off x="978061" y="5932025"/>
-                    <a:ext cx="2330887" cy="2208794"/>
-                  </a:xfrm>
-                  <a:prstGeom prst="rect">
-                    <a:avLst/>
-                  </a:prstGeom>
-                  <a:noFill/>
-                  <a:extLst>
-                    <a:ext uri="{909E8E84-426E-40DD-AFC4-6F175D3DCCD1}">
-                      <a14:hiddenFill xmlns:a14="http://schemas.microsoft.com/office/drawing/2010/main">
-                        <a:solidFill>
-                          <a:srgbClr val="FFFFFF"/>
-                        </a:solidFill>
-                      </a14:hiddenFill>
-                    </a:ext>
-                  </a:extLst>
-                </p:spPr>
-              </p:pic>
-            </p:grpSp>
-            <p:pic>
-              <p:nvPicPr>
-                <p:cNvPr id="127" name="Picture 2">
-                  <a:extLst>
-                    <a:ext uri="{FF2B5EF4-FFF2-40B4-BE49-F238E27FC236}">
-                      <a16:creationId xmlns:a16="http://schemas.microsoft.com/office/drawing/2014/main" id="{1597CC52-29D9-463B-BFD2-1FE33F7388C4}"/>
-                    </a:ext>
-                  </a:extLst>
-                </p:cNvPr>
-                <p:cNvPicPr>
-                  <a:picLocks noChangeAspect="1" noChangeArrowheads="1"/>
-                </p:cNvPicPr>
-                <p:nvPr/>
-              </p:nvPicPr>
-              <p:blipFill rotWithShape="1">
-                <a:blip r:embed="rId7">
-                  <a:extLst>
-                    <a:ext uri="{28A0092B-C50C-407E-A947-70E740481C1C}">
-                      <a14:useLocalDpi xmlns:a14="http://schemas.microsoft.com/office/drawing/2010/main" val="0"/>
-                    </a:ext>
-                  </a:extLst>
-                </a:blip>
-                <a:srcRect l="2186" t="66351" r="72942" b="803"/>
-                <a:stretch/>
-              </p:blipFill>
-              <p:spPr bwMode="auto">
-                <a:xfrm>
-                  <a:off x="3308948" y="3801695"/>
-                  <a:ext cx="2258475" cy="2130330"/>
-                </a:xfrm>
-                <a:prstGeom prst="rect">
-                  <a:avLst/>
-                </a:prstGeom>
-                <a:noFill/>
-                <a:extLst>
-                  <a:ext uri="{909E8E84-426E-40DD-AFC4-6F175D3DCCD1}">
-                    <a14:hiddenFill xmlns:a14="http://schemas.microsoft.com/office/drawing/2010/main">
-                      <a:solidFill>
-                        <a:srgbClr val="FFFFFF"/>
-                      </a:solidFill>
-                    </a14:hiddenFill>
-                  </a:ext>
-                </a:extLst>
-              </p:spPr>
-            </p:pic>
-          </p:grpSp>
-          <p:sp>
-            <p:nvSpPr>
-              <p:cNvPr id="122" name="Rectangle 121">
-                <a:extLst>
-                  <a:ext uri="{FF2B5EF4-FFF2-40B4-BE49-F238E27FC236}">
-                    <a16:creationId xmlns:a16="http://schemas.microsoft.com/office/drawing/2014/main" id="{00DF613A-3894-490F-BDFA-74CD42F725FB}"/>
-                  </a:ext>
-                </a:extLst>
-              </p:cNvPr>
-              <p:cNvSpPr/>
-              <p:nvPr/>
-            </p:nvSpPr>
-            <p:spPr>
-              <a:xfrm>
-                <a:off x="21184175" y="21514417"/>
-                <a:ext cx="10549723" cy="4031873"/>
-              </a:xfrm>
-              <a:prstGeom prst="rect">
-                <a:avLst/>
-              </a:prstGeom>
-            </p:spPr>
-            <p:txBody>
-              <a:bodyPr wrap="square">
-                <a:spAutoFit/>
-              </a:bodyPr>
-              <a:lstStyle/>
-              <a:p>
-                <a:pPr marL="342900" indent="-342900" algn="just">
-                  <a:spcBef>
-                    <a:spcPts val="600"/>
-                  </a:spcBef>
-                  <a:spcAft>
-                    <a:spcPts val="600"/>
-                  </a:spcAft>
-                  <a:buFont typeface="Arial" panose="020B0604020202020204" pitchFamily="34" charset="0"/>
-                  <a:buChar char="•"/>
-                </a:pPr>
-                <a:r>
-                  <a:rPr lang="en-US" sz="2400" dirty="0"/>
-                  <a:t>Many variables are normally distributed, which might be dominating for future logistic analysis</a:t>
-                </a:r>
-              </a:p>
-              <a:p>
-                <a:pPr marL="342900" indent="-342900">
-                  <a:spcBef>
-                    <a:spcPts val="600"/>
-                  </a:spcBef>
-                  <a:spcAft>
-                    <a:spcPts val="600"/>
-                  </a:spcAft>
-                  <a:buFont typeface="Arial" panose="020B0604020202020204" pitchFamily="34" charset="0"/>
-                  <a:buChar char="•"/>
-                </a:pPr>
-                <a:r>
-                  <a:rPr lang="en-US" sz="2400" dirty="0" err="1"/>
-                  <a:t>residual.sugar</a:t>
-                </a:r>
-                <a:r>
-                  <a:rPr lang="en-US" sz="2400" dirty="0"/>
-                  <a:t>, </a:t>
-                </a:r>
-                <a:r>
-                  <a:rPr lang="en-US" sz="2400" dirty="0" err="1"/>
-                  <a:t>cholorides</a:t>
-                </a:r>
-                <a:r>
-                  <a:rPr lang="en-US" sz="2400" dirty="0"/>
-                  <a:t>, and sulphates are slightly skewed to the right</a:t>
-                </a:r>
-              </a:p>
-              <a:p>
-                <a:pPr marL="342900" indent="-342900">
-                  <a:spcBef>
-                    <a:spcPts val="600"/>
-                  </a:spcBef>
-                  <a:spcAft>
-                    <a:spcPts val="600"/>
-                  </a:spcAft>
-                  <a:buFont typeface="Arial" panose="020B0604020202020204" pitchFamily="34" charset="0"/>
-                  <a:buChar char="•"/>
-                </a:pPr>
-                <a:r>
-                  <a:rPr lang="en-US" sz="2400" dirty="0" err="1"/>
-                  <a:t>free.sulfur.dioxide</a:t>
-                </a:r>
-                <a:r>
-                  <a:rPr lang="en-US" sz="2400" dirty="0"/>
-                  <a:t> and alcohol have an obvious rightly skewed distribution. </a:t>
-                </a:r>
-              </a:p>
-              <a:p>
-                <a:pPr marL="342900" indent="-342900">
-                  <a:spcBef>
-                    <a:spcPts val="600"/>
-                  </a:spcBef>
-                  <a:spcAft>
-                    <a:spcPts val="600"/>
-                  </a:spcAft>
-                  <a:buFont typeface="Arial" panose="020B0604020202020204" pitchFamily="34" charset="0"/>
-                  <a:buChar char="•"/>
-                </a:pPr>
-                <a:r>
-                  <a:rPr lang="en-US" sz="2400" dirty="0" err="1"/>
-                  <a:t>citric.acid</a:t>
-                </a:r>
-                <a:r>
-                  <a:rPr lang="en-US" sz="2400" dirty="0"/>
-                  <a:t> at first appears to have a bimodal distribution, because there are some wines with zero citric acid, Based on data definition, we know it is possible for wines to have citric acid of 0.</a:t>
-                </a:r>
-              </a:p>
-              <a:p>
-                <a:pPr marL="342900" indent="-342900">
-                  <a:spcBef>
-                    <a:spcPts val="600"/>
-                  </a:spcBef>
-                  <a:spcAft>
-                    <a:spcPts val="600"/>
-                  </a:spcAft>
-                  <a:buFont typeface="Arial" panose="020B0604020202020204" pitchFamily="34" charset="0"/>
-                  <a:buChar char="•"/>
-                </a:pPr>
-                <a:r>
-                  <a:rPr lang="en-US" sz="2400" dirty="0"/>
-                  <a:t>The variables in yellow plots are logged </a:t>
-                </a:r>
-                <a:r>
-                  <a:rPr lang="en-US" sz="2400" dirty="0" err="1"/>
-                  <a:t>free.sulfur.dioxide</a:t>
-                </a:r>
-                <a:r>
-                  <a:rPr lang="en-US" sz="2400" dirty="0"/>
-                  <a:t>, and alcohol; log transformation is used to improve model fit</a:t>
-                </a:r>
-              </a:p>
-            </p:txBody>
-          </p:sp>
-          <p:sp>
-            <p:nvSpPr>
-              <p:cNvPr id="125" name="Rectangle 124">
-                <a:extLst>
-                  <a:ext uri="{FF2B5EF4-FFF2-40B4-BE49-F238E27FC236}">
-                    <a16:creationId xmlns:a16="http://schemas.microsoft.com/office/drawing/2014/main" id="{67AB1C33-5554-4E75-BDA8-C8A08165EEED}"/>
-                  </a:ext>
-                </a:extLst>
-              </p:cNvPr>
-              <p:cNvSpPr/>
-              <p:nvPr/>
-            </p:nvSpPr>
-            <p:spPr>
-              <a:xfrm>
-                <a:off x="11876209" y="15518963"/>
-                <a:ext cx="9163484" cy="11156900"/>
-              </a:xfrm>
-              <a:prstGeom prst="rect">
-                <a:avLst/>
-              </a:prstGeom>
-            </p:spPr>
-            <p:txBody>
-              <a:bodyPr wrap="square">
-                <a:spAutoFit/>
-              </a:bodyPr>
-              <a:lstStyle/>
-              <a:p>
-                <a:pPr lvl="0" eaLnBrk="0" fontAlgn="base" hangingPunct="0">
-                  <a:lnSpc>
-                    <a:spcPct val="150000"/>
-                  </a:lnSpc>
-                  <a:spcBef>
-                    <a:spcPts val="600"/>
-                  </a:spcBef>
-                  <a:spcAft>
-                    <a:spcPts val="600"/>
-                  </a:spcAft>
-                  <a:buClrTx/>
-                </a:pPr>
-                <a:r>
-                  <a:rPr lang="en-US" altLang="en-US" sz="2400" b="1" dirty="0">
-                    <a:solidFill>
-                      <a:srgbClr val="333333"/>
-                    </a:solidFill>
-                    <a:latin typeface="Arial" panose="020B0604020202020204" pitchFamily="34" charset="0"/>
-                    <a:ea typeface="inherit"/>
-                  </a:rPr>
-                  <a:t>Response Variable:</a:t>
-                </a:r>
-                <a:endParaRPr lang="en-US" altLang="en-US" sz="2400" dirty="0">
-                  <a:solidFill>
-                    <a:srgbClr val="333333"/>
-                  </a:solidFill>
-                  <a:latin typeface="Arial" panose="020B0604020202020204" pitchFamily="34" charset="0"/>
-                  <a:ea typeface="inherit"/>
-                </a:endParaRPr>
-              </a:p>
-              <a:p>
-                <a:pPr marL="285750" lvl="0" indent="-285750" eaLnBrk="0" fontAlgn="base" hangingPunct="0">
-                  <a:spcBef>
-                    <a:spcPts val="600"/>
-                  </a:spcBef>
-                  <a:spcAft>
-                    <a:spcPts val="600"/>
-                  </a:spcAft>
-                  <a:buClrTx/>
-                  <a:buFont typeface="Arial" panose="020B0604020202020204" pitchFamily="34" charset="0"/>
-                  <a:buChar char="•"/>
-                </a:pPr>
-                <a:r>
-                  <a:rPr lang="en-US" altLang="en-US" sz="2400" b="1" dirty="0">
-                    <a:solidFill>
-                      <a:srgbClr val="333333"/>
-                    </a:solidFill>
-                    <a:latin typeface="Arial" panose="020B0604020202020204" pitchFamily="34" charset="0"/>
-                    <a:ea typeface="Helvetica Neue"/>
-                  </a:rPr>
-                  <a:t>quality:</a:t>
-                </a:r>
-                <a:r>
-                  <a:rPr lang="en-US" altLang="en-US" sz="2400" dirty="0">
-                    <a:solidFill>
-                      <a:srgbClr val="333333"/>
-                    </a:solidFill>
-                    <a:latin typeface="Arial" panose="020B0604020202020204" pitchFamily="34" charset="0"/>
-                    <a:ea typeface="Helvetica Neue"/>
-                  </a:rPr>
-                  <a:t> the quality of the wine (a score between 0 and 10)</a:t>
-                </a:r>
-              </a:p>
-              <a:p>
-                <a:pPr lvl="0" eaLnBrk="0" fontAlgn="base" hangingPunct="0">
-                  <a:lnSpc>
-                    <a:spcPct val="200000"/>
-                  </a:lnSpc>
-                  <a:spcBef>
-                    <a:spcPts val="600"/>
-                  </a:spcBef>
-                  <a:spcAft>
-                    <a:spcPts val="600"/>
-                  </a:spcAft>
-                  <a:buClrTx/>
-                </a:pPr>
-                <a:r>
-                  <a:rPr lang="en-US" altLang="en-US" sz="2400" b="1" dirty="0">
-                    <a:solidFill>
-                      <a:srgbClr val="333333"/>
-                    </a:solidFill>
-                    <a:latin typeface="Arial" panose="020B0604020202020204" pitchFamily="34" charset="0"/>
-                    <a:ea typeface="inherit"/>
-                  </a:rPr>
-                  <a:t>Explanatory Variables:</a:t>
-                </a:r>
-                <a:endParaRPr lang="en-US" altLang="en-US" sz="2400" dirty="0">
-                  <a:solidFill>
-                    <a:srgbClr val="333333"/>
-                  </a:solidFill>
-                  <a:latin typeface="Arial" panose="020B0604020202020204" pitchFamily="34" charset="0"/>
-                  <a:ea typeface="inherit"/>
-                </a:endParaRPr>
-              </a:p>
-              <a:p>
-                <a:pPr marL="285750" lvl="0" indent="-285750" eaLnBrk="0" fontAlgn="base" hangingPunct="0">
-                  <a:spcBef>
-                    <a:spcPts val="600"/>
-                  </a:spcBef>
-                  <a:spcAft>
-                    <a:spcPts val="600"/>
-                  </a:spcAft>
-                  <a:buClrTx/>
-                  <a:buFont typeface="Arial" panose="020B0604020202020204" pitchFamily="34" charset="0"/>
-                  <a:buChar char="•"/>
-                </a:pPr>
-                <a:r>
-                  <a:rPr lang="en-US" altLang="en-US" sz="2400" b="1" dirty="0" err="1">
-                    <a:solidFill>
-                      <a:srgbClr val="333333"/>
-                    </a:solidFill>
-                    <a:latin typeface="Arial" panose="020B0604020202020204" pitchFamily="34" charset="0"/>
-                    <a:ea typeface="Helvetica Neue"/>
-                  </a:rPr>
-                  <a:t>fixed.acidity</a:t>
-                </a:r>
-                <a:r>
-                  <a:rPr lang="en-US" altLang="en-US" sz="2400" b="1" dirty="0">
-                    <a:solidFill>
-                      <a:srgbClr val="333333"/>
-                    </a:solidFill>
-                    <a:latin typeface="Arial" panose="020B0604020202020204" pitchFamily="34" charset="0"/>
-                    <a:ea typeface="Helvetica Neue"/>
-                  </a:rPr>
-                  <a:t>:</a:t>
-                </a:r>
-                <a:r>
-                  <a:rPr lang="en-US" altLang="en-US" sz="2400" dirty="0">
-                    <a:solidFill>
-                      <a:srgbClr val="333333"/>
-                    </a:solidFill>
-                    <a:latin typeface="Arial" panose="020B0604020202020204" pitchFamily="34" charset="0"/>
-                    <a:ea typeface="Helvetica Neue"/>
-                  </a:rPr>
-                  <a:t> the amount of acid in wine that’s not volatile (do not evaporate fast)</a:t>
-                </a:r>
-              </a:p>
-              <a:p>
-                <a:pPr marL="285750" lvl="0" indent="-285750" eaLnBrk="0" fontAlgn="base" hangingPunct="0">
-                  <a:spcBef>
-                    <a:spcPts val="600"/>
-                  </a:spcBef>
-                  <a:spcAft>
-                    <a:spcPts val="600"/>
-                  </a:spcAft>
-                  <a:buClrTx/>
-                  <a:buFont typeface="Arial" panose="020B0604020202020204" pitchFamily="34" charset="0"/>
-                  <a:buChar char="•"/>
-                </a:pPr>
-                <a:r>
-                  <a:rPr lang="en-US" altLang="en-US" sz="2400" b="1" dirty="0" err="1">
-                    <a:solidFill>
-                      <a:srgbClr val="333333"/>
-                    </a:solidFill>
-                    <a:latin typeface="Arial" panose="020B0604020202020204" pitchFamily="34" charset="0"/>
-                    <a:ea typeface="Helvetica Neue"/>
-                  </a:rPr>
-                  <a:t>volatile.acidity</a:t>
-                </a:r>
-                <a:r>
-                  <a:rPr lang="en-US" altLang="en-US" sz="2400" b="1" dirty="0">
-                    <a:solidFill>
-                      <a:srgbClr val="333333"/>
-                    </a:solidFill>
-                    <a:latin typeface="Arial" panose="020B0604020202020204" pitchFamily="34" charset="0"/>
-                    <a:ea typeface="Helvetica Neue"/>
-                  </a:rPr>
-                  <a:t>:</a:t>
-                </a:r>
-                <a:r>
-                  <a:rPr lang="en-US" altLang="en-US" sz="2400" dirty="0">
-                    <a:solidFill>
-                      <a:srgbClr val="333333"/>
-                    </a:solidFill>
-                    <a:latin typeface="Arial" panose="020B0604020202020204" pitchFamily="34" charset="0"/>
-                    <a:ea typeface="Helvetica Neue"/>
-                  </a:rPr>
-                  <a:t> the amount of acetic acid in wine</a:t>
-                </a:r>
-              </a:p>
-              <a:p>
-                <a:pPr marL="285750" lvl="0" indent="-285750" eaLnBrk="0" fontAlgn="base" hangingPunct="0">
-                  <a:spcBef>
-                    <a:spcPts val="600"/>
-                  </a:spcBef>
-                  <a:spcAft>
-                    <a:spcPts val="600"/>
-                  </a:spcAft>
-                  <a:buClrTx/>
-                  <a:buFont typeface="Arial" panose="020B0604020202020204" pitchFamily="34" charset="0"/>
-                  <a:buChar char="•"/>
-                </a:pPr>
-                <a:r>
-                  <a:rPr lang="en-US" altLang="en-US" sz="2400" b="1" dirty="0" err="1">
-                    <a:solidFill>
-                      <a:srgbClr val="333333"/>
-                    </a:solidFill>
-                    <a:latin typeface="Arial" panose="020B0604020202020204" pitchFamily="34" charset="0"/>
-                    <a:ea typeface="Helvetica Neue"/>
-                  </a:rPr>
-                  <a:t>citric.acid</a:t>
-                </a:r>
-                <a:r>
-                  <a:rPr lang="en-US" altLang="en-US" sz="2400" b="1" dirty="0">
-                    <a:solidFill>
-                      <a:srgbClr val="333333"/>
-                    </a:solidFill>
-                    <a:latin typeface="Arial" panose="020B0604020202020204" pitchFamily="34" charset="0"/>
-                    <a:ea typeface="Helvetica Neue"/>
-                  </a:rPr>
-                  <a:t>:</a:t>
-                </a:r>
-                <a:r>
-                  <a:rPr lang="en-US" altLang="en-US" sz="2400" dirty="0">
-                    <a:solidFill>
-                      <a:srgbClr val="333333"/>
-                    </a:solidFill>
-                    <a:latin typeface="Arial" panose="020B0604020202020204" pitchFamily="34" charset="0"/>
-                    <a:ea typeface="Helvetica Neue"/>
-                  </a:rPr>
-                  <a:t>  citric acid is found in small quantities, and can add freshness and flavor to wines</a:t>
-                </a:r>
-              </a:p>
-              <a:p>
-                <a:pPr marL="285750" lvl="0" indent="-285750" eaLnBrk="0" fontAlgn="base" hangingPunct="0">
-                  <a:spcBef>
-                    <a:spcPts val="600"/>
-                  </a:spcBef>
-                  <a:spcAft>
-                    <a:spcPts val="600"/>
-                  </a:spcAft>
-                  <a:buClrTx/>
-                  <a:buFont typeface="Arial" panose="020B0604020202020204" pitchFamily="34" charset="0"/>
-                  <a:buChar char="•"/>
-                </a:pPr>
-                <a:r>
-                  <a:rPr lang="en-US" altLang="en-US" sz="2400" b="1" dirty="0" err="1">
-                    <a:solidFill>
-                      <a:srgbClr val="333333"/>
-                    </a:solidFill>
-                    <a:latin typeface="Arial" panose="020B0604020202020204" pitchFamily="34" charset="0"/>
-                    <a:ea typeface="Helvetica Neue"/>
-                  </a:rPr>
-                  <a:t>residual.sugar</a:t>
-                </a:r>
-                <a:r>
-                  <a:rPr lang="en-US" altLang="en-US" sz="2400" b="1" dirty="0">
-                    <a:solidFill>
-                      <a:srgbClr val="333333"/>
-                    </a:solidFill>
-                    <a:latin typeface="Arial" panose="020B0604020202020204" pitchFamily="34" charset="0"/>
-                    <a:ea typeface="Helvetica Neue"/>
-                  </a:rPr>
-                  <a:t>:</a:t>
-                </a:r>
-                <a:r>
-                  <a:rPr lang="en-US" altLang="en-US" sz="2400" dirty="0">
-                    <a:solidFill>
-                      <a:srgbClr val="333333"/>
-                    </a:solidFill>
-                    <a:latin typeface="Arial" panose="020B0604020202020204" pitchFamily="34" charset="0"/>
-                    <a:ea typeface="Helvetica Neue"/>
-                  </a:rPr>
-                  <a:t>  the amount of sugar left after </a:t>
-                </a:r>
-                <a:r>
-                  <a:rPr lang="en-US" altLang="en-US" sz="2400" dirty="0" err="1">
-                    <a:solidFill>
-                      <a:srgbClr val="333333"/>
-                    </a:solidFill>
-                    <a:latin typeface="Arial" panose="020B0604020202020204" pitchFamily="34" charset="0"/>
-                    <a:ea typeface="Helvetica Neue"/>
-                  </a:rPr>
-                  <a:t>fermatation</a:t>
-                </a:r>
-                <a:r>
-                  <a:rPr lang="en-US" altLang="en-US" sz="2400" dirty="0">
-                    <a:solidFill>
-                      <a:srgbClr val="333333"/>
-                    </a:solidFill>
-                    <a:latin typeface="Arial" panose="020B0604020202020204" pitchFamily="34" charset="0"/>
-                    <a:ea typeface="Helvetica Neue"/>
-                  </a:rPr>
-                  <a:t> stops</a:t>
-                </a:r>
-              </a:p>
-              <a:p>
-                <a:pPr marL="285750" lvl="0" indent="-285750" eaLnBrk="0" fontAlgn="base" hangingPunct="0">
-                  <a:spcBef>
-                    <a:spcPts val="600"/>
-                  </a:spcBef>
-                  <a:spcAft>
-                    <a:spcPts val="600"/>
-                  </a:spcAft>
-                  <a:buClrTx/>
-                  <a:buFont typeface="Arial" panose="020B0604020202020204" pitchFamily="34" charset="0"/>
-                  <a:buChar char="•"/>
-                </a:pPr>
-                <a:r>
-                  <a:rPr lang="en-US" altLang="en-US" sz="2400" b="1" dirty="0">
-                    <a:solidFill>
-                      <a:srgbClr val="333333"/>
-                    </a:solidFill>
-                    <a:latin typeface="Arial" panose="020B0604020202020204" pitchFamily="34" charset="0"/>
-                    <a:ea typeface="Helvetica Neue"/>
-                  </a:rPr>
-                  <a:t>chlorides:</a:t>
-                </a:r>
-                <a:r>
-                  <a:rPr lang="en-US" altLang="en-US" sz="2400" dirty="0">
-                    <a:solidFill>
-                      <a:srgbClr val="333333"/>
-                    </a:solidFill>
-                    <a:latin typeface="Arial" panose="020B0604020202020204" pitchFamily="34" charset="0"/>
-                    <a:ea typeface="Helvetica Neue"/>
-                  </a:rPr>
-                  <a:t>  the amount of salt in the wine</a:t>
-                </a:r>
-              </a:p>
-              <a:p>
-                <a:pPr marL="285750" lvl="0" indent="-285750" eaLnBrk="0" fontAlgn="base" hangingPunct="0">
-                  <a:spcBef>
-                    <a:spcPts val="600"/>
-                  </a:spcBef>
-                  <a:spcAft>
-                    <a:spcPts val="600"/>
-                  </a:spcAft>
-                  <a:buClrTx/>
-                  <a:buFont typeface="Arial" panose="020B0604020202020204" pitchFamily="34" charset="0"/>
-                  <a:buChar char="•"/>
-                </a:pPr>
-                <a:r>
-                  <a:rPr lang="en-US" altLang="en-US" sz="2400" b="1" dirty="0" err="1">
-                    <a:solidFill>
-                      <a:srgbClr val="333333"/>
-                    </a:solidFill>
-                    <a:latin typeface="Arial" panose="020B0604020202020204" pitchFamily="34" charset="0"/>
-                    <a:ea typeface="Helvetica Neue"/>
-                  </a:rPr>
-                  <a:t>free.sulfure.dioxide</a:t>
-                </a:r>
-                <a:r>
-                  <a:rPr lang="en-US" altLang="en-US" sz="2400" b="1" dirty="0">
-                    <a:solidFill>
-                      <a:srgbClr val="333333"/>
-                    </a:solidFill>
-                    <a:latin typeface="Arial" panose="020B0604020202020204" pitchFamily="34" charset="0"/>
-                    <a:ea typeface="Helvetica Neue"/>
-                  </a:rPr>
-                  <a:t>:</a:t>
-                </a:r>
-                <a:r>
-                  <a:rPr lang="en-US" altLang="en-US" sz="2400" dirty="0">
-                    <a:solidFill>
-                      <a:srgbClr val="333333"/>
-                    </a:solidFill>
-                    <a:latin typeface="Arial" panose="020B0604020202020204" pitchFamily="34" charset="0"/>
-                    <a:ea typeface="Helvetica Neue"/>
-                  </a:rPr>
-                  <a:t> the free form of </a:t>
-                </a:r>
-                <a:r>
-                  <a:rPr lang="en-US" altLang="en-US" sz="2400" dirty="0">
-                    <a:solidFill>
-                      <a:srgbClr val="333333"/>
-                    </a:solidFill>
-                    <a:latin typeface="Arial" panose="020B0604020202020204" pitchFamily="34" charset="0"/>
-                    <a:ea typeface="MathJax_Math-italic"/>
-                  </a:rPr>
-                  <a:t>S</a:t>
-                </a:r>
-                <a:r>
-                  <a:rPr lang="en-US" altLang="en-US" sz="2400" dirty="0">
-                    <a:solidFill>
-                      <a:srgbClr val="333333"/>
-                    </a:solidFill>
-                    <a:latin typeface="Arial" panose="020B0604020202020204" pitchFamily="34" charset="0"/>
-                    <a:ea typeface="MathJax_Main"/>
-                  </a:rPr>
-                  <a:t>02</a:t>
-                </a:r>
-                <a:r>
-                  <a:rPr lang="en-US" altLang="en-US" sz="2400" dirty="0">
-                    <a:solidFill>
-                      <a:srgbClr val="333333"/>
-                    </a:solidFill>
-                    <a:latin typeface="Arial" panose="020B0604020202020204" pitchFamily="34" charset="0"/>
-                    <a:ea typeface="Helvetica Neue"/>
-                  </a:rPr>
-                  <a:t>S02 exists in equilibrium between molecular </a:t>
-                </a:r>
-                <a:r>
-                  <a:rPr lang="en-US" altLang="en-US" sz="2400" dirty="0">
-                    <a:solidFill>
-                      <a:srgbClr val="333333"/>
-                    </a:solidFill>
-                    <a:latin typeface="Arial" panose="020B0604020202020204" pitchFamily="34" charset="0"/>
-                    <a:ea typeface="MathJax_Math-italic"/>
-                  </a:rPr>
-                  <a:t>S</a:t>
-                </a:r>
-                <a:r>
-                  <a:rPr lang="en-US" altLang="en-US" sz="2400" dirty="0">
-                    <a:solidFill>
-                      <a:srgbClr val="333333"/>
-                    </a:solidFill>
-                    <a:latin typeface="Arial" panose="020B0604020202020204" pitchFamily="34" charset="0"/>
-                    <a:ea typeface="MathJax_Main"/>
-                  </a:rPr>
-                  <a:t>02</a:t>
-                </a:r>
-                <a:r>
-                  <a:rPr lang="en-US" altLang="en-US" sz="2400" dirty="0">
-                    <a:solidFill>
-                      <a:srgbClr val="333333"/>
-                    </a:solidFill>
-                    <a:latin typeface="Arial" panose="020B0604020202020204" pitchFamily="34" charset="0"/>
-                    <a:ea typeface="Helvetica Neue"/>
-                  </a:rPr>
-                  <a:t>S02 (as a dissolved gas) and bisulfite ion</a:t>
-                </a:r>
-              </a:p>
-              <a:p>
-                <a:pPr marL="285750" lvl="0" indent="-285750" eaLnBrk="0" fontAlgn="base" hangingPunct="0">
-                  <a:spcBef>
-                    <a:spcPts val="600"/>
-                  </a:spcBef>
-                  <a:spcAft>
-                    <a:spcPts val="600"/>
-                  </a:spcAft>
-                  <a:buClrTx/>
-                  <a:buFont typeface="Arial" panose="020B0604020202020204" pitchFamily="34" charset="0"/>
-                  <a:buChar char="•"/>
-                </a:pPr>
-                <a:r>
-                  <a:rPr lang="en-US" altLang="en-US" sz="2400" b="1" dirty="0" err="1">
-                    <a:solidFill>
-                      <a:srgbClr val="333333"/>
-                    </a:solidFill>
-                    <a:latin typeface="Arial" panose="020B0604020202020204" pitchFamily="34" charset="0"/>
-                    <a:ea typeface="Helvetica Neue"/>
-                  </a:rPr>
-                  <a:t>total.sulfur.dioxide</a:t>
-                </a:r>
-                <a:r>
-                  <a:rPr lang="en-US" altLang="en-US" sz="2400" b="1" dirty="0">
-                    <a:solidFill>
-                      <a:srgbClr val="333333"/>
-                    </a:solidFill>
-                    <a:latin typeface="Arial" panose="020B0604020202020204" pitchFamily="34" charset="0"/>
-                    <a:ea typeface="Helvetica Neue"/>
-                  </a:rPr>
-                  <a:t>:</a:t>
-                </a:r>
-                <a:r>
-                  <a:rPr lang="en-US" altLang="en-US" sz="2400" dirty="0">
-                    <a:solidFill>
-                      <a:srgbClr val="333333"/>
-                    </a:solidFill>
-                    <a:latin typeface="Arial" panose="020B0604020202020204" pitchFamily="34" charset="0"/>
-                    <a:ea typeface="Helvetica Neue"/>
-                  </a:rPr>
-                  <a:t> amount of free and bound forms of </a:t>
-                </a:r>
-                <a:r>
-                  <a:rPr lang="en-US" altLang="en-US" sz="2400" dirty="0">
-                    <a:solidFill>
-                      <a:srgbClr val="333333"/>
-                    </a:solidFill>
-                    <a:latin typeface="Arial" panose="020B0604020202020204" pitchFamily="34" charset="0"/>
-                    <a:ea typeface="MathJax_Math-italic"/>
-                  </a:rPr>
-                  <a:t>S</a:t>
-                </a:r>
-                <a:r>
-                  <a:rPr lang="en-US" altLang="en-US" sz="2400" dirty="0">
-                    <a:solidFill>
-                      <a:srgbClr val="333333"/>
-                    </a:solidFill>
-                    <a:latin typeface="Arial" panose="020B0604020202020204" pitchFamily="34" charset="0"/>
-                    <a:ea typeface="MathJax_Main"/>
-                  </a:rPr>
-                  <a:t>02</a:t>
-                </a:r>
-                <a:r>
-                  <a:rPr lang="en-US" altLang="en-US" sz="2400" dirty="0">
-                    <a:solidFill>
-                      <a:srgbClr val="333333"/>
-                    </a:solidFill>
-                    <a:latin typeface="Arial" panose="020B0604020202020204" pitchFamily="34" charset="0"/>
-                    <a:ea typeface="Helvetica Neue"/>
-                  </a:rPr>
-                  <a:t>S02</a:t>
-                </a:r>
-              </a:p>
-              <a:p>
-                <a:pPr marL="285750" lvl="0" indent="-285750" eaLnBrk="0" fontAlgn="base" hangingPunct="0">
-                  <a:spcBef>
-                    <a:spcPts val="600"/>
-                  </a:spcBef>
-                  <a:spcAft>
-                    <a:spcPts val="600"/>
-                  </a:spcAft>
-                  <a:buClrTx/>
-                  <a:buFont typeface="Arial" panose="020B0604020202020204" pitchFamily="34" charset="0"/>
-                  <a:buChar char="•"/>
-                </a:pPr>
-                <a:r>
-                  <a:rPr lang="en-US" altLang="en-US" sz="2400" b="1" dirty="0">
-                    <a:solidFill>
-                      <a:srgbClr val="333333"/>
-                    </a:solidFill>
-                    <a:latin typeface="Arial" panose="020B0604020202020204" pitchFamily="34" charset="0"/>
-                    <a:ea typeface="Helvetica Neue"/>
-                  </a:rPr>
-                  <a:t>density:</a:t>
-                </a:r>
-                <a:r>
-                  <a:rPr lang="en-US" altLang="en-US" sz="2400" dirty="0">
-                    <a:solidFill>
-                      <a:srgbClr val="333333"/>
-                    </a:solidFill>
-                    <a:latin typeface="Arial" panose="020B0604020202020204" pitchFamily="34" charset="0"/>
-                    <a:ea typeface="Helvetica Neue"/>
-                  </a:rPr>
-                  <a:t> the density of the liquid</a:t>
-                </a:r>
-              </a:p>
-              <a:p>
-                <a:pPr marL="285750" lvl="0" indent="-285750" eaLnBrk="0" fontAlgn="base" hangingPunct="0">
-                  <a:spcBef>
-                    <a:spcPts val="600"/>
-                  </a:spcBef>
-                  <a:spcAft>
-                    <a:spcPts val="600"/>
-                  </a:spcAft>
-                  <a:buClrTx/>
-                  <a:buFont typeface="Arial" panose="020B0604020202020204" pitchFamily="34" charset="0"/>
-                  <a:buChar char="•"/>
-                </a:pPr>
-                <a:r>
-                  <a:rPr lang="en-US" altLang="en-US" sz="2400" b="1" dirty="0">
-                    <a:solidFill>
-                      <a:srgbClr val="333333"/>
-                    </a:solidFill>
-                    <a:latin typeface="Arial" panose="020B0604020202020204" pitchFamily="34" charset="0"/>
-                    <a:ea typeface="Helvetica Neue"/>
-                  </a:rPr>
-                  <a:t>pH:</a:t>
-                </a:r>
-                <a:r>
-                  <a:rPr lang="en-US" altLang="en-US" sz="2400" dirty="0">
-                    <a:solidFill>
-                      <a:srgbClr val="333333"/>
-                    </a:solidFill>
-                    <a:latin typeface="Arial" panose="020B0604020202020204" pitchFamily="34" charset="0"/>
-                    <a:ea typeface="Helvetica Neue"/>
-                  </a:rPr>
-                  <a:t> the indicator of the </a:t>
-                </a:r>
-                <a:r>
-                  <a:rPr lang="en-US" altLang="en-US" sz="2400" dirty="0" err="1">
-                    <a:solidFill>
-                      <a:srgbClr val="333333"/>
-                    </a:solidFill>
-                    <a:latin typeface="Arial" panose="020B0604020202020204" pitchFamily="34" charset="0"/>
-                    <a:ea typeface="Helvetica Neue"/>
-                  </a:rPr>
-                  <a:t>acidicity</a:t>
-                </a:r>
-                <a:r>
-                  <a:rPr lang="en-US" altLang="en-US" sz="2400" dirty="0">
-                    <a:solidFill>
-                      <a:srgbClr val="333333"/>
-                    </a:solidFill>
-                    <a:latin typeface="Arial" panose="020B0604020202020204" pitchFamily="34" charset="0"/>
-                    <a:ea typeface="Helvetica Neue"/>
-                  </a:rPr>
-                  <a:t> or basic property of the wine</a:t>
-                </a:r>
-              </a:p>
-              <a:p>
-                <a:pPr marL="285750" lvl="0" indent="-285750" eaLnBrk="0" fontAlgn="base" hangingPunct="0">
-                  <a:spcBef>
-                    <a:spcPts val="600"/>
-                  </a:spcBef>
-                  <a:spcAft>
-                    <a:spcPts val="600"/>
-                  </a:spcAft>
-                  <a:buClrTx/>
-                  <a:buFont typeface="Arial" panose="020B0604020202020204" pitchFamily="34" charset="0"/>
-                  <a:buChar char="•"/>
-                </a:pPr>
-                <a:r>
-                  <a:rPr lang="en-US" altLang="en-US" sz="2400" b="1" dirty="0">
-                    <a:solidFill>
-                      <a:srgbClr val="333333"/>
-                    </a:solidFill>
-                    <a:latin typeface="Arial" panose="020B0604020202020204" pitchFamily="34" charset="0"/>
-                    <a:ea typeface="Helvetica Neue"/>
-                  </a:rPr>
-                  <a:t>sulphates: </a:t>
-                </a:r>
-                <a:r>
-                  <a:rPr lang="en-US" altLang="en-US" sz="2400" dirty="0">
-                    <a:solidFill>
-                      <a:srgbClr val="333333"/>
-                    </a:solidFill>
-                    <a:latin typeface="Arial" panose="020B0604020202020204" pitchFamily="34" charset="0"/>
-                    <a:ea typeface="Helvetica Neue"/>
-                  </a:rPr>
-                  <a:t>a wine additive which can contribute to sulfur dioxide gas </a:t>
-                </a:r>
-                <a:r>
-                  <a:rPr lang="en-US" altLang="en-US" sz="2400" dirty="0">
-                    <a:solidFill>
-                      <a:srgbClr val="333333"/>
-                    </a:solidFill>
-                    <a:latin typeface="Arial" panose="020B0604020202020204" pitchFamily="34" charset="0"/>
-                    <a:ea typeface="MathJax_Math-italic"/>
-                  </a:rPr>
-                  <a:t>S</a:t>
-                </a:r>
-                <a:r>
-                  <a:rPr lang="en-US" altLang="en-US" sz="2400" dirty="0">
-                    <a:solidFill>
-                      <a:srgbClr val="333333"/>
-                    </a:solidFill>
-                    <a:latin typeface="Arial" panose="020B0604020202020204" pitchFamily="34" charset="0"/>
-                    <a:ea typeface="MathJax_Main"/>
-                  </a:rPr>
-                  <a:t>02</a:t>
-                </a:r>
-                <a:r>
-                  <a:rPr lang="en-US" altLang="en-US" sz="2400" dirty="0">
-                    <a:solidFill>
-                      <a:srgbClr val="333333"/>
-                    </a:solidFill>
-                    <a:latin typeface="Arial" panose="020B0604020202020204" pitchFamily="34" charset="0"/>
-                    <a:ea typeface="Helvetica Neue"/>
-                  </a:rPr>
-                  <a:t>S02 levels</a:t>
-                </a:r>
-              </a:p>
-              <a:p>
-                <a:pPr marL="285750" lvl="0" indent="-285750" eaLnBrk="0" fontAlgn="base" hangingPunct="0">
-                  <a:spcBef>
-                    <a:spcPts val="600"/>
-                  </a:spcBef>
-                  <a:spcAft>
-                    <a:spcPts val="600"/>
-                  </a:spcAft>
-                  <a:buClrTx/>
-                  <a:buFont typeface="Arial" panose="020B0604020202020204" pitchFamily="34" charset="0"/>
-                  <a:buChar char="•"/>
-                </a:pPr>
-                <a:r>
-                  <a:rPr lang="en-US" altLang="en-US" sz="2400" b="1" dirty="0">
-                    <a:solidFill>
-                      <a:srgbClr val="333333"/>
-                    </a:solidFill>
-                    <a:latin typeface="Arial" panose="020B0604020202020204" pitchFamily="34" charset="0"/>
-                    <a:ea typeface="Helvetica Neue"/>
-                  </a:rPr>
-                  <a:t>alcohol:</a:t>
-                </a:r>
-                <a:r>
-                  <a:rPr lang="en-US" altLang="en-US" sz="2400" dirty="0">
-                    <a:solidFill>
-                      <a:srgbClr val="333333"/>
-                    </a:solidFill>
-                    <a:latin typeface="Arial" panose="020B0604020202020204" pitchFamily="34" charset="0"/>
-                    <a:ea typeface="Helvetica Neue"/>
-                  </a:rPr>
-                  <a:t> the percent alcohol content of the wine</a:t>
-                </a:r>
-              </a:p>
-              <a:p>
-                <a:br>
-                  <a:rPr lang="en-US" sz="2000" dirty="0"/>
-                </a:br>
-                <a:br>
-                  <a:rPr lang="en-US" sz="1200" dirty="0"/>
-                </a:br>
-                <a:endParaRPr lang="en-US" sz="1200" dirty="0"/>
-              </a:p>
-            </p:txBody>
-          </p:sp>
-        </p:grpSp>
-        <p:sp>
-          <p:nvSpPr>
-            <p:cNvPr id="115" name="TextBox 114">
-              <a:extLst>
-                <a:ext uri="{FF2B5EF4-FFF2-40B4-BE49-F238E27FC236}">
-                  <a16:creationId xmlns:a16="http://schemas.microsoft.com/office/drawing/2014/main" id="{99D86F51-3EB6-4519-A834-89DC9EBADE18}"/>
-                </a:ext>
-              </a:extLst>
-            </p:cNvPr>
-            <p:cNvSpPr txBox="1"/>
-            <p:nvPr/>
-          </p:nvSpPr>
-          <p:spPr>
-            <a:xfrm>
-              <a:off x="17283981" y="14323294"/>
-              <a:ext cx="9323238" cy="1107996"/>
-            </a:xfrm>
-            <a:prstGeom prst="rect">
-              <a:avLst/>
-            </a:prstGeom>
-            <a:noFill/>
-          </p:spPr>
-          <p:txBody>
-            <a:bodyPr wrap="square" rtlCol="0">
-              <a:spAutoFit/>
-            </a:bodyPr>
-            <a:lstStyle/>
-            <a:p>
-              <a:pPr algn="ctr"/>
-              <a:r>
-                <a:rPr lang="en-US" sz="6600" b="1" dirty="0">
-                  <a:solidFill>
-                    <a:schemeClr val="tx1">
-                      <a:lumMod val="65000"/>
-                      <a:lumOff val="35000"/>
-                    </a:schemeClr>
-                  </a:solidFill>
-                </a:rPr>
-                <a:t>D</a:t>
-              </a:r>
-              <a:r>
-                <a:rPr lang="en-US" sz="4000" b="1" dirty="0">
-                  <a:solidFill>
-                    <a:schemeClr val="tx1">
-                      <a:lumMod val="65000"/>
-                      <a:lumOff val="35000"/>
-                    </a:schemeClr>
-                  </a:solidFill>
-                </a:rPr>
-                <a:t>ata Explanation &amp; Data Exploration</a:t>
-              </a:r>
-              <a:endParaRPr lang="en-US" sz="1800" b="1" dirty="0">
-                <a:solidFill>
-                  <a:schemeClr val="tx1">
-                    <a:lumMod val="65000"/>
-                    <a:lumOff val="35000"/>
-                  </a:schemeClr>
-                </a:solidFill>
-              </a:endParaRPr>
-            </a:p>
-          </p:txBody>
-        </p:sp>
-      </p:grpSp>
       <p:sp>
         <p:nvSpPr>
           <p:cNvPr id="137" name="TextBox 136">
@@ -6443,7 +5265,7 @@
           <p:nvPr/>
         </p:nvPicPr>
         <p:blipFill>
-          <a:blip r:embed="rId9">
+          <a:blip r:embed="rId7">
             <a:extLst>
               <a:ext uri="{28A0092B-C50C-407E-A947-70E740481C1C}">
                 <a14:useLocalDpi xmlns:a14="http://schemas.microsoft.com/office/drawing/2010/main" val="0"/>
@@ -6560,7 +5382,7 @@
           <p:nvPr/>
         </p:nvPicPr>
         <p:blipFill>
-          <a:blip r:embed="rId10">
+          <a:blip r:embed="rId8">
             <a:extLst>
               <a:ext uri="{28A0092B-C50C-407E-A947-70E740481C1C}">
                 <a14:useLocalDpi xmlns:a14="http://schemas.microsoft.com/office/drawing/2010/main" val="0"/>
@@ -6679,7 +5501,7 @@
         </p:nvGrpSpPr>
         <p:grpSpPr>
           <a:xfrm>
-            <a:off x="32991903" y="10446084"/>
+            <a:off x="32991903" y="10801488"/>
             <a:ext cx="13106105" cy="1031321"/>
             <a:chOff x="15675341" y="25677021"/>
             <a:chExt cx="13106105" cy="1031321"/>
@@ -6896,7 +5718,7 @@
           <p:nvPr/>
         </p:nvPicPr>
         <p:blipFill>
-          <a:blip r:embed="rId11">
+          <a:blip r:embed="rId9">
             <a:extLst>
               <a:ext uri="{28A0092B-C50C-407E-A947-70E740481C1C}">
                 <a14:useLocalDpi xmlns:a14="http://schemas.microsoft.com/office/drawing/2010/main" val="0"/>
@@ -7022,7 +5844,7 @@
               <p:nvPr/>
             </p:nvPicPr>
             <p:blipFill rotWithShape="1">
-              <a:blip r:embed="rId12"/>
+              <a:blip r:embed="rId10"/>
               <a:srcRect r="88303"/>
               <a:stretch/>
             </p:blipFill>
@@ -7051,7 +5873,7 @@
               <p:nvPr/>
             </p:nvPicPr>
             <p:blipFill rotWithShape="1">
-              <a:blip r:embed="rId12"/>
+              <a:blip r:embed="rId10"/>
               <a:srcRect l="37423"/>
               <a:stretch/>
             </p:blipFill>
@@ -7081,7 +5903,7 @@
             <p:nvPr/>
           </p:nvPicPr>
           <p:blipFill rotWithShape="1">
-            <a:blip r:embed="rId13"/>
+            <a:blip r:embed="rId11"/>
             <a:srcRect t="17023"/>
             <a:stretch/>
           </p:blipFill>
@@ -7111,7 +5933,7 @@
           <p:nvPr/>
         </p:nvPicPr>
         <p:blipFill rotWithShape="1">
-          <a:blip r:embed="rId13"/>
+          <a:blip r:embed="rId11"/>
           <a:srcRect b="83589"/>
           <a:stretch/>
         </p:blipFill>
@@ -7571,7 +6393,7 @@
         </p:nvSpPr>
         <p:spPr>
           <a:xfrm>
-            <a:off x="155416" y="26202685"/>
+            <a:off x="155416" y="25846644"/>
             <a:ext cx="10862007" cy="5062924"/>
           </a:xfrm>
           <a:prstGeom prst="rect">
@@ -7857,8 +6679,8 @@
         </p:nvSpPr>
         <p:spPr>
           <a:xfrm>
-            <a:off x="12807646" y="25293483"/>
-            <a:ext cx="9323238" cy="1107996"/>
+            <a:off x="14737910" y="25110603"/>
+            <a:ext cx="5462710" cy="1107996"/>
           </a:xfrm>
           <a:prstGeom prst="rect">
             <a:avLst/>
@@ -7873,34 +6695,43 @@
           <a:p>
             <a:pPr algn="ctr"/>
             <a:r>
-              <a:rPr lang="en-US" altLang="zh-CN" sz="6600" b="1" dirty="0">
+              <a:rPr lang="en-US" altLang="zh-CN" sz="6600" b="1" u="sng" dirty="0">
                 <a:solidFill>
                   <a:schemeClr val="tx1">
                     <a:lumMod val="65000"/>
                     <a:lumOff val="35000"/>
                   </a:schemeClr>
                 </a:solidFill>
+                <a:highlight>
+                  <a:srgbClr val="EAEAEA"/>
+                </a:highlight>
               </a:rPr>
               <a:t>C</a:t>
             </a:r>
             <a:r>
-              <a:rPr lang="en-US" sz="4000" b="1" dirty="0">
+              <a:rPr lang="en-US" sz="4400" b="1" u="sng" dirty="0">
                 <a:solidFill>
                   <a:schemeClr val="tx1">
                     <a:lumMod val="65000"/>
                     <a:lumOff val="35000"/>
                   </a:schemeClr>
                 </a:solidFill>
+                <a:highlight>
+                  <a:srgbClr val="EAEAEA"/>
+                </a:highlight>
               </a:rPr>
               <a:t>onclusion</a:t>
             </a:r>
-            <a:endParaRPr lang="en-US" sz="1800" b="1" dirty="0">
+            <a:endParaRPr lang="en-US" sz="1800" b="1" u="sng" dirty="0">
               <a:solidFill>
                 <a:schemeClr val="tx1">
                   <a:lumMod val="65000"/>
                   <a:lumOff val="35000"/>
                 </a:schemeClr>
               </a:solidFill>
+              <a:highlight>
+                <a:srgbClr val="EAEAEA"/>
+              </a:highlight>
             </a:endParaRPr>
           </a:p>
         </p:txBody>
@@ -7919,7 +6750,7 @@
         </p:nvSpPr>
         <p:spPr>
           <a:xfrm>
-            <a:off x="23335885" y="25327822"/>
+            <a:off x="23335885" y="25144942"/>
             <a:ext cx="9323238" cy="1107996"/>
           </a:xfrm>
           <a:prstGeom prst="rect">
@@ -7935,34 +6766,43 @@
           <a:p>
             <a:pPr algn="ctr"/>
             <a:r>
-              <a:rPr lang="en-US" altLang="zh-CN" sz="6600" b="1" dirty="0">
+              <a:rPr lang="en-US" altLang="zh-CN" sz="6600" b="1" u="sng" dirty="0">
                 <a:solidFill>
                   <a:schemeClr val="tx1">
                     <a:lumMod val="65000"/>
                     <a:lumOff val="35000"/>
                   </a:schemeClr>
                 </a:solidFill>
+                <a:highlight>
+                  <a:srgbClr val="EAEAEA"/>
+                </a:highlight>
               </a:rPr>
               <a:t>L</a:t>
             </a:r>
             <a:r>
-              <a:rPr lang="en-US" sz="4000" b="1" dirty="0">
+              <a:rPr lang="en-US" sz="4400" b="1" u="sng" dirty="0">
                 <a:solidFill>
                   <a:schemeClr val="tx1">
                     <a:lumMod val="65000"/>
                     <a:lumOff val="35000"/>
                   </a:schemeClr>
                 </a:solidFill>
+                <a:highlight>
+                  <a:srgbClr val="EAEAEA"/>
+                </a:highlight>
               </a:rPr>
               <a:t>imitation</a:t>
             </a:r>
-            <a:endParaRPr lang="en-US" sz="1800" b="1" dirty="0">
+            <a:endParaRPr lang="en-US" sz="1800" b="1" u="sng" dirty="0">
               <a:solidFill>
                 <a:schemeClr val="tx1">
                   <a:lumMod val="65000"/>
                   <a:lumOff val="35000"/>
                 </a:schemeClr>
               </a:solidFill>
+              <a:highlight>
+                <a:srgbClr val="EAEAEA"/>
+              </a:highlight>
             </a:endParaRPr>
           </a:p>
         </p:txBody>
@@ -7981,8 +6821,8 @@
         </p:nvSpPr>
         <p:spPr>
           <a:xfrm>
-            <a:off x="23711860" y="26627256"/>
-            <a:ext cx="8124500" cy="4832092"/>
+            <a:off x="23335885" y="26832048"/>
+            <a:ext cx="8500475" cy="4832092"/>
           </a:xfrm>
           <a:prstGeom prst="rect">
             <a:avLst/>
@@ -8006,8 +6846,12 @@
               <a:buChar char="•"/>
             </a:pPr>
             <a:r>
+              <a:rPr lang="en-US" altLang="zh-CN" sz="2400" b="1" dirty="0"/>
+              <a:t>Extrapolation</a:t>
+            </a:r>
+            <a:r>
               <a:rPr lang="en-US" altLang="zh-CN" sz="2400" dirty="0"/>
-              <a:t>The sample data has wine with quality mostly ranging from 4 to 7. For future uses, it is very important not to extrapolate beyond this quality range, or the model will not give valuable explanation</a:t>
+              <a:t>: the sample data has wine with quality mostly ranging from 4 to 7. For future uses, it is very important not to extrapolate beyond this quality range, or the model will not give valuable explanation</a:t>
             </a:r>
           </a:p>
           <a:p>
@@ -8022,6 +6866,10 @@
               <a:buChar char="•"/>
             </a:pPr>
             <a:r>
+              <a:rPr lang="en-US" altLang="zh-CN" sz="2400" b="1" dirty="0"/>
+              <a:t>Assumption concern: </a:t>
+            </a:r>
+            <a:r>
               <a:rPr lang="en-US" altLang="zh-CN" sz="2400" dirty="0"/>
               <a:t>In both models, there are some slightly non-random patterns for the binned residual plots for a few variables, which require care and possible future analysis – we did not conduct further improvements as they are beyond our knowledge learned in class</a:t>
             </a:r>
@@ -8037,6 +6885,10 @@
               <a:buFont typeface="Arial" panose="020B0604020202020204" pitchFamily="34" charset="0"/>
               <a:buChar char="•"/>
             </a:pPr>
+            <a:r>
+              <a:rPr lang="en-US" altLang="zh-CN" sz="2400" b="1" dirty="0"/>
+              <a:t>Test set: </a:t>
+            </a:r>
             <a:r>
               <a:rPr lang="en-US" altLang="zh-CN" sz="2400" dirty="0"/>
               <a:t>Model should also be tested on larger and more comprehensive datasets and more chemical factors can be included for future modeling</a:t>
@@ -8059,7 +6911,7 @@
         </p:nvSpPr>
         <p:spPr>
           <a:xfrm>
-            <a:off x="11862529" y="26572213"/>
+            <a:off x="11862529" y="26412193"/>
             <a:ext cx="11180120" cy="4247317"/>
           </a:xfrm>
           <a:prstGeom prst="rect">
@@ -8620,8 +7472,8 @@
         </p:nvGrpSpPr>
         <p:grpSpPr>
           <a:xfrm>
-            <a:off x="13443012" y="31236270"/>
-            <a:ext cx="8369204" cy="393539"/>
+            <a:off x="12094539" y="31261750"/>
+            <a:ext cx="10749452" cy="824674"/>
             <a:chOff x="513935" y="30222446"/>
             <a:chExt cx="8369204" cy="393539"/>
           </a:xfrm>
@@ -8651,7 +7503,7 @@
                 <a:lumMod val="85000"/>
               </a:schemeClr>
             </a:solidFill>
-            <a:ln>
+            <a:ln w="41275">
               <a:solidFill>
                 <a:schemeClr val="tx1"/>
               </a:solidFill>
@@ -8679,7 +7531,7 @@
             <a:p>
               <a:pPr algn="ctr"/>
               <a:r>
-                <a:rPr lang="en-US" sz="2400" b="1" dirty="0">
+                <a:rPr lang="en-US" sz="3200" b="1" dirty="0">
                   <a:solidFill>
                     <a:schemeClr val="tx1">
                       <a:lumMod val="65000"/>
@@ -8689,6 +7541,14 @@
                 </a:rPr>
                 <a:t>Alcohol</a:t>
               </a:r>
+              <a:endParaRPr lang="en-US" sz="2400" b="1" dirty="0">
+                <a:solidFill>
+                  <a:schemeClr val="tx1">
+                    <a:lumMod val="65000"/>
+                    <a:lumOff val="35000"/>
+                  </a:schemeClr>
+                </a:solidFill>
+              </a:endParaRPr>
             </a:p>
           </p:txBody>
         </p:sp>
@@ -8717,7 +7577,7 @@
                 <a:lumMod val="85000"/>
               </a:schemeClr>
             </a:solidFill>
-            <a:ln>
+            <a:ln w="41275">
               <a:solidFill>
                 <a:schemeClr val="tx1"/>
               </a:solidFill>
@@ -8745,7 +7605,7 @@
             <a:p>
               <a:pPr algn="ctr"/>
               <a:r>
-                <a:rPr lang="en-US" sz="2400" b="1" dirty="0">
+                <a:rPr lang="en-US" sz="3200" b="1" dirty="0">
                   <a:solidFill>
                     <a:schemeClr val="tx1">
                       <a:lumMod val="65000"/>
@@ -8755,7 +7615,7 @@
                 </a:rPr>
                 <a:t>Volatile acetic acid</a:t>
               </a:r>
-              <a:endParaRPr lang="en-US" sz="2400" dirty="0">
+              <a:endParaRPr lang="en-US" sz="3200" dirty="0">
                 <a:solidFill>
                   <a:schemeClr val="tx1">
                     <a:lumMod val="65000"/>
@@ -8791,7 +7651,7 @@
                 <a:lumMod val="85000"/>
               </a:schemeClr>
             </a:solidFill>
-            <a:ln>
+            <a:ln w="41275">
               <a:solidFill>
                 <a:schemeClr val="tx1"/>
               </a:solidFill>
@@ -8819,7 +7679,7 @@
             <a:p>
               <a:pPr algn="ctr"/>
               <a:r>
-                <a:rPr lang="en-US" sz="2400" b="1" dirty="0">
+                <a:rPr lang="en-US" sz="3200" b="1" dirty="0">
                   <a:solidFill>
                     <a:schemeClr val="tx1">
                       <a:lumMod val="65000"/>
@@ -8841,6 +7701,1408 @@
           </p:txBody>
         </p:sp>
       </p:grpSp>
+      <p:grpSp>
+        <p:nvGrpSpPr>
+          <p:cNvPr id="11" name="Group 10">
+            <a:extLst>
+              <a:ext uri="{FF2B5EF4-FFF2-40B4-BE49-F238E27FC236}">
+                <a16:creationId xmlns:a16="http://schemas.microsoft.com/office/drawing/2014/main" id="{BF25914A-A7BF-465C-880D-7679F20D97EE}"/>
+              </a:ext>
+            </a:extLst>
+          </p:cNvPr>
+          <p:cNvGrpSpPr/>
+          <p:nvPr/>
+        </p:nvGrpSpPr>
+        <p:grpSpPr>
+          <a:xfrm>
+            <a:off x="11978671" y="13133403"/>
+            <a:ext cx="19857689" cy="12459249"/>
+            <a:chOff x="11978671" y="13133403"/>
+            <a:chExt cx="19857689" cy="12459249"/>
+          </a:xfrm>
+        </p:grpSpPr>
+        <p:grpSp>
+          <p:nvGrpSpPr>
+            <p:cNvPr id="107" name="Group 106">
+              <a:extLst>
+                <a:ext uri="{FF2B5EF4-FFF2-40B4-BE49-F238E27FC236}">
+                  <a16:creationId xmlns:a16="http://schemas.microsoft.com/office/drawing/2014/main" id="{36264682-3649-44C0-A5F7-2E591717C091}"/>
+                </a:ext>
+              </a:extLst>
+            </p:cNvPr>
+            <p:cNvGrpSpPr/>
+            <p:nvPr/>
+          </p:nvGrpSpPr>
+          <p:grpSpPr>
+            <a:xfrm>
+              <a:off x="11978671" y="13133403"/>
+              <a:ext cx="19857689" cy="12459249"/>
+              <a:chOff x="11978671" y="14323294"/>
+              <a:chExt cx="19857689" cy="12459249"/>
+            </a:xfrm>
+          </p:grpSpPr>
+          <p:grpSp>
+            <p:nvGrpSpPr>
+              <p:cNvPr id="108" name="Group 107">
+                <a:extLst>
+                  <a:ext uri="{FF2B5EF4-FFF2-40B4-BE49-F238E27FC236}">
+                    <a16:creationId xmlns:a16="http://schemas.microsoft.com/office/drawing/2014/main" id="{EC0EA2D6-0DFF-4096-825C-4E60ABC56599}"/>
+                  </a:ext>
+                </a:extLst>
+              </p:cNvPr>
+              <p:cNvGrpSpPr/>
+              <p:nvPr/>
+            </p:nvGrpSpPr>
+            <p:grpSpPr>
+              <a:xfrm>
+                <a:off x="11978671" y="15625643"/>
+                <a:ext cx="19857689" cy="11156900"/>
+                <a:chOff x="11876209" y="15518963"/>
+                <a:chExt cx="19857689" cy="11156900"/>
+              </a:xfrm>
+            </p:grpSpPr>
+            <p:grpSp>
+              <p:nvGrpSpPr>
+                <p:cNvPr id="116" name="Group 115">
+                  <a:extLst>
+                    <a:ext uri="{FF2B5EF4-FFF2-40B4-BE49-F238E27FC236}">
+                      <a16:creationId xmlns:a16="http://schemas.microsoft.com/office/drawing/2014/main" id="{6439B9B9-CE8D-46F5-913A-2915AA0E213B}"/>
+                    </a:ext>
+                  </a:extLst>
+                </p:cNvPr>
+                <p:cNvGrpSpPr/>
+                <p:nvPr/>
+              </p:nvGrpSpPr>
+              <p:grpSpPr>
+                <a:xfrm>
+                  <a:off x="21091497" y="15527152"/>
+                  <a:ext cx="9710367" cy="5907208"/>
+                  <a:chOff x="824673" y="1587331"/>
+                  <a:chExt cx="9233592" cy="6553488"/>
+                </a:xfrm>
+              </p:grpSpPr>
+              <p:grpSp>
+                <p:nvGrpSpPr>
+                  <p:cNvPr id="126" name="Group 125">
+                    <a:extLst>
+                      <a:ext uri="{FF2B5EF4-FFF2-40B4-BE49-F238E27FC236}">
+                        <a16:creationId xmlns:a16="http://schemas.microsoft.com/office/drawing/2014/main" id="{25D468D3-AAAF-4D9E-A885-FC037F7318CC}"/>
+                      </a:ext>
+                    </a:extLst>
+                  </p:cNvPr>
+                  <p:cNvGrpSpPr/>
+                  <p:nvPr/>
+                </p:nvGrpSpPr>
+                <p:grpSpPr>
+                  <a:xfrm>
+                    <a:off x="824673" y="1587331"/>
+                    <a:ext cx="9233592" cy="6553488"/>
+                    <a:chOff x="824673" y="1587331"/>
+                    <a:chExt cx="9233592" cy="6553488"/>
+                  </a:xfrm>
+                </p:grpSpPr>
+                <p:grpSp>
+                  <p:nvGrpSpPr>
+                    <p:cNvPr id="128" name="Group 127">
+                      <a:extLst>
+                        <a:ext uri="{FF2B5EF4-FFF2-40B4-BE49-F238E27FC236}">
+                          <a16:creationId xmlns:a16="http://schemas.microsoft.com/office/drawing/2014/main" id="{80FE4D1E-1035-4520-B36C-2C6E29DA20B2}"/>
+                        </a:ext>
+                      </a:extLst>
+                    </p:cNvPr>
+                    <p:cNvGrpSpPr/>
+                    <p:nvPr/>
+                  </p:nvGrpSpPr>
+                  <p:grpSpPr>
+                    <a:xfrm>
+                      <a:off x="824673" y="1587331"/>
+                      <a:ext cx="9233592" cy="6485860"/>
+                      <a:chOff x="824673" y="1587331"/>
+                      <a:chExt cx="9233592" cy="6485860"/>
+                    </a:xfrm>
+                  </p:grpSpPr>
+                  <p:pic>
+                    <p:nvPicPr>
+                      <p:cNvPr id="132" name="Picture 2">
+                        <a:extLst>
+                          <a:ext uri="{FF2B5EF4-FFF2-40B4-BE49-F238E27FC236}">
+                            <a16:creationId xmlns:a16="http://schemas.microsoft.com/office/drawing/2014/main" id="{7A472BE1-6AAC-482E-88BA-BFA4C41531BD}"/>
+                          </a:ext>
+                        </a:extLst>
+                      </p:cNvPr>
+                      <p:cNvPicPr>
+                        <a:picLocks noChangeAspect="1" noChangeArrowheads="1"/>
+                      </p:cNvPicPr>
+                      <p:nvPr/>
+                    </p:nvPicPr>
+                    <p:blipFill>
+                      <a:blip r:embed="rId12">
+                        <a:extLst>
+                          <a:ext uri="{28A0092B-C50C-407E-A947-70E740481C1C}">
+                            <a14:useLocalDpi xmlns:a14="http://schemas.microsoft.com/office/drawing/2010/main" val="0"/>
+                          </a:ext>
+                        </a:extLst>
+                      </a:blip>
+                      <a:srcRect/>
+                      <a:stretch>
+                        <a:fillRect/>
+                      </a:stretch>
+                    </p:blipFill>
+                    <p:spPr bwMode="auto">
+                      <a:xfrm>
+                        <a:off x="824673" y="1587331"/>
+                        <a:ext cx="9080204" cy="6485860"/>
+                      </a:xfrm>
+                      <a:prstGeom prst="rect">
+                        <a:avLst/>
+                      </a:prstGeom>
+                      <a:noFill/>
+                      <a:extLst>
+                        <a:ext uri="{909E8E84-426E-40DD-AFC4-6F175D3DCCD1}">
+                          <a14:hiddenFill xmlns:a14="http://schemas.microsoft.com/office/drawing/2010/main">
+                            <a:solidFill>
+                              <a:srgbClr val="FFFFFF"/>
+                            </a:solidFill>
+                          </a14:hiddenFill>
+                        </a:ext>
+                      </a:extLst>
+                    </p:spPr>
+                  </p:pic>
+                  <p:pic>
+                    <p:nvPicPr>
+                      <p:cNvPr id="135" name="Picture 4">
+                        <a:extLst>
+                          <a:ext uri="{FF2B5EF4-FFF2-40B4-BE49-F238E27FC236}">
+                            <a16:creationId xmlns:a16="http://schemas.microsoft.com/office/drawing/2014/main" id="{655BBDF4-F3C6-416A-8689-138D5EAFE87C}"/>
+                          </a:ext>
+                        </a:extLst>
+                      </p:cNvPr>
+                      <p:cNvPicPr>
+                        <a:picLocks noChangeAspect="1" noChangeArrowheads="1"/>
+                      </p:cNvPicPr>
+                      <p:nvPr/>
+                    </p:nvPicPr>
+                    <p:blipFill rotWithShape="1">
+                      <a:blip r:embed="rId13">
+                        <a:duotone>
+                          <a:schemeClr val="accent4">
+                            <a:shade val="45000"/>
+                            <a:satMod val="135000"/>
+                          </a:schemeClr>
+                          <a:prstClr val="white"/>
+                        </a:duotone>
+                        <a:extLst>
+                          <a:ext uri="{28A0092B-C50C-407E-A947-70E740481C1C}">
+                            <a14:useLocalDpi xmlns:a14="http://schemas.microsoft.com/office/drawing/2010/main" val="0"/>
+                          </a:ext>
+                        </a:extLst>
+                      </a:blip>
+                      <a:srcRect l="26667" t="66519" r="48198" b="1348"/>
+                      <a:stretch/>
+                    </p:blipFill>
+                    <p:spPr bwMode="auto">
+                      <a:xfrm>
+                        <a:off x="7776075" y="5978322"/>
+                        <a:ext cx="2282190" cy="2084070"/>
+                      </a:xfrm>
+                      <a:prstGeom prst="rect">
+                        <a:avLst/>
+                      </a:prstGeom>
+                      <a:noFill/>
+                      <a:extLst>
+                        <a:ext uri="{909E8E84-426E-40DD-AFC4-6F175D3DCCD1}">
+                          <a14:hiddenFill xmlns:a14="http://schemas.microsoft.com/office/drawing/2010/main">
+                            <a:solidFill>
+                              <a:srgbClr val="FFFFFF"/>
+                            </a:solidFill>
+                          </a14:hiddenFill>
+                        </a:ext>
+                      </a:extLst>
+                    </p:spPr>
+                  </p:pic>
+                </p:grpSp>
+                <p:pic>
+                  <p:nvPicPr>
+                    <p:cNvPr id="130" name="Picture 2">
+                      <a:extLst>
+                        <a:ext uri="{FF2B5EF4-FFF2-40B4-BE49-F238E27FC236}">
+                          <a16:creationId xmlns:a16="http://schemas.microsoft.com/office/drawing/2014/main" id="{A924C346-7AD1-4AB3-A5DC-5BB0CE082775}"/>
+                        </a:ext>
+                      </a:extLst>
+                    </p:cNvPr>
+                    <p:cNvPicPr>
+                      <a:picLocks noChangeAspect="1" noChangeArrowheads="1"/>
+                    </p:cNvPicPr>
+                    <p:nvPr/>
+                  </p:nvPicPr>
+                  <p:blipFill rotWithShape="1">
+                    <a:blip r:embed="rId12">
+                      <a:extLst>
+                        <a:ext uri="{28A0092B-C50C-407E-A947-70E740481C1C}">
+                          <a14:useLocalDpi xmlns:a14="http://schemas.microsoft.com/office/drawing/2010/main" val="0"/>
+                        </a:ext>
+                      </a:extLst>
+                    </a:blip>
+                    <a:srcRect l="27417" t="65944" r="50403"/>
+                    <a:stretch/>
+                  </p:blipFill>
+                  <p:spPr bwMode="auto">
+                    <a:xfrm>
+                      <a:off x="3350780" y="5932025"/>
+                      <a:ext cx="2013995" cy="2208794"/>
+                    </a:xfrm>
+                    <a:prstGeom prst="rect">
+                      <a:avLst/>
+                    </a:prstGeom>
+                    <a:noFill/>
+                    <a:extLst>
+                      <a:ext uri="{909E8E84-426E-40DD-AFC4-6F175D3DCCD1}">
+                        <a14:hiddenFill xmlns:a14="http://schemas.microsoft.com/office/drawing/2010/main">
+                          <a:solidFill>
+                            <a:srgbClr val="FFFFFF"/>
+                          </a:solidFill>
+                        </a14:hiddenFill>
+                      </a:ext>
+                    </a:extLst>
+                  </p:spPr>
+                </p:pic>
+                <p:pic>
+                  <p:nvPicPr>
+                    <p:cNvPr id="131" name="Picture 2">
+                      <a:extLst>
+                        <a:ext uri="{FF2B5EF4-FFF2-40B4-BE49-F238E27FC236}">
+                          <a16:creationId xmlns:a16="http://schemas.microsoft.com/office/drawing/2014/main" id="{75190790-83E5-4CEE-9309-5F42AEA41420}"/>
+                        </a:ext>
+                      </a:extLst>
+                    </p:cNvPr>
+                    <p:cNvPicPr>
+                      <a:picLocks noChangeAspect="1" noChangeArrowheads="1"/>
+                    </p:cNvPicPr>
+                    <p:nvPr/>
+                  </p:nvPicPr>
+                  <p:blipFill rotWithShape="1">
+                    <a:blip r:embed="rId12">
+                      <a:extLst>
+                        <a:ext uri="{28A0092B-C50C-407E-A947-70E740481C1C}">
+                          <a14:useLocalDpi xmlns:a14="http://schemas.microsoft.com/office/drawing/2010/main" val="0"/>
+                        </a:ext>
+                      </a:extLst>
+                    </a:blip>
+                    <a:srcRect l="26859" t="32393" r="47471" b="33551"/>
+                    <a:stretch/>
+                  </p:blipFill>
+                  <p:spPr bwMode="auto">
+                    <a:xfrm>
+                      <a:off x="978061" y="5932025"/>
+                      <a:ext cx="2330887" cy="2208794"/>
+                    </a:xfrm>
+                    <a:prstGeom prst="rect">
+                      <a:avLst/>
+                    </a:prstGeom>
+                    <a:noFill/>
+                    <a:extLst>
+                      <a:ext uri="{909E8E84-426E-40DD-AFC4-6F175D3DCCD1}">
+                        <a14:hiddenFill xmlns:a14="http://schemas.microsoft.com/office/drawing/2010/main">
+                          <a:solidFill>
+                            <a:srgbClr val="FFFFFF"/>
+                          </a:solidFill>
+                        </a14:hiddenFill>
+                      </a:ext>
+                    </a:extLst>
+                  </p:spPr>
+                </p:pic>
+              </p:grpSp>
+              <p:pic>
+                <p:nvPicPr>
+                  <p:cNvPr id="127" name="Picture 2">
+                    <a:extLst>
+                      <a:ext uri="{FF2B5EF4-FFF2-40B4-BE49-F238E27FC236}">
+                        <a16:creationId xmlns:a16="http://schemas.microsoft.com/office/drawing/2014/main" id="{1597CC52-29D9-463B-BFD2-1FE33F7388C4}"/>
+                      </a:ext>
+                    </a:extLst>
+                  </p:cNvPr>
+                  <p:cNvPicPr>
+                    <a:picLocks noChangeAspect="1" noChangeArrowheads="1"/>
+                  </p:cNvPicPr>
+                  <p:nvPr/>
+                </p:nvPicPr>
+                <p:blipFill rotWithShape="1">
+                  <a:blip r:embed="rId12">
+                    <a:extLst>
+                      <a:ext uri="{28A0092B-C50C-407E-A947-70E740481C1C}">
+                        <a14:useLocalDpi xmlns:a14="http://schemas.microsoft.com/office/drawing/2010/main" val="0"/>
+                      </a:ext>
+                    </a:extLst>
+                  </a:blip>
+                  <a:srcRect l="2186" t="66351" r="72942" b="803"/>
+                  <a:stretch/>
+                </p:blipFill>
+                <p:spPr bwMode="auto">
+                  <a:xfrm>
+                    <a:off x="3308948" y="3801695"/>
+                    <a:ext cx="2258475" cy="2130330"/>
+                  </a:xfrm>
+                  <a:prstGeom prst="rect">
+                    <a:avLst/>
+                  </a:prstGeom>
+                  <a:noFill/>
+                  <a:extLst>
+                    <a:ext uri="{909E8E84-426E-40DD-AFC4-6F175D3DCCD1}">
+                      <a14:hiddenFill xmlns:a14="http://schemas.microsoft.com/office/drawing/2010/main">
+                        <a:solidFill>
+                          <a:srgbClr val="FFFFFF"/>
+                        </a:solidFill>
+                      </a14:hiddenFill>
+                    </a:ext>
+                  </a:extLst>
+                </p:spPr>
+              </p:pic>
+            </p:grpSp>
+            <p:sp>
+              <p:nvSpPr>
+                <p:cNvPr id="122" name="Rectangle 121">
+                  <a:extLst>
+                    <a:ext uri="{FF2B5EF4-FFF2-40B4-BE49-F238E27FC236}">
+                      <a16:creationId xmlns:a16="http://schemas.microsoft.com/office/drawing/2014/main" id="{00DF613A-3894-490F-BDFA-74CD42F725FB}"/>
+                    </a:ext>
+                  </a:extLst>
+                </p:cNvPr>
+                <p:cNvSpPr/>
+                <p:nvPr/>
+              </p:nvSpPr>
+              <p:spPr>
+                <a:xfrm>
+                  <a:off x="21184175" y="21514417"/>
+                  <a:ext cx="10549723" cy="4031873"/>
+                </a:xfrm>
+                <a:prstGeom prst="rect">
+                  <a:avLst/>
+                </a:prstGeom>
+              </p:spPr>
+              <p:txBody>
+                <a:bodyPr wrap="square">
+                  <a:spAutoFit/>
+                </a:bodyPr>
+                <a:lstStyle/>
+                <a:p>
+                  <a:pPr marL="342900" indent="-342900" algn="just">
+                    <a:spcBef>
+                      <a:spcPts val="600"/>
+                    </a:spcBef>
+                    <a:spcAft>
+                      <a:spcPts val="600"/>
+                    </a:spcAft>
+                    <a:buFont typeface="Arial" panose="020B0604020202020204" pitchFamily="34" charset="0"/>
+                    <a:buChar char="•"/>
+                  </a:pPr>
+                  <a:r>
+                    <a:rPr lang="en-US" sz="2400" dirty="0"/>
+                    <a:t>Many variables are normally distributed, which might be dominating for future logistic analysis</a:t>
+                  </a:r>
+                </a:p>
+                <a:p>
+                  <a:pPr marL="342900" indent="-342900">
+                    <a:spcBef>
+                      <a:spcPts val="600"/>
+                    </a:spcBef>
+                    <a:spcAft>
+                      <a:spcPts val="600"/>
+                    </a:spcAft>
+                    <a:buFont typeface="Arial" panose="020B0604020202020204" pitchFamily="34" charset="0"/>
+                    <a:buChar char="•"/>
+                  </a:pPr>
+                  <a:r>
+                    <a:rPr lang="en-US" sz="2400" dirty="0" err="1"/>
+                    <a:t>residual.sugar</a:t>
+                  </a:r>
+                  <a:r>
+                    <a:rPr lang="en-US" sz="2400" dirty="0"/>
+                    <a:t>, </a:t>
+                  </a:r>
+                  <a:r>
+                    <a:rPr lang="en-US" sz="2400" dirty="0" err="1"/>
+                    <a:t>cholorides</a:t>
+                  </a:r>
+                  <a:r>
+                    <a:rPr lang="en-US" sz="2400" dirty="0"/>
+                    <a:t>, and sulphates are slightly skewed to the right</a:t>
+                  </a:r>
+                </a:p>
+                <a:p>
+                  <a:pPr marL="342900" indent="-342900">
+                    <a:spcBef>
+                      <a:spcPts val="600"/>
+                    </a:spcBef>
+                    <a:spcAft>
+                      <a:spcPts val="600"/>
+                    </a:spcAft>
+                    <a:buFont typeface="Arial" panose="020B0604020202020204" pitchFamily="34" charset="0"/>
+                    <a:buChar char="•"/>
+                  </a:pPr>
+                  <a:r>
+                    <a:rPr lang="en-US" sz="2400" dirty="0" err="1"/>
+                    <a:t>free.sulfur.dioxide</a:t>
+                  </a:r>
+                  <a:r>
+                    <a:rPr lang="en-US" sz="2400" dirty="0"/>
+                    <a:t> and alcohol have an obvious rightly skewed distribution. </a:t>
+                  </a:r>
+                </a:p>
+                <a:p>
+                  <a:pPr marL="342900" indent="-342900">
+                    <a:spcBef>
+                      <a:spcPts val="600"/>
+                    </a:spcBef>
+                    <a:spcAft>
+                      <a:spcPts val="600"/>
+                    </a:spcAft>
+                    <a:buFont typeface="Arial" panose="020B0604020202020204" pitchFamily="34" charset="0"/>
+                    <a:buChar char="•"/>
+                  </a:pPr>
+                  <a:r>
+                    <a:rPr lang="en-US" sz="2400" dirty="0" err="1"/>
+                    <a:t>citric.acid</a:t>
+                  </a:r>
+                  <a:r>
+                    <a:rPr lang="en-US" sz="2400" dirty="0"/>
+                    <a:t> at first appears to have a bimodal distribution, because there are some wines with zero citric acid, Based on data definition, we know it is possible for wines to have citric acid of 0.</a:t>
+                  </a:r>
+                </a:p>
+                <a:p>
+                  <a:pPr marL="342900" indent="-342900">
+                    <a:spcBef>
+                      <a:spcPts val="600"/>
+                    </a:spcBef>
+                    <a:spcAft>
+                      <a:spcPts val="600"/>
+                    </a:spcAft>
+                    <a:buFont typeface="Arial" panose="020B0604020202020204" pitchFamily="34" charset="0"/>
+                    <a:buChar char="•"/>
+                  </a:pPr>
+                  <a:r>
+                    <a:rPr lang="en-US" sz="2400" dirty="0"/>
+                    <a:t>The variables in yellow plots are logged </a:t>
+                  </a:r>
+                  <a:r>
+                    <a:rPr lang="en-US" altLang="zh-CN" sz="2400" dirty="0"/>
+                    <a:t>sulphate</a:t>
+                  </a:r>
+                  <a:r>
+                    <a:rPr lang="en-US" sz="2400" dirty="0"/>
+                    <a:t>, and logged alcohol; log transformation is used to improve model fit by normalizing data</a:t>
+                  </a:r>
+                </a:p>
+              </p:txBody>
+            </p:sp>
+            <p:sp>
+              <p:nvSpPr>
+                <p:cNvPr id="125" name="Rectangle 124">
+                  <a:extLst>
+                    <a:ext uri="{FF2B5EF4-FFF2-40B4-BE49-F238E27FC236}">
+                      <a16:creationId xmlns:a16="http://schemas.microsoft.com/office/drawing/2014/main" id="{67AB1C33-5554-4E75-BDA8-C8A08165EEED}"/>
+                    </a:ext>
+                  </a:extLst>
+                </p:cNvPr>
+                <p:cNvSpPr/>
+                <p:nvPr/>
+              </p:nvSpPr>
+              <p:spPr>
+                <a:xfrm>
+                  <a:off x="11876209" y="15518963"/>
+                  <a:ext cx="9163484" cy="11156900"/>
+                </a:xfrm>
+                <a:prstGeom prst="rect">
+                  <a:avLst/>
+                </a:prstGeom>
+              </p:spPr>
+              <p:txBody>
+                <a:bodyPr wrap="square">
+                  <a:spAutoFit/>
+                </a:bodyPr>
+                <a:lstStyle/>
+                <a:p>
+                  <a:pPr lvl="0" eaLnBrk="0" fontAlgn="base" hangingPunct="0">
+                    <a:lnSpc>
+                      <a:spcPct val="150000"/>
+                    </a:lnSpc>
+                    <a:spcBef>
+                      <a:spcPts val="600"/>
+                    </a:spcBef>
+                    <a:spcAft>
+                      <a:spcPts val="600"/>
+                    </a:spcAft>
+                    <a:buClrTx/>
+                  </a:pPr>
+                  <a:r>
+                    <a:rPr lang="en-US" altLang="en-US" sz="2400" b="1" dirty="0">
+                      <a:solidFill>
+                        <a:srgbClr val="333333"/>
+                      </a:solidFill>
+                      <a:latin typeface="Arial" panose="020B0604020202020204" pitchFamily="34" charset="0"/>
+                      <a:ea typeface="inherit"/>
+                    </a:rPr>
+                    <a:t>Response Variable:</a:t>
+                  </a:r>
+                  <a:endParaRPr lang="en-US" altLang="en-US" sz="2400" dirty="0">
+                    <a:solidFill>
+                      <a:srgbClr val="333333"/>
+                    </a:solidFill>
+                    <a:latin typeface="Arial" panose="020B0604020202020204" pitchFamily="34" charset="0"/>
+                    <a:ea typeface="inherit"/>
+                  </a:endParaRPr>
+                </a:p>
+                <a:p>
+                  <a:pPr marL="285750" lvl="0" indent="-285750" eaLnBrk="0" fontAlgn="base" hangingPunct="0">
+                    <a:spcBef>
+                      <a:spcPts val="600"/>
+                    </a:spcBef>
+                    <a:spcAft>
+                      <a:spcPts val="600"/>
+                    </a:spcAft>
+                    <a:buClrTx/>
+                    <a:buFont typeface="Arial" panose="020B0604020202020204" pitchFamily="34" charset="0"/>
+                    <a:buChar char="•"/>
+                  </a:pPr>
+                  <a:r>
+                    <a:rPr lang="en-US" altLang="en-US" sz="2400" b="1" dirty="0">
+                      <a:solidFill>
+                        <a:srgbClr val="333333"/>
+                      </a:solidFill>
+                      <a:latin typeface="Arial" panose="020B0604020202020204" pitchFamily="34" charset="0"/>
+                      <a:ea typeface="Helvetica Neue"/>
+                    </a:rPr>
+                    <a:t>quality:</a:t>
+                  </a:r>
+                  <a:r>
+                    <a:rPr lang="en-US" altLang="en-US" sz="2400" dirty="0">
+                      <a:solidFill>
+                        <a:srgbClr val="333333"/>
+                      </a:solidFill>
+                      <a:latin typeface="Arial" panose="020B0604020202020204" pitchFamily="34" charset="0"/>
+                      <a:ea typeface="Helvetica Neue"/>
+                    </a:rPr>
+                    <a:t> the quality of the wine (a score between 0 and 10)</a:t>
+                  </a:r>
+                </a:p>
+                <a:p>
+                  <a:pPr lvl="0" eaLnBrk="0" fontAlgn="base" hangingPunct="0">
+                    <a:lnSpc>
+                      <a:spcPct val="200000"/>
+                    </a:lnSpc>
+                    <a:spcBef>
+                      <a:spcPts val="600"/>
+                    </a:spcBef>
+                    <a:spcAft>
+                      <a:spcPts val="600"/>
+                    </a:spcAft>
+                    <a:buClrTx/>
+                  </a:pPr>
+                  <a:r>
+                    <a:rPr lang="en-US" altLang="en-US" sz="2400" b="1" dirty="0">
+                      <a:solidFill>
+                        <a:srgbClr val="333333"/>
+                      </a:solidFill>
+                      <a:latin typeface="Arial" panose="020B0604020202020204" pitchFamily="34" charset="0"/>
+                      <a:ea typeface="inherit"/>
+                    </a:rPr>
+                    <a:t>Explanatory Variables:</a:t>
+                  </a:r>
+                  <a:endParaRPr lang="en-US" altLang="en-US" sz="2400" dirty="0">
+                    <a:solidFill>
+                      <a:srgbClr val="333333"/>
+                    </a:solidFill>
+                    <a:latin typeface="Arial" panose="020B0604020202020204" pitchFamily="34" charset="0"/>
+                    <a:ea typeface="inherit"/>
+                  </a:endParaRPr>
+                </a:p>
+                <a:p>
+                  <a:pPr marL="285750" lvl="0" indent="-285750" eaLnBrk="0" fontAlgn="base" hangingPunct="0">
+                    <a:spcBef>
+                      <a:spcPts val="600"/>
+                    </a:spcBef>
+                    <a:spcAft>
+                      <a:spcPts val="600"/>
+                    </a:spcAft>
+                    <a:buClrTx/>
+                    <a:buFont typeface="Arial" panose="020B0604020202020204" pitchFamily="34" charset="0"/>
+                    <a:buChar char="•"/>
+                  </a:pPr>
+                  <a:r>
+                    <a:rPr lang="en-US" altLang="en-US" sz="2400" b="1" dirty="0" err="1">
+                      <a:solidFill>
+                        <a:srgbClr val="333333"/>
+                      </a:solidFill>
+                      <a:latin typeface="Arial" panose="020B0604020202020204" pitchFamily="34" charset="0"/>
+                      <a:ea typeface="Helvetica Neue"/>
+                    </a:rPr>
+                    <a:t>fixed.acidity</a:t>
+                  </a:r>
+                  <a:r>
+                    <a:rPr lang="en-US" altLang="en-US" sz="2400" b="1" dirty="0">
+                      <a:solidFill>
+                        <a:srgbClr val="333333"/>
+                      </a:solidFill>
+                      <a:latin typeface="Arial" panose="020B0604020202020204" pitchFamily="34" charset="0"/>
+                      <a:ea typeface="Helvetica Neue"/>
+                    </a:rPr>
+                    <a:t>:</a:t>
+                  </a:r>
+                  <a:r>
+                    <a:rPr lang="en-US" altLang="en-US" sz="2400" dirty="0">
+                      <a:solidFill>
+                        <a:srgbClr val="333333"/>
+                      </a:solidFill>
+                      <a:latin typeface="Arial" panose="020B0604020202020204" pitchFamily="34" charset="0"/>
+                      <a:ea typeface="Helvetica Neue"/>
+                    </a:rPr>
+                    <a:t> the amount of acid in wine that’s not volatile (do not evaporate fast)</a:t>
+                  </a:r>
+                </a:p>
+                <a:p>
+                  <a:pPr marL="285750" lvl="0" indent="-285750" eaLnBrk="0" fontAlgn="base" hangingPunct="0">
+                    <a:spcBef>
+                      <a:spcPts val="600"/>
+                    </a:spcBef>
+                    <a:spcAft>
+                      <a:spcPts val="600"/>
+                    </a:spcAft>
+                    <a:buClrTx/>
+                    <a:buFont typeface="Arial" panose="020B0604020202020204" pitchFamily="34" charset="0"/>
+                    <a:buChar char="•"/>
+                  </a:pPr>
+                  <a:r>
+                    <a:rPr lang="en-US" altLang="en-US" sz="2400" b="1" dirty="0" err="1">
+                      <a:solidFill>
+                        <a:srgbClr val="333333"/>
+                      </a:solidFill>
+                      <a:latin typeface="Arial" panose="020B0604020202020204" pitchFamily="34" charset="0"/>
+                      <a:ea typeface="Helvetica Neue"/>
+                    </a:rPr>
+                    <a:t>volatile.acidity</a:t>
+                  </a:r>
+                  <a:r>
+                    <a:rPr lang="en-US" altLang="en-US" sz="2400" b="1" dirty="0">
+                      <a:solidFill>
+                        <a:srgbClr val="333333"/>
+                      </a:solidFill>
+                      <a:latin typeface="Arial" panose="020B0604020202020204" pitchFamily="34" charset="0"/>
+                      <a:ea typeface="Helvetica Neue"/>
+                    </a:rPr>
+                    <a:t>:</a:t>
+                  </a:r>
+                  <a:r>
+                    <a:rPr lang="en-US" altLang="en-US" sz="2400" dirty="0">
+                      <a:solidFill>
+                        <a:srgbClr val="333333"/>
+                      </a:solidFill>
+                      <a:latin typeface="Arial" panose="020B0604020202020204" pitchFamily="34" charset="0"/>
+                      <a:ea typeface="Helvetica Neue"/>
+                    </a:rPr>
+                    <a:t> the amount of acetic acid in wine</a:t>
+                  </a:r>
+                </a:p>
+                <a:p>
+                  <a:pPr marL="285750" lvl="0" indent="-285750" eaLnBrk="0" fontAlgn="base" hangingPunct="0">
+                    <a:spcBef>
+                      <a:spcPts val="600"/>
+                    </a:spcBef>
+                    <a:spcAft>
+                      <a:spcPts val="600"/>
+                    </a:spcAft>
+                    <a:buClrTx/>
+                    <a:buFont typeface="Arial" panose="020B0604020202020204" pitchFamily="34" charset="0"/>
+                    <a:buChar char="•"/>
+                  </a:pPr>
+                  <a:r>
+                    <a:rPr lang="en-US" altLang="en-US" sz="2400" b="1" dirty="0" err="1">
+                      <a:solidFill>
+                        <a:srgbClr val="333333"/>
+                      </a:solidFill>
+                      <a:latin typeface="Arial" panose="020B0604020202020204" pitchFamily="34" charset="0"/>
+                      <a:ea typeface="Helvetica Neue"/>
+                    </a:rPr>
+                    <a:t>citric.acid</a:t>
+                  </a:r>
+                  <a:r>
+                    <a:rPr lang="en-US" altLang="en-US" sz="2400" b="1" dirty="0">
+                      <a:solidFill>
+                        <a:srgbClr val="333333"/>
+                      </a:solidFill>
+                      <a:latin typeface="Arial" panose="020B0604020202020204" pitchFamily="34" charset="0"/>
+                      <a:ea typeface="Helvetica Neue"/>
+                    </a:rPr>
+                    <a:t>:</a:t>
+                  </a:r>
+                  <a:r>
+                    <a:rPr lang="en-US" altLang="en-US" sz="2400" dirty="0">
+                      <a:solidFill>
+                        <a:srgbClr val="333333"/>
+                      </a:solidFill>
+                      <a:latin typeface="Arial" panose="020B0604020202020204" pitchFamily="34" charset="0"/>
+                      <a:ea typeface="Helvetica Neue"/>
+                    </a:rPr>
+                    <a:t>  citric acid is found in small quantities, and can add freshness and flavor to wines</a:t>
+                  </a:r>
+                </a:p>
+                <a:p>
+                  <a:pPr marL="285750" lvl="0" indent="-285750" eaLnBrk="0" fontAlgn="base" hangingPunct="0">
+                    <a:spcBef>
+                      <a:spcPts val="600"/>
+                    </a:spcBef>
+                    <a:spcAft>
+                      <a:spcPts val="600"/>
+                    </a:spcAft>
+                    <a:buClrTx/>
+                    <a:buFont typeface="Arial" panose="020B0604020202020204" pitchFamily="34" charset="0"/>
+                    <a:buChar char="•"/>
+                  </a:pPr>
+                  <a:r>
+                    <a:rPr lang="en-US" altLang="en-US" sz="2400" b="1" dirty="0" err="1">
+                      <a:solidFill>
+                        <a:srgbClr val="333333"/>
+                      </a:solidFill>
+                      <a:latin typeface="Arial" panose="020B0604020202020204" pitchFamily="34" charset="0"/>
+                      <a:ea typeface="Helvetica Neue"/>
+                    </a:rPr>
+                    <a:t>residual.sugar</a:t>
+                  </a:r>
+                  <a:r>
+                    <a:rPr lang="en-US" altLang="en-US" sz="2400" b="1" dirty="0">
+                      <a:solidFill>
+                        <a:srgbClr val="333333"/>
+                      </a:solidFill>
+                      <a:latin typeface="Arial" panose="020B0604020202020204" pitchFamily="34" charset="0"/>
+                      <a:ea typeface="Helvetica Neue"/>
+                    </a:rPr>
+                    <a:t>:</a:t>
+                  </a:r>
+                  <a:r>
+                    <a:rPr lang="en-US" altLang="en-US" sz="2400" dirty="0">
+                      <a:solidFill>
+                        <a:srgbClr val="333333"/>
+                      </a:solidFill>
+                      <a:latin typeface="Arial" panose="020B0604020202020204" pitchFamily="34" charset="0"/>
+                      <a:ea typeface="Helvetica Neue"/>
+                    </a:rPr>
+                    <a:t>  the amount of sugar left after </a:t>
+                  </a:r>
+                  <a:r>
+                    <a:rPr lang="en-US" altLang="en-US" sz="2400" dirty="0" err="1">
+                      <a:solidFill>
+                        <a:srgbClr val="333333"/>
+                      </a:solidFill>
+                      <a:latin typeface="Arial" panose="020B0604020202020204" pitchFamily="34" charset="0"/>
+                      <a:ea typeface="Helvetica Neue"/>
+                    </a:rPr>
+                    <a:t>fermatation</a:t>
+                  </a:r>
+                  <a:r>
+                    <a:rPr lang="en-US" altLang="en-US" sz="2400" dirty="0">
+                      <a:solidFill>
+                        <a:srgbClr val="333333"/>
+                      </a:solidFill>
+                      <a:latin typeface="Arial" panose="020B0604020202020204" pitchFamily="34" charset="0"/>
+                      <a:ea typeface="Helvetica Neue"/>
+                    </a:rPr>
+                    <a:t> stops</a:t>
+                  </a:r>
+                </a:p>
+                <a:p>
+                  <a:pPr marL="285750" lvl="0" indent="-285750" eaLnBrk="0" fontAlgn="base" hangingPunct="0">
+                    <a:spcBef>
+                      <a:spcPts val="600"/>
+                    </a:spcBef>
+                    <a:spcAft>
+                      <a:spcPts val="600"/>
+                    </a:spcAft>
+                    <a:buClrTx/>
+                    <a:buFont typeface="Arial" panose="020B0604020202020204" pitchFamily="34" charset="0"/>
+                    <a:buChar char="•"/>
+                  </a:pPr>
+                  <a:r>
+                    <a:rPr lang="en-US" altLang="en-US" sz="2400" b="1" dirty="0">
+                      <a:solidFill>
+                        <a:srgbClr val="333333"/>
+                      </a:solidFill>
+                      <a:latin typeface="Arial" panose="020B0604020202020204" pitchFamily="34" charset="0"/>
+                      <a:ea typeface="Helvetica Neue"/>
+                    </a:rPr>
+                    <a:t>chlorides:</a:t>
+                  </a:r>
+                  <a:r>
+                    <a:rPr lang="en-US" altLang="en-US" sz="2400" dirty="0">
+                      <a:solidFill>
+                        <a:srgbClr val="333333"/>
+                      </a:solidFill>
+                      <a:latin typeface="Arial" panose="020B0604020202020204" pitchFamily="34" charset="0"/>
+                      <a:ea typeface="Helvetica Neue"/>
+                    </a:rPr>
+                    <a:t>  the amount of salt in the wine</a:t>
+                  </a:r>
+                </a:p>
+                <a:p>
+                  <a:pPr marL="285750" lvl="0" indent="-285750" eaLnBrk="0" fontAlgn="base" hangingPunct="0">
+                    <a:spcBef>
+                      <a:spcPts val="600"/>
+                    </a:spcBef>
+                    <a:spcAft>
+                      <a:spcPts val="600"/>
+                    </a:spcAft>
+                    <a:buClrTx/>
+                    <a:buFont typeface="Arial" panose="020B0604020202020204" pitchFamily="34" charset="0"/>
+                    <a:buChar char="•"/>
+                  </a:pPr>
+                  <a:r>
+                    <a:rPr lang="en-US" altLang="en-US" sz="2400" b="1" dirty="0" err="1">
+                      <a:solidFill>
+                        <a:srgbClr val="333333"/>
+                      </a:solidFill>
+                      <a:latin typeface="Arial" panose="020B0604020202020204" pitchFamily="34" charset="0"/>
+                      <a:ea typeface="Helvetica Neue"/>
+                    </a:rPr>
+                    <a:t>free.sulfure.dioxide</a:t>
+                  </a:r>
+                  <a:r>
+                    <a:rPr lang="en-US" altLang="en-US" sz="2400" b="1" dirty="0">
+                      <a:solidFill>
+                        <a:srgbClr val="333333"/>
+                      </a:solidFill>
+                      <a:latin typeface="Arial" panose="020B0604020202020204" pitchFamily="34" charset="0"/>
+                      <a:ea typeface="Helvetica Neue"/>
+                    </a:rPr>
+                    <a:t>:</a:t>
+                  </a:r>
+                  <a:r>
+                    <a:rPr lang="en-US" altLang="en-US" sz="2400" dirty="0">
+                      <a:solidFill>
+                        <a:srgbClr val="333333"/>
+                      </a:solidFill>
+                      <a:latin typeface="Arial" panose="020B0604020202020204" pitchFamily="34" charset="0"/>
+                      <a:ea typeface="Helvetica Neue"/>
+                    </a:rPr>
+                    <a:t> the free form of </a:t>
+                  </a:r>
+                  <a:r>
+                    <a:rPr lang="en-US" altLang="en-US" sz="2400" dirty="0">
+                      <a:solidFill>
+                        <a:srgbClr val="333333"/>
+                      </a:solidFill>
+                      <a:latin typeface="Arial" panose="020B0604020202020204" pitchFamily="34" charset="0"/>
+                      <a:ea typeface="MathJax_Math-italic"/>
+                    </a:rPr>
+                    <a:t>S</a:t>
+                  </a:r>
+                  <a:r>
+                    <a:rPr lang="en-US" altLang="en-US" sz="2400" dirty="0">
+                      <a:solidFill>
+                        <a:srgbClr val="333333"/>
+                      </a:solidFill>
+                      <a:latin typeface="Arial" panose="020B0604020202020204" pitchFamily="34" charset="0"/>
+                      <a:ea typeface="MathJax_Main"/>
+                    </a:rPr>
+                    <a:t>02</a:t>
+                  </a:r>
+                  <a:r>
+                    <a:rPr lang="en-US" altLang="en-US" sz="2400" dirty="0">
+                      <a:solidFill>
+                        <a:srgbClr val="333333"/>
+                      </a:solidFill>
+                      <a:latin typeface="Arial" panose="020B0604020202020204" pitchFamily="34" charset="0"/>
+                      <a:ea typeface="Helvetica Neue"/>
+                    </a:rPr>
+                    <a:t>S02 exists in equilibrium between molecular </a:t>
+                  </a:r>
+                  <a:r>
+                    <a:rPr lang="en-US" altLang="en-US" sz="2400" dirty="0">
+                      <a:solidFill>
+                        <a:srgbClr val="333333"/>
+                      </a:solidFill>
+                      <a:latin typeface="Arial" panose="020B0604020202020204" pitchFamily="34" charset="0"/>
+                      <a:ea typeface="MathJax_Math-italic"/>
+                    </a:rPr>
+                    <a:t>S</a:t>
+                  </a:r>
+                  <a:r>
+                    <a:rPr lang="en-US" altLang="en-US" sz="2400" dirty="0">
+                      <a:solidFill>
+                        <a:srgbClr val="333333"/>
+                      </a:solidFill>
+                      <a:latin typeface="Arial" panose="020B0604020202020204" pitchFamily="34" charset="0"/>
+                      <a:ea typeface="MathJax_Main"/>
+                    </a:rPr>
+                    <a:t>02</a:t>
+                  </a:r>
+                  <a:r>
+                    <a:rPr lang="en-US" altLang="en-US" sz="2400" dirty="0">
+                      <a:solidFill>
+                        <a:srgbClr val="333333"/>
+                      </a:solidFill>
+                      <a:latin typeface="Arial" panose="020B0604020202020204" pitchFamily="34" charset="0"/>
+                      <a:ea typeface="Helvetica Neue"/>
+                    </a:rPr>
+                    <a:t>S02 (as a dissolved gas) and bisulfite ion</a:t>
+                  </a:r>
+                </a:p>
+                <a:p>
+                  <a:pPr marL="285750" lvl="0" indent="-285750" eaLnBrk="0" fontAlgn="base" hangingPunct="0">
+                    <a:spcBef>
+                      <a:spcPts val="600"/>
+                    </a:spcBef>
+                    <a:spcAft>
+                      <a:spcPts val="600"/>
+                    </a:spcAft>
+                    <a:buClrTx/>
+                    <a:buFont typeface="Arial" panose="020B0604020202020204" pitchFamily="34" charset="0"/>
+                    <a:buChar char="•"/>
+                  </a:pPr>
+                  <a:r>
+                    <a:rPr lang="en-US" altLang="en-US" sz="2400" b="1" dirty="0" err="1">
+                      <a:solidFill>
+                        <a:srgbClr val="333333"/>
+                      </a:solidFill>
+                      <a:latin typeface="Arial" panose="020B0604020202020204" pitchFamily="34" charset="0"/>
+                      <a:ea typeface="Helvetica Neue"/>
+                    </a:rPr>
+                    <a:t>total.sulfur.dioxide</a:t>
+                  </a:r>
+                  <a:r>
+                    <a:rPr lang="en-US" altLang="en-US" sz="2400" b="1" dirty="0">
+                      <a:solidFill>
+                        <a:srgbClr val="333333"/>
+                      </a:solidFill>
+                      <a:latin typeface="Arial" panose="020B0604020202020204" pitchFamily="34" charset="0"/>
+                      <a:ea typeface="Helvetica Neue"/>
+                    </a:rPr>
+                    <a:t>:</a:t>
+                  </a:r>
+                  <a:r>
+                    <a:rPr lang="en-US" altLang="en-US" sz="2400" dirty="0">
+                      <a:solidFill>
+                        <a:srgbClr val="333333"/>
+                      </a:solidFill>
+                      <a:latin typeface="Arial" panose="020B0604020202020204" pitchFamily="34" charset="0"/>
+                      <a:ea typeface="Helvetica Neue"/>
+                    </a:rPr>
+                    <a:t> amount of free and bound forms of </a:t>
+                  </a:r>
+                  <a:r>
+                    <a:rPr lang="en-US" altLang="en-US" sz="2400" dirty="0">
+                      <a:solidFill>
+                        <a:srgbClr val="333333"/>
+                      </a:solidFill>
+                      <a:latin typeface="Arial" panose="020B0604020202020204" pitchFamily="34" charset="0"/>
+                      <a:ea typeface="MathJax_Math-italic"/>
+                    </a:rPr>
+                    <a:t>S</a:t>
+                  </a:r>
+                  <a:r>
+                    <a:rPr lang="en-US" altLang="en-US" sz="2400" dirty="0">
+                      <a:solidFill>
+                        <a:srgbClr val="333333"/>
+                      </a:solidFill>
+                      <a:latin typeface="Arial" panose="020B0604020202020204" pitchFamily="34" charset="0"/>
+                      <a:ea typeface="MathJax_Main"/>
+                    </a:rPr>
+                    <a:t>02</a:t>
+                  </a:r>
+                  <a:r>
+                    <a:rPr lang="en-US" altLang="en-US" sz="2400" dirty="0">
+                      <a:solidFill>
+                        <a:srgbClr val="333333"/>
+                      </a:solidFill>
+                      <a:latin typeface="Arial" panose="020B0604020202020204" pitchFamily="34" charset="0"/>
+                      <a:ea typeface="Helvetica Neue"/>
+                    </a:rPr>
+                    <a:t>S02</a:t>
+                  </a:r>
+                </a:p>
+                <a:p>
+                  <a:pPr marL="285750" lvl="0" indent="-285750" eaLnBrk="0" fontAlgn="base" hangingPunct="0">
+                    <a:spcBef>
+                      <a:spcPts val="600"/>
+                    </a:spcBef>
+                    <a:spcAft>
+                      <a:spcPts val="600"/>
+                    </a:spcAft>
+                    <a:buClrTx/>
+                    <a:buFont typeface="Arial" panose="020B0604020202020204" pitchFamily="34" charset="0"/>
+                    <a:buChar char="•"/>
+                  </a:pPr>
+                  <a:r>
+                    <a:rPr lang="en-US" altLang="en-US" sz="2400" b="1" dirty="0">
+                      <a:solidFill>
+                        <a:srgbClr val="333333"/>
+                      </a:solidFill>
+                      <a:latin typeface="Arial" panose="020B0604020202020204" pitchFamily="34" charset="0"/>
+                      <a:ea typeface="Helvetica Neue"/>
+                    </a:rPr>
+                    <a:t>density:</a:t>
+                  </a:r>
+                  <a:r>
+                    <a:rPr lang="en-US" altLang="en-US" sz="2400" dirty="0">
+                      <a:solidFill>
+                        <a:srgbClr val="333333"/>
+                      </a:solidFill>
+                      <a:latin typeface="Arial" panose="020B0604020202020204" pitchFamily="34" charset="0"/>
+                      <a:ea typeface="Helvetica Neue"/>
+                    </a:rPr>
+                    <a:t> the density of the liquid</a:t>
+                  </a:r>
+                </a:p>
+                <a:p>
+                  <a:pPr marL="285750" lvl="0" indent="-285750" eaLnBrk="0" fontAlgn="base" hangingPunct="0">
+                    <a:spcBef>
+                      <a:spcPts val="600"/>
+                    </a:spcBef>
+                    <a:spcAft>
+                      <a:spcPts val="600"/>
+                    </a:spcAft>
+                    <a:buClrTx/>
+                    <a:buFont typeface="Arial" panose="020B0604020202020204" pitchFamily="34" charset="0"/>
+                    <a:buChar char="•"/>
+                  </a:pPr>
+                  <a:r>
+                    <a:rPr lang="en-US" altLang="en-US" sz="2400" b="1" dirty="0">
+                      <a:solidFill>
+                        <a:srgbClr val="333333"/>
+                      </a:solidFill>
+                      <a:latin typeface="Arial" panose="020B0604020202020204" pitchFamily="34" charset="0"/>
+                      <a:ea typeface="Helvetica Neue"/>
+                    </a:rPr>
+                    <a:t>pH:</a:t>
+                  </a:r>
+                  <a:r>
+                    <a:rPr lang="en-US" altLang="en-US" sz="2400" dirty="0">
+                      <a:solidFill>
+                        <a:srgbClr val="333333"/>
+                      </a:solidFill>
+                      <a:latin typeface="Arial" panose="020B0604020202020204" pitchFamily="34" charset="0"/>
+                      <a:ea typeface="Helvetica Neue"/>
+                    </a:rPr>
+                    <a:t> the indicator of the </a:t>
+                  </a:r>
+                  <a:r>
+                    <a:rPr lang="en-US" altLang="en-US" sz="2400" dirty="0" err="1">
+                      <a:solidFill>
+                        <a:srgbClr val="333333"/>
+                      </a:solidFill>
+                      <a:latin typeface="Arial" panose="020B0604020202020204" pitchFamily="34" charset="0"/>
+                      <a:ea typeface="Helvetica Neue"/>
+                    </a:rPr>
+                    <a:t>acidicity</a:t>
+                  </a:r>
+                  <a:r>
+                    <a:rPr lang="en-US" altLang="en-US" sz="2400" dirty="0">
+                      <a:solidFill>
+                        <a:srgbClr val="333333"/>
+                      </a:solidFill>
+                      <a:latin typeface="Arial" panose="020B0604020202020204" pitchFamily="34" charset="0"/>
+                      <a:ea typeface="Helvetica Neue"/>
+                    </a:rPr>
+                    <a:t> or basic property of the wine</a:t>
+                  </a:r>
+                </a:p>
+                <a:p>
+                  <a:pPr marL="285750" lvl="0" indent="-285750" eaLnBrk="0" fontAlgn="base" hangingPunct="0">
+                    <a:spcBef>
+                      <a:spcPts val="600"/>
+                    </a:spcBef>
+                    <a:spcAft>
+                      <a:spcPts val="600"/>
+                    </a:spcAft>
+                    <a:buClrTx/>
+                    <a:buFont typeface="Arial" panose="020B0604020202020204" pitchFamily="34" charset="0"/>
+                    <a:buChar char="•"/>
+                  </a:pPr>
+                  <a:r>
+                    <a:rPr lang="en-US" altLang="en-US" sz="2400" b="1" dirty="0">
+                      <a:solidFill>
+                        <a:srgbClr val="333333"/>
+                      </a:solidFill>
+                      <a:latin typeface="Arial" panose="020B0604020202020204" pitchFamily="34" charset="0"/>
+                      <a:ea typeface="Helvetica Neue"/>
+                    </a:rPr>
+                    <a:t>sulphates: </a:t>
+                  </a:r>
+                  <a:r>
+                    <a:rPr lang="en-US" altLang="en-US" sz="2400" dirty="0">
+                      <a:solidFill>
+                        <a:srgbClr val="333333"/>
+                      </a:solidFill>
+                      <a:latin typeface="Arial" panose="020B0604020202020204" pitchFamily="34" charset="0"/>
+                      <a:ea typeface="Helvetica Neue"/>
+                    </a:rPr>
+                    <a:t>a wine additive which can contribute to sulfur dioxide gas </a:t>
+                  </a:r>
+                  <a:r>
+                    <a:rPr lang="en-US" altLang="en-US" sz="2400" dirty="0">
+                      <a:solidFill>
+                        <a:srgbClr val="333333"/>
+                      </a:solidFill>
+                      <a:latin typeface="Arial" panose="020B0604020202020204" pitchFamily="34" charset="0"/>
+                      <a:ea typeface="MathJax_Math-italic"/>
+                    </a:rPr>
+                    <a:t>S</a:t>
+                  </a:r>
+                  <a:r>
+                    <a:rPr lang="en-US" altLang="en-US" sz="2400" dirty="0">
+                      <a:solidFill>
+                        <a:srgbClr val="333333"/>
+                      </a:solidFill>
+                      <a:latin typeface="Arial" panose="020B0604020202020204" pitchFamily="34" charset="0"/>
+                      <a:ea typeface="MathJax_Main"/>
+                    </a:rPr>
+                    <a:t>02</a:t>
+                  </a:r>
+                  <a:r>
+                    <a:rPr lang="en-US" altLang="en-US" sz="2400" dirty="0">
+                      <a:solidFill>
+                        <a:srgbClr val="333333"/>
+                      </a:solidFill>
+                      <a:latin typeface="Arial" panose="020B0604020202020204" pitchFamily="34" charset="0"/>
+                      <a:ea typeface="Helvetica Neue"/>
+                    </a:rPr>
+                    <a:t>S02 levels</a:t>
+                  </a:r>
+                </a:p>
+                <a:p>
+                  <a:pPr marL="285750" lvl="0" indent="-285750" eaLnBrk="0" fontAlgn="base" hangingPunct="0">
+                    <a:spcBef>
+                      <a:spcPts val="600"/>
+                    </a:spcBef>
+                    <a:spcAft>
+                      <a:spcPts val="600"/>
+                    </a:spcAft>
+                    <a:buClrTx/>
+                    <a:buFont typeface="Arial" panose="020B0604020202020204" pitchFamily="34" charset="0"/>
+                    <a:buChar char="•"/>
+                  </a:pPr>
+                  <a:r>
+                    <a:rPr lang="en-US" altLang="en-US" sz="2400" b="1" dirty="0">
+                      <a:solidFill>
+                        <a:srgbClr val="333333"/>
+                      </a:solidFill>
+                      <a:latin typeface="Arial" panose="020B0604020202020204" pitchFamily="34" charset="0"/>
+                      <a:ea typeface="Helvetica Neue"/>
+                    </a:rPr>
+                    <a:t>alcohol:</a:t>
+                  </a:r>
+                  <a:r>
+                    <a:rPr lang="en-US" altLang="en-US" sz="2400" dirty="0">
+                      <a:solidFill>
+                        <a:srgbClr val="333333"/>
+                      </a:solidFill>
+                      <a:latin typeface="Arial" panose="020B0604020202020204" pitchFamily="34" charset="0"/>
+                      <a:ea typeface="Helvetica Neue"/>
+                    </a:rPr>
+                    <a:t> the percent alcohol content of the wine</a:t>
+                  </a:r>
+                </a:p>
+                <a:p>
+                  <a:br>
+                    <a:rPr lang="en-US" sz="2000" dirty="0"/>
+                  </a:br>
+                  <a:br>
+                    <a:rPr lang="en-US" sz="1200" dirty="0"/>
+                  </a:br>
+                  <a:endParaRPr lang="en-US" sz="1200" dirty="0"/>
+                </a:p>
+              </p:txBody>
+            </p:sp>
+          </p:grpSp>
+          <p:sp>
+            <p:nvSpPr>
+              <p:cNvPr id="115" name="TextBox 114">
+                <a:extLst>
+                  <a:ext uri="{FF2B5EF4-FFF2-40B4-BE49-F238E27FC236}">
+                    <a16:creationId xmlns:a16="http://schemas.microsoft.com/office/drawing/2014/main" id="{99D86F51-3EB6-4519-A834-89DC9EBADE18}"/>
+                  </a:ext>
+                </a:extLst>
+              </p:cNvPr>
+              <p:cNvSpPr txBox="1"/>
+              <p:nvPr/>
+            </p:nvSpPr>
+            <p:spPr>
+              <a:xfrm>
+                <a:off x="16597617" y="14323294"/>
+                <a:ext cx="10695966" cy="1107996"/>
+              </a:xfrm>
+              <a:prstGeom prst="rect">
+                <a:avLst/>
+              </a:prstGeom>
+              <a:noFill/>
+            </p:spPr>
+            <p:txBody>
+              <a:bodyPr wrap="square" rtlCol="0">
+                <a:spAutoFit/>
+              </a:bodyPr>
+              <a:lstStyle/>
+              <a:p>
+                <a:pPr algn="ctr"/>
+                <a:r>
+                  <a:rPr lang="en-US" sz="6600" b="1" u="sng" dirty="0">
+                    <a:solidFill>
+                      <a:schemeClr val="tx1">
+                        <a:lumMod val="65000"/>
+                        <a:lumOff val="35000"/>
+                      </a:schemeClr>
+                    </a:solidFill>
+                    <a:highlight>
+                      <a:srgbClr val="EAEAEA"/>
+                    </a:highlight>
+                  </a:rPr>
+                  <a:t>D</a:t>
+                </a:r>
+                <a:r>
+                  <a:rPr lang="en-US" sz="4400" b="1" u="sng" dirty="0">
+                    <a:solidFill>
+                      <a:schemeClr val="tx1">
+                        <a:lumMod val="65000"/>
+                        <a:lumOff val="35000"/>
+                      </a:schemeClr>
+                    </a:solidFill>
+                    <a:highlight>
+                      <a:srgbClr val="EAEAEA"/>
+                    </a:highlight>
+                  </a:rPr>
+                  <a:t>ata Explanation &amp; Data Exploration</a:t>
+                </a:r>
+                <a:endParaRPr lang="en-US" sz="1800" b="1" u="sng" dirty="0">
+                  <a:solidFill>
+                    <a:schemeClr val="tx1">
+                      <a:lumMod val="65000"/>
+                      <a:lumOff val="35000"/>
+                    </a:schemeClr>
+                  </a:solidFill>
+                  <a:highlight>
+                    <a:srgbClr val="EAEAEA"/>
+                  </a:highlight>
+                </a:endParaRPr>
+              </a:p>
+            </p:txBody>
+          </p:sp>
+        </p:grpSp>
+        <p:pic>
+          <p:nvPicPr>
+            <p:cNvPr id="9" name="Picture 8">
+              <a:extLst>
+                <a:ext uri="{FF2B5EF4-FFF2-40B4-BE49-F238E27FC236}">
+                  <a16:creationId xmlns:a16="http://schemas.microsoft.com/office/drawing/2014/main" id="{3E9694D5-CA9C-4E20-BE1A-A74467D7D51F}"/>
+                </a:ext>
+              </a:extLst>
+            </p:cNvPr>
+            <p:cNvPicPr>
+              <a:picLocks noChangeAspect="1"/>
+            </p:cNvPicPr>
+            <p:nvPr/>
+          </p:nvPicPr>
+          <p:blipFill>
+            <a:blip r:embed="rId14">
+              <a:duotone>
+                <a:schemeClr val="accent4">
+                  <a:shade val="45000"/>
+                  <a:satMod val="135000"/>
+                </a:schemeClr>
+                <a:prstClr val="white"/>
+              </a:duotone>
+            </a:blip>
+            <a:stretch>
+              <a:fillRect/>
+            </a:stretch>
+          </p:blipFill>
+          <p:spPr>
+            <a:xfrm>
+              <a:off x="26496644" y="18392175"/>
+              <a:ext cx="1872321" cy="1645889"/>
+            </a:xfrm>
+            <a:prstGeom prst="rect">
+              <a:avLst/>
+            </a:prstGeom>
+          </p:spPr>
+        </p:pic>
+      </p:grpSp>
+      <p:sp>
+        <p:nvSpPr>
+          <p:cNvPr id="10" name="TextBox 9">
+            <a:extLst>
+              <a:ext uri="{FF2B5EF4-FFF2-40B4-BE49-F238E27FC236}">
+                <a16:creationId xmlns:a16="http://schemas.microsoft.com/office/drawing/2014/main" id="{F1FF414A-7A57-4D3B-93C4-B4BCC1E32DB3}"/>
+              </a:ext>
+            </a:extLst>
+          </p:cNvPr>
+          <p:cNvSpPr txBox="1"/>
+          <p:nvPr/>
+        </p:nvSpPr>
+        <p:spPr>
+          <a:xfrm>
+            <a:off x="26804114" y="19951636"/>
+            <a:ext cx="1358064" cy="338554"/>
+          </a:xfrm>
+          <a:prstGeom prst="rect">
+            <a:avLst/>
+          </a:prstGeom>
+          <a:solidFill>
+            <a:schemeClr val="bg1"/>
+          </a:solidFill>
+        </p:spPr>
+        <p:txBody>
+          <a:bodyPr wrap="none" rtlCol="0">
+            <a:spAutoFit/>
+          </a:bodyPr>
+          <a:lstStyle/>
+          <a:p>
+            <a:r>
+              <a:rPr lang="en-US" altLang="zh-CN" sz="1600" dirty="0">
+                <a:solidFill>
+                  <a:srgbClr val="FF0000"/>
+                </a:solidFill>
+              </a:rPr>
+              <a:t>Log sulphate</a:t>
+            </a:r>
+          </a:p>
+        </p:txBody>
+      </p:sp>
+      <p:sp>
+        <p:nvSpPr>
+          <p:cNvPr id="138" name="TextBox 137">
+            <a:extLst>
+              <a:ext uri="{FF2B5EF4-FFF2-40B4-BE49-F238E27FC236}">
+                <a16:creationId xmlns:a16="http://schemas.microsoft.com/office/drawing/2014/main" id="{DFF8FA74-EC67-43D1-BFF3-C0E9B031EA13}"/>
+              </a:ext>
+            </a:extLst>
+          </p:cNvPr>
+          <p:cNvSpPr txBox="1"/>
+          <p:nvPr/>
+        </p:nvSpPr>
+        <p:spPr>
+          <a:xfrm>
+            <a:off x="29385733" y="19897230"/>
+            <a:ext cx="1231427" cy="338554"/>
+          </a:xfrm>
+          <a:prstGeom prst="rect">
+            <a:avLst/>
+          </a:prstGeom>
+          <a:solidFill>
+            <a:schemeClr val="bg1"/>
+          </a:solidFill>
+        </p:spPr>
+        <p:txBody>
+          <a:bodyPr wrap="none" rtlCol="0">
+            <a:spAutoFit/>
+          </a:bodyPr>
+          <a:lstStyle/>
+          <a:p>
+            <a:r>
+              <a:rPr lang="en-US" altLang="zh-CN" sz="1600" dirty="0">
+                <a:solidFill>
+                  <a:srgbClr val="FF0000"/>
+                </a:solidFill>
+              </a:rPr>
+              <a:t>Log alcohol</a:t>
+            </a:r>
+          </a:p>
+        </p:txBody>
+      </p:sp>
     </p:spTree>
   </p:cSld>
   <p:clrMapOvr>

--- a/extra_credit.pptx
+++ b/extra_credit.pptx
@@ -3353,7 +3353,7 @@
         <p:spPr>
           <a:xfrm>
             <a:off x="32650489" y="7425005"/>
-            <a:ext cx="10925175" cy="3139321"/>
+            <a:ext cx="10925175" cy="2616101"/>
           </a:xfrm>
           <a:prstGeom prst="rect">
             <a:avLst/>
@@ -3491,22 +3491,6 @@
             <a:r>
               <a:rPr lang="en-US" altLang="zh-CN" sz="2400" dirty="0"/>
               <a:t>The remaining variables are very strong predictors with p-value = 0, but the magnitude of impact is not that large as their coefficients are relatively small.</a:t>
-            </a:r>
-          </a:p>
-          <a:p>
-            <a:pPr marL="342900" indent="-342900">
-              <a:spcBef>
-                <a:spcPts val="600"/>
-              </a:spcBef>
-              <a:spcAft>
-                <a:spcPts val="600"/>
-              </a:spcAft>
-              <a:buFont typeface="Arial" panose="020B0604020202020204" pitchFamily="34" charset="0"/>
-              <a:buChar char="•"/>
-            </a:pPr>
-            <a:r>
-              <a:rPr lang="en-US" sz="2400" dirty="0"/>
-              <a:t>We believe that acidity </a:t>
             </a:r>
           </a:p>
         </p:txBody>
@@ -4381,84 +4365,37 @@
           </p:spPr>
         </p:pic>
       </p:grpSp>
-      <p:grpSp>
-        <p:nvGrpSpPr>
-          <p:cNvPr id="73" name="Group 72">
+      <p:sp>
+        <p:nvSpPr>
+          <p:cNvPr id="75" name="TextBox 74">
             <a:extLst>
               <a:ext uri="{FF2B5EF4-FFF2-40B4-BE49-F238E27FC236}">
-                <a16:creationId xmlns:a16="http://schemas.microsoft.com/office/drawing/2014/main" id="{3AD273E8-0FC9-49A8-A4FC-28DFC3790D90}"/>
+                <a16:creationId xmlns:a16="http://schemas.microsoft.com/office/drawing/2014/main" id="{DCDD2CD7-E88E-458A-BEB6-3B170D5C6FA6}"/>
               </a:ext>
             </a:extLst>
           </p:cNvPr>
-          <p:cNvGrpSpPr/>
+          <p:cNvSpPr txBox="1"/>
           <p:nvPr/>
-        </p:nvGrpSpPr>
-        <p:grpSpPr>
+        </p:nvSpPr>
+        <p:spPr>
           <a:xfrm>
-            <a:off x="11898630" y="3639635"/>
-            <a:ext cx="20093940" cy="5056296"/>
-            <a:chOff x="12031980" y="3630894"/>
-            <a:chExt cx="20093940" cy="5499299"/>
+            <a:off x="16700872" y="3639635"/>
+            <a:ext cx="10103242" cy="1107996"/>
           </a:xfrm>
-        </p:grpSpPr>
-        <p:sp>
-          <p:nvSpPr>
-            <p:cNvPr id="75" name="TextBox 74">
-              <a:extLst>
-                <a:ext uri="{FF2B5EF4-FFF2-40B4-BE49-F238E27FC236}">
-                  <a16:creationId xmlns:a16="http://schemas.microsoft.com/office/drawing/2014/main" id="{DCDD2CD7-E88E-458A-BEB6-3B170D5C6FA6}"/>
-                </a:ext>
-              </a:extLst>
-            </p:cNvPr>
-            <p:cNvSpPr txBox="1"/>
-            <p:nvPr/>
-          </p:nvSpPr>
-          <p:spPr>
-            <a:xfrm>
-              <a:off x="16834222" y="3630894"/>
-              <a:ext cx="10103242" cy="1205072"/>
-            </a:xfrm>
-            <a:prstGeom prst="rect">
-              <a:avLst/>
-            </a:prstGeom>
-            <a:noFill/>
-          </p:spPr>
-          <p:txBody>
-            <a:bodyPr wrap="square" rtlCol="0">
-              <a:spAutoFit/>
-            </a:bodyPr>
-            <a:lstStyle/>
-            <a:p>
-              <a:pPr algn="ctr"/>
-              <a:r>
-                <a:rPr lang="en-US" sz="6600" b="1" u="sng" dirty="0">
-                  <a:solidFill>
-                    <a:schemeClr val="tx1">
-                      <a:lumMod val="65000"/>
-                      <a:lumOff val="35000"/>
-                    </a:schemeClr>
-                  </a:solidFill>
-                  <a:highlight>
-                    <a:srgbClr val="EAEAEA"/>
-                  </a:highlight>
-                </a:rPr>
-                <a:t>W</a:t>
-              </a:r>
-              <a:r>
-                <a:rPr lang="en-US" sz="4400" b="1" u="sng" dirty="0">
-                  <a:solidFill>
-                    <a:schemeClr val="tx1">
-                      <a:lumMod val="65000"/>
-                      <a:lumOff val="35000"/>
-                    </a:schemeClr>
-                  </a:solidFill>
-                  <a:highlight>
-                    <a:srgbClr val="EAEAEA"/>
-                  </a:highlight>
-                </a:rPr>
-                <a:t>hat Makes a Good Glass of Wine</a:t>
-              </a:r>
-              <a:endParaRPr lang="en-US" sz="1600" b="1" u="sng" dirty="0">
+          <a:prstGeom prst="rect">
+            <a:avLst/>
+          </a:prstGeom>
+          <a:noFill/>
+        </p:spPr>
+        <p:txBody>
+          <a:bodyPr wrap="square" rtlCol="0">
+            <a:spAutoFit/>
+          </a:bodyPr>
+          <a:lstStyle/>
+          <a:p>
+            <a:pPr algn="ctr"/>
+            <a:r>
+              <a:rPr lang="en-US" sz="6600" b="1" u="sng" dirty="0">
                 <a:solidFill>
                   <a:schemeClr val="tx1">
                     <a:lumMod val="65000"/>
@@ -4468,120 +4405,37 @@
                 <a:highlight>
                   <a:srgbClr val="EAEAEA"/>
                 </a:highlight>
-              </a:endParaRPr>
-            </a:p>
-          </p:txBody>
-        </p:sp>
-        <p:sp>
-          <p:nvSpPr>
-            <p:cNvPr id="80" name="Rectangle 79">
-              <a:extLst>
-                <a:ext uri="{FF2B5EF4-FFF2-40B4-BE49-F238E27FC236}">
-                  <a16:creationId xmlns:a16="http://schemas.microsoft.com/office/drawing/2014/main" id="{0261F5EA-43A9-4455-9B15-6C3EBE43A29D}"/>
-                </a:ext>
-              </a:extLst>
-            </p:cNvPr>
-            <p:cNvSpPr/>
-            <p:nvPr/>
-          </p:nvSpPr>
-          <p:spPr>
-            <a:xfrm>
-              <a:off x="12031980" y="4678123"/>
-              <a:ext cx="20093940" cy="4452070"/>
-            </a:xfrm>
-            <a:prstGeom prst="rect">
-              <a:avLst/>
-            </a:prstGeom>
-          </p:spPr>
-          <p:txBody>
-            <a:bodyPr wrap="square">
-              <a:spAutoFit/>
-            </a:bodyPr>
-            <a:lstStyle/>
-            <a:p>
-              <a:r>
-                <a:rPr lang="en-US" sz="2400" dirty="0"/>
-                <a:t>Project Goal: </a:t>
-              </a:r>
-              <a:r>
-                <a:rPr lang="en-US" sz="2400" b="1" dirty="0"/>
-                <a:t>Explanation</a:t>
-              </a:r>
-              <a:r>
-                <a:rPr lang="en-US" sz="2400" dirty="0"/>
-                <a:t>. </a:t>
-              </a:r>
-            </a:p>
-            <a:p>
-              <a:r>
-                <a:rPr lang="en-US" sz="2400" dirty="0"/>
-                <a:t>To identify variables that are important in explaining variation in the response.</a:t>
-              </a:r>
-            </a:p>
-            <a:p>
-              <a:endParaRPr lang="en-US" sz="2400" dirty="0"/>
-            </a:p>
-            <a:p>
-              <a:r>
-                <a:rPr lang="en-US" sz="2400" dirty="0"/>
-                <a:t>We are interested in </a:t>
-              </a:r>
-              <a:r>
-                <a:rPr lang="en-US" sz="2400" b="1" dirty="0"/>
-                <a:t>researching what factors contribute to the quality of wine for different types of red </a:t>
-              </a:r>
-              <a:r>
-                <a:rPr lang="en-US" sz="2400" b="1" dirty="0" err="1"/>
-                <a:t>vinho</a:t>
-              </a:r>
-              <a:r>
-                <a:rPr lang="en-US" sz="2400" b="1" dirty="0"/>
-                <a:t> </a:t>
-              </a:r>
-              <a:r>
-                <a:rPr lang="en-US" sz="2400" b="1" dirty="0" err="1"/>
-                <a:t>verde</a:t>
-              </a:r>
-              <a:r>
-                <a:rPr lang="en-US" sz="2400" b="1" dirty="0"/>
-                <a:t> from Portugal</a:t>
-              </a:r>
-            </a:p>
-            <a:p>
-              <a:endParaRPr lang="en-US" sz="2000" dirty="0"/>
-            </a:p>
-            <a:p>
-              <a:r>
-                <a:rPr lang="en-US" sz="2400" dirty="0"/>
-                <a:t>What makes good glass of wine? How do wine experts evaluate whether a wine satiate human palettes? We picked red </a:t>
-              </a:r>
-              <a:r>
-                <a:rPr lang="en-US" sz="2400" dirty="0" err="1"/>
-                <a:t>vinho</a:t>
-              </a:r>
-              <a:r>
-                <a:rPr lang="en-US" sz="2400" dirty="0"/>
-                <a:t> </a:t>
-              </a:r>
-              <a:r>
-                <a:rPr lang="en-US" sz="2400" dirty="0" err="1"/>
-                <a:t>verde</a:t>
-              </a:r>
-              <a:r>
-                <a:rPr lang="en-US" sz="2400" dirty="0"/>
-                <a:t> from Portugal to conduct our research. The data set in this research was used to predict quality of wine for future wine certification, complementary to human wine tasters, in the paper we cited. We believe that this dataset can also be used to analyze what chemical factors are attributable to the final rating of wine. Understanding what makes a good wine may shed light on future directions for chemical methods that could improve/preserve wine quality.</a:t>
-              </a:r>
-              <a:br>
-                <a:rPr lang="en-US" sz="2400" dirty="0"/>
-              </a:br>
-              <a:br>
-                <a:rPr lang="en-US" sz="2400" dirty="0"/>
-              </a:br>
-              <a:endParaRPr lang="en-US" sz="2400" dirty="0"/>
-            </a:p>
-          </p:txBody>
-        </p:sp>
-      </p:grpSp>
+              </a:rPr>
+              <a:t>W</a:t>
+            </a:r>
+            <a:r>
+              <a:rPr lang="en-US" sz="4400" b="1" u="sng" dirty="0">
+                <a:solidFill>
+                  <a:schemeClr val="tx1">
+                    <a:lumMod val="65000"/>
+                    <a:lumOff val="35000"/>
+                  </a:schemeClr>
+                </a:solidFill>
+                <a:highlight>
+                  <a:srgbClr val="EAEAEA"/>
+                </a:highlight>
+              </a:rPr>
+              <a:t>hat Makes a Good Glass of Wine</a:t>
+            </a:r>
+            <a:endParaRPr lang="en-US" sz="1600" b="1" u="sng" dirty="0">
+              <a:solidFill>
+                <a:schemeClr val="tx1">
+                  <a:lumMod val="65000"/>
+                  <a:lumOff val="35000"/>
+                </a:schemeClr>
+              </a:solidFill>
+              <a:highlight>
+                <a:srgbClr val="EAEAEA"/>
+              </a:highlight>
+            </a:endParaRPr>
+          </a:p>
+        </p:txBody>
+      </p:sp>
       <p:grpSp>
         <p:nvGrpSpPr>
           <p:cNvPr id="95" name="Group 94">
@@ -6379,166 +6233,6 @@
           </p:cxnSp>
         </p:grpSp>
       </p:grpSp>
-      <p:sp>
-        <p:nvSpPr>
-          <p:cNvPr id="98" name="TextBox 97">
-            <a:extLst>
-              <a:ext uri="{FF2B5EF4-FFF2-40B4-BE49-F238E27FC236}">
-                <a16:creationId xmlns:a16="http://schemas.microsoft.com/office/drawing/2014/main" id="{3BE03F03-6DB6-4453-83CA-EC7DDD95A7B5}"/>
-              </a:ext>
-            </a:extLst>
-          </p:cNvPr>
-          <p:cNvSpPr txBox="1"/>
-          <p:nvPr/>
-        </p:nvSpPr>
-        <p:spPr>
-          <a:xfrm>
-            <a:off x="155416" y="25846644"/>
-            <a:ext cx="10862007" cy="5062924"/>
-          </a:xfrm>
-          <a:prstGeom prst="rect">
-            <a:avLst/>
-          </a:prstGeom>
-          <a:noFill/>
-        </p:spPr>
-        <p:txBody>
-          <a:bodyPr wrap="square" rtlCol="0">
-            <a:spAutoFit/>
-          </a:bodyPr>
-          <a:lstStyle/>
-          <a:p>
-            <a:pPr marL="342900" indent="-342900">
-              <a:spcBef>
-                <a:spcPts val="600"/>
-              </a:spcBef>
-              <a:spcAft>
-                <a:spcPts val="600"/>
-              </a:spcAft>
-              <a:buFont typeface="Arial" panose="020B0604020202020204" pitchFamily="34" charset="0"/>
-              <a:buChar char="•"/>
-            </a:pPr>
-            <a:r>
-              <a:rPr lang="en-US" sz="2400" b="1" dirty="0">
-                <a:highlight>
-                  <a:srgbClr val="C1CBD1"/>
-                </a:highlight>
-              </a:rPr>
-              <a:t>Alcohol level</a:t>
-            </a:r>
-            <a:r>
-              <a:rPr lang="en-US" sz="2400" dirty="0"/>
-              <a:t>, </a:t>
-            </a:r>
-            <a:r>
-              <a:rPr lang="en-US" sz="2400" b="1" dirty="0">
-                <a:highlight>
-                  <a:srgbClr val="C1CBD1"/>
-                </a:highlight>
-              </a:rPr>
-              <a:t>acetic acid level</a:t>
-            </a:r>
-            <a:r>
-              <a:rPr lang="en-US" sz="2400" dirty="0"/>
-              <a:t>, and </a:t>
-            </a:r>
-            <a:r>
-              <a:rPr lang="en-US" sz="2400" b="1" dirty="0">
-                <a:highlight>
-                  <a:srgbClr val="C1CBD1"/>
-                </a:highlight>
-              </a:rPr>
-              <a:t>sulfate level </a:t>
-            </a:r>
-            <a:r>
-              <a:rPr lang="en-US" sz="2400" dirty="0"/>
-              <a:t>are the strongest explaining variables for quality with largest magnitude of test statistic. </a:t>
-            </a:r>
-          </a:p>
-          <a:p>
-            <a:pPr marL="342900" indent="-342900">
-              <a:spcBef>
-                <a:spcPts val="600"/>
-              </a:spcBef>
-              <a:spcAft>
-                <a:spcPts val="600"/>
-              </a:spcAft>
-              <a:buFont typeface="Arial" panose="020B0604020202020204" pitchFamily="34" charset="0"/>
-              <a:buChar char="•"/>
-            </a:pPr>
-            <a:r>
-              <a:rPr lang="en-US" sz="2400" dirty="0"/>
-              <a:t>During modeling process, we tried to log transform sulfate level as we discovered nonrandom patterns in binned residual plot for </a:t>
-            </a:r>
-            <a:r>
-              <a:rPr lang="en-US" sz="2400" dirty="0" err="1"/>
-              <a:t>sulphatesCent</a:t>
-            </a:r>
-            <a:r>
-              <a:rPr lang="en-US" sz="2400" dirty="0"/>
-              <a:t>, but they still exist after log transformations. We believe that the patterns are partly caused by mid-quality wines dominating the model. </a:t>
-            </a:r>
-          </a:p>
-          <a:p>
-            <a:pPr marL="342900" indent="-342900">
-              <a:spcBef>
-                <a:spcPts val="600"/>
-              </a:spcBef>
-              <a:spcAft>
-                <a:spcPts val="600"/>
-              </a:spcAft>
-              <a:buFont typeface="Arial" panose="020B0604020202020204" pitchFamily="34" charset="0"/>
-              <a:buChar char="•"/>
-            </a:pPr>
-            <a:r>
-              <a:rPr lang="en-US" sz="2400" dirty="0"/>
-              <a:t>The model makes valuable predictions for mid-quality wines as the accuracy rate exceeds 70% for quality=5, 6 and 7. As they are the most common occurring quality for </a:t>
-            </a:r>
-            <a:r>
-              <a:rPr lang="en-US" sz="2400" dirty="0" err="1"/>
-              <a:t>vinho</a:t>
-            </a:r>
-            <a:r>
-              <a:rPr lang="en-US" sz="2400" dirty="0"/>
-              <a:t> </a:t>
-            </a:r>
-            <a:r>
-              <a:rPr lang="en-US" sz="2400" dirty="0" err="1"/>
-              <a:t>verde</a:t>
-            </a:r>
-            <a:r>
-              <a:rPr lang="en-US" sz="2400" dirty="0"/>
-              <a:t>, professionals might find this model useful.</a:t>
-            </a:r>
-          </a:p>
-          <a:p>
-            <a:pPr marL="342900" indent="-342900">
-              <a:spcBef>
-                <a:spcPts val="600"/>
-              </a:spcBef>
-              <a:spcAft>
-                <a:spcPts val="600"/>
-              </a:spcAft>
-              <a:buFont typeface="Arial" panose="020B0604020202020204" pitchFamily="34" charset="0"/>
-              <a:buChar char="•"/>
-            </a:pPr>
-            <a:endParaRPr lang="en-US" sz="2400" dirty="0"/>
-          </a:p>
-          <a:p>
-            <a:pPr marL="342900" indent="-342900">
-              <a:buFont typeface="Arial" panose="020B0604020202020204" pitchFamily="34" charset="0"/>
-              <a:buChar char="•"/>
-            </a:pPr>
-            <a:endParaRPr lang="en-US" sz="2400" dirty="0"/>
-          </a:p>
-          <a:p>
-            <a:pPr marL="342900" indent="-342900">
-              <a:buFont typeface="Arial" panose="020B0604020202020204" pitchFamily="34" charset="0"/>
-              <a:buChar char="•"/>
-            </a:pPr>
-            <a:endParaRPr lang="en-US" sz="2400" dirty="0"/>
-          </a:p>
-        </p:txBody>
-      </p:sp>
       <p:sp>
         <p:nvSpPr>
           <p:cNvPr id="103" name="TextBox 102">
@@ -9103,6 +8797,275 @@
           </a:p>
         </p:txBody>
       </p:sp>
+      <p:sp>
+        <p:nvSpPr>
+          <p:cNvPr id="133" name="Rectangle 132">
+            <a:extLst>
+              <a:ext uri="{FF2B5EF4-FFF2-40B4-BE49-F238E27FC236}">
+                <a16:creationId xmlns:a16="http://schemas.microsoft.com/office/drawing/2014/main" id="{8D6807BB-1C0D-4DC6-9EED-916F486E7CAA}"/>
+              </a:ext>
+            </a:extLst>
+          </p:cNvPr>
+          <p:cNvSpPr/>
+          <p:nvPr/>
+        </p:nvSpPr>
+        <p:spPr>
+          <a:xfrm>
+            <a:off x="11898630" y="4602503"/>
+            <a:ext cx="20093940" cy="4462760"/>
+          </a:xfrm>
+          <a:prstGeom prst="rect">
+            <a:avLst/>
+          </a:prstGeom>
+        </p:spPr>
+        <p:txBody>
+          <a:bodyPr wrap="square">
+            <a:spAutoFit/>
+          </a:bodyPr>
+          <a:lstStyle/>
+          <a:p>
+            <a:r>
+              <a:rPr lang="en-US" sz="2400" dirty="0"/>
+              <a:t>Project Goal: </a:t>
+            </a:r>
+            <a:r>
+              <a:rPr lang="en-US" sz="2400" b="1" dirty="0"/>
+              <a:t>Explanation</a:t>
+            </a:r>
+            <a:r>
+              <a:rPr lang="en-US" sz="2400" dirty="0"/>
+              <a:t>. </a:t>
+            </a:r>
+          </a:p>
+          <a:p>
+            <a:r>
+              <a:rPr lang="en-US" sz="2400" dirty="0"/>
+              <a:t>To identify variables that are important in explaining variation in the response.</a:t>
+            </a:r>
+          </a:p>
+          <a:p>
+            <a:endParaRPr lang="en-US" sz="2400" dirty="0"/>
+          </a:p>
+          <a:p>
+            <a:r>
+              <a:rPr lang="en-US" sz="2400" dirty="0"/>
+              <a:t>We are interested in </a:t>
+            </a:r>
+            <a:r>
+              <a:rPr lang="en-US" sz="2400" b="1" dirty="0"/>
+              <a:t>researching what factors contribute to the quality of wine for different types of red </a:t>
+            </a:r>
+            <a:r>
+              <a:rPr lang="en-US" sz="2400" b="1" dirty="0" err="1"/>
+              <a:t>vinho</a:t>
+            </a:r>
+            <a:r>
+              <a:rPr lang="en-US" sz="2400" b="1" dirty="0"/>
+              <a:t> </a:t>
+            </a:r>
+            <a:r>
+              <a:rPr lang="en-US" sz="2400" b="1" dirty="0" err="1"/>
+              <a:t>verde</a:t>
+            </a:r>
+            <a:r>
+              <a:rPr lang="en-US" sz="2400" b="1" dirty="0"/>
+              <a:t> from Portugal.</a:t>
+            </a:r>
+          </a:p>
+          <a:p>
+            <a:endParaRPr lang="en-US" sz="2000" dirty="0"/>
+          </a:p>
+          <a:p>
+            <a:r>
+              <a:rPr lang="en-US" sz="2400" dirty="0"/>
+              <a:t>What makes a good glass of wine? How do wine experts evaluate whether a wine satiates human palettes? We picked red </a:t>
+            </a:r>
+            <a:r>
+              <a:rPr lang="en-US" sz="2400" dirty="0" err="1"/>
+              <a:t>vinho</a:t>
+            </a:r>
+            <a:r>
+              <a:rPr lang="en-US" sz="2400" dirty="0"/>
+              <a:t> </a:t>
+            </a:r>
+            <a:r>
+              <a:rPr lang="en-US" sz="2400" dirty="0" err="1"/>
+              <a:t>verde</a:t>
+            </a:r>
+            <a:r>
+              <a:rPr lang="en-US" sz="2400" dirty="0"/>
+              <a:t> from Portugal as the wine of interest for our research. The data set in this research was used to predict the quality of wine for future wine certification, complementary to human wine tasters, in the paper we cited. We believe that this data set can also be used to analyze what chemical factors are attributable to the final rating of wine on a scale of 0 to 10. Understanding what makes a good wine may shed light on future directions for chemical methods that could improve/preserve wine quality.</a:t>
+            </a:r>
+            <a:br>
+              <a:rPr lang="en-US" sz="2400" dirty="0"/>
+            </a:br>
+            <a:br>
+              <a:rPr lang="en-US" sz="2400" dirty="0"/>
+            </a:br>
+            <a:endParaRPr lang="en-US" sz="2400" dirty="0"/>
+          </a:p>
+        </p:txBody>
+      </p:sp>
+      <p:sp>
+        <p:nvSpPr>
+          <p:cNvPr id="134" name="TextBox 133">
+            <a:extLst>
+              <a:ext uri="{FF2B5EF4-FFF2-40B4-BE49-F238E27FC236}">
+                <a16:creationId xmlns:a16="http://schemas.microsoft.com/office/drawing/2014/main" id="{AD5373C9-C065-4A20-9D14-5C751A561FBC}"/>
+              </a:ext>
+            </a:extLst>
+          </p:cNvPr>
+          <p:cNvSpPr txBox="1"/>
+          <p:nvPr/>
+        </p:nvSpPr>
+        <p:spPr>
+          <a:xfrm>
+            <a:off x="155416" y="26202685"/>
+            <a:ext cx="10862007" cy="5062924"/>
+          </a:xfrm>
+          <a:prstGeom prst="rect">
+            <a:avLst/>
+          </a:prstGeom>
+          <a:noFill/>
+        </p:spPr>
+        <p:txBody>
+          <a:bodyPr wrap="square" rtlCol="0">
+            <a:spAutoFit/>
+          </a:bodyPr>
+          <a:lstStyle/>
+          <a:p>
+            <a:pPr marL="342900" indent="-342900">
+              <a:spcBef>
+                <a:spcPts val="600"/>
+              </a:spcBef>
+              <a:spcAft>
+                <a:spcPts val="600"/>
+              </a:spcAft>
+              <a:buFont typeface="Arial" panose="020B0604020202020204" pitchFamily="34" charset="0"/>
+              <a:buChar char="•"/>
+            </a:pPr>
+            <a:r>
+              <a:rPr lang="en-US" sz="2400" b="1" dirty="0">
+                <a:highlight>
+                  <a:srgbClr val="C1CBD1"/>
+                </a:highlight>
+              </a:rPr>
+              <a:t>Alcohol level</a:t>
+            </a:r>
+            <a:r>
+              <a:rPr lang="en-US" sz="2400" dirty="0"/>
+              <a:t>, </a:t>
+            </a:r>
+            <a:r>
+              <a:rPr lang="en-US" sz="2400" b="1" dirty="0">
+                <a:highlight>
+                  <a:srgbClr val="C1CBD1"/>
+                </a:highlight>
+              </a:rPr>
+              <a:t>acetic acid level</a:t>
+            </a:r>
+            <a:r>
+              <a:rPr lang="en-US" sz="2400" dirty="0"/>
+              <a:t>, and </a:t>
+            </a:r>
+            <a:r>
+              <a:rPr lang="en-US" sz="2400" b="1" dirty="0">
+                <a:highlight>
+                  <a:srgbClr val="C1CBD1"/>
+                </a:highlight>
+              </a:rPr>
+              <a:t>sulfate level </a:t>
+            </a:r>
+            <a:r>
+              <a:rPr lang="en-US" sz="2400" dirty="0"/>
+              <a:t>are the strongest explaining variables for quality with largest magnitude of test statistic. </a:t>
+            </a:r>
+          </a:p>
+          <a:p>
+            <a:pPr marL="342900" indent="-342900">
+              <a:spcBef>
+                <a:spcPts val="600"/>
+              </a:spcBef>
+              <a:spcAft>
+                <a:spcPts val="600"/>
+              </a:spcAft>
+              <a:buFont typeface="Arial" panose="020B0604020202020204" pitchFamily="34" charset="0"/>
+              <a:buChar char="•"/>
+            </a:pPr>
+            <a:r>
+              <a:rPr lang="en-US" sz="2400" dirty="0"/>
+              <a:t>During the modeling process, we tried to log transform sulfate level as we discovered nonrandom patterns in binned residual plot for </a:t>
+            </a:r>
+            <a:r>
+              <a:rPr lang="en-US" sz="2400" dirty="0" err="1"/>
+              <a:t>sulphatesCent</a:t>
+            </a:r>
+            <a:r>
+              <a:rPr lang="en-US" sz="2400" dirty="0"/>
+              <a:t>, but they still exist after log transformations. We believe that the patterns are partly caused by mid-quality wines dominating the model. </a:t>
+            </a:r>
+          </a:p>
+          <a:p>
+            <a:pPr marL="342900" indent="-342900">
+              <a:spcBef>
+                <a:spcPts val="600"/>
+              </a:spcBef>
+              <a:spcAft>
+                <a:spcPts val="600"/>
+              </a:spcAft>
+              <a:buFont typeface="Arial" panose="020B0604020202020204" pitchFamily="34" charset="0"/>
+              <a:buChar char="•"/>
+            </a:pPr>
+            <a:r>
+              <a:rPr lang="en-US" sz="2400" dirty="0"/>
+              <a:t>The model makes valuable predictions for mid-quality wines as the accuracy rate exceeds 70% for quality=5, 6 and 7. As they are the most common occurring quality for </a:t>
+            </a:r>
+            <a:r>
+              <a:rPr lang="en-US" sz="2400" dirty="0" err="1"/>
+              <a:t>vinho</a:t>
+            </a:r>
+            <a:r>
+              <a:rPr lang="en-US" sz="2400" dirty="0"/>
+              <a:t> </a:t>
+            </a:r>
+            <a:r>
+              <a:rPr lang="en-US" sz="2400" dirty="0" err="1"/>
+              <a:t>verde</a:t>
+            </a:r>
+            <a:r>
+              <a:rPr lang="en-US" sz="2400" dirty="0"/>
+              <a:t>, professionals might find this model useful.</a:t>
+            </a:r>
+          </a:p>
+          <a:p>
+            <a:pPr marL="342900" indent="-342900">
+              <a:spcBef>
+                <a:spcPts val="600"/>
+              </a:spcBef>
+              <a:spcAft>
+                <a:spcPts val="600"/>
+              </a:spcAft>
+              <a:buFont typeface="Arial" panose="020B0604020202020204" pitchFamily="34" charset="0"/>
+              <a:buChar char="•"/>
+            </a:pPr>
+            <a:endParaRPr lang="en-US" sz="2400" dirty="0"/>
+          </a:p>
+          <a:p>
+            <a:pPr marL="342900" indent="-342900">
+              <a:buFont typeface="Arial" panose="020B0604020202020204" pitchFamily="34" charset="0"/>
+              <a:buChar char="•"/>
+            </a:pPr>
+            <a:endParaRPr lang="en-US" sz="2400" dirty="0"/>
+          </a:p>
+          <a:p>
+            <a:pPr marL="342900" indent="-342900">
+              <a:buFont typeface="Arial" panose="020B0604020202020204" pitchFamily="34" charset="0"/>
+              <a:buChar char="•"/>
+            </a:pPr>
+            <a:endParaRPr lang="en-US" sz="2400" dirty="0"/>
+          </a:p>
+        </p:txBody>
+      </p:sp>
     </p:spTree>
   </p:cSld>
   <p:clrMapOvr>
